--- a/spring13/slides13/total-probability.pptx
+++ b/spring13/slides13/total-probability.pptx
@@ -2064,11 +2064,11 @@
             </a:pPr>
             <a:r>
               <a:rPr lang="en-US" dirty="0" err="1" smtClean="0"/>
-              <a:t>lec</a:t>
+              <a:t>totalprob</a:t>
             </a:r>
             <a:r>
               <a:rPr lang="en-US" dirty="0" smtClean="0"/>
-              <a:t> !2M.</a:t>
+              <a:t>.</a:t>
             </a:r>
             <a:fld id="{B9A0B45D-6AFD-413C-B761-B121FB8BE940}" type="slidenum">
               <a:rPr lang="en-US" smtClean="0"/>
@@ -2086,6 +2086,25 @@
   <p:clrMapOvr>
     <a:masterClrMapping/>
   </p:clrMapOvr>
+  <mc:AlternateContent xmlns:mc="http://schemas.openxmlformats.org/markup-compatibility/2006">
+    <mc:Choice xmlns:p14="http://schemas.microsoft.com/office/powerpoint/2010/main" Requires="p14">
+      <p:transition spd="slow" p14:dur="900" advClick="0">
+        <p:fade/>
+      </p:transition>
+    </mc:Choice>
+    <mc:Fallback>
+      <p:transition xmlns:p14="http://schemas.microsoft.com/office/powerpoint/2010/main" spd="slow" advClick="0">
+        <p:fade/>
+      </p:transition>
+    </mc:Fallback>
+  </mc:AlternateContent>
+  <p:timing>
+    <p:tnLst>
+      <p:par>
+        <p:cTn xmlns:p14="http://schemas.microsoft.com/office/powerpoint/2010/main" id="1" dur="indefinite" restart="never" nodeType="tmRoot"/>
+      </p:par>
+    </p:tnLst>
+  </p:timing>
 </p:sldLayout>
 </file>
 
@@ -2231,11 +2250,11 @@
             </a:pPr>
             <a:r>
               <a:rPr lang="en-US" dirty="0" err="1" smtClean="0"/>
-              <a:t>lec</a:t>
+              <a:t>totalprob</a:t>
             </a:r>
             <a:r>
               <a:rPr lang="en-US" dirty="0" smtClean="0"/>
-              <a:t> !2M.</a:t>
+              <a:t>.</a:t>
             </a:r>
             <a:fld id="{B9A0B45D-6AFD-413C-B761-B121FB8BE940}" type="slidenum">
               <a:rPr lang="en-US" smtClean="0"/>
@@ -2253,6 +2272,18 @@
   <p:clrMapOvr>
     <a:masterClrMapping/>
   </p:clrMapOvr>
+  <mc:AlternateContent xmlns:mc="http://schemas.openxmlformats.org/markup-compatibility/2006">
+    <mc:Choice xmlns:p14="http://schemas.microsoft.com/office/powerpoint/2010/main" Requires="p14">
+      <p:transition spd="slow" p14:dur="900" advClick="0">
+        <p:fade/>
+      </p:transition>
+    </mc:Choice>
+    <mc:Fallback>
+      <p:transition xmlns:p14="http://schemas.microsoft.com/office/powerpoint/2010/main" spd="slow" advClick="0">
+        <p:fade/>
+      </p:transition>
+    </mc:Fallback>
+  </mc:AlternateContent>
   <p:timing>
     <p:tnLst>
       <p:par>
@@ -2353,11 +2384,11 @@
             </a:pPr>
             <a:r>
               <a:rPr lang="en-US" dirty="0" err="1" smtClean="0"/>
-              <a:t>lec</a:t>
+              <a:t>totalprob</a:t>
             </a:r>
             <a:r>
               <a:rPr lang="en-US" dirty="0" smtClean="0"/>
-              <a:t> !2M.</a:t>
+              <a:t>.</a:t>
             </a:r>
             <a:fld id="{B9A0B45D-6AFD-413C-B761-B121FB8BE940}" type="slidenum">
               <a:rPr lang="en-US" smtClean="0"/>
@@ -2375,6 +2406,18 @@
   <p:clrMapOvr>
     <a:masterClrMapping/>
   </p:clrMapOvr>
+  <mc:AlternateContent xmlns:mc="http://schemas.openxmlformats.org/markup-compatibility/2006">
+    <mc:Choice xmlns:p14="http://schemas.microsoft.com/office/powerpoint/2010/main" Requires="p14">
+      <p:transition spd="slow" p14:dur="900" advClick="0">
+        <p:fade/>
+      </p:transition>
+    </mc:Choice>
+    <mc:Fallback>
+      <p:transition xmlns:p14="http://schemas.microsoft.com/office/powerpoint/2010/main" spd="slow" advClick="0">
+        <p:fade/>
+      </p:transition>
+    </mc:Fallback>
+  </mc:AlternateContent>
 </p:sldLayout>
 </file>
 
@@ -2441,11 +2484,11 @@
             </a:pPr>
             <a:r>
               <a:rPr lang="en-US" dirty="0" err="1" smtClean="0"/>
-              <a:t>lec</a:t>
+              <a:t>totalprob</a:t>
             </a:r>
             <a:r>
               <a:rPr lang="en-US" dirty="0" smtClean="0"/>
-              <a:t> !2M.</a:t>
+              <a:t>.</a:t>
             </a:r>
             <a:fld id="{B9A0B45D-6AFD-413C-B761-B121FB8BE940}" type="slidenum">
               <a:rPr lang="en-US" smtClean="0"/>
@@ -2463,6 +2506,18 @@
   <p:clrMapOvr>
     <a:masterClrMapping/>
   </p:clrMapOvr>
+  <mc:AlternateContent xmlns:mc="http://schemas.openxmlformats.org/markup-compatibility/2006">
+    <mc:Choice xmlns:p14="http://schemas.microsoft.com/office/powerpoint/2010/main" Requires="p14">
+      <p:transition spd="slow" p14:dur="900" advClick="0">
+        <p:fade/>
+      </p:transition>
+    </mc:Choice>
+    <mc:Fallback>
+      <p:transition xmlns:p14="http://schemas.microsoft.com/office/powerpoint/2010/main" spd="slow" advClick="0">
+        <p:fade/>
+      </p:transition>
+    </mc:Fallback>
+  </mc:AlternateContent>
 </p:sldLayout>
 </file>
 
@@ -2671,11 +2726,11 @@
             </a:pPr>
             <a:r>
               <a:rPr lang="en-US" dirty="0" err="1" smtClean="0"/>
-              <a:t>lec</a:t>
+              <a:t>totalprob</a:t>
             </a:r>
             <a:r>
               <a:rPr lang="en-US" dirty="0" smtClean="0"/>
-              <a:t> !2M.</a:t>
+              <a:t>.</a:t>
             </a:r>
             <a:fld id="{B9A0B45D-6AFD-413C-B761-B121FB8BE940}" type="slidenum">
               <a:rPr lang="en-US" smtClean="0"/>
@@ -2693,6 +2748,18 @@
   <p:clrMapOvr>
     <a:masterClrMapping/>
   </p:clrMapOvr>
+  <mc:AlternateContent xmlns:mc="http://schemas.openxmlformats.org/markup-compatibility/2006">
+    <mc:Choice xmlns:p14="http://schemas.microsoft.com/office/powerpoint/2010/main" Requires="p14">
+      <p:transition spd="slow" p14:dur="900" advClick="0">
+        <p:fade/>
+      </p:transition>
+    </mc:Choice>
+    <mc:Fallback>
+      <p:transition xmlns:p14="http://schemas.microsoft.com/office/powerpoint/2010/main" spd="slow" advClick="0">
+        <p:fade/>
+      </p:transition>
+    </mc:Fallback>
+  </mc:AlternateContent>
 </p:sldLayout>
 </file>
 
@@ -2882,11 +2949,11 @@
             </a:pPr>
             <a:r>
               <a:rPr lang="en-US" dirty="0" err="1" smtClean="0"/>
-              <a:t>lec</a:t>
+              <a:t>totalprob</a:t>
             </a:r>
             <a:r>
               <a:rPr lang="en-US" dirty="0" smtClean="0"/>
-              <a:t> 12M.</a:t>
+              <a:t>.</a:t>
             </a:r>
             <a:fld id="{B9A0B45D-6AFD-413C-B761-B121FB8BE940}" type="slidenum">
               <a:rPr lang="en-US" smtClean="0"/>
@@ -2982,7 +3049,22 @@
                 <a:uFillTx/>
                 <a:latin typeface="Comic Sans MS" pitchFamily="66" charset="0"/>
               </a:rPr>
-              <a:t>Albert R Meyer,            April 30, 2012</a:t>
+              <a:t>Albert R Meyer,            </a:t>
+            </a:r>
+            <a:r>
+              <a:rPr kumimoji="0" lang="en-US" sz="1200" b="0" i="0" u="none" strike="noStrike" kern="1200" cap="none" spc="0" normalizeH="0" baseline="0" noProof="0" dirty="0" smtClean="0">
+                <a:ln>
+                  <a:noFill/>
+                </a:ln>
+                <a:solidFill>
+                  <a:schemeClr val="tx1"/>
+                </a:solidFill>
+                <a:effectLst/>
+                <a:uLnTx/>
+                <a:uFillTx/>
+                <a:latin typeface="Comic Sans MS" pitchFamily="66" charset="0"/>
+              </a:rPr>
+              <a:t>May 3, 2013</a:t>
             </a:r>
             <a:endParaRPr kumimoji="0" lang="en-US" sz="1200" b="0" i="0" u="none" strike="noStrike" kern="1200" cap="none" spc="0" normalizeH="0" baseline="0" noProof="0" dirty="0">
               <a:ln>
@@ -3033,6 +3115,18 @@
     <p:sldLayoutId id="2147483679" r:id="rId4"/>
     <p:sldLayoutId id="2147483684" r:id="rId5"/>
   </p:sldLayoutIdLst>
+  <mc:AlternateContent xmlns:mc="http://schemas.openxmlformats.org/markup-compatibility/2006">
+    <mc:Choice xmlns:p14="http://schemas.microsoft.com/office/powerpoint/2010/main" Requires="p14">
+      <p:transition spd="slow" p14:dur="900" advClick="0">
+        <p:fade/>
+      </p:transition>
+    </mc:Choice>
+    <mc:Fallback>
+      <p:transition xmlns:p14="http://schemas.microsoft.com/office/powerpoint/2010/main" spd="slow" advClick="0">
+        <p:fade/>
+      </p:transition>
+    </mc:Fallback>
+  </mc:AlternateContent>
   <p:timing>
     <p:tnLst>
       <p:par>
@@ -3452,12 +3546,12 @@
               <a:defRPr/>
             </a:pPr>
             <a:r>
-              <a:rPr lang="en-US" dirty="0" err="1"/>
-              <a:t>lec</a:t>
+              <a:rPr lang="en-US" dirty="0" err="1" smtClean="0"/>
+              <a:t>totalprob</a:t>
             </a:r>
             <a:r>
               <a:rPr lang="en-US" dirty="0" smtClean="0"/>
-              <a:t> !2M.</a:t>
+              <a:t>.</a:t>
             </a:r>
             <a:fld id="{B7DC7BFF-89A2-4DCB-9AA1-7530640AAA05}" type="slidenum">
               <a:rPr lang="en-US" smtClean="0"/>
@@ -3645,7 +3739,7 @@
                 <a:ea typeface="+mn-ea"/>
                 <a:cs typeface="+mn-cs"/>
               </a:rPr>
-              <a:t>lec</a:t>
+              <a:t>totalprob</a:t>
             </a:r>
             <a:r>
               <a:rPr kumimoji="0" lang="en-US" sz="1200" b="0" i="0" u="none" strike="noStrike" kern="1200" cap="none" spc="0" normalizeH="0" baseline="0" noProof="0" dirty="0" smtClean="0">
@@ -3662,7 +3756,7 @@
                 <a:ea typeface="+mn-ea"/>
                 <a:cs typeface="+mn-cs"/>
               </a:rPr>
-              <a:t> !2M.</a:t>
+              <a:t>.</a:t>
             </a:r>
             <a:fld id="{B9A0B45D-6AFD-413C-B761-B121FB8BE940}" type="slidenum">
               <a:rPr kumimoji="0" lang="en-US" sz="1200" b="0" i="0" u="none" strike="noStrike" kern="1200" cap="none" spc="0" normalizeH="0" baseline="0" noProof="0" smtClean="0">
@@ -3715,39 +3809,19 @@
           </a:p>
         </p:txBody>
       </p:sp>
-      <p:sp>
-        <p:nvSpPr>
-          <p:cNvPr id="2" name="TextBox 1"/>
-          <p:cNvSpPr txBox="1"/>
-          <p:nvPr/>
-        </p:nvSpPr>
-        <p:spPr>
-          <a:xfrm>
-            <a:off x="7801429" y="5430762"/>
-            <a:ext cx="184666" cy="769441"/>
-          </a:xfrm>
-          <a:prstGeom prst="rect">
-            <a:avLst/>
-          </a:prstGeom>
-          <a:noFill/>
-        </p:spPr>
-        <p:txBody>
-          <a:bodyPr wrap="none" rtlCol="0">
-            <a:spAutoFit/>
-          </a:bodyPr>
-          <a:lstStyle/>
-          <a:p>
-            <a:endParaRPr lang="en-US" sz="4400" dirty="0" smtClean="0">
-              <a:latin typeface="+mj-lt"/>
-            </a:endParaRPr>
-          </a:p>
-        </p:txBody>
-      </p:sp>
     </p:spTree>
   </p:cSld>
   <p:clrMapOvr>
     <a:masterClrMapping/>
   </p:clrMapOvr>
+  <mc:AlternateContent xmlns:mc="http://schemas.openxmlformats.org/markup-compatibility/2006">
+    <mc:Choice xmlns:p14="http://schemas.microsoft.com/office/powerpoint/2010/main" Requires="p14">
+      <p:transition p14:dur="0" advClick="0"/>
+    </mc:Choice>
+    <mc:Fallback>
+      <p:transition xmlns:p14="http://schemas.microsoft.com/office/powerpoint/2010/main" advClick="0"/>
+    </mc:Fallback>
+  </mc:AlternateContent>
   <p:timing>
     <p:tnLst>
       <p:par>
@@ -3799,12 +3873,12 @@
               <a:defRPr/>
             </a:pPr>
             <a:r>
-              <a:rPr lang="en-US" dirty="0" err="1"/>
-              <a:t>lec</a:t>
+              <a:rPr lang="en-US" dirty="0" err="1" smtClean="0"/>
+              <a:t>totalprob</a:t>
             </a:r>
             <a:r>
               <a:rPr lang="en-US" dirty="0" smtClean="0"/>
-              <a:t> !2M.</a:t>
+              <a:t>.</a:t>
             </a:r>
             <a:fld id="{EAD82470-6C7C-49DD-8212-C557C8A87E2B}" type="slidenum">
               <a:rPr lang="en-US" smtClean="0"/>
@@ -3915,7 +3989,7 @@
                 <a:ea typeface="+mn-ea"/>
                 <a:cs typeface="+mn-cs"/>
               </a:rPr>
-              <a:t>lec</a:t>
+              <a:t>totalprob</a:t>
             </a:r>
             <a:r>
               <a:rPr kumimoji="0" lang="en-US" sz="1200" b="0" i="0" u="none" strike="noStrike" kern="1200" cap="none" spc="0" normalizeH="0" baseline="0" noProof="0" dirty="0" smtClean="0">
@@ -3932,7 +4006,7 @@
                 <a:ea typeface="+mn-ea"/>
                 <a:cs typeface="+mn-cs"/>
               </a:rPr>
-              <a:t> !2M.</a:t>
+              <a:t>.</a:t>
             </a:r>
             <a:fld id="{B9A0B45D-6AFD-413C-B761-B121FB8BE940}" type="slidenum">
               <a:rPr kumimoji="0" lang="en-US" sz="1200" b="0" i="0" u="none" strike="noStrike" kern="1200" cap="none" spc="0" normalizeH="0" baseline="0" noProof="0" smtClean="0">
@@ -4185,7 +4259,7 @@
           <a:graphicData uri="http://schemas.openxmlformats.org/presentationml/2006/ole">
             <mc:AlternateContent xmlns:mc="http://schemas.openxmlformats.org/markup-compatibility/2006">
               <mc:Choice xmlns:v="urn:schemas-microsoft-com:vml" Requires="v">
-                <p:oleObj spid="_x0000_s358407" name="Equation" r:id="rId4" imgW="1727200" imgH="495300" progId="Equation.DSMT4">
+                <p:oleObj spid="_x0000_s358411" name="Equation" r:id="rId4" imgW="1727200" imgH="495300" progId="Equation.DSMT4">
                   <p:embed/>
                 </p:oleObj>
               </mc:Choice>
@@ -4232,12 +4306,12 @@
   </p:clrMapOvr>
   <mc:AlternateContent xmlns:mc="http://schemas.openxmlformats.org/markup-compatibility/2006">
     <mc:Choice xmlns:p14="http://schemas.microsoft.com/office/powerpoint/2010/main" Requires="p14">
-      <p:transition spd="med" p14:dur="700">
+      <p:transition spd="slow" p14:dur="900" advClick="0">
         <p:fade/>
       </p:transition>
     </mc:Choice>
     <mc:Fallback>
-      <p:transition xmlns:p14="http://schemas.microsoft.com/office/powerpoint/2010/main" spd="med">
+      <p:transition xmlns:p14="http://schemas.microsoft.com/office/powerpoint/2010/main" spd="slow" advClick="0">
         <p:fade/>
       </p:transition>
     </mc:Fallback>
@@ -4293,12 +4367,12 @@
               <a:defRPr/>
             </a:pPr>
             <a:r>
-              <a:rPr lang="en-US" dirty="0" err="1"/>
-              <a:t>lec</a:t>
+              <a:rPr lang="en-US" dirty="0" err="1" smtClean="0"/>
+              <a:t>totalprob</a:t>
             </a:r>
             <a:r>
               <a:rPr lang="en-US" dirty="0" smtClean="0"/>
-              <a:t> !2M.</a:t>
+              <a:t>.</a:t>
             </a:r>
             <a:fld id="{EAD82470-6C7C-49DD-8212-C557C8A87E2B}" type="slidenum">
               <a:rPr lang="en-US" smtClean="0"/>
@@ -4409,7 +4483,7 @@
                 <a:ea typeface="+mn-ea"/>
                 <a:cs typeface="+mn-cs"/>
               </a:rPr>
-              <a:t>lec</a:t>
+              <a:t>totalprob</a:t>
             </a:r>
             <a:r>
               <a:rPr kumimoji="0" lang="en-US" sz="1200" b="0" i="0" u="none" strike="noStrike" kern="1200" cap="none" spc="0" normalizeH="0" baseline="0" noProof="0" dirty="0" smtClean="0">
@@ -4426,7 +4500,7 @@
                 <a:ea typeface="+mn-ea"/>
                 <a:cs typeface="+mn-cs"/>
               </a:rPr>
-              <a:t> !2M.</a:t>
+              <a:t>.</a:t>
             </a:r>
             <a:fld id="{B9A0B45D-6AFD-413C-B761-B121FB8BE940}" type="slidenum">
               <a:rPr kumimoji="0" lang="en-US" sz="1200" b="0" i="0" u="none" strike="noStrike" kern="1200" cap="none" spc="0" normalizeH="0" baseline="0" noProof="0" smtClean="0">
@@ -4679,7 +4753,7 @@
           <a:graphicData uri="http://schemas.openxmlformats.org/presentationml/2006/ole">
             <mc:AlternateContent xmlns:mc="http://schemas.openxmlformats.org/markup-compatibility/2006">
               <mc:Choice xmlns:v="urn:schemas-microsoft-com:vml" Requires="v">
-                <p:oleObj spid="_x0000_s361477" name="Equation" r:id="rId4" imgW="2044700" imgH="495300" progId="Equation.DSMT4">
+                <p:oleObj spid="_x0000_s361481" name="Equation" r:id="rId4" imgW="2044700" imgH="495300" progId="Equation.DSMT4">
                   <p:embed/>
                 </p:oleObj>
               </mc:Choice>
@@ -4726,12 +4800,12 @@
   </p:clrMapOvr>
   <mc:AlternateContent xmlns:mc="http://schemas.openxmlformats.org/markup-compatibility/2006">
     <mc:Choice xmlns:p14="http://schemas.microsoft.com/office/powerpoint/2010/main" Requires="p14">
-      <p:transition spd="med" p14:dur="700">
+      <p:transition spd="slow" p14:dur="900" advClick="0">
         <p:fade/>
       </p:transition>
     </mc:Choice>
     <mc:Fallback>
-      <p:transition xmlns:p14="http://schemas.microsoft.com/office/powerpoint/2010/main" spd="med">
+      <p:transition xmlns:p14="http://schemas.microsoft.com/office/powerpoint/2010/main" spd="slow" advClick="0">
         <p:fade/>
       </p:transition>
     </mc:Fallback>
@@ -4787,12 +4861,12 @@
               <a:defRPr/>
             </a:pPr>
             <a:r>
-              <a:rPr lang="en-US" dirty="0" err="1"/>
-              <a:t>lec</a:t>
+              <a:rPr lang="en-US" dirty="0" err="1" smtClean="0"/>
+              <a:t>totalprob</a:t>
             </a:r>
             <a:r>
               <a:rPr lang="en-US" dirty="0" smtClean="0"/>
-              <a:t> !2M.</a:t>
+              <a:t>.</a:t>
             </a:r>
             <a:fld id="{EAD82470-6C7C-49DD-8212-C557C8A87E2B}" type="slidenum">
               <a:rPr lang="en-US" smtClean="0"/>
@@ -4903,7 +4977,7 @@
                 <a:ea typeface="+mn-ea"/>
                 <a:cs typeface="+mn-cs"/>
               </a:rPr>
-              <a:t>lec</a:t>
+              <a:t>totalprob</a:t>
             </a:r>
             <a:r>
               <a:rPr kumimoji="0" lang="en-US" sz="1200" b="0" i="0" u="none" strike="noStrike" kern="1200" cap="none" spc="0" normalizeH="0" baseline="0" noProof="0" dirty="0" smtClean="0">
@@ -4920,7 +4994,7 @@
                 <a:ea typeface="+mn-ea"/>
                 <a:cs typeface="+mn-cs"/>
               </a:rPr>
-              <a:t> !2M.</a:t>
+              <a:t>.</a:t>
             </a:r>
             <a:fld id="{B9A0B45D-6AFD-413C-B761-B121FB8BE940}" type="slidenum">
               <a:rPr kumimoji="0" lang="en-US" sz="1200" b="0" i="0" u="none" strike="noStrike" kern="1200" cap="none" spc="0" normalizeH="0" baseline="0" noProof="0" smtClean="0">
@@ -5173,7 +5247,7 @@
           <a:graphicData uri="http://schemas.openxmlformats.org/presentationml/2006/ole">
             <mc:AlternateContent xmlns:mc="http://schemas.openxmlformats.org/markup-compatibility/2006">
               <mc:Choice xmlns:v="urn:schemas-microsoft-com:vml" Requires="v">
-                <p:oleObj spid="_x0000_s362505" name="Equation" r:id="rId4" imgW="2044700" imgH="495300" progId="Equation.DSMT4">
+                <p:oleObj spid="_x0000_s362512" name="Equation" r:id="rId4" imgW="2044700" imgH="495300" progId="Equation.DSMT4">
                   <p:embed/>
                 </p:oleObj>
               </mc:Choice>
@@ -5230,7 +5304,7 @@
           <a:graphicData uri="http://schemas.openxmlformats.org/presentationml/2006/ole">
             <mc:AlternateContent xmlns:mc="http://schemas.openxmlformats.org/markup-compatibility/2006">
               <mc:Choice xmlns:v="urn:schemas-microsoft-com:vml" Requires="v">
-                <p:oleObj spid="_x0000_s362506" name="Equation" r:id="rId6" imgW="1308100" imgH="914400" progId="Equation.DSMT4">
+                <p:oleObj spid="_x0000_s362513" name="Equation" r:id="rId6" imgW="1308100" imgH="914400" progId="Equation.DSMT4">
                   <p:embed/>
                 </p:oleObj>
               </mc:Choice>
@@ -5277,12 +5351,12 @@
   </p:clrMapOvr>
   <mc:AlternateContent xmlns:mc="http://schemas.openxmlformats.org/markup-compatibility/2006">
     <mc:Choice xmlns:p14="http://schemas.microsoft.com/office/powerpoint/2010/main" Requires="p14">
-      <p:transition spd="med" p14:dur="700">
+      <p:transition spd="slow" p14:dur="900" advClick="0">
         <p:fade/>
       </p:transition>
     </mc:Choice>
     <mc:Fallback>
-      <p:transition xmlns:p14="http://schemas.microsoft.com/office/powerpoint/2010/main" spd="med">
+      <p:transition xmlns:p14="http://schemas.microsoft.com/office/powerpoint/2010/main" spd="slow" advClick="0">
         <p:fade/>
       </p:transition>
     </mc:Fallback>
@@ -5412,8 +5486,12 @@
               <a:defRPr/>
             </a:pPr>
             <a:r>
-              <a:rPr lang="en-US" smtClean="0"/>
-              <a:t>lec !2M.</a:t>
+              <a:rPr lang="en-US" dirty="0" err="1" smtClean="0"/>
+              <a:t>totalprob</a:t>
+            </a:r>
+            <a:r>
+              <a:rPr lang="en-US" dirty="0" smtClean="0"/>
+              <a:t>.</a:t>
             </a:r>
             <a:fld id="{B9A0B45D-6AFD-413C-B761-B121FB8BE940}" type="slidenum">
               <a:rPr lang="en-US" smtClean="0"/>
@@ -5596,11 +5674,6 @@
               </a:rPr>
               <a:t>TB testing by cases</a:t>
             </a:r>
-            <a:endParaRPr lang="en-US" sz="4000" dirty="0" smtClean="0">
-              <a:solidFill>
-                <a:schemeClr val="tx1"/>
-              </a:solidFill>
-            </a:endParaRPr>
           </a:p>
         </p:txBody>
       </p:sp>
@@ -5613,7 +5686,7 @@
         <p:spPr>
           <a:xfrm>
             <a:off x="355568" y="1379277"/>
-            <a:ext cx="7289375" cy="2308324"/>
+            <a:ext cx="6842438" cy="2308324"/>
           </a:xfrm>
           <a:prstGeom prst="rect">
             <a:avLst/>
@@ -5630,28 +5703,28 @@
             <a:r>
               <a:rPr lang="en-US" sz="4800" dirty="0" smtClean="0">
                 <a:solidFill>
-                  <a:srgbClr val="660066"/>
+                  <a:srgbClr val="000000"/>
                 </a:solidFill>
                 <a:latin typeface="+mj-lt"/>
               </a:rPr>
-              <a:t>So</a:t>
+              <a:t>B</a:t>
             </a:r>
             <a:r>
               <a:rPr lang="en-US" sz="4800" dirty="0" smtClean="0">
                 <a:latin typeface="+mj-lt"/>
               </a:rPr>
-              <a:t>, </a:t>
+              <a:t>ecause </a:t>
             </a:r>
             <a:r>
               <a:rPr lang="en-US" sz="4800" dirty="0" smtClean="0">
                 <a:latin typeface="+mj-lt"/>
               </a:rPr>
-              <a:t>because of </a:t>
+              <a:t>of </a:t>
             </a:r>
             <a:r>
               <a:rPr lang="en-US" sz="4800" dirty="0" smtClean="0">
                 <a:solidFill>
-                  <a:srgbClr val="660066"/>
+                  <a:srgbClr val="000000"/>
                 </a:solidFill>
                 <a:latin typeface="+mj-lt"/>
               </a:rPr>
@@ -5663,36 +5736,21 @@
             <a:r>
               <a:rPr lang="en-US" sz="4800" dirty="0" smtClean="0">
                 <a:solidFill>
-                  <a:srgbClr val="660066"/>
+                  <a:srgbClr val="FF33CC"/>
                 </a:solidFill>
                 <a:latin typeface="+mj-lt"/>
               </a:rPr>
-              <a:t>high false positive rate</a:t>
-            </a:r>
+              <a:t>high false positive rate </a:t>
+            </a:r>
+          </a:p>
+          <a:p>
+            <a:pPr algn="l"/>
             <a:r>
               <a:rPr lang="en-US" sz="4800" dirty="0" smtClean="0">
                 <a:latin typeface="+mj-lt"/>
               </a:rPr>
-              <a:t> </a:t>
-            </a:r>
-          </a:p>
-          <a:p>
-            <a:pPr algn="l"/>
-            <a:r>
-              <a:rPr lang="en-US" sz="4800" dirty="0" smtClean="0">
-                <a:latin typeface="+mj-lt"/>
-              </a:rPr>
-              <a:t>compared </a:t>
-            </a:r>
-            <a:r>
-              <a:rPr lang="en-US" sz="4800" dirty="0" smtClean="0">
-                <a:latin typeface="+mj-lt"/>
-              </a:rPr>
-              <a:t>to TB rate, </a:t>
-            </a:r>
-            <a:endParaRPr lang="en-US" sz="4800" dirty="0" smtClean="0">
-              <a:latin typeface="+mj-lt"/>
-            </a:endParaRPr>
+              <a:t>compared to TB rate, </a:t>
+            </a:r>
           </a:p>
         </p:txBody>
       </p:sp>
@@ -5708,13 +5766,13 @@
   </p:clrMapOvr>
   <mc:AlternateContent xmlns:mc="http://schemas.openxmlformats.org/markup-compatibility/2006">
     <mc:Choice xmlns:p14="http://schemas.microsoft.com/office/powerpoint/2010/main" Requires="p14">
-      <p:transition spd="slow" p14:dur="800">
-        <p:fade thruBlk="1"/>
+      <p:transition spd="slow" p14:dur="900" advClick="0">
+        <p:fade/>
       </p:transition>
     </mc:Choice>
     <mc:Fallback>
-      <p:transition xmlns:p14="http://schemas.microsoft.com/office/powerpoint/2010/main" spd="slow">
-        <p:fade thruBlk="1"/>
+      <p:transition xmlns:p14="http://schemas.microsoft.com/office/powerpoint/2010/main" spd="slow" advClick="0">
+        <p:fade/>
       </p:transition>
     </mc:Fallback>
   </mc:AlternateContent>
@@ -5764,8 +5822,12 @@
               <a:defRPr/>
             </a:pPr>
             <a:r>
-              <a:rPr lang="en-US" smtClean="0"/>
-              <a:t>lec !2M.</a:t>
+              <a:rPr lang="en-US" dirty="0" err="1" smtClean="0"/>
+              <a:t>totalprob</a:t>
+            </a:r>
+            <a:r>
+              <a:rPr lang="en-US" dirty="0" smtClean="0"/>
+              <a:t>.</a:t>
             </a:r>
             <a:fld id="{B9A0B45D-6AFD-413C-B761-B121FB8BE940}" type="slidenum">
               <a:rPr lang="en-US" smtClean="0"/>
@@ -5948,11 +6010,6 @@
               </a:rPr>
               <a:t>TB testing by cases</a:t>
             </a:r>
-            <a:endParaRPr lang="en-US" sz="4000" dirty="0" smtClean="0">
-              <a:solidFill>
-                <a:schemeClr val="tx1"/>
-              </a:solidFill>
-            </a:endParaRPr>
           </a:p>
         </p:txBody>
       </p:sp>
@@ -5981,96 +6038,54 @@
             <a:pPr algn="l"/>
             <a:r>
               <a:rPr lang="en-US" sz="4800" dirty="0" smtClean="0">
-                <a:solidFill>
-                  <a:srgbClr val="660066"/>
-                </a:solidFill>
                 <a:latin typeface="+mj-lt"/>
               </a:rPr>
-              <a:t>So</a:t>
+              <a:t>Because </a:t>
             </a:r>
             <a:r>
               <a:rPr lang="en-US" sz="4800" dirty="0" smtClean="0">
                 <a:latin typeface="+mj-lt"/>
               </a:rPr>
-              <a:t>, </a:t>
-            </a:r>
+              <a:t>of relatively</a:t>
+            </a:r>
+          </a:p>
+          <a:p>
+            <a:pPr algn="l"/>
+            <a:r>
+              <a:rPr lang="en-US" sz="4800" dirty="0" smtClean="0">
+                <a:solidFill>
+                  <a:srgbClr val="FF33CC"/>
+                </a:solidFill>
+                <a:latin typeface="+mj-lt"/>
+              </a:rPr>
+              <a:t>high false positive rate </a:t>
+            </a:r>
+          </a:p>
+          <a:p>
+            <a:pPr algn="l"/>
             <a:r>
               <a:rPr lang="en-US" sz="4800" dirty="0" smtClean="0">
                 <a:latin typeface="+mj-lt"/>
               </a:rPr>
-              <a:t>because of </a:t>
-            </a:r>
-            <a:r>
-              <a:rPr lang="en-US" sz="4800" dirty="0" smtClean="0">
-                <a:solidFill>
-                  <a:srgbClr val="660066"/>
-                </a:solidFill>
-                <a:latin typeface="+mj-lt"/>
-              </a:rPr>
-              <a:t>relatively</a:t>
+              <a:t>compared to TB rate, chance </a:t>
             </a:r>
           </a:p>
           <a:p>
             <a:pPr algn="l"/>
             <a:r>
               <a:rPr lang="en-US" sz="4800" dirty="0" smtClean="0">
-                <a:solidFill>
-                  <a:srgbClr val="660066"/>
-                </a:solidFill>
                 <a:latin typeface="+mj-lt"/>
               </a:rPr>
-              <a:t>high false positive rate</a:t>
-            </a:r>
+              <a:t>of having TB even when a </a:t>
+            </a:r>
+          </a:p>
+          <a:p>
+            <a:pPr algn="l"/>
             <a:r>
               <a:rPr lang="en-US" sz="4800" dirty="0" smtClean="0">
                 <a:latin typeface="+mj-lt"/>
               </a:rPr>
-              <a:t> </a:t>
-            </a:r>
-          </a:p>
-          <a:p>
-            <a:pPr algn="l"/>
-            <a:r>
-              <a:rPr lang="en-US" sz="4800" dirty="0" smtClean="0">
-                <a:latin typeface="+mj-lt"/>
-              </a:rPr>
-              <a:t>compared </a:t>
-            </a:r>
-            <a:r>
-              <a:rPr lang="en-US" sz="4800" dirty="0" smtClean="0">
-                <a:latin typeface="+mj-lt"/>
-              </a:rPr>
-              <a:t>to TB rate, chance </a:t>
-            </a:r>
-          </a:p>
-          <a:p>
-            <a:pPr algn="l"/>
-            <a:r>
-              <a:rPr lang="en-US" sz="4800" dirty="0" smtClean="0">
-                <a:latin typeface="+mj-lt"/>
-              </a:rPr>
-              <a:t>of having TB </a:t>
-            </a:r>
-            <a:r>
-              <a:rPr lang="en-US" sz="4800" dirty="0" smtClean="0">
-                <a:latin typeface="+mj-lt"/>
-              </a:rPr>
-              <a:t>even when a </a:t>
-            </a:r>
-          </a:p>
-          <a:p>
-            <a:pPr algn="l"/>
-            <a:r>
-              <a:rPr lang="en-US" sz="4800" dirty="0" smtClean="0">
-                <a:latin typeface="+mj-lt"/>
-              </a:rPr>
-              <a:t>99% accurate test </a:t>
-            </a:r>
-            <a:r>
-              <a:rPr lang="en-US" sz="4800" dirty="0" smtClean="0">
-                <a:latin typeface="+mj-lt"/>
-              </a:rPr>
-              <a:t>says so</a:t>
+              <a:t>99% accurate test says so</a:t>
             </a:r>
           </a:p>
           <a:p>
@@ -6096,9 +6111,6 @@
               </a:rPr>
               <a:t>)!</a:t>
             </a:r>
-            <a:endParaRPr lang="en-US" sz="4800" dirty="0" smtClean="0">
-              <a:latin typeface="+mj-lt"/>
-            </a:endParaRPr>
           </a:p>
         </p:txBody>
       </p:sp>
@@ -6114,12 +6126,12 @@
   </p:clrMapOvr>
   <mc:AlternateContent xmlns:mc="http://schemas.openxmlformats.org/markup-compatibility/2006">
     <mc:Choice xmlns:p14="http://schemas.microsoft.com/office/powerpoint/2010/main" Requires="p14">
-      <p:transition spd="med" p14:dur="700">
+      <p:transition spd="slow" p14:dur="900" advClick="0">
         <p:fade/>
       </p:transition>
     </mc:Choice>
     <mc:Fallback>
-      <p:transition xmlns:p14="http://schemas.microsoft.com/office/powerpoint/2010/main" spd="med">
+      <p:transition xmlns:p14="http://schemas.microsoft.com/office/powerpoint/2010/main" spd="slow" advClick="0">
         <p:fade/>
       </p:transition>
     </mc:Fallback>
@@ -6193,8 +6205,12 @@
               <a:defRPr/>
             </a:pPr>
             <a:r>
-              <a:rPr lang="en-US" smtClean="0"/>
-              <a:t>lec !2M.</a:t>
+              <a:rPr lang="en-US" dirty="0" err="1" smtClean="0"/>
+              <a:t>totalprob</a:t>
+            </a:r>
+            <a:r>
+              <a:rPr lang="en-US" dirty="0" smtClean="0"/>
+              <a:t>.</a:t>
             </a:r>
             <a:fld id="{B9A0B45D-6AFD-413C-B761-B121FB8BE940}" type="slidenum">
               <a:rPr lang="en-US" smtClean="0"/>
@@ -6229,7 +6245,7 @@
           <a:graphicData uri="http://schemas.openxmlformats.org/presentationml/2006/ole">
             <mc:AlternateContent xmlns:mc="http://schemas.openxmlformats.org/markup-compatibility/2006">
               <mc:Choice xmlns:v="urn:schemas-microsoft-com:vml" Requires="v">
-                <p:oleObj spid="_x0000_s365575" name="Equation" r:id="rId3" imgW="2044700" imgH="495300" progId="Equation.DSMT4">
+                <p:oleObj spid="_x0000_s365582" name="Equation" r:id="rId3" imgW="2044700" imgH="495300" progId="Equation.DSMT4">
                   <p:embed/>
                 </p:oleObj>
               </mc:Choice>
@@ -6286,7 +6302,7 @@
           <a:graphicData uri="http://schemas.openxmlformats.org/presentationml/2006/ole">
             <mc:AlternateContent xmlns:mc="http://schemas.openxmlformats.org/markup-compatibility/2006">
               <mc:Choice xmlns:v="urn:schemas-microsoft-com:vml" Requires="v">
-                <p:oleObj spid="_x0000_s365576" name="Equation" r:id="rId5" imgW="1790700" imgH="495300" progId="Equation.DSMT4">
+                <p:oleObj spid="_x0000_s365583" name="Equation" r:id="rId5" imgW="1790700" imgH="495300" progId="Equation.DSMT4">
                   <p:embed/>
                 </p:oleObj>
               </mc:Choice>
@@ -6396,13 +6412,13 @@
   </p:clrMapOvr>
   <mc:AlternateContent xmlns:mc="http://schemas.openxmlformats.org/markup-compatibility/2006">
     <mc:Choice xmlns:p14="http://schemas.microsoft.com/office/powerpoint/2010/main" Requires="p14">
-      <p:transition spd="slow" p14:dur="1200">
-        <p:fade thruBlk="1"/>
+      <p:transition spd="slow" p14:dur="900" advClick="0">
+        <p:fade/>
       </p:transition>
     </mc:Choice>
     <mc:Fallback>
-      <p:transition xmlns:p14="http://schemas.microsoft.com/office/powerpoint/2010/main" spd="slow">
-        <p:fade thruBlk="1"/>
+      <p:transition xmlns:p14="http://schemas.microsoft.com/office/powerpoint/2010/main" spd="slow" advClick="0">
+        <p:fade/>
       </p:transition>
     </mc:Fallback>
   </mc:AlternateContent>
@@ -6427,7 +6443,7 @@
                             </p:stCondLst>
                             <p:childTnLst>
                               <p:par>
-                                <p:cTn id="5" presetID="9" presetClass="entr" presetSubtype="0" fill="hold" grpId="0" nodeType="clickEffect">
+                                <p:cTn id="5" presetID="9" presetClass="entr" presetSubtype="0" fill="hold" nodeType="clickEffect">
                                   <p:stCondLst>
                                     <p:cond delay="0"/>
                                   </p:stCondLst>
@@ -6435,59 +6451,6 @@
                                     <p:set>
                                       <p:cBhvr>
                                         <p:cTn id="6" dur="1" fill="hold">
-                                          <p:stCondLst>
-                                            <p:cond delay="0"/>
-                                          </p:stCondLst>
-                                        </p:cTn>
-                                        <p:tgtEl>
-                                          <p:spTgt spid="2"/>
-                                        </p:tgtEl>
-                                        <p:attrNameLst>
-                                          <p:attrName>style.visibility</p:attrName>
-                                        </p:attrNameLst>
-                                      </p:cBhvr>
-                                      <p:to>
-                                        <p:strVal val="visible"/>
-                                      </p:to>
-                                    </p:set>
-                                    <p:animEffect transition="in" filter="dissolve">
-                                      <p:cBhvr>
-                                        <p:cTn id="7" dur="500"/>
-                                        <p:tgtEl>
-                                          <p:spTgt spid="2"/>
-                                        </p:tgtEl>
-                                      </p:cBhvr>
-                                    </p:animEffect>
-                                  </p:childTnLst>
-                                </p:cTn>
-                              </p:par>
-                            </p:childTnLst>
-                          </p:cTn>
-                        </p:par>
-                      </p:childTnLst>
-                    </p:cTn>
-                  </p:par>
-                  <p:par>
-                    <p:cTn id="8" fill="hold">
-                      <p:stCondLst>
-                        <p:cond delay="indefinite"/>
-                      </p:stCondLst>
-                      <p:childTnLst>
-                        <p:par>
-                          <p:cTn id="9" fill="hold">
-                            <p:stCondLst>
-                              <p:cond delay="0"/>
-                            </p:stCondLst>
-                            <p:childTnLst>
-                              <p:par>
-                                <p:cTn id="10" presetID="9" presetClass="entr" presetSubtype="0" fill="hold" nodeType="clickEffect">
-                                  <p:stCondLst>
-                                    <p:cond delay="0"/>
-                                  </p:stCondLst>
-                                  <p:childTnLst>
-                                    <p:set>
-                                      <p:cBhvr>
-                                        <p:cTn id="11" dur="1" fill="hold">
                                           <p:stCondLst>
                                             <p:cond delay="0"/>
                                           </p:stCondLst>
@@ -6505,7 +6468,7 @@
                                     </p:set>
                                     <p:animEffect transition="in" filter="dissolve">
                                       <p:cBhvr>
-                                        <p:cTn id="12" dur="500"/>
+                                        <p:cTn id="7" dur="500"/>
                                         <p:tgtEl>
                                           <p:spTgt spid="6"/>
                                         </p:tgtEl>
@@ -6518,20 +6481,20 @@
                           </p:cTn>
                         </p:par>
                         <p:par>
-                          <p:cTn id="13" fill="hold">
+                          <p:cTn id="8" fill="hold">
                             <p:stCondLst>
                               <p:cond delay="500"/>
                             </p:stCondLst>
                             <p:childTnLst>
                               <p:par>
-                                <p:cTn id="14" presetID="9" presetClass="entr" presetSubtype="0" fill="hold" grpId="0" nodeType="afterEffect">
+                                <p:cTn id="9" presetID="9" presetClass="entr" presetSubtype="0" fill="hold" grpId="0" nodeType="afterEffect">
                                   <p:stCondLst>
                                     <p:cond delay="0"/>
                                   </p:stCondLst>
                                   <p:childTnLst>
                                     <p:set>
                                       <p:cBhvr>
-                                        <p:cTn id="15" dur="1" fill="hold">
+                                        <p:cTn id="10" dur="1" fill="hold">
                                           <p:stCondLst>
                                             <p:cond delay="0"/>
                                           </p:stCondLst>
@@ -6549,7 +6512,7 @@
                                     </p:set>
                                     <p:animEffect transition="in" filter="dissolve">
                                       <p:cBhvr>
-                                        <p:cTn id="16" dur="500"/>
+                                        <p:cTn id="11" dur="500"/>
                                         <p:tgtEl>
                                           <p:spTgt spid="7"/>
                                         </p:tgtEl>
@@ -6586,7 +6549,6 @@
       </p:par>
     </p:tnLst>
     <p:bldLst>
-      <p:bldP spid="2" grpId="0"/>
       <p:bldP spid="7" grpId="0" animBg="1"/>
     </p:bldLst>
   </p:timing>
@@ -6684,12 +6646,12 @@
               <a:defRPr/>
             </a:pPr>
             <a:r>
-              <a:rPr lang="en-US" dirty="0" err="1"/>
-              <a:t>lec</a:t>
+              <a:rPr lang="en-US" dirty="0" err="1" smtClean="0"/>
+              <a:t>totalprob</a:t>
             </a:r>
             <a:r>
               <a:rPr lang="en-US" dirty="0" smtClean="0"/>
-              <a:t> !2M.</a:t>
+              <a:t>.</a:t>
             </a:r>
             <a:fld id="{EAD82470-6C7C-49DD-8212-C557C8A87E2B}" type="slidenum">
               <a:rPr lang="en-US" smtClean="0"/>
@@ -6829,7 +6791,7 @@
                 <a:ea typeface="+mn-ea"/>
                 <a:cs typeface="+mn-cs"/>
               </a:rPr>
-              <a:t>lec</a:t>
+              <a:t>totalprob</a:t>
             </a:r>
             <a:r>
               <a:rPr kumimoji="0" lang="en-US" sz="1200" b="0" i="0" u="none" strike="noStrike" kern="1200" cap="none" spc="0" normalizeH="0" baseline="0" noProof="0" dirty="0" smtClean="0">
@@ -6846,7 +6808,7 @@
                 <a:ea typeface="+mn-ea"/>
                 <a:cs typeface="+mn-cs"/>
               </a:rPr>
-              <a:t> !2M.</a:t>
+              <a:t>.</a:t>
             </a:r>
             <a:fld id="{B9A0B45D-6AFD-413C-B761-B121FB8BE940}" type="slidenum">
               <a:rPr kumimoji="0" lang="en-US" sz="1200" b="0" i="0" u="none" strike="noStrike" kern="1200" cap="none" spc="0" normalizeH="0" baseline="0" noProof="0" smtClean="0">
@@ -6909,103 +6871,15 @@
   <p:clrMapOvr>
     <a:masterClrMapping/>
   </p:clrMapOvr>
-  <mc:AlternateContent xmlns:mc="http://schemas.openxmlformats.org/markup-compatibility/2006" xmlns:p14="http://schemas.microsoft.com/office/powerpoint/2010/main">
-    <mc:Choice Requires="p14">
-      <p:transition spd="slow" p14:dur="1200">
-        <p:fade thruBlk="1"/>
-      </p:transition>
-    </mc:Choice>
-    <mc:Fallback xmlns="">
-      <p:transition xmlns:p14="http://schemas.microsoft.com/office/powerpoint/2010/main" spd="slow">
-        <p:fade thruBlk="1"/>
-      </p:transition>
-    </mc:Fallback>
-  </mc:AlternateContent>
+  <p:transition xmlns:p14="http://schemas.microsoft.com/office/powerpoint/2010/main" spd="slow" advClick="0">
+    <p:fade thruBlk="1"/>
+  </p:transition>
   <p:timing>
     <p:tnLst>
       <p:par>
-        <p:cTn xmlns:p14="http://schemas.microsoft.com/office/powerpoint/2010/main" id="1" dur="indefinite" restart="never" nodeType="tmRoot">
-          <p:childTnLst>
-            <p:seq concurrent="1" nextAc="seek">
-              <p:cTn id="2" dur="indefinite" nodeType="mainSeq">
-                <p:childTnLst>
-                  <p:par>
-                    <p:cTn id="3" fill="hold">
-                      <p:stCondLst>
-                        <p:cond delay="indefinite"/>
-                      </p:stCondLst>
-                      <p:childTnLst>
-                        <p:par>
-                          <p:cTn id="4" fill="hold">
-                            <p:stCondLst>
-                              <p:cond delay="0"/>
-                            </p:stCondLst>
-                            <p:childTnLst>
-                              <p:par>
-                                <p:cTn id="5" presetID="9" presetClass="entr" presetSubtype="0" fill="hold" grpId="1" nodeType="clickEffect">
-                                  <p:stCondLst>
-                                    <p:cond delay="0"/>
-                                  </p:stCondLst>
-                                  <p:childTnLst>
-                                    <p:set>
-                                      <p:cBhvr>
-                                        <p:cTn id="6" dur="1" fill="hold">
-                                          <p:stCondLst>
-                                            <p:cond delay="0"/>
-                                          </p:stCondLst>
-                                        </p:cTn>
-                                        <p:tgtEl>
-                                          <p:spTgt spid="8"/>
-                                        </p:tgtEl>
-                                        <p:attrNameLst>
-                                          <p:attrName>style.visibility</p:attrName>
-                                        </p:attrNameLst>
-                                      </p:cBhvr>
-                                      <p:to>
-                                        <p:strVal val="visible"/>
-                                      </p:to>
-                                    </p:set>
-                                    <p:animEffect transition="in" filter="dissolve">
-                                      <p:cBhvr>
-                                        <p:cTn id="7" dur="500"/>
-                                        <p:tgtEl>
-                                          <p:spTgt spid="8"/>
-                                        </p:tgtEl>
-                                      </p:cBhvr>
-                                    </p:animEffect>
-                                  </p:childTnLst>
-                                </p:cTn>
-                              </p:par>
-                            </p:childTnLst>
-                          </p:cTn>
-                        </p:par>
-                      </p:childTnLst>
-                    </p:cTn>
-                  </p:par>
-                </p:childTnLst>
-              </p:cTn>
-              <p:prevCondLst>
-                <p:cond evt="onPrev" delay="0">
-                  <p:tgtEl>
-                    <p:sldTgt/>
-                  </p:tgtEl>
-                </p:cond>
-              </p:prevCondLst>
-              <p:nextCondLst>
-                <p:cond evt="onNext" delay="0">
-                  <p:tgtEl>
-                    <p:sldTgt/>
-                  </p:tgtEl>
-                </p:cond>
-              </p:nextCondLst>
-            </p:seq>
-          </p:childTnLst>
-        </p:cTn>
+        <p:cTn xmlns:p14="http://schemas.microsoft.com/office/powerpoint/2010/main" id="1" dur="indefinite" restart="never" nodeType="tmRoot"/>
       </p:par>
     </p:tnLst>
-    <p:bldLst>
-      <p:bldP spid="8" grpId="1" animBg="1"/>
-    </p:bldLst>
   </p:timing>
 </p:sld>
 </file>
@@ -7147,12 +7021,12 @@
               <a:defRPr/>
             </a:pPr>
             <a:r>
-              <a:rPr lang="en-US" dirty="0" err="1"/>
-              <a:t>lec</a:t>
+              <a:rPr lang="en-US" dirty="0" err="1" smtClean="0"/>
+              <a:t>totalprob</a:t>
             </a:r>
             <a:r>
               <a:rPr lang="en-US" dirty="0" smtClean="0"/>
-              <a:t> !2M.</a:t>
+              <a:t>.</a:t>
             </a:r>
             <a:fld id="{EAD82470-6C7C-49DD-8212-C557C8A87E2B}" type="slidenum">
               <a:rPr lang="en-US" smtClean="0"/>
@@ -7592,7 +7466,7 @@
           <a:graphicData uri="http://schemas.openxmlformats.org/presentationml/2006/ole">
             <mc:AlternateContent xmlns:mc="http://schemas.openxmlformats.org/markup-compatibility/2006">
               <mc:Choice xmlns:v="urn:schemas-microsoft-com:vml" Requires="v">
-                <p:oleObj spid="_x0000_s334925" name="Equation" r:id="rId4" imgW="457200" imgH="304800" progId="Equation.DSMT4">
+                <p:oleObj spid="_x0000_s334935" name="Equation" r:id="rId4" imgW="457200" imgH="304800" progId="Equation.DSMT4">
                   <p:embed/>
                 </p:oleObj>
               </mc:Choice>
@@ -7662,7 +7536,7 @@
           <a:graphicData uri="http://schemas.openxmlformats.org/presentationml/2006/ole">
             <mc:AlternateContent xmlns:mc="http://schemas.openxmlformats.org/markup-compatibility/2006">
               <mc:Choice xmlns:v="urn:schemas-microsoft-com:vml" Requires="v">
-                <p:oleObj spid="_x0000_s334926" name="Equation" r:id="rId6" imgW="457200" imgH="304800" progId="Equation.DSMT4">
+                <p:oleObj spid="_x0000_s334936" name="Equation" r:id="rId6" imgW="457200" imgH="304800" progId="Equation.DSMT4">
                   <p:embed/>
                 </p:oleObj>
               </mc:Choice>
@@ -7732,7 +7606,7 @@
           <a:graphicData uri="http://schemas.openxmlformats.org/presentationml/2006/ole">
             <mc:AlternateContent xmlns:mc="http://schemas.openxmlformats.org/markup-compatibility/2006">
               <mc:Choice xmlns:v="urn:schemas-microsoft-com:vml" Requires="v">
-                <p:oleObj spid="_x0000_s334927" name="Equation" r:id="rId8" imgW="444500" imgH="304800" progId="Equation.DSMT4">
+                <p:oleObj spid="_x0000_s334937" name="Equation" r:id="rId8" imgW="444500" imgH="304800" progId="Equation.DSMT4">
                   <p:embed/>
                 </p:oleObj>
               </mc:Choice>
@@ -10186,7 +10060,7 @@
                 <a:ea typeface="+mn-ea"/>
                 <a:cs typeface="+mn-cs"/>
               </a:rPr>
-              <a:t>lec</a:t>
+              <a:t>totalprob</a:t>
             </a:r>
             <a:r>
               <a:rPr kumimoji="0" lang="en-US" sz="1200" b="0" i="0" u="none" strike="noStrike" kern="1200" cap="none" spc="0" normalizeH="0" baseline="0" noProof="0" dirty="0" smtClean="0">
@@ -10203,7 +10077,7 @@
                 <a:ea typeface="+mn-ea"/>
                 <a:cs typeface="+mn-cs"/>
               </a:rPr>
-              <a:t> !2M.</a:t>
+              <a:t>.</a:t>
             </a:r>
             <a:fld id="{B9A0B45D-6AFD-413C-B761-B121FB8BE940}" type="slidenum">
               <a:rPr kumimoji="0" lang="en-US" sz="1200" b="0" i="0" u="none" strike="noStrike" kern="1200" cap="none" spc="0" normalizeH="0" baseline="0" noProof="0" smtClean="0">
@@ -10266,7 +10140,7 @@
   <p:clrMapOvr>
     <a:masterClrMapping/>
   </p:clrMapOvr>
-  <p:transition xmlns:p14="http://schemas.microsoft.com/office/powerpoint/2010/main" spd="slow">
+  <p:transition xmlns:p14="http://schemas.microsoft.com/office/powerpoint/2010/main" spd="slow" advClick="0">
     <p:fade thruBlk="1"/>
   </p:transition>
   <p:timing>
@@ -10669,12 +10543,12 @@
               <a:defRPr/>
             </a:pPr>
             <a:r>
-              <a:rPr lang="en-US" dirty="0" err="1"/>
-              <a:t>lec</a:t>
+              <a:rPr lang="en-US" dirty="0" err="1" smtClean="0"/>
+              <a:t>totalprob</a:t>
             </a:r>
             <a:r>
               <a:rPr lang="en-US" dirty="0" smtClean="0"/>
-              <a:t> !2M.</a:t>
+              <a:t>.</a:t>
             </a:r>
             <a:fld id="{DE38ECCF-0D28-4EEB-A6A7-10EC65377FF2}" type="slidenum">
               <a:rPr lang="en-US" smtClean="0"/>
@@ -11046,7 +10920,7 @@
           <a:graphicData uri="http://schemas.openxmlformats.org/presentationml/2006/ole">
             <mc:AlternateContent xmlns:mc="http://schemas.openxmlformats.org/markup-compatibility/2006">
               <mc:Choice xmlns:v="urn:schemas-microsoft-com:vml" Requires="v">
-                <p:oleObj spid="_x0000_s326694" name="Equation" r:id="rId4" imgW="2197100" imgH="292100" progId="Equation.DSMT4">
+                <p:oleObj spid="_x0000_s326698" name="Equation" r:id="rId4" imgW="2197100" imgH="292100" progId="Equation.DSMT4">
                   <p:embed/>
                 </p:oleObj>
               </mc:Choice>
@@ -11165,7 +11039,7 @@
                 <a:ea typeface="+mn-ea"/>
                 <a:cs typeface="+mn-cs"/>
               </a:rPr>
-              <a:t>lec</a:t>
+              <a:t>totalprob</a:t>
             </a:r>
             <a:r>
               <a:rPr kumimoji="0" lang="en-US" sz="1200" b="0" i="0" u="none" strike="noStrike" kern="1200" cap="none" spc="0" normalizeH="0" baseline="0" noProof="0" dirty="0" smtClean="0">
@@ -11182,7 +11056,7 @@
                 <a:ea typeface="+mn-ea"/>
                 <a:cs typeface="+mn-cs"/>
               </a:rPr>
-              <a:t> !2M.</a:t>
+              <a:t>.</a:t>
             </a:r>
             <a:fld id="{B9A0B45D-6AFD-413C-B761-B121FB8BE940}" type="slidenum">
               <a:rPr kumimoji="0" lang="en-US" sz="1200" b="0" i="0" u="none" strike="noStrike" kern="1200" cap="none" spc="0" normalizeH="0" baseline="0" noProof="0" smtClean="0">
@@ -11245,9 +11119,18 @@
   <p:clrMapOvr>
     <a:masterClrMapping/>
   </p:clrMapOvr>
-  <p:transition xmlns:p14="http://schemas.microsoft.com/office/powerpoint/2010/main">
-    <p:fade/>
-  </p:transition>
+  <mc:AlternateContent xmlns:mc="http://schemas.openxmlformats.org/markup-compatibility/2006">
+    <mc:Choice xmlns:p14="http://schemas.microsoft.com/office/powerpoint/2010/main" Requires="p14">
+      <p:transition spd="slow" p14:dur="900" advClick="0">
+        <p:fade/>
+      </p:transition>
+    </mc:Choice>
+    <mc:Fallback>
+      <p:transition xmlns:p14="http://schemas.microsoft.com/office/powerpoint/2010/main" spd="slow" advClick="0">
+        <p:fade/>
+      </p:transition>
+    </mc:Fallback>
+  </mc:AlternateContent>
   <p:timing>
     <p:tnLst>
       <p:par>
@@ -11297,7 +11180,7 @@
                                     </p:set>
                                     <p:animEffect transition="in" filter="wipe(left)">
                                       <p:cBhvr>
-                                        <p:cTn id="7" dur="500"/>
+                                        <p:cTn id="7" dur="1000"/>
                                         <p:tgtEl>
                                           <p:spTgt spid="8"/>
                                         </p:tgtEl>
@@ -11674,12 +11557,12 @@
               <a:defRPr/>
             </a:pPr>
             <a:r>
-              <a:rPr lang="en-US" dirty="0" err="1"/>
-              <a:t>lec</a:t>
+              <a:rPr lang="en-US" dirty="0" err="1" smtClean="0"/>
+              <a:t>totalprob</a:t>
             </a:r>
             <a:r>
               <a:rPr lang="en-US" dirty="0" smtClean="0"/>
-              <a:t> !2M.</a:t>
+              <a:t>.</a:t>
             </a:r>
             <a:fld id="{DE38ECCF-0D28-4EEB-A6A7-10EC65377FF2}" type="slidenum">
               <a:rPr lang="en-US" smtClean="0"/>
@@ -12227,7 +12110,7 @@
           <a:graphicData uri="http://schemas.openxmlformats.org/presentationml/2006/ole">
             <mc:AlternateContent xmlns:mc="http://schemas.openxmlformats.org/markup-compatibility/2006">
               <mc:Choice xmlns:v="urn:schemas-microsoft-com:vml" Requires="v">
-                <p:oleObj spid="_x0000_s353299" name="Equation" r:id="rId4" imgW="2197100" imgH="292100" progId="Equation.DSMT4">
+                <p:oleObj spid="_x0000_s353303" name="Equation" r:id="rId4" imgW="2197100" imgH="292100" progId="Equation.DSMT4">
                   <p:embed/>
                 </p:oleObj>
               </mc:Choice>
@@ -12346,7 +12229,7 @@
                 <a:ea typeface="+mn-ea"/>
                 <a:cs typeface="+mn-cs"/>
               </a:rPr>
-              <a:t>lec</a:t>
+              <a:t>totalprob</a:t>
             </a:r>
             <a:r>
               <a:rPr kumimoji="0" lang="en-US" sz="1200" b="0" i="0" u="none" strike="noStrike" kern="1200" cap="none" spc="0" normalizeH="0" baseline="0" noProof="0" dirty="0" smtClean="0">
@@ -12363,7 +12246,7 @@
                 <a:ea typeface="+mn-ea"/>
                 <a:cs typeface="+mn-cs"/>
               </a:rPr>
-              <a:t> !2M.</a:t>
+              <a:t>.</a:t>
             </a:r>
             <a:fld id="{B9A0B45D-6AFD-413C-B761-B121FB8BE940}" type="slidenum">
               <a:rPr kumimoji="0" lang="en-US" sz="1200" b="0" i="0" u="none" strike="noStrike" kern="1200" cap="none" spc="0" normalizeH="0" baseline="0" noProof="0" smtClean="0">
@@ -12426,9 +12309,18 @@
   <p:clrMapOvr>
     <a:masterClrMapping/>
   </p:clrMapOvr>
-  <p:transition xmlns:p14="http://schemas.microsoft.com/office/powerpoint/2010/main">
-    <p:fade/>
-  </p:transition>
+  <mc:AlternateContent xmlns:mc="http://schemas.openxmlformats.org/markup-compatibility/2006">
+    <mc:Choice xmlns:p14="http://schemas.microsoft.com/office/powerpoint/2010/main" Requires="p14">
+      <p:transition spd="slow" p14:dur="900" advClick="0">
+        <p:fade/>
+      </p:transition>
+    </mc:Choice>
+    <mc:Fallback>
+      <p:transition xmlns:p14="http://schemas.microsoft.com/office/powerpoint/2010/main" spd="slow" advClick="0">
+        <p:fade/>
+      </p:transition>
+    </mc:Fallback>
+  </mc:AlternateContent>
   <p:timing>
     <p:tnLst>
       <p:par>
@@ -12480,12 +12372,12 @@
               <a:defRPr/>
             </a:pPr>
             <a:r>
-              <a:rPr lang="en-US" dirty="0" err="1"/>
-              <a:t>lec</a:t>
+              <a:rPr lang="en-US" dirty="0" err="1" smtClean="0"/>
+              <a:t>totalprob</a:t>
             </a:r>
             <a:r>
               <a:rPr lang="en-US" dirty="0" smtClean="0"/>
-              <a:t> !2M.</a:t>
+              <a:t>.</a:t>
             </a:r>
             <a:fld id="{03C11430-3E20-4689-8402-8D86748BEC1A}" type="slidenum">
               <a:rPr lang="en-US" smtClean="0"/>
@@ -12702,7 +12594,7 @@
           <a:graphicData uri="http://schemas.openxmlformats.org/presentationml/2006/ole">
             <mc:AlternateContent xmlns:mc="http://schemas.openxmlformats.org/markup-compatibility/2006">
               <mc:Choice xmlns:v="urn:schemas-microsoft-com:vml" Requires="v">
-                <p:oleObj spid="_x0000_s327746" name="Equation" r:id="rId4" imgW="1447800" imgH="381000" progId="Equation.DSMT4">
+                <p:oleObj spid="_x0000_s327753" name="Equation" r:id="rId4" imgW="1447800" imgH="381000" progId="Equation.DSMT4">
                   <p:embed/>
                 </p:oleObj>
               </mc:Choice>
@@ -12772,7 +12664,7 @@
           <a:graphicData uri="http://schemas.openxmlformats.org/presentationml/2006/ole">
             <mc:AlternateContent xmlns:mc="http://schemas.openxmlformats.org/markup-compatibility/2006">
               <mc:Choice xmlns:v="urn:schemas-microsoft-com:vml" Requires="v">
-                <p:oleObj spid="_x0000_s327747" name="Equation" r:id="rId6" imgW="1435100" imgH="381000" progId="Equation.DSMT4">
+                <p:oleObj spid="_x0000_s327754" name="Equation" r:id="rId6" imgW="1435100" imgH="381000" progId="Equation.DSMT4">
                   <p:embed/>
                 </p:oleObj>
               </mc:Choice>
@@ -12891,7 +12783,7 @@
                 <a:ea typeface="+mn-ea"/>
                 <a:cs typeface="+mn-cs"/>
               </a:rPr>
-              <a:t>lec</a:t>
+              <a:t>totalprob</a:t>
             </a:r>
             <a:r>
               <a:rPr kumimoji="0" lang="en-US" sz="1200" b="0" i="0" u="none" strike="noStrike" kern="1200" cap="none" spc="0" normalizeH="0" baseline="0" noProof="0" dirty="0" smtClean="0">
@@ -12908,7 +12800,7 @@
                 <a:ea typeface="+mn-ea"/>
                 <a:cs typeface="+mn-cs"/>
               </a:rPr>
-              <a:t> !2M.</a:t>
+              <a:t>.</a:t>
             </a:r>
             <a:fld id="{B9A0B45D-6AFD-413C-B761-B121FB8BE940}" type="slidenum">
               <a:rPr kumimoji="0" lang="en-US" sz="1200" b="0" i="0" u="none" strike="noStrike" kern="1200" cap="none" spc="0" normalizeH="0" baseline="0" noProof="0" smtClean="0">
@@ -12971,9 +12863,18 @@
   <p:clrMapOvr>
     <a:masterClrMapping/>
   </p:clrMapOvr>
-  <p:transition xmlns:p14="http://schemas.microsoft.com/office/powerpoint/2010/main">
-    <p:fade/>
-  </p:transition>
+  <mc:AlternateContent xmlns:mc="http://schemas.openxmlformats.org/markup-compatibility/2006">
+    <mc:Choice xmlns:p14="http://schemas.microsoft.com/office/powerpoint/2010/main" Requires="p14">
+      <p:transition spd="slow" p14:dur="900" advClick="0">
+        <p:fade/>
+      </p:transition>
+    </mc:Choice>
+    <mc:Fallback>
+      <p:transition xmlns:p14="http://schemas.microsoft.com/office/powerpoint/2010/main" spd="slow" advClick="0">
+        <p:fade/>
+      </p:transition>
+    </mc:Fallback>
+  </mc:AlternateContent>
   <p:timing>
     <p:tnLst>
       <p:par>
@@ -13023,7 +12924,7 @@
                                     </p:set>
                                     <p:animEffect transition="in" filter="wipe(left)">
                                       <p:cBhvr>
-                                        <p:cTn id="7" dur="500"/>
+                                        <p:cTn id="7" dur="1000"/>
                                         <p:tgtEl>
                                           <p:spTgt spid="8"/>
                                         </p:tgtEl>
@@ -13076,7 +12977,7 @@
                                     </p:set>
                                     <p:animEffect transition="in" filter="wipe(left)">
                                       <p:cBhvr>
-                                        <p:cTn id="12" dur="500"/>
+                                        <p:cTn id="12" dur="1000"/>
                                         <p:tgtEl>
                                           <p:spTgt spid="9"/>
                                         </p:tgtEl>
@@ -13091,7 +12992,7 @@
                         <p:par>
                           <p:cTn id="13" fill="hold">
                             <p:stCondLst>
-                              <p:cond delay="500"/>
+                              <p:cond delay="1000"/>
                             </p:stCondLst>
                             <p:childTnLst>
                               <p:par>
@@ -13204,12 +13105,12 @@
               <a:defRPr/>
             </a:pPr>
             <a:r>
-              <a:rPr lang="en-US" dirty="0" err="1"/>
-              <a:t>lec</a:t>
+              <a:rPr lang="en-US" dirty="0" err="1" smtClean="0"/>
+              <a:t>totalprob</a:t>
             </a:r>
             <a:r>
               <a:rPr lang="en-US" dirty="0" smtClean="0"/>
-              <a:t> !2M.</a:t>
+              <a:t>.</a:t>
             </a:r>
             <a:fld id="{EAD82470-6C7C-49DD-8212-C557C8A87E2B}" type="slidenum">
               <a:rPr lang="en-US" smtClean="0"/>
@@ -13248,11 +13149,6 @@
               </a:rPr>
               <a:t>TB testing by cases</a:t>
             </a:r>
-            <a:endParaRPr lang="en-US" sz="4000" dirty="0" smtClean="0">
-              <a:solidFill>
-                <a:schemeClr val="tx1"/>
-              </a:solidFill>
-            </a:endParaRPr>
           </a:p>
         </p:txBody>
       </p:sp>
@@ -13354,7 +13250,7 @@
                 <a:ea typeface="+mn-ea"/>
                 <a:cs typeface="+mn-cs"/>
               </a:rPr>
-              <a:t>lec</a:t>
+              <a:t>totalprob</a:t>
             </a:r>
             <a:r>
               <a:rPr kumimoji="0" lang="en-US" sz="1200" b="0" i="0" u="none" strike="noStrike" kern="1200" cap="none" spc="0" normalizeH="0" baseline="0" noProof="0" dirty="0" smtClean="0">
@@ -13371,7 +13267,7 @@
                 <a:ea typeface="+mn-ea"/>
                 <a:cs typeface="+mn-cs"/>
               </a:rPr>
-              <a:t> !2M.</a:t>
+              <a:t>.</a:t>
             </a:r>
             <a:fld id="{B9A0B45D-6AFD-413C-B761-B121FB8BE940}" type="slidenum">
               <a:rPr kumimoji="0" lang="en-US" sz="1200" b="0" i="0" u="none" strike="noStrike" kern="1200" cap="none" spc="0" normalizeH="0" baseline="0" noProof="0" smtClean="0">
@@ -13446,7 +13342,7 @@
           <a:graphicData uri="http://schemas.openxmlformats.org/presentationml/2006/ole">
             <mc:AlternateContent xmlns:mc="http://schemas.openxmlformats.org/markup-compatibility/2006">
               <mc:Choice xmlns:v="urn:schemas-microsoft-com:vml" Requires="v">
-                <p:oleObj spid="_x0000_s1063" name="Equation" r:id="rId4" imgW="1714500" imgH="241300" progId="Equation.DSMT4">
+                <p:oleObj spid="_x0000_s1073" name="Equation" r:id="rId4" imgW="1714500" imgH="241300" progId="Equation.DSMT4">
                   <p:embed/>
                 </p:oleObj>
               </mc:Choice>
@@ -13503,7 +13399,7 @@
           <a:graphicData uri="http://schemas.openxmlformats.org/presentationml/2006/ole">
             <mc:AlternateContent xmlns:mc="http://schemas.openxmlformats.org/markup-compatibility/2006">
               <mc:Choice xmlns:v="urn:schemas-microsoft-com:vml" Requires="v">
-                <p:oleObj spid="_x0000_s1064" name="Equation" r:id="rId6" imgW="2235200" imgH="469900" progId="Equation.DSMT4">
+                <p:oleObj spid="_x0000_s1074" name="Equation" r:id="rId6" imgW="2235200" imgH="469900" progId="Equation.DSMT4">
                   <p:embed/>
                 </p:oleObj>
               </mc:Choice>
@@ -13560,7 +13456,7 @@
           <a:graphicData uri="http://schemas.openxmlformats.org/presentationml/2006/ole">
             <mc:AlternateContent xmlns:mc="http://schemas.openxmlformats.org/markup-compatibility/2006">
               <mc:Choice xmlns:v="urn:schemas-microsoft-com:vml" Requires="v">
-                <p:oleObj spid="_x0000_s1065" name="Equation" r:id="rId8" imgW="1193800" imgH="495300" progId="Equation.DSMT4">
+                <p:oleObj spid="_x0000_s1075" name="Equation" r:id="rId8" imgW="1193800" imgH="495300" progId="Equation.DSMT4">
                   <p:embed/>
                 </p:oleObj>
               </mc:Choice>
@@ -13605,15 +13501,15 @@
   <p:clrMapOvr>
     <a:masterClrMapping/>
   </p:clrMapOvr>
-  <mc:AlternateContent xmlns:mc="http://schemas.openxmlformats.org/markup-compatibility/2006" xmlns:p14="http://schemas.microsoft.com/office/powerpoint/2010/main">
-    <mc:Choice Requires="p14">
-      <p:transition spd="slow" p14:dur="1200">
-        <p:fade thruBlk="1"/>
+  <mc:AlternateContent xmlns:mc="http://schemas.openxmlformats.org/markup-compatibility/2006">
+    <mc:Choice xmlns:p14="http://schemas.microsoft.com/office/powerpoint/2010/main" Requires="p14">
+      <p:transition spd="slow" p14:dur="900" advClick="0">
+        <p:fade/>
       </p:transition>
     </mc:Choice>
-    <mc:Fallback xmlns="">
-      <p:transition xmlns:p14="http://schemas.microsoft.com/office/powerpoint/2010/main" spd="slow">
-        <p:fade thruBlk="1"/>
+    <mc:Fallback>
+      <p:transition xmlns:p14="http://schemas.microsoft.com/office/powerpoint/2010/main" spd="slow" advClick="0">
+        <p:fade/>
       </p:transition>
     </mc:Fallback>
   </mc:AlternateContent>
@@ -13850,12 +13746,12 @@
               <a:defRPr/>
             </a:pPr>
             <a:r>
-              <a:rPr lang="en-US" dirty="0" err="1"/>
-              <a:t>lec</a:t>
+              <a:rPr lang="en-US" dirty="0" err="1" smtClean="0"/>
+              <a:t>totalprob</a:t>
             </a:r>
             <a:r>
               <a:rPr lang="en-US" dirty="0" smtClean="0"/>
-              <a:t> !2M.</a:t>
+              <a:t>.</a:t>
             </a:r>
             <a:fld id="{EAD82470-6C7C-49DD-8212-C557C8A87E2B}" type="slidenum">
               <a:rPr lang="en-US" smtClean="0"/>
@@ -13894,11 +13790,6 @@
               </a:rPr>
               <a:t>TB testing by cases</a:t>
             </a:r>
-            <a:endParaRPr lang="en-US" sz="4000" dirty="0" smtClean="0">
-              <a:solidFill>
-                <a:schemeClr val="tx1"/>
-              </a:solidFill>
-            </a:endParaRPr>
           </a:p>
         </p:txBody>
       </p:sp>
@@ -14000,7 +13891,7 @@
                 <a:ea typeface="+mn-ea"/>
                 <a:cs typeface="+mn-cs"/>
               </a:rPr>
-              <a:t>lec</a:t>
+              <a:t>totalprob</a:t>
             </a:r>
             <a:r>
               <a:rPr kumimoji="0" lang="en-US" sz="1200" b="0" i="0" u="none" strike="noStrike" kern="1200" cap="none" spc="0" normalizeH="0" baseline="0" noProof="0" dirty="0" smtClean="0">
@@ -14017,7 +13908,7 @@
                 <a:ea typeface="+mn-ea"/>
                 <a:cs typeface="+mn-cs"/>
               </a:rPr>
-              <a:t> !2M.</a:t>
+              <a:t>.</a:t>
             </a:r>
             <a:fld id="{B9A0B45D-6AFD-413C-B761-B121FB8BE940}" type="slidenum">
               <a:rPr kumimoji="0" lang="en-US" sz="1200" b="0" i="0" u="none" strike="noStrike" kern="1200" cap="none" spc="0" normalizeH="0" baseline="0" noProof="0" smtClean="0">
@@ -14092,7 +13983,7 @@
           <a:graphicData uri="http://schemas.openxmlformats.org/presentationml/2006/ole">
             <mc:AlternateContent xmlns:mc="http://schemas.openxmlformats.org/markup-compatibility/2006">
               <mc:Choice xmlns:v="urn:schemas-microsoft-com:vml" Requires="v">
-                <p:oleObj spid="_x0000_s357385" name="Equation" r:id="rId4" imgW="2235200" imgH="469900" progId="Equation.DSMT4">
+                <p:oleObj spid="_x0000_s357392" name="Equation" r:id="rId4" imgW="2235200" imgH="469900" progId="Equation.DSMT4">
                   <p:embed/>
                 </p:oleObj>
               </mc:Choice>
@@ -14149,7 +14040,7 @@
           <a:graphicData uri="http://schemas.openxmlformats.org/presentationml/2006/ole">
             <mc:AlternateContent xmlns:mc="http://schemas.openxmlformats.org/markup-compatibility/2006">
               <mc:Choice xmlns:v="urn:schemas-microsoft-com:vml" Requires="v">
-                <p:oleObj spid="_x0000_s357386" name="Equation" r:id="rId6" imgW="1676400" imgH="469900" progId="Equation.DSMT4">
+                <p:oleObj spid="_x0000_s357393" name="Equation" r:id="rId6" imgW="1676400" imgH="469900" progId="Equation.DSMT4">
                   <p:embed/>
                 </p:oleObj>
               </mc:Choice>
@@ -14196,12 +14087,12 @@
   </p:clrMapOvr>
   <mc:AlternateContent xmlns:mc="http://schemas.openxmlformats.org/markup-compatibility/2006">
     <mc:Choice xmlns:p14="http://schemas.microsoft.com/office/powerpoint/2010/main" Requires="p14">
-      <p:transition spd="med" p14:dur="700">
+      <p:transition spd="slow" p14:dur="900" advClick="0">
         <p:fade/>
       </p:transition>
     </mc:Choice>
     <mc:Fallback>
-      <p:transition xmlns:p14="http://schemas.microsoft.com/office/powerpoint/2010/main" spd="med">
+      <p:transition xmlns:p14="http://schemas.microsoft.com/office/powerpoint/2010/main" spd="slow" advClick="0">
         <p:fade/>
       </p:transition>
     </mc:Fallback>
@@ -14333,12 +14224,12 @@
               <a:defRPr/>
             </a:pPr>
             <a:r>
-              <a:rPr lang="en-US" dirty="0" err="1"/>
-              <a:t>lec</a:t>
+              <a:rPr lang="en-US" dirty="0" err="1" smtClean="0"/>
+              <a:t>totalprob</a:t>
             </a:r>
             <a:r>
               <a:rPr lang="en-US" dirty="0" smtClean="0"/>
-              <a:t> !2M.</a:t>
+              <a:t>.</a:t>
             </a:r>
             <a:fld id="{EAD82470-6C7C-49DD-8212-C557C8A87E2B}" type="slidenum">
               <a:rPr lang="en-US" smtClean="0"/>
@@ -14449,7 +14340,7 @@
                 <a:ea typeface="+mn-ea"/>
                 <a:cs typeface="+mn-cs"/>
               </a:rPr>
-              <a:t>lec</a:t>
+              <a:t>totalprob</a:t>
             </a:r>
             <a:r>
               <a:rPr kumimoji="0" lang="en-US" sz="1200" b="0" i="0" u="none" strike="noStrike" kern="1200" cap="none" spc="0" normalizeH="0" baseline="0" noProof="0" dirty="0" smtClean="0">
@@ -14466,7 +14357,7 @@
                 <a:ea typeface="+mn-ea"/>
                 <a:cs typeface="+mn-cs"/>
               </a:rPr>
-              <a:t> !2M.</a:t>
+              <a:t>.</a:t>
             </a:r>
             <a:fld id="{B9A0B45D-6AFD-413C-B761-B121FB8BE940}" type="slidenum">
               <a:rPr kumimoji="0" lang="en-US" sz="1200" b="0" i="0" u="none" strike="noStrike" kern="1200" cap="none" spc="0" normalizeH="0" baseline="0" noProof="0" smtClean="0">
@@ -14541,7 +14432,7 @@
           <a:graphicData uri="http://schemas.openxmlformats.org/presentationml/2006/ole">
             <mc:AlternateContent xmlns:mc="http://schemas.openxmlformats.org/markup-compatibility/2006">
               <mc:Choice xmlns:v="urn:schemas-microsoft-com:vml" Requires="v">
-                <p:oleObj spid="_x0000_s354338" name="Equation" r:id="rId4" imgW="2413000" imgH="457200" progId="Equation.DSMT4">
+                <p:oleObj spid="_x0000_s354348" name="Equation" r:id="rId4" imgW="2413000" imgH="457200" progId="Equation.DSMT4">
                   <p:embed/>
                 </p:oleObj>
               </mc:Choice>
@@ -14598,7 +14489,7 @@
           <a:graphicData uri="http://schemas.openxmlformats.org/presentationml/2006/ole">
             <mc:AlternateContent xmlns:mc="http://schemas.openxmlformats.org/markup-compatibility/2006">
               <mc:Choice xmlns:v="urn:schemas-microsoft-com:vml" Requires="v">
-                <p:oleObj spid="_x0000_s354339" name="Equation" r:id="rId6" imgW="2235200" imgH="495300" progId="Equation.DSMT4">
+                <p:oleObj spid="_x0000_s354349" name="Equation" r:id="rId6" imgW="2235200" imgH="495300" progId="Equation.DSMT4">
                   <p:embed/>
                 </p:oleObj>
               </mc:Choice>
@@ -14833,7 +14724,7 @@
           <a:graphicData uri="http://schemas.openxmlformats.org/presentationml/2006/ole">
             <mc:AlternateContent xmlns:mc="http://schemas.openxmlformats.org/markup-compatibility/2006">
               <mc:Choice xmlns:v="urn:schemas-microsoft-com:vml" Requires="v">
-                <p:oleObj spid="_x0000_s354340" name="Equation" r:id="rId8" imgW="457200" imgH="469900" progId="Equation.DSMT4">
+                <p:oleObj spid="_x0000_s354350" name="Equation" r:id="rId8" imgW="457200" imgH="469900" progId="Equation.DSMT4">
                   <p:embed/>
                 </p:oleObj>
               </mc:Choice>
@@ -14912,9 +14803,6 @@
               </a:rPr>
               <a:t>false positive rate</a:t>
             </a:r>
-            <a:endParaRPr lang="en-US" sz="4400" dirty="0" smtClean="0">
-              <a:latin typeface="+mj-lt"/>
-            </a:endParaRPr>
           </a:p>
         </p:txBody>
       </p:sp>
@@ -14930,13 +14818,13 @@
   </p:clrMapOvr>
   <mc:AlternateContent xmlns:mc="http://schemas.openxmlformats.org/markup-compatibility/2006">
     <mc:Choice xmlns:p14="http://schemas.microsoft.com/office/powerpoint/2010/main" Requires="p14">
-      <p:transition spd="slow" p14:dur="800">
-        <p:fade thruBlk="1"/>
+      <p:transition spd="slow" p14:dur="900" advClick="0">
+        <p:fade/>
       </p:transition>
     </mc:Choice>
     <mc:Fallback>
-      <p:transition xmlns:p14="http://schemas.microsoft.com/office/powerpoint/2010/main" spd="slow">
-        <p:fade thruBlk="1"/>
+      <p:transition xmlns:p14="http://schemas.microsoft.com/office/powerpoint/2010/main" spd="slow" advClick="0">
+        <p:fade/>
       </p:transition>
     </mc:Fallback>
   </mc:AlternateContent>

--- a/spring13/slides13/total-probability.pptx
+++ b/spring13/slides13/total-probability.pptx
@@ -5,10 +5,10 @@
     <p:sldMasterId id="2147483649" r:id="rId1"/>
   </p:sldMasterIdLst>
   <p:notesMasterIdLst>
-    <p:notesMasterId r:id="rId17"/>
+    <p:notesMasterId r:id="rId19"/>
   </p:notesMasterIdLst>
   <p:handoutMasterIdLst>
-    <p:handoutMasterId r:id="rId18"/>
+    <p:handoutMasterId r:id="rId20"/>
   </p:handoutMasterIdLst>
   <p:sldIdLst>
     <p:sldId id="306" r:id="rId2"/>
@@ -25,12 +25,14 @@
     <p:sldId id="412" r:id="rId13"/>
     <p:sldId id="415" r:id="rId14"/>
     <p:sldId id="417" r:id="rId15"/>
-    <p:sldId id="416" r:id="rId16"/>
+    <p:sldId id="418" r:id="rId16"/>
+    <p:sldId id="419" r:id="rId17"/>
+    <p:sldId id="416" r:id="rId18"/>
   </p:sldIdLst>
   <p:sldSz cx="9144000" cy="6858000" type="screen4x3"/>
   <p:notesSz cx="9601200" cy="7315200"/>
   <p:custDataLst>
-    <p:tags r:id="rId20"/>
+    <p:tags r:id="rId22"/>
   </p:custDataLst>
   <p:defaultTextStyle>
     <a:defPPr>
@@ -2086,13 +2088,13 @@
   <p:clrMapOvr>
     <a:masterClrMapping/>
   </p:clrMapOvr>
-  <mc:AlternateContent xmlns:mc="http://schemas.openxmlformats.org/markup-compatibility/2006">
-    <mc:Choice xmlns:p14="http://schemas.microsoft.com/office/powerpoint/2010/main" Requires="p14">
+  <mc:AlternateContent xmlns:mc="http://schemas.openxmlformats.org/markup-compatibility/2006" xmlns:p14="http://schemas.microsoft.com/office/powerpoint/2010/main">
+    <mc:Choice Requires="p14">
       <p:transition spd="slow" p14:dur="900" advClick="0">
         <p:fade/>
       </p:transition>
     </mc:Choice>
-    <mc:Fallback>
+    <mc:Fallback xmlns="">
       <p:transition xmlns:p14="http://schemas.microsoft.com/office/powerpoint/2010/main" spd="slow" advClick="0">
         <p:fade/>
       </p:transition>
@@ -2272,13 +2274,13 @@
   <p:clrMapOvr>
     <a:masterClrMapping/>
   </p:clrMapOvr>
-  <mc:AlternateContent xmlns:mc="http://schemas.openxmlformats.org/markup-compatibility/2006">
-    <mc:Choice xmlns:p14="http://schemas.microsoft.com/office/powerpoint/2010/main" Requires="p14">
+  <mc:AlternateContent xmlns:mc="http://schemas.openxmlformats.org/markup-compatibility/2006" xmlns:p14="http://schemas.microsoft.com/office/powerpoint/2010/main">
+    <mc:Choice Requires="p14">
       <p:transition spd="slow" p14:dur="900" advClick="0">
         <p:fade/>
       </p:transition>
     </mc:Choice>
-    <mc:Fallback>
+    <mc:Fallback xmlns="">
       <p:transition xmlns:p14="http://schemas.microsoft.com/office/powerpoint/2010/main" spd="slow" advClick="0">
         <p:fade/>
       </p:transition>
@@ -2406,13 +2408,13 @@
   <p:clrMapOvr>
     <a:masterClrMapping/>
   </p:clrMapOvr>
-  <mc:AlternateContent xmlns:mc="http://schemas.openxmlformats.org/markup-compatibility/2006">
-    <mc:Choice xmlns:p14="http://schemas.microsoft.com/office/powerpoint/2010/main" Requires="p14">
+  <mc:AlternateContent xmlns:mc="http://schemas.openxmlformats.org/markup-compatibility/2006" xmlns:p14="http://schemas.microsoft.com/office/powerpoint/2010/main">
+    <mc:Choice Requires="p14">
       <p:transition spd="slow" p14:dur="900" advClick="0">
         <p:fade/>
       </p:transition>
     </mc:Choice>
-    <mc:Fallback>
+    <mc:Fallback xmlns="">
       <p:transition xmlns:p14="http://schemas.microsoft.com/office/powerpoint/2010/main" spd="slow" advClick="0">
         <p:fade/>
       </p:transition>
@@ -2506,13 +2508,13 @@
   <p:clrMapOvr>
     <a:masterClrMapping/>
   </p:clrMapOvr>
-  <mc:AlternateContent xmlns:mc="http://schemas.openxmlformats.org/markup-compatibility/2006">
-    <mc:Choice xmlns:p14="http://schemas.microsoft.com/office/powerpoint/2010/main" Requires="p14">
+  <mc:AlternateContent xmlns:mc="http://schemas.openxmlformats.org/markup-compatibility/2006" xmlns:p14="http://schemas.microsoft.com/office/powerpoint/2010/main">
+    <mc:Choice Requires="p14">
       <p:transition spd="slow" p14:dur="900" advClick="0">
         <p:fade/>
       </p:transition>
     </mc:Choice>
-    <mc:Fallback>
+    <mc:Fallback xmlns="">
       <p:transition xmlns:p14="http://schemas.microsoft.com/office/powerpoint/2010/main" spd="slow" advClick="0">
         <p:fade/>
       </p:transition>
@@ -2748,13 +2750,13 @@
   <p:clrMapOvr>
     <a:masterClrMapping/>
   </p:clrMapOvr>
-  <mc:AlternateContent xmlns:mc="http://schemas.openxmlformats.org/markup-compatibility/2006">
-    <mc:Choice xmlns:p14="http://schemas.microsoft.com/office/powerpoint/2010/main" Requires="p14">
+  <mc:AlternateContent xmlns:mc="http://schemas.openxmlformats.org/markup-compatibility/2006" xmlns:p14="http://schemas.microsoft.com/office/powerpoint/2010/main">
+    <mc:Choice Requires="p14">
       <p:transition spd="slow" p14:dur="900" advClick="0">
         <p:fade/>
       </p:transition>
     </mc:Choice>
-    <mc:Fallback>
+    <mc:Fallback xmlns="">
       <p:transition xmlns:p14="http://schemas.microsoft.com/office/powerpoint/2010/main" spd="slow" advClick="0">
         <p:fade/>
       </p:transition>
@@ -3049,22 +3051,7 @@
                 <a:uFillTx/>
                 <a:latin typeface="Comic Sans MS" pitchFamily="66" charset="0"/>
               </a:rPr>
-              <a:t>Albert R Meyer,            </a:t>
-            </a:r>
-            <a:r>
-              <a:rPr kumimoji="0" lang="en-US" sz="1200" b="0" i="0" u="none" strike="noStrike" kern="1200" cap="none" spc="0" normalizeH="0" baseline="0" noProof="0" dirty="0" smtClean="0">
-                <a:ln>
-                  <a:noFill/>
-                </a:ln>
-                <a:solidFill>
-                  <a:schemeClr val="tx1"/>
-                </a:solidFill>
-                <a:effectLst/>
-                <a:uLnTx/>
-                <a:uFillTx/>
-                <a:latin typeface="Comic Sans MS" pitchFamily="66" charset="0"/>
-              </a:rPr>
-              <a:t>May 3, 2013</a:t>
+              <a:t>Albert R Meyer,            May 3, 2013</a:t>
             </a:r>
             <a:endParaRPr kumimoji="0" lang="en-US" sz="1200" b="0" i="0" u="none" strike="noStrike" kern="1200" cap="none" spc="0" normalizeH="0" baseline="0" noProof="0" dirty="0">
               <a:ln>
@@ -3115,13 +3102,13 @@
     <p:sldLayoutId id="2147483679" r:id="rId4"/>
     <p:sldLayoutId id="2147483684" r:id="rId5"/>
   </p:sldLayoutIdLst>
-  <mc:AlternateContent xmlns:mc="http://schemas.openxmlformats.org/markup-compatibility/2006">
-    <mc:Choice xmlns:p14="http://schemas.microsoft.com/office/powerpoint/2010/main" Requires="p14">
+  <mc:AlternateContent xmlns:mc="http://schemas.openxmlformats.org/markup-compatibility/2006" xmlns:p14="http://schemas.microsoft.com/office/powerpoint/2010/main">
+    <mc:Choice Requires="p14">
       <p:transition spd="slow" p14:dur="900" advClick="0">
         <p:fade/>
       </p:transition>
     </mc:Choice>
-    <mc:Fallback>
+    <mc:Fallback xmlns="">
       <p:transition xmlns:p14="http://schemas.microsoft.com/office/powerpoint/2010/main" spd="slow" advClick="0">
         <p:fade/>
       </p:transition>
@@ -3814,11 +3801,11 @@
   <p:clrMapOvr>
     <a:masterClrMapping/>
   </p:clrMapOvr>
-  <mc:AlternateContent xmlns:mc="http://schemas.openxmlformats.org/markup-compatibility/2006">
-    <mc:Choice xmlns:p14="http://schemas.microsoft.com/office/powerpoint/2010/main" Requires="p14">
+  <mc:AlternateContent xmlns:mc="http://schemas.openxmlformats.org/markup-compatibility/2006" xmlns:p14="http://schemas.microsoft.com/office/powerpoint/2010/main">
+    <mc:Choice Requires="p14">
       <p:transition p14:dur="0" advClick="0"/>
     </mc:Choice>
-    <mc:Fallback>
+    <mc:Fallback xmlns="">
       <p:transition xmlns:p14="http://schemas.microsoft.com/office/powerpoint/2010/main" advClick="0"/>
     </mc:Fallback>
   </mc:AlternateContent>
@@ -4259,7 +4246,7 @@
           <a:graphicData uri="http://schemas.openxmlformats.org/presentationml/2006/ole">
             <mc:AlternateContent xmlns:mc="http://schemas.openxmlformats.org/markup-compatibility/2006">
               <mc:Choice xmlns:v="urn:schemas-microsoft-com:vml" Requires="v">
-                <p:oleObj spid="_x0000_s358411" name="Equation" r:id="rId4" imgW="1727200" imgH="495300" progId="Equation.DSMT4">
+                <p:oleObj spid="_x0000_s358417" name="Equation" r:id="rId4" imgW="1727200" imgH="495300" progId="Equation.DSMT4">
                   <p:embed/>
                 </p:oleObj>
               </mc:Choice>
@@ -4304,13 +4291,13 @@
   <p:clrMapOvr>
     <a:masterClrMapping/>
   </p:clrMapOvr>
-  <mc:AlternateContent xmlns:mc="http://schemas.openxmlformats.org/markup-compatibility/2006">
-    <mc:Choice xmlns:p14="http://schemas.microsoft.com/office/powerpoint/2010/main" Requires="p14">
+  <mc:AlternateContent xmlns:mc="http://schemas.openxmlformats.org/markup-compatibility/2006" xmlns:p14="http://schemas.microsoft.com/office/powerpoint/2010/main">
+    <mc:Choice Requires="p14">
       <p:transition spd="slow" p14:dur="900" advClick="0">
         <p:fade/>
       </p:transition>
     </mc:Choice>
-    <mc:Fallback>
+    <mc:Fallback xmlns="">
       <p:transition xmlns:p14="http://schemas.microsoft.com/office/powerpoint/2010/main" spd="slow" advClick="0">
         <p:fade/>
       </p:transition>
@@ -4753,7 +4740,7 @@
           <a:graphicData uri="http://schemas.openxmlformats.org/presentationml/2006/ole">
             <mc:AlternateContent xmlns:mc="http://schemas.openxmlformats.org/markup-compatibility/2006">
               <mc:Choice xmlns:v="urn:schemas-microsoft-com:vml" Requires="v">
-                <p:oleObj spid="_x0000_s361481" name="Equation" r:id="rId4" imgW="2044700" imgH="495300" progId="Equation.DSMT4">
+                <p:oleObj spid="_x0000_s361487" name="Equation" r:id="rId4" imgW="2044700" imgH="495300" progId="Equation.DSMT4">
                   <p:embed/>
                 </p:oleObj>
               </mc:Choice>
@@ -4798,13 +4785,13 @@
   <p:clrMapOvr>
     <a:masterClrMapping/>
   </p:clrMapOvr>
-  <mc:AlternateContent xmlns:mc="http://schemas.openxmlformats.org/markup-compatibility/2006">
-    <mc:Choice xmlns:p14="http://schemas.microsoft.com/office/powerpoint/2010/main" Requires="p14">
+  <mc:AlternateContent xmlns:mc="http://schemas.openxmlformats.org/markup-compatibility/2006" xmlns:p14="http://schemas.microsoft.com/office/powerpoint/2010/main">
+    <mc:Choice Requires="p14">
       <p:transition spd="slow" p14:dur="900" advClick="0">
         <p:fade/>
       </p:transition>
     </mc:Choice>
-    <mc:Fallback>
+    <mc:Fallback xmlns="">
       <p:transition xmlns:p14="http://schemas.microsoft.com/office/powerpoint/2010/main" spd="slow" advClick="0">
         <p:fade/>
       </p:transition>
@@ -5247,7 +5234,7 @@
           <a:graphicData uri="http://schemas.openxmlformats.org/presentationml/2006/ole">
             <mc:AlternateContent xmlns:mc="http://schemas.openxmlformats.org/markup-compatibility/2006">
               <mc:Choice xmlns:v="urn:schemas-microsoft-com:vml" Requires="v">
-                <p:oleObj spid="_x0000_s362512" name="Equation" r:id="rId4" imgW="2044700" imgH="495300" progId="Equation.DSMT4">
+                <p:oleObj spid="_x0000_s362522" name="Equation" r:id="rId4" imgW="2044700" imgH="495300" progId="Equation.DSMT4">
                   <p:embed/>
                 </p:oleObj>
               </mc:Choice>
@@ -5304,7 +5291,7 @@
           <a:graphicData uri="http://schemas.openxmlformats.org/presentationml/2006/ole">
             <mc:AlternateContent xmlns:mc="http://schemas.openxmlformats.org/markup-compatibility/2006">
               <mc:Choice xmlns:v="urn:schemas-microsoft-com:vml" Requires="v">
-                <p:oleObj spid="_x0000_s362513" name="Equation" r:id="rId6" imgW="1308100" imgH="914400" progId="Equation.DSMT4">
+                <p:oleObj spid="_x0000_s362523" name="Equation" r:id="rId6" imgW="1308100" imgH="914400" progId="Equation.DSMT4">
                   <p:embed/>
                 </p:oleObj>
               </mc:Choice>
@@ -5349,13 +5336,13 @@
   <p:clrMapOvr>
     <a:masterClrMapping/>
   </p:clrMapOvr>
-  <mc:AlternateContent xmlns:mc="http://schemas.openxmlformats.org/markup-compatibility/2006">
-    <mc:Choice xmlns:p14="http://schemas.microsoft.com/office/powerpoint/2010/main" Requires="p14">
+  <mc:AlternateContent xmlns:mc="http://schemas.openxmlformats.org/markup-compatibility/2006" xmlns:p14="http://schemas.microsoft.com/office/powerpoint/2010/main">
+    <mc:Choice Requires="p14">
       <p:transition spd="slow" p14:dur="900" advClick="0">
         <p:fade/>
       </p:transition>
     </mc:Choice>
-    <mc:Fallback>
+    <mc:Fallback xmlns="">
       <p:transition xmlns:p14="http://schemas.microsoft.com/office/powerpoint/2010/main" spd="slow" advClick="0">
         <p:fade/>
       </p:transition>
@@ -5713,13 +5700,7 @@
               <a:rPr lang="en-US" sz="4800" dirty="0" smtClean="0">
                 <a:latin typeface="+mj-lt"/>
               </a:rPr>
-              <a:t>ecause </a:t>
-            </a:r>
-            <a:r>
-              <a:rPr lang="en-US" sz="4800" dirty="0" smtClean="0">
-                <a:latin typeface="+mj-lt"/>
-              </a:rPr>
-              <a:t>of </a:t>
+              <a:t>ecause of </a:t>
             </a:r>
             <a:r>
               <a:rPr lang="en-US" sz="4800" dirty="0" smtClean="0">
@@ -5764,13 +5745,13 @@
   <p:clrMapOvr>
     <a:masterClrMapping/>
   </p:clrMapOvr>
-  <mc:AlternateContent xmlns:mc="http://schemas.openxmlformats.org/markup-compatibility/2006">
-    <mc:Choice xmlns:p14="http://schemas.microsoft.com/office/powerpoint/2010/main" Requires="p14">
+  <mc:AlternateContent xmlns:mc="http://schemas.openxmlformats.org/markup-compatibility/2006" xmlns:p14="http://schemas.microsoft.com/office/powerpoint/2010/main">
+    <mc:Choice Requires="p14">
       <p:transition spd="slow" p14:dur="900" advClick="0">
         <p:fade/>
       </p:transition>
     </mc:Choice>
-    <mc:Fallback>
+    <mc:Fallback xmlns="">
       <p:transition xmlns:p14="http://schemas.microsoft.com/office/powerpoint/2010/main" spd="slow" advClick="0">
         <p:fade/>
       </p:transition>
@@ -6040,13 +6021,7 @@
               <a:rPr lang="en-US" sz="4800" dirty="0" smtClean="0">
                 <a:latin typeface="+mj-lt"/>
               </a:rPr>
-              <a:t>Because </a:t>
-            </a:r>
-            <a:r>
-              <a:rPr lang="en-US" sz="4800" dirty="0" smtClean="0">
-                <a:latin typeface="+mj-lt"/>
-              </a:rPr>
-              <a:t>of relatively</a:t>
+              <a:t>Because of relatively</a:t>
             </a:r>
           </a:p>
           <a:p>
@@ -6083,9 +6058,18 @@
             <a:pPr algn="l"/>
             <a:r>
               <a:rPr lang="en-US" sz="4800" dirty="0" smtClean="0">
+                <a:solidFill>
+                  <a:srgbClr val="0000CC"/>
+                </a:solidFill>
                 <a:latin typeface="+mj-lt"/>
               </a:rPr>
-              <a:t>99% accurate test says so</a:t>
+              <a:t>99%</a:t>
+            </a:r>
+            <a:r>
+              <a:rPr lang="en-US" sz="4800" dirty="0" smtClean="0">
+                <a:latin typeface="+mj-lt"/>
+              </a:rPr>
+              <a:t> accurate test says so</a:t>
             </a:r>
           </a:p>
           <a:p>
@@ -6124,13 +6108,13 @@
   <p:clrMapOvr>
     <a:masterClrMapping/>
   </p:clrMapOvr>
-  <mc:AlternateContent xmlns:mc="http://schemas.openxmlformats.org/markup-compatibility/2006">
-    <mc:Choice xmlns:p14="http://schemas.microsoft.com/office/powerpoint/2010/main" Requires="p14">
+  <mc:AlternateContent xmlns:mc="http://schemas.openxmlformats.org/markup-compatibility/2006" xmlns:p14="http://schemas.microsoft.com/office/powerpoint/2010/main">
+    <mc:Choice Requires="p14">
       <p:transition spd="slow" p14:dur="900" advClick="0">
         <p:fade/>
       </p:transition>
     </mc:Choice>
-    <mc:Fallback>
+    <mc:Fallback xmlns="">
       <p:transition xmlns:p14="http://schemas.microsoft.com/office/powerpoint/2010/main" spd="slow" advClick="0">
         <p:fade/>
       </p:transition>
@@ -6165,6 +6149,806 @@
       </p:grpSpPr>
       <p:sp>
         <p:nvSpPr>
+          <p:cNvPr id="4" name="Slide Number Placeholder 3"/>
+          <p:cNvSpPr>
+            <a:spLocks noGrp="1"/>
+          </p:cNvSpPr>
+          <p:nvPr>
+            <p:ph type="sldNum" sz="quarter" idx="4"/>
+          </p:nvPr>
+        </p:nvSpPr>
+        <p:spPr/>
+        <p:txBody>
+          <a:bodyPr/>
+          <a:lstStyle/>
+          <a:p>
+            <a:pPr>
+              <a:defRPr/>
+            </a:pPr>
+            <a:r>
+              <a:rPr lang="en-US" dirty="0" err="1" smtClean="0"/>
+              <a:t>totalprob</a:t>
+            </a:r>
+            <a:r>
+              <a:rPr lang="en-US" dirty="0" smtClean="0"/>
+              <a:t>.</a:t>
+            </a:r>
+            <a:fld id="{B9A0B45D-6AFD-413C-B761-B121FB8BE940}" type="slidenum">
+              <a:rPr lang="en-US" smtClean="0"/>
+              <a:pPr>
+                <a:defRPr/>
+              </a:pPr>
+              <a:t>15</a:t>
+            </a:fld>
+            <a:endParaRPr lang="en-US" dirty="0"/>
+          </a:p>
+        </p:txBody>
+      </p:sp>
+      <p:sp>
+        <p:nvSpPr>
+          <p:cNvPr id="5" name="Rectangle 4"/>
+          <p:cNvSpPr txBox="1">
+            <a:spLocks noChangeArrowheads="1"/>
+          </p:cNvSpPr>
+          <p:nvPr/>
+        </p:nvSpPr>
+        <p:spPr bwMode="auto">
+          <a:xfrm>
+            <a:off x="1447800" y="381000"/>
+            <a:ext cx="6553200" cy="838200"/>
+          </a:xfrm>
+          <a:prstGeom prst="rect">
+            <a:avLst/>
+          </a:prstGeom>
+          <a:noFill/>
+          <a:ln w="9525">
+            <a:noFill/>
+            <a:miter lim="800000"/>
+            <a:headEnd/>
+            <a:tailEnd/>
+          </a:ln>
+        </p:spPr>
+        <p:txBody>
+          <a:bodyPr vert="horz" wrap="square" lIns="91440" tIns="45720" rIns="91440" bIns="45720" numCol="1" anchor="ctr" anchorCtr="0" compatLnSpc="1">
+            <a:prstTxWarp prst="textNoShape">
+              <a:avLst/>
+            </a:prstTxWarp>
+          </a:bodyPr>
+          <a:lstStyle>
+            <a:lvl1pPr algn="ctr" rtl="0" eaLnBrk="0" fontAlgn="base" hangingPunct="0">
+              <a:spcBef>
+                <a:spcPct val="0"/>
+              </a:spcBef>
+              <a:spcAft>
+                <a:spcPct val="0"/>
+              </a:spcAft>
+              <a:defRPr sz="3200" b="1">
+                <a:solidFill>
+                  <a:schemeClr val="tx2"/>
+                </a:solidFill>
+                <a:latin typeface="+mj-lt"/>
+                <a:ea typeface="+mj-ea"/>
+                <a:cs typeface="+mj-cs"/>
+              </a:defRPr>
+            </a:lvl1pPr>
+            <a:lvl2pPr algn="ctr" rtl="0" eaLnBrk="0" fontAlgn="base" hangingPunct="0">
+              <a:spcBef>
+                <a:spcPct val="0"/>
+              </a:spcBef>
+              <a:spcAft>
+                <a:spcPct val="0"/>
+              </a:spcAft>
+              <a:defRPr sz="3600" b="1">
+                <a:solidFill>
+                  <a:schemeClr val="tx2"/>
+                </a:solidFill>
+                <a:latin typeface="Comic Sans MS" pitchFamily="66" charset="0"/>
+              </a:defRPr>
+            </a:lvl2pPr>
+            <a:lvl3pPr algn="ctr" rtl="0" eaLnBrk="0" fontAlgn="base" hangingPunct="0">
+              <a:spcBef>
+                <a:spcPct val="0"/>
+              </a:spcBef>
+              <a:spcAft>
+                <a:spcPct val="0"/>
+              </a:spcAft>
+              <a:defRPr sz="3600" b="1">
+                <a:solidFill>
+                  <a:schemeClr val="tx2"/>
+                </a:solidFill>
+                <a:latin typeface="Comic Sans MS" pitchFamily="66" charset="0"/>
+              </a:defRPr>
+            </a:lvl3pPr>
+            <a:lvl4pPr algn="ctr" rtl="0" eaLnBrk="0" fontAlgn="base" hangingPunct="0">
+              <a:spcBef>
+                <a:spcPct val="0"/>
+              </a:spcBef>
+              <a:spcAft>
+                <a:spcPct val="0"/>
+              </a:spcAft>
+              <a:defRPr sz="3600" b="1">
+                <a:solidFill>
+                  <a:schemeClr val="tx2"/>
+                </a:solidFill>
+                <a:latin typeface="Comic Sans MS" pitchFamily="66" charset="0"/>
+              </a:defRPr>
+            </a:lvl4pPr>
+            <a:lvl5pPr algn="ctr" rtl="0" eaLnBrk="0" fontAlgn="base" hangingPunct="0">
+              <a:spcBef>
+                <a:spcPct val="0"/>
+              </a:spcBef>
+              <a:spcAft>
+                <a:spcPct val="0"/>
+              </a:spcAft>
+              <a:defRPr sz="3600" b="1">
+                <a:solidFill>
+                  <a:schemeClr val="tx2"/>
+                </a:solidFill>
+                <a:latin typeface="Comic Sans MS" pitchFamily="66" charset="0"/>
+              </a:defRPr>
+            </a:lvl5pPr>
+            <a:lvl6pPr marL="457200" algn="ctr" rtl="0" fontAlgn="base">
+              <a:spcBef>
+                <a:spcPct val="0"/>
+              </a:spcBef>
+              <a:spcAft>
+                <a:spcPct val="0"/>
+              </a:spcAft>
+              <a:defRPr sz="3600" b="1">
+                <a:solidFill>
+                  <a:schemeClr val="tx2"/>
+                </a:solidFill>
+                <a:latin typeface="Comic Sans MS" pitchFamily="66" charset="0"/>
+              </a:defRPr>
+            </a:lvl6pPr>
+            <a:lvl7pPr marL="914400" algn="ctr" rtl="0" fontAlgn="base">
+              <a:spcBef>
+                <a:spcPct val="0"/>
+              </a:spcBef>
+              <a:spcAft>
+                <a:spcPct val="0"/>
+              </a:spcAft>
+              <a:defRPr sz="3600" b="1">
+                <a:solidFill>
+                  <a:schemeClr val="tx2"/>
+                </a:solidFill>
+                <a:latin typeface="Comic Sans MS" pitchFamily="66" charset="0"/>
+              </a:defRPr>
+            </a:lvl7pPr>
+            <a:lvl8pPr marL="1371600" algn="ctr" rtl="0" fontAlgn="base">
+              <a:spcBef>
+                <a:spcPct val="0"/>
+              </a:spcBef>
+              <a:spcAft>
+                <a:spcPct val="0"/>
+              </a:spcAft>
+              <a:defRPr sz="3600" b="1">
+                <a:solidFill>
+                  <a:schemeClr val="tx2"/>
+                </a:solidFill>
+                <a:latin typeface="Comic Sans MS" pitchFamily="66" charset="0"/>
+              </a:defRPr>
+            </a:lvl8pPr>
+            <a:lvl9pPr marL="1828800" algn="ctr" rtl="0" fontAlgn="base">
+              <a:spcBef>
+                <a:spcPct val="0"/>
+              </a:spcBef>
+              <a:spcAft>
+                <a:spcPct val="0"/>
+              </a:spcAft>
+              <a:defRPr sz="3600" b="1">
+                <a:solidFill>
+                  <a:schemeClr val="tx2"/>
+                </a:solidFill>
+                <a:latin typeface="Comic Sans MS" pitchFamily="66" charset="0"/>
+              </a:defRPr>
+            </a:lvl9pPr>
+          </a:lstStyle>
+          <a:p>
+            <a:pPr eaLnBrk="1" hangingPunct="1"/>
+            <a:r>
+              <a:rPr lang="en-US" sz="4000" dirty="0" smtClean="0">
+                <a:solidFill>
+                  <a:schemeClr val="tx1"/>
+                </a:solidFill>
+              </a:rPr>
+              <a:t>TB testing by cases</a:t>
+            </a:r>
+          </a:p>
+        </p:txBody>
+      </p:sp>
+      <p:sp>
+        <p:nvSpPr>
+          <p:cNvPr id="6" name="TextBox 5"/>
+          <p:cNvSpPr txBox="1"/>
+          <p:nvPr/>
+        </p:nvSpPr>
+        <p:spPr>
+          <a:xfrm>
+            <a:off x="355568" y="1379277"/>
+            <a:ext cx="8114721" cy="1569660"/>
+          </a:xfrm>
+          <a:prstGeom prst="rect">
+            <a:avLst/>
+          </a:prstGeom>
+          <a:noFill/>
+        </p:spPr>
+        <p:txBody>
+          <a:bodyPr wrap="none" rtlCol="0">
+            <a:spAutoFit/>
+          </a:bodyPr>
+          <a:lstStyle/>
+          <a:p>
+            <a:pPr algn="l"/>
+            <a:r>
+              <a:rPr lang="en-US" sz="4800" dirty="0" smtClean="0">
+                <a:solidFill>
+                  <a:srgbClr val="0000CC"/>
+                </a:solidFill>
+                <a:latin typeface="Comic Sans MS"/>
+                <a:cs typeface="Comic Sans MS"/>
+              </a:rPr>
+              <a:t>99</a:t>
+            </a:r>
+            <a:r>
+              <a:rPr lang="en-US" sz="4800" dirty="0">
+                <a:solidFill>
+                  <a:srgbClr val="0000CC"/>
+                </a:solidFill>
+                <a:latin typeface="Comic Sans MS"/>
+                <a:cs typeface="Comic Sans MS"/>
+              </a:rPr>
+              <a:t>%</a:t>
+            </a:r>
+            <a:r>
+              <a:rPr lang="en-US" sz="4800" dirty="0">
+                <a:latin typeface="Comic Sans MS"/>
+                <a:cs typeface="Comic Sans MS"/>
+              </a:rPr>
+              <a:t> accurate </a:t>
+            </a:r>
+            <a:r>
+              <a:rPr lang="en-US" sz="4800" dirty="0" smtClean="0">
+                <a:latin typeface="Comic Sans MS"/>
+                <a:cs typeface="Comic Sans MS"/>
+              </a:rPr>
+              <a:t>test is not so</a:t>
+            </a:r>
+          </a:p>
+          <a:p>
+            <a:pPr algn="l"/>
+            <a:r>
+              <a:rPr lang="en-US" sz="4800" dirty="0" smtClean="0">
+                <a:latin typeface="Comic Sans MS"/>
+                <a:cs typeface="Comic Sans MS"/>
+              </a:rPr>
+              <a:t>good here.</a:t>
+            </a:r>
+            <a:endParaRPr lang="en-US" sz="4800" dirty="0" smtClean="0">
+              <a:latin typeface="Comic Sans MS"/>
+              <a:cs typeface="Comic Sans MS"/>
+            </a:endParaRPr>
+          </a:p>
+        </p:txBody>
+      </p:sp>
+    </p:spTree>
+    <p:extLst>
+      <p:ext uri="{BB962C8B-B14F-4D97-AF65-F5344CB8AC3E}">
+        <p14:creationId xmlns:p14="http://schemas.microsoft.com/office/powerpoint/2010/main" val="3613922773"/>
+      </p:ext>
+    </p:extLst>
+  </p:cSld>
+  <p:clrMapOvr>
+    <a:masterClrMapping/>
+  </p:clrMapOvr>
+  <mc:AlternateContent xmlns:mc="http://schemas.openxmlformats.org/markup-compatibility/2006" xmlns:p14="http://schemas.microsoft.com/office/powerpoint/2010/main">
+    <mc:Choice Requires="p14">
+      <p:transition spd="slow" p14:dur="900" advClick="0">
+        <p:fade/>
+      </p:transition>
+    </mc:Choice>
+    <mc:Fallback xmlns="">
+      <p:transition xmlns:p14="http://schemas.microsoft.com/office/powerpoint/2010/main" spd="slow" advClick="0">
+        <p:fade/>
+      </p:transition>
+    </mc:Fallback>
+  </mc:AlternateContent>
+  <p:timing>
+    <p:tnLst>
+      <p:par>
+        <p:cTn xmlns:p14="http://schemas.microsoft.com/office/powerpoint/2010/main" id="1" dur="indefinite" restart="never" nodeType="tmRoot"/>
+      </p:par>
+    </p:tnLst>
+  </p:timing>
+</p:sld>
+</file>
+
+<file path=ppt/slides/slide16.xml><?xml version="1.0" encoding="utf-8"?>
+<p:sld xmlns:a="http://schemas.openxmlformats.org/drawingml/2006/main" xmlns:r="http://schemas.openxmlformats.org/officeDocument/2006/relationships" xmlns:p="http://schemas.openxmlformats.org/presentationml/2006/main">
+  <p:cSld>
+    <p:spTree>
+      <p:nvGrpSpPr>
+        <p:cNvPr id="1" name=""/>
+        <p:cNvGrpSpPr/>
+        <p:nvPr/>
+      </p:nvGrpSpPr>
+      <p:grpSpPr>
+        <a:xfrm>
+          <a:off x="0" y="0"/>
+          <a:ext cx="0" cy="0"/>
+          <a:chOff x="0" y="0"/>
+          <a:chExt cx="0" cy="0"/>
+        </a:xfrm>
+      </p:grpSpPr>
+      <p:sp>
+        <p:nvSpPr>
+          <p:cNvPr id="4" name="Slide Number Placeholder 3"/>
+          <p:cNvSpPr>
+            <a:spLocks noGrp="1"/>
+          </p:cNvSpPr>
+          <p:nvPr>
+            <p:ph type="sldNum" sz="quarter" idx="4"/>
+          </p:nvPr>
+        </p:nvSpPr>
+        <p:spPr/>
+        <p:txBody>
+          <a:bodyPr/>
+          <a:lstStyle/>
+          <a:p>
+            <a:pPr>
+              <a:defRPr/>
+            </a:pPr>
+            <a:r>
+              <a:rPr lang="en-US" dirty="0" err="1" smtClean="0"/>
+              <a:t>totalprob</a:t>
+            </a:r>
+            <a:r>
+              <a:rPr lang="en-US" dirty="0" smtClean="0"/>
+              <a:t>.</a:t>
+            </a:r>
+            <a:fld id="{B9A0B45D-6AFD-413C-B761-B121FB8BE940}" type="slidenum">
+              <a:rPr lang="en-US" smtClean="0"/>
+              <a:pPr>
+                <a:defRPr/>
+              </a:pPr>
+              <a:t>16</a:t>
+            </a:fld>
+            <a:endParaRPr lang="en-US" dirty="0"/>
+          </a:p>
+        </p:txBody>
+      </p:sp>
+      <p:sp>
+        <p:nvSpPr>
+          <p:cNvPr id="5" name="Rectangle 4"/>
+          <p:cNvSpPr txBox="1">
+            <a:spLocks noChangeArrowheads="1"/>
+          </p:cNvSpPr>
+          <p:nvPr/>
+        </p:nvSpPr>
+        <p:spPr bwMode="auto">
+          <a:xfrm>
+            <a:off x="1447800" y="381000"/>
+            <a:ext cx="6553200" cy="838200"/>
+          </a:xfrm>
+          <a:prstGeom prst="rect">
+            <a:avLst/>
+          </a:prstGeom>
+          <a:noFill/>
+          <a:ln w="9525">
+            <a:noFill/>
+            <a:miter lim="800000"/>
+            <a:headEnd/>
+            <a:tailEnd/>
+          </a:ln>
+        </p:spPr>
+        <p:txBody>
+          <a:bodyPr vert="horz" wrap="square" lIns="91440" tIns="45720" rIns="91440" bIns="45720" numCol="1" anchor="ctr" anchorCtr="0" compatLnSpc="1">
+            <a:prstTxWarp prst="textNoShape">
+              <a:avLst/>
+            </a:prstTxWarp>
+          </a:bodyPr>
+          <a:lstStyle>
+            <a:lvl1pPr algn="ctr" rtl="0" eaLnBrk="0" fontAlgn="base" hangingPunct="0">
+              <a:spcBef>
+                <a:spcPct val="0"/>
+              </a:spcBef>
+              <a:spcAft>
+                <a:spcPct val="0"/>
+              </a:spcAft>
+              <a:defRPr sz="3200" b="1">
+                <a:solidFill>
+                  <a:schemeClr val="tx2"/>
+                </a:solidFill>
+                <a:latin typeface="+mj-lt"/>
+                <a:ea typeface="+mj-ea"/>
+                <a:cs typeface="+mj-cs"/>
+              </a:defRPr>
+            </a:lvl1pPr>
+            <a:lvl2pPr algn="ctr" rtl="0" eaLnBrk="0" fontAlgn="base" hangingPunct="0">
+              <a:spcBef>
+                <a:spcPct val="0"/>
+              </a:spcBef>
+              <a:spcAft>
+                <a:spcPct val="0"/>
+              </a:spcAft>
+              <a:defRPr sz="3600" b="1">
+                <a:solidFill>
+                  <a:schemeClr val="tx2"/>
+                </a:solidFill>
+                <a:latin typeface="Comic Sans MS" pitchFamily="66" charset="0"/>
+              </a:defRPr>
+            </a:lvl2pPr>
+            <a:lvl3pPr algn="ctr" rtl="0" eaLnBrk="0" fontAlgn="base" hangingPunct="0">
+              <a:spcBef>
+                <a:spcPct val="0"/>
+              </a:spcBef>
+              <a:spcAft>
+                <a:spcPct val="0"/>
+              </a:spcAft>
+              <a:defRPr sz="3600" b="1">
+                <a:solidFill>
+                  <a:schemeClr val="tx2"/>
+                </a:solidFill>
+                <a:latin typeface="Comic Sans MS" pitchFamily="66" charset="0"/>
+              </a:defRPr>
+            </a:lvl3pPr>
+            <a:lvl4pPr algn="ctr" rtl="0" eaLnBrk="0" fontAlgn="base" hangingPunct="0">
+              <a:spcBef>
+                <a:spcPct val="0"/>
+              </a:spcBef>
+              <a:spcAft>
+                <a:spcPct val="0"/>
+              </a:spcAft>
+              <a:defRPr sz="3600" b="1">
+                <a:solidFill>
+                  <a:schemeClr val="tx2"/>
+                </a:solidFill>
+                <a:latin typeface="Comic Sans MS" pitchFamily="66" charset="0"/>
+              </a:defRPr>
+            </a:lvl4pPr>
+            <a:lvl5pPr algn="ctr" rtl="0" eaLnBrk="0" fontAlgn="base" hangingPunct="0">
+              <a:spcBef>
+                <a:spcPct val="0"/>
+              </a:spcBef>
+              <a:spcAft>
+                <a:spcPct val="0"/>
+              </a:spcAft>
+              <a:defRPr sz="3600" b="1">
+                <a:solidFill>
+                  <a:schemeClr val="tx2"/>
+                </a:solidFill>
+                <a:latin typeface="Comic Sans MS" pitchFamily="66" charset="0"/>
+              </a:defRPr>
+            </a:lvl5pPr>
+            <a:lvl6pPr marL="457200" algn="ctr" rtl="0" fontAlgn="base">
+              <a:spcBef>
+                <a:spcPct val="0"/>
+              </a:spcBef>
+              <a:spcAft>
+                <a:spcPct val="0"/>
+              </a:spcAft>
+              <a:defRPr sz="3600" b="1">
+                <a:solidFill>
+                  <a:schemeClr val="tx2"/>
+                </a:solidFill>
+                <a:latin typeface="Comic Sans MS" pitchFamily="66" charset="0"/>
+              </a:defRPr>
+            </a:lvl6pPr>
+            <a:lvl7pPr marL="914400" algn="ctr" rtl="0" fontAlgn="base">
+              <a:spcBef>
+                <a:spcPct val="0"/>
+              </a:spcBef>
+              <a:spcAft>
+                <a:spcPct val="0"/>
+              </a:spcAft>
+              <a:defRPr sz="3600" b="1">
+                <a:solidFill>
+                  <a:schemeClr val="tx2"/>
+                </a:solidFill>
+                <a:latin typeface="Comic Sans MS" pitchFamily="66" charset="0"/>
+              </a:defRPr>
+            </a:lvl7pPr>
+            <a:lvl8pPr marL="1371600" algn="ctr" rtl="0" fontAlgn="base">
+              <a:spcBef>
+                <a:spcPct val="0"/>
+              </a:spcBef>
+              <a:spcAft>
+                <a:spcPct val="0"/>
+              </a:spcAft>
+              <a:defRPr sz="3600" b="1">
+                <a:solidFill>
+                  <a:schemeClr val="tx2"/>
+                </a:solidFill>
+                <a:latin typeface="Comic Sans MS" pitchFamily="66" charset="0"/>
+              </a:defRPr>
+            </a:lvl8pPr>
+            <a:lvl9pPr marL="1828800" algn="ctr" rtl="0" fontAlgn="base">
+              <a:spcBef>
+                <a:spcPct val="0"/>
+              </a:spcBef>
+              <a:spcAft>
+                <a:spcPct val="0"/>
+              </a:spcAft>
+              <a:defRPr sz="3600" b="1">
+                <a:solidFill>
+                  <a:schemeClr val="tx2"/>
+                </a:solidFill>
+                <a:latin typeface="Comic Sans MS" pitchFamily="66" charset="0"/>
+              </a:defRPr>
+            </a:lvl9pPr>
+          </a:lstStyle>
+          <a:p>
+            <a:pPr eaLnBrk="1" hangingPunct="1"/>
+            <a:r>
+              <a:rPr lang="en-US" sz="4000" dirty="0" smtClean="0">
+                <a:solidFill>
+                  <a:schemeClr val="tx1"/>
+                </a:solidFill>
+              </a:rPr>
+              <a:t>TB testing by cases</a:t>
+            </a:r>
+          </a:p>
+        </p:txBody>
+      </p:sp>
+      <p:sp>
+        <p:nvSpPr>
+          <p:cNvPr id="6" name="TextBox 5"/>
+          <p:cNvSpPr txBox="1"/>
+          <p:nvPr/>
+        </p:nvSpPr>
+        <p:spPr>
+          <a:xfrm>
+            <a:off x="355568" y="1379277"/>
+            <a:ext cx="8234045" cy="3785652"/>
+          </a:xfrm>
+          <a:prstGeom prst="rect">
+            <a:avLst/>
+          </a:prstGeom>
+          <a:noFill/>
+        </p:spPr>
+        <p:txBody>
+          <a:bodyPr wrap="none" rtlCol="0">
+            <a:spAutoFit/>
+          </a:bodyPr>
+          <a:lstStyle/>
+          <a:p>
+            <a:pPr algn="l"/>
+            <a:r>
+              <a:rPr lang="en-US" sz="4800" dirty="0">
+                <a:solidFill>
+                  <a:srgbClr val="0000CC"/>
+                </a:solidFill>
+                <a:latin typeface="Comic Sans MS"/>
+                <a:cs typeface="Comic Sans MS"/>
+              </a:rPr>
+              <a:t>99%</a:t>
+            </a:r>
+            <a:r>
+              <a:rPr lang="en-US" sz="4800" dirty="0">
+                <a:latin typeface="Comic Sans MS"/>
+                <a:cs typeface="Comic Sans MS"/>
+              </a:rPr>
+              <a:t> accurate </a:t>
+            </a:r>
+            <a:r>
+              <a:rPr lang="en-US" sz="4800" dirty="0" smtClean="0">
+                <a:latin typeface="Comic Sans MS"/>
+                <a:cs typeface="Comic Sans MS"/>
+              </a:rPr>
+              <a:t>test is not so</a:t>
+            </a:r>
+          </a:p>
+          <a:p>
+            <a:pPr algn="l"/>
+            <a:r>
+              <a:rPr lang="en-US" sz="4800" dirty="0" smtClean="0">
+                <a:latin typeface="Comic Sans MS"/>
+                <a:cs typeface="Comic Sans MS"/>
+              </a:rPr>
+              <a:t>good here.  In fact, there’s</a:t>
+            </a:r>
+          </a:p>
+          <a:p>
+            <a:pPr algn="l"/>
+            <a:r>
+              <a:rPr lang="en-US" sz="4800" dirty="0" smtClean="0">
+                <a:latin typeface="Comic Sans MS"/>
+                <a:cs typeface="Comic Sans MS"/>
+              </a:rPr>
+              <a:t>a trivial test that is </a:t>
+            </a:r>
+            <a:r>
+              <a:rPr lang="en-US" sz="4800" dirty="0" smtClean="0">
+                <a:solidFill>
+                  <a:srgbClr val="0000CC"/>
+                </a:solidFill>
+                <a:latin typeface="Comic Sans MS"/>
+                <a:cs typeface="Comic Sans MS"/>
+              </a:rPr>
+              <a:t>99.99%</a:t>
+            </a:r>
+          </a:p>
+          <a:p>
+            <a:pPr algn="l"/>
+            <a:r>
+              <a:rPr lang="en-US" sz="4800" dirty="0" smtClean="0">
+                <a:latin typeface="Comic Sans MS"/>
+                <a:cs typeface="Comic Sans MS"/>
+              </a:rPr>
+              <a:t>accurate:</a:t>
+            </a:r>
+          </a:p>
+          <a:p>
+            <a:pPr algn="l"/>
+            <a:r>
+              <a:rPr lang="en-US" sz="4800" dirty="0">
+                <a:latin typeface="Comic Sans MS"/>
+                <a:cs typeface="Comic Sans MS"/>
+              </a:rPr>
+              <a:t>	</a:t>
+            </a:r>
+            <a:r>
+              <a:rPr lang="en-US" sz="4800" dirty="0" smtClean="0">
+                <a:latin typeface="Comic Sans MS"/>
+                <a:cs typeface="Comic Sans MS"/>
+              </a:rPr>
+              <a:t>	always say </a:t>
+            </a:r>
+            <a:r>
+              <a:rPr lang="en-US" sz="4800" dirty="0" smtClean="0">
+                <a:solidFill>
+                  <a:srgbClr val="A50021"/>
+                </a:solidFill>
+                <a:latin typeface="Comic Sans MS"/>
+                <a:cs typeface="Comic Sans MS"/>
+              </a:rPr>
+              <a:t>No TB</a:t>
+            </a:r>
+            <a:endParaRPr lang="en-US" sz="4800" dirty="0" smtClean="0">
+              <a:solidFill>
+                <a:srgbClr val="A50021"/>
+              </a:solidFill>
+              <a:latin typeface="Comic Sans MS"/>
+              <a:cs typeface="Comic Sans MS"/>
+            </a:endParaRPr>
+          </a:p>
+        </p:txBody>
+      </p:sp>
+    </p:spTree>
+    <p:extLst>
+      <p:ext uri="{BB962C8B-B14F-4D97-AF65-F5344CB8AC3E}">
+        <p14:creationId xmlns:p14="http://schemas.microsoft.com/office/powerpoint/2010/main" val="1397802185"/>
+      </p:ext>
+    </p:extLst>
+  </p:cSld>
+  <p:clrMapOvr>
+    <a:masterClrMapping/>
+  </p:clrMapOvr>
+  <mc:AlternateContent xmlns:mc="http://schemas.openxmlformats.org/markup-compatibility/2006">
+    <mc:Choice xmlns:p14="http://schemas.microsoft.com/office/powerpoint/2010/main" Requires="p14">
+      <p:transition spd="med" p14:dur="600" advClick="0">
+        <p:fade/>
+      </p:transition>
+    </mc:Choice>
+    <mc:Fallback>
+      <p:transition xmlns:p14="http://schemas.microsoft.com/office/powerpoint/2010/main" spd="med" advClick="0">
+        <p:fade/>
+      </p:transition>
+    </mc:Fallback>
+  </mc:AlternateContent>
+  <p:timing>
+    <p:tnLst>
+      <p:par>
+        <p:cTn xmlns:p14="http://schemas.microsoft.com/office/powerpoint/2010/main" id="1" dur="indefinite" restart="never" nodeType="tmRoot">
+          <p:childTnLst>
+            <p:seq concurrent="1" nextAc="seek">
+              <p:cTn id="2" dur="indefinite" nodeType="mainSeq">
+                <p:childTnLst>
+                  <p:par>
+                    <p:cTn id="3" fill="hold">
+                      <p:stCondLst>
+                        <p:cond delay="indefinite"/>
+                      </p:stCondLst>
+                      <p:childTnLst>
+                        <p:par>
+                          <p:cTn id="4" fill="hold">
+                            <p:stCondLst>
+                              <p:cond delay="0"/>
+                            </p:stCondLst>
+                            <p:childTnLst>
+                              <p:par>
+                                <p:cTn id="5" presetID="10" presetClass="entr" presetSubtype="0" fill="hold" nodeType="clickEffect">
+                                  <p:stCondLst>
+                                    <p:cond delay="0"/>
+                                  </p:stCondLst>
+                                  <p:childTnLst>
+                                    <p:set>
+                                      <p:cBhvr>
+                                        <p:cTn id="6" dur="1" fill="hold">
+                                          <p:stCondLst>
+                                            <p:cond delay="0"/>
+                                          </p:stCondLst>
+                                        </p:cTn>
+                                        <p:tgtEl>
+                                          <p:spTgt spid="6">
+                                            <p:txEl>
+                                              <p:pRg st="4" end="4"/>
+                                            </p:txEl>
+                                          </p:spTgt>
+                                        </p:tgtEl>
+                                        <p:attrNameLst>
+                                          <p:attrName>style.visibility</p:attrName>
+                                        </p:attrNameLst>
+                                      </p:cBhvr>
+                                      <p:to>
+                                        <p:strVal val="visible"/>
+                                      </p:to>
+                                    </p:set>
+                                    <p:animEffect transition="in" filter="fade">
+                                      <p:cBhvr>
+                                        <p:cTn id="7" dur="500"/>
+                                        <p:tgtEl>
+                                          <p:spTgt spid="6">
+                                            <p:txEl>
+                                              <p:pRg st="4" end="4"/>
+                                            </p:txEl>
+                                          </p:spTgt>
+                                        </p:tgtEl>
+                                      </p:cBhvr>
+                                    </p:animEffect>
+                                  </p:childTnLst>
+                                </p:cTn>
+                              </p:par>
+                            </p:childTnLst>
+                          </p:cTn>
+                        </p:par>
+                      </p:childTnLst>
+                    </p:cTn>
+                  </p:par>
+                </p:childTnLst>
+              </p:cTn>
+              <p:prevCondLst>
+                <p:cond evt="onPrev" delay="0">
+                  <p:tgtEl>
+                    <p:sldTgt/>
+                  </p:tgtEl>
+                </p:cond>
+              </p:prevCondLst>
+              <p:nextCondLst>
+                <p:cond evt="onNext" delay="0">
+                  <p:tgtEl>
+                    <p:sldTgt/>
+                  </p:tgtEl>
+                </p:cond>
+              </p:nextCondLst>
+            </p:seq>
+          </p:childTnLst>
+        </p:cTn>
+      </p:par>
+    </p:tnLst>
+  </p:timing>
+</p:sld>
+</file>
+
+<file path=ppt/slides/slide17.xml><?xml version="1.0" encoding="utf-8"?>
+<p:sld xmlns:a="http://schemas.openxmlformats.org/drawingml/2006/main" xmlns:r="http://schemas.openxmlformats.org/officeDocument/2006/relationships" xmlns:p="http://schemas.openxmlformats.org/presentationml/2006/main">
+  <p:cSld>
+    <p:spTree>
+      <p:nvGrpSpPr>
+        <p:cNvPr id="1" name=""/>
+        <p:cNvGrpSpPr/>
+        <p:nvPr/>
+      </p:nvGrpSpPr>
+      <p:grpSpPr>
+        <a:xfrm>
+          <a:off x="0" y="0"/>
+          <a:ext cx="0" cy="0"/>
+          <a:chOff x="0" y="0"/>
+          <a:chExt cx="0" cy="0"/>
+        </a:xfrm>
+      </p:grpSpPr>
+      <p:sp>
+        <p:nvSpPr>
           <p:cNvPr id="2" name="Title 1"/>
           <p:cNvSpPr>
             <a:spLocks noGrp="1"/>
@@ -6217,7 +7001,7 @@
               <a:pPr>
                 <a:defRPr/>
               </a:pPr>
-              <a:t>15</a:t>
+              <a:t>17</a:t>
             </a:fld>
             <a:endParaRPr lang="en-US" dirty="0"/>
           </a:p>
@@ -6245,7 +7029,7 @@
           <a:graphicData uri="http://schemas.openxmlformats.org/presentationml/2006/ole">
             <mc:AlternateContent xmlns:mc="http://schemas.openxmlformats.org/markup-compatibility/2006">
               <mc:Choice xmlns:v="urn:schemas-microsoft-com:vml" Requires="v">
-                <p:oleObj spid="_x0000_s365582" name="Equation" r:id="rId3" imgW="2044700" imgH="495300" progId="Equation.DSMT4">
+                <p:oleObj spid="_x0000_s365594" name="Equation" r:id="rId3" imgW="2044700" imgH="495300" progId="Equation.DSMT4">
                   <p:embed/>
                 </p:oleObj>
               </mc:Choice>
@@ -6302,7 +7086,7 @@
           <a:graphicData uri="http://schemas.openxmlformats.org/presentationml/2006/ole">
             <mc:AlternateContent xmlns:mc="http://schemas.openxmlformats.org/markup-compatibility/2006">
               <mc:Choice xmlns:v="urn:schemas-microsoft-com:vml" Requires="v">
-                <p:oleObj spid="_x0000_s365583" name="Equation" r:id="rId5" imgW="1790700" imgH="495300" progId="Equation.DSMT4">
+                <p:oleObj spid="_x0000_s365595" name="Equation" r:id="rId5" imgW="1790700" imgH="495300" progId="Equation.DSMT4">
                   <p:embed/>
                 </p:oleObj>
               </mc:Choice>
@@ -6410,18 +7194,9 @@
   <p:clrMapOvr>
     <a:masterClrMapping/>
   </p:clrMapOvr>
-  <mc:AlternateContent xmlns:mc="http://schemas.openxmlformats.org/markup-compatibility/2006">
-    <mc:Choice xmlns:p14="http://schemas.microsoft.com/office/powerpoint/2010/main" Requires="p14">
-      <p:transition spd="slow" p14:dur="900" advClick="0">
-        <p:fade/>
-      </p:transition>
-    </mc:Choice>
-    <mc:Fallback>
-      <p:transition xmlns:p14="http://schemas.microsoft.com/office/powerpoint/2010/main" spd="slow" advClick="0">
-        <p:fade/>
-      </p:transition>
-    </mc:Fallback>
-  </mc:AlternateContent>
+  <p:transition xmlns:p14="http://schemas.microsoft.com/office/powerpoint/2010/main" spd="slow" advClick="0">
+    <p:fade thruBlk="1"/>
+  </p:transition>
   <p:timing>
     <p:tnLst>
       <p:par>
@@ -7466,7 +8241,7 @@
           <a:graphicData uri="http://schemas.openxmlformats.org/presentationml/2006/ole">
             <mc:AlternateContent xmlns:mc="http://schemas.openxmlformats.org/markup-compatibility/2006">
               <mc:Choice xmlns:v="urn:schemas-microsoft-com:vml" Requires="v">
-                <p:oleObj spid="_x0000_s334935" name="Equation" r:id="rId4" imgW="457200" imgH="304800" progId="Equation.DSMT4">
+                <p:oleObj spid="_x0000_s334949" name="Equation" r:id="rId4" imgW="457200" imgH="304800" progId="Equation.DSMT4">
                   <p:embed/>
                 </p:oleObj>
               </mc:Choice>
@@ -7536,7 +8311,7 @@
           <a:graphicData uri="http://schemas.openxmlformats.org/presentationml/2006/ole">
             <mc:AlternateContent xmlns:mc="http://schemas.openxmlformats.org/markup-compatibility/2006">
               <mc:Choice xmlns:v="urn:schemas-microsoft-com:vml" Requires="v">
-                <p:oleObj spid="_x0000_s334936" name="Equation" r:id="rId6" imgW="457200" imgH="304800" progId="Equation.DSMT4">
+                <p:oleObj spid="_x0000_s334950" name="Equation" r:id="rId6" imgW="457200" imgH="304800" progId="Equation.DSMT4">
                   <p:embed/>
                 </p:oleObj>
               </mc:Choice>
@@ -7606,7 +8381,7 @@
           <a:graphicData uri="http://schemas.openxmlformats.org/presentationml/2006/ole">
             <mc:AlternateContent xmlns:mc="http://schemas.openxmlformats.org/markup-compatibility/2006">
               <mc:Choice xmlns:v="urn:schemas-microsoft-com:vml" Requires="v">
-                <p:oleObj spid="_x0000_s334937" name="Equation" r:id="rId8" imgW="444500" imgH="304800" progId="Equation.DSMT4">
+                <p:oleObj spid="_x0000_s334951" name="Equation" r:id="rId8" imgW="444500" imgH="304800" progId="Equation.DSMT4">
                   <p:embed/>
                 </p:oleObj>
               </mc:Choice>
@@ -10920,7 +11695,7 @@
           <a:graphicData uri="http://schemas.openxmlformats.org/presentationml/2006/ole">
             <mc:AlternateContent xmlns:mc="http://schemas.openxmlformats.org/markup-compatibility/2006">
               <mc:Choice xmlns:v="urn:schemas-microsoft-com:vml" Requires="v">
-                <p:oleObj spid="_x0000_s326698" name="Equation" r:id="rId4" imgW="2197100" imgH="292100" progId="Equation.DSMT4">
+                <p:oleObj spid="_x0000_s326704" name="Equation" r:id="rId4" imgW="2197100" imgH="292100" progId="Equation.DSMT4">
                   <p:embed/>
                 </p:oleObj>
               </mc:Choice>
@@ -11119,13 +11894,13 @@
   <p:clrMapOvr>
     <a:masterClrMapping/>
   </p:clrMapOvr>
-  <mc:AlternateContent xmlns:mc="http://schemas.openxmlformats.org/markup-compatibility/2006">
-    <mc:Choice xmlns:p14="http://schemas.microsoft.com/office/powerpoint/2010/main" Requires="p14">
+  <mc:AlternateContent xmlns:mc="http://schemas.openxmlformats.org/markup-compatibility/2006" xmlns:p14="http://schemas.microsoft.com/office/powerpoint/2010/main">
+    <mc:Choice Requires="p14">
       <p:transition spd="slow" p14:dur="900" advClick="0">
         <p:fade/>
       </p:transition>
     </mc:Choice>
-    <mc:Fallback>
+    <mc:Fallback xmlns="">
       <p:transition xmlns:p14="http://schemas.microsoft.com/office/powerpoint/2010/main" spd="slow" advClick="0">
         <p:fade/>
       </p:transition>
@@ -12110,7 +12885,7 @@
           <a:graphicData uri="http://schemas.openxmlformats.org/presentationml/2006/ole">
             <mc:AlternateContent xmlns:mc="http://schemas.openxmlformats.org/markup-compatibility/2006">
               <mc:Choice xmlns:v="urn:schemas-microsoft-com:vml" Requires="v">
-                <p:oleObj spid="_x0000_s353303" name="Equation" r:id="rId4" imgW="2197100" imgH="292100" progId="Equation.DSMT4">
+                <p:oleObj spid="_x0000_s353309" name="Equation" r:id="rId4" imgW="2197100" imgH="292100" progId="Equation.DSMT4">
                   <p:embed/>
                 </p:oleObj>
               </mc:Choice>
@@ -12309,13 +13084,13 @@
   <p:clrMapOvr>
     <a:masterClrMapping/>
   </p:clrMapOvr>
-  <mc:AlternateContent xmlns:mc="http://schemas.openxmlformats.org/markup-compatibility/2006">
-    <mc:Choice xmlns:p14="http://schemas.microsoft.com/office/powerpoint/2010/main" Requires="p14">
+  <mc:AlternateContent xmlns:mc="http://schemas.openxmlformats.org/markup-compatibility/2006" xmlns:p14="http://schemas.microsoft.com/office/powerpoint/2010/main">
+    <mc:Choice Requires="p14">
       <p:transition spd="slow" p14:dur="900" advClick="0">
         <p:fade/>
       </p:transition>
     </mc:Choice>
-    <mc:Fallback>
+    <mc:Fallback xmlns="">
       <p:transition xmlns:p14="http://schemas.microsoft.com/office/powerpoint/2010/main" spd="slow" advClick="0">
         <p:fade/>
       </p:transition>
@@ -12594,7 +13369,7 @@
           <a:graphicData uri="http://schemas.openxmlformats.org/presentationml/2006/ole">
             <mc:AlternateContent xmlns:mc="http://schemas.openxmlformats.org/markup-compatibility/2006">
               <mc:Choice xmlns:v="urn:schemas-microsoft-com:vml" Requires="v">
-                <p:oleObj spid="_x0000_s327753" name="Equation" r:id="rId4" imgW="1447800" imgH="381000" progId="Equation.DSMT4">
+                <p:oleObj spid="_x0000_s327763" name="Equation" r:id="rId4" imgW="1447800" imgH="381000" progId="Equation.DSMT4">
                   <p:embed/>
                 </p:oleObj>
               </mc:Choice>
@@ -12664,7 +13439,7 @@
           <a:graphicData uri="http://schemas.openxmlformats.org/presentationml/2006/ole">
             <mc:AlternateContent xmlns:mc="http://schemas.openxmlformats.org/markup-compatibility/2006">
               <mc:Choice xmlns:v="urn:schemas-microsoft-com:vml" Requires="v">
-                <p:oleObj spid="_x0000_s327754" name="Equation" r:id="rId6" imgW="1435100" imgH="381000" progId="Equation.DSMT4">
+                <p:oleObj spid="_x0000_s327764" name="Equation" r:id="rId6" imgW="1435100" imgH="381000" progId="Equation.DSMT4">
                   <p:embed/>
                 </p:oleObj>
               </mc:Choice>
@@ -12863,13 +13638,13 @@
   <p:clrMapOvr>
     <a:masterClrMapping/>
   </p:clrMapOvr>
-  <mc:AlternateContent xmlns:mc="http://schemas.openxmlformats.org/markup-compatibility/2006">
-    <mc:Choice xmlns:p14="http://schemas.microsoft.com/office/powerpoint/2010/main" Requires="p14">
+  <mc:AlternateContent xmlns:mc="http://schemas.openxmlformats.org/markup-compatibility/2006" xmlns:p14="http://schemas.microsoft.com/office/powerpoint/2010/main">
+    <mc:Choice Requires="p14">
       <p:transition spd="slow" p14:dur="900" advClick="0">
         <p:fade/>
       </p:transition>
     </mc:Choice>
-    <mc:Fallback>
+    <mc:Fallback xmlns="">
       <p:transition xmlns:p14="http://schemas.microsoft.com/office/powerpoint/2010/main" spd="slow" advClick="0">
         <p:fade/>
       </p:transition>
@@ -13342,7 +14117,7 @@
           <a:graphicData uri="http://schemas.openxmlformats.org/presentationml/2006/ole">
             <mc:AlternateContent xmlns:mc="http://schemas.openxmlformats.org/markup-compatibility/2006">
               <mc:Choice xmlns:v="urn:schemas-microsoft-com:vml" Requires="v">
-                <p:oleObj spid="_x0000_s1073" name="Equation" r:id="rId4" imgW="1714500" imgH="241300" progId="Equation.DSMT4">
+                <p:oleObj spid="_x0000_s1087" name="Equation" r:id="rId4" imgW="1714500" imgH="241300" progId="Equation.DSMT4">
                   <p:embed/>
                 </p:oleObj>
               </mc:Choice>
@@ -13399,7 +14174,7 @@
           <a:graphicData uri="http://schemas.openxmlformats.org/presentationml/2006/ole">
             <mc:AlternateContent xmlns:mc="http://schemas.openxmlformats.org/markup-compatibility/2006">
               <mc:Choice xmlns:v="urn:schemas-microsoft-com:vml" Requires="v">
-                <p:oleObj spid="_x0000_s1074" name="Equation" r:id="rId6" imgW="2235200" imgH="469900" progId="Equation.DSMT4">
+                <p:oleObj spid="_x0000_s1088" name="Equation" r:id="rId6" imgW="2235200" imgH="469900" progId="Equation.DSMT4">
                   <p:embed/>
                 </p:oleObj>
               </mc:Choice>
@@ -13456,7 +14231,7 @@
           <a:graphicData uri="http://schemas.openxmlformats.org/presentationml/2006/ole">
             <mc:AlternateContent xmlns:mc="http://schemas.openxmlformats.org/markup-compatibility/2006">
               <mc:Choice xmlns:v="urn:schemas-microsoft-com:vml" Requires="v">
-                <p:oleObj spid="_x0000_s1075" name="Equation" r:id="rId8" imgW="1193800" imgH="495300" progId="Equation.DSMT4">
+                <p:oleObj spid="_x0000_s1089" name="Equation" r:id="rId8" imgW="1193800" imgH="495300" progId="Equation.DSMT4">
                   <p:embed/>
                 </p:oleObj>
               </mc:Choice>
@@ -13503,13 +14278,13 @@
   </p:clrMapOvr>
   <mc:AlternateContent xmlns:mc="http://schemas.openxmlformats.org/markup-compatibility/2006">
     <mc:Choice xmlns:p14="http://schemas.microsoft.com/office/powerpoint/2010/main" Requires="p14">
-      <p:transition spd="slow" p14:dur="900" advClick="0">
-        <p:fade/>
+      <p:transition spd="slow" p14:dur="1100" advClick="0">
+        <p:fade thruBlk="1"/>
       </p:transition>
     </mc:Choice>
     <mc:Fallback>
       <p:transition xmlns:p14="http://schemas.microsoft.com/office/powerpoint/2010/main" spd="slow" advClick="0">
-        <p:fade/>
+        <p:fade thruBlk="1"/>
       </p:transition>
     </mc:Fallback>
   </mc:AlternateContent>
@@ -13559,7 +14334,7 @@
                                     </p:set>
                                     <p:animEffect transition="in" filter="wipe(left)">
                                       <p:cBhvr>
-                                        <p:cTn id="7" dur="500"/>
+                                        <p:cTn id="7" dur="1000"/>
                                         <p:tgtEl>
                                           <p:spTgt spid="3"/>
                                         </p:tgtEl>
@@ -13612,7 +14387,7 @@
                                     </p:set>
                                     <p:animEffect transition="in" filter="wipe(left)">
                                       <p:cBhvr>
-                                        <p:cTn id="12" dur="500"/>
+                                        <p:cTn id="12" dur="1000"/>
                                         <p:tgtEl>
                                           <p:spTgt spid="9"/>
                                         </p:tgtEl>
@@ -13665,7 +14440,7 @@
                                     </p:set>
                                     <p:animEffect transition="in" filter="wipe(left)">
                                       <p:cBhvr>
-                                        <p:cTn id="17" dur="500"/>
+                                        <p:cTn id="17" dur="1000"/>
                                         <p:tgtEl>
                                           <p:spTgt spid="10"/>
                                         </p:tgtEl>
@@ -13983,7 +14758,7 @@
           <a:graphicData uri="http://schemas.openxmlformats.org/presentationml/2006/ole">
             <mc:AlternateContent xmlns:mc="http://schemas.openxmlformats.org/markup-compatibility/2006">
               <mc:Choice xmlns:v="urn:schemas-microsoft-com:vml" Requires="v">
-                <p:oleObj spid="_x0000_s357392" name="Equation" r:id="rId4" imgW="2235200" imgH="469900" progId="Equation.DSMT4">
+                <p:oleObj spid="_x0000_s357402" name="Equation" r:id="rId4" imgW="2235200" imgH="469900" progId="Equation.DSMT4">
                   <p:embed/>
                 </p:oleObj>
               </mc:Choice>
@@ -14040,7 +14815,7 @@
           <a:graphicData uri="http://schemas.openxmlformats.org/presentationml/2006/ole">
             <mc:AlternateContent xmlns:mc="http://schemas.openxmlformats.org/markup-compatibility/2006">
               <mc:Choice xmlns:v="urn:schemas-microsoft-com:vml" Requires="v">
-                <p:oleObj spid="_x0000_s357393" name="Equation" r:id="rId6" imgW="1676400" imgH="469900" progId="Equation.DSMT4">
+                <p:oleObj spid="_x0000_s357403" name="Equation" r:id="rId6" imgW="1676400" imgH="469900" progId="Equation.DSMT4">
                   <p:embed/>
                 </p:oleObj>
               </mc:Choice>
@@ -14085,13 +14860,13 @@
   <p:clrMapOvr>
     <a:masterClrMapping/>
   </p:clrMapOvr>
-  <mc:AlternateContent xmlns:mc="http://schemas.openxmlformats.org/markup-compatibility/2006">
-    <mc:Choice xmlns:p14="http://schemas.microsoft.com/office/powerpoint/2010/main" Requires="p14">
+  <mc:AlternateContent xmlns:mc="http://schemas.openxmlformats.org/markup-compatibility/2006" xmlns:p14="http://schemas.microsoft.com/office/powerpoint/2010/main">
+    <mc:Choice Requires="p14">
       <p:transition spd="slow" p14:dur="900" advClick="0">
         <p:fade/>
       </p:transition>
     </mc:Choice>
-    <mc:Fallback>
+    <mc:Fallback xmlns="">
       <p:transition xmlns:p14="http://schemas.microsoft.com/office/powerpoint/2010/main" spd="slow" advClick="0">
         <p:fade/>
       </p:transition>
@@ -14432,7 +15207,7 @@
           <a:graphicData uri="http://schemas.openxmlformats.org/presentationml/2006/ole">
             <mc:AlternateContent xmlns:mc="http://schemas.openxmlformats.org/markup-compatibility/2006">
               <mc:Choice xmlns:v="urn:schemas-microsoft-com:vml" Requires="v">
-                <p:oleObj spid="_x0000_s354348" name="Equation" r:id="rId4" imgW="2413000" imgH="457200" progId="Equation.DSMT4">
+                <p:oleObj spid="_x0000_s354362" name="Equation" r:id="rId4" imgW="2413000" imgH="457200" progId="Equation.DSMT4">
                   <p:embed/>
                 </p:oleObj>
               </mc:Choice>
@@ -14489,7 +15264,7 @@
           <a:graphicData uri="http://schemas.openxmlformats.org/presentationml/2006/ole">
             <mc:AlternateContent xmlns:mc="http://schemas.openxmlformats.org/markup-compatibility/2006">
               <mc:Choice xmlns:v="urn:schemas-microsoft-com:vml" Requires="v">
-                <p:oleObj spid="_x0000_s354349" name="Equation" r:id="rId6" imgW="2235200" imgH="495300" progId="Equation.DSMT4">
+                <p:oleObj spid="_x0000_s354363" name="Equation" r:id="rId6" imgW="2235200" imgH="495300" progId="Equation.DSMT4">
                   <p:embed/>
                 </p:oleObj>
               </mc:Choice>
@@ -14724,7 +15499,7 @@
           <a:graphicData uri="http://schemas.openxmlformats.org/presentationml/2006/ole">
             <mc:AlternateContent xmlns:mc="http://schemas.openxmlformats.org/markup-compatibility/2006">
               <mc:Choice xmlns:v="urn:schemas-microsoft-com:vml" Requires="v">
-                <p:oleObj spid="_x0000_s354350" name="Equation" r:id="rId8" imgW="457200" imgH="469900" progId="Equation.DSMT4">
+                <p:oleObj spid="_x0000_s354364" name="Equation" r:id="rId8" imgW="457200" imgH="469900" progId="Equation.DSMT4">
                   <p:embed/>
                 </p:oleObj>
               </mc:Choice>
@@ -14816,13 +15591,13 @@
   <p:clrMapOvr>
     <a:masterClrMapping/>
   </p:clrMapOvr>
-  <mc:AlternateContent xmlns:mc="http://schemas.openxmlformats.org/markup-compatibility/2006">
-    <mc:Choice xmlns:p14="http://schemas.microsoft.com/office/powerpoint/2010/main" Requires="p14">
+  <mc:AlternateContent xmlns:mc="http://schemas.openxmlformats.org/markup-compatibility/2006" xmlns:p14="http://schemas.microsoft.com/office/powerpoint/2010/main">
+    <mc:Choice Requires="p14">
       <p:transition spd="slow" p14:dur="900" advClick="0">
         <p:fade/>
       </p:transition>
     </mc:Choice>
-    <mc:Fallback>
+    <mc:Fallback xmlns="">
       <p:transition xmlns:p14="http://schemas.microsoft.com/office/powerpoint/2010/main" spd="slow" advClick="0">
         <p:fade/>
       </p:transition>
@@ -14849,7 +15624,7 @@
                             </p:stCondLst>
                             <p:childTnLst>
                               <p:par>
-                                <p:cTn id="5" presetID="22" presetClass="entr" presetSubtype="8" fill="hold" nodeType="clickEffect">
+                                <p:cTn id="5" presetID="22" presetClass="entr" presetSubtype="1" fill="hold" nodeType="clickEffect">
                                   <p:stCondLst>
                                     <p:cond delay="0"/>
                                   </p:stCondLst>
@@ -14862,7 +15637,7 @@
                                           </p:stCondLst>
                                         </p:cTn>
                                         <p:tgtEl>
-                                          <p:spTgt spid="12"/>
+                                          <p:spTgt spid="11"/>
                                         </p:tgtEl>
                                         <p:attrNameLst>
                                           <p:attrName>style.visibility</p:attrName>
@@ -14872,11 +15647,11 @@
                                         <p:strVal val="visible"/>
                                       </p:to>
                                     </p:set>
-                                    <p:animEffect transition="in" filter="wipe(left)">
+                                    <p:animEffect transition="in" filter="wipe(up)">
                                       <p:cBhvr>
                                         <p:cTn id="7" dur="1000"/>
                                         <p:tgtEl>
-                                          <p:spTgt spid="12"/>
+                                          <p:spTgt spid="11"/>
                                         </p:tgtEl>
                                       </p:cBhvr>
                                     </p:animEffect>
@@ -14902,7 +15677,7 @@
                             </p:stCondLst>
                             <p:childTnLst>
                               <p:par>
-                                <p:cTn id="10" presetID="9" presetClass="entr" presetSubtype="0" fill="hold" nodeType="clickEffect">
+                                <p:cTn id="10" presetID="22" presetClass="entr" presetSubtype="8" fill="hold" nodeType="clickEffect">
                                   <p:stCondLst>
                                     <p:cond delay="0"/>
                                   </p:stCondLst>
@@ -14915,7 +15690,7 @@
                                           </p:stCondLst>
                                         </p:cTn>
                                         <p:tgtEl>
-                                          <p:spTgt spid="4"/>
+                                          <p:spTgt spid="12"/>
                                         </p:tgtEl>
                                         <p:attrNameLst>
                                           <p:attrName>style.visibility</p:attrName>
@@ -14925,11 +15700,11 @@
                                         <p:strVal val="visible"/>
                                       </p:to>
                                     </p:set>
-                                    <p:animEffect transition="in" filter="dissolve">
+                                    <p:animEffect transition="in" filter="wipe(left)">
                                       <p:cBhvr>
-                                        <p:cTn id="12" dur="500"/>
+                                        <p:cTn id="12" dur="1000"/>
                                         <p:tgtEl>
-                                          <p:spTgt spid="4"/>
+                                          <p:spTgt spid="12"/>
                                         </p:tgtEl>
                                       </p:cBhvr>
                                     </p:animEffect>
@@ -14955,7 +15730,7 @@
                             </p:stCondLst>
                             <p:childTnLst>
                               <p:par>
-                                <p:cTn id="15" presetID="9" presetClass="entr" presetSubtype="0" fill="hold" grpId="0" nodeType="clickEffect">
+                                <p:cTn id="15" presetID="10" presetClass="entr" presetSubtype="0" fill="hold" nodeType="clickEffect">
                                   <p:stCondLst>
                                     <p:cond delay="0"/>
                                   </p:stCondLst>
@@ -14963,6 +15738,59 @@
                                     <p:set>
                                       <p:cBhvr>
                                         <p:cTn id="16" dur="1" fill="hold">
+                                          <p:stCondLst>
+                                            <p:cond delay="0"/>
+                                          </p:stCondLst>
+                                        </p:cTn>
+                                        <p:tgtEl>
+                                          <p:spTgt spid="4"/>
+                                        </p:tgtEl>
+                                        <p:attrNameLst>
+                                          <p:attrName>style.visibility</p:attrName>
+                                        </p:attrNameLst>
+                                      </p:cBhvr>
+                                      <p:to>
+                                        <p:strVal val="visible"/>
+                                      </p:to>
+                                    </p:set>
+                                    <p:animEffect transition="in" filter="fade">
+                                      <p:cBhvr>
+                                        <p:cTn id="17" dur="500"/>
+                                        <p:tgtEl>
+                                          <p:spTgt spid="4"/>
+                                        </p:tgtEl>
+                                      </p:cBhvr>
+                                    </p:animEffect>
+                                  </p:childTnLst>
+                                </p:cTn>
+                              </p:par>
+                            </p:childTnLst>
+                          </p:cTn>
+                        </p:par>
+                      </p:childTnLst>
+                    </p:cTn>
+                  </p:par>
+                  <p:par>
+                    <p:cTn id="18" fill="hold">
+                      <p:stCondLst>
+                        <p:cond delay="indefinite"/>
+                      </p:stCondLst>
+                      <p:childTnLst>
+                        <p:par>
+                          <p:cTn id="19" fill="hold">
+                            <p:stCondLst>
+                              <p:cond delay="0"/>
+                            </p:stCondLst>
+                            <p:childTnLst>
+                              <p:par>
+                                <p:cTn id="20" presetID="10" presetClass="entr" presetSubtype="0" fill="hold" grpId="0" nodeType="clickEffect">
+                                  <p:stCondLst>
+                                    <p:cond delay="0"/>
+                                  </p:stCondLst>
+                                  <p:childTnLst>
+                                    <p:set>
+                                      <p:cBhvr>
+                                        <p:cTn id="21" dur="1" fill="hold">
                                           <p:stCondLst>
                                             <p:cond delay="0"/>
                                           </p:stCondLst>
@@ -14978,9 +15806,9 @@
                                         <p:strVal val="visible"/>
                                       </p:to>
                                     </p:set>
-                                    <p:animEffect transition="in" filter="dissolve">
+                                    <p:animEffect transition="in" filter="fade">
                                       <p:cBhvr>
-                                        <p:cTn id="17" dur="500"/>
+                                        <p:cTn id="22" dur="500"/>
                                         <p:tgtEl>
                                           <p:spTgt spid="5"/>
                                         </p:tgtEl>

--- a/spring13/slides13/total-probability.pptx
+++ b/spring13/slides13/total-probability.pptx
@@ -4246,7 +4246,7 @@
           <a:graphicData uri="http://schemas.openxmlformats.org/presentationml/2006/ole">
             <mc:AlternateContent xmlns:mc="http://schemas.openxmlformats.org/markup-compatibility/2006">
               <mc:Choice xmlns:v="urn:schemas-microsoft-com:vml" Requires="v">
-                <p:oleObj spid="_x0000_s358417" name="Equation" r:id="rId4" imgW="1727200" imgH="495300" progId="Equation.DSMT4">
+                <p:oleObj spid="_x0000_s358419" name="Equation" r:id="rId4" imgW="1727200" imgH="495300" progId="Equation.DSMT4">
                   <p:embed/>
                 </p:oleObj>
               </mc:Choice>
@@ -4740,7 +4740,7 @@
           <a:graphicData uri="http://schemas.openxmlformats.org/presentationml/2006/ole">
             <mc:AlternateContent xmlns:mc="http://schemas.openxmlformats.org/markup-compatibility/2006">
               <mc:Choice xmlns:v="urn:schemas-microsoft-com:vml" Requires="v">
-                <p:oleObj spid="_x0000_s361487" name="Equation" r:id="rId4" imgW="2044700" imgH="495300" progId="Equation.DSMT4">
+                <p:oleObj spid="_x0000_s361489" name="Equation" r:id="rId4" imgW="2044700" imgH="495300" progId="Equation.DSMT4">
                   <p:embed/>
                 </p:oleObj>
               </mc:Choice>
@@ -5234,7 +5234,7 @@
           <a:graphicData uri="http://schemas.openxmlformats.org/presentationml/2006/ole">
             <mc:AlternateContent xmlns:mc="http://schemas.openxmlformats.org/markup-compatibility/2006">
               <mc:Choice xmlns:v="urn:schemas-microsoft-com:vml" Requires="v">
-                <p:oleObj spid="_x0000_s362522" name="Equation" r:id="rId4" imgW="2044700" imgH="495300" progId="Equation.DSMT4">
+                <p:oleObj spid="_x0000_s362525" name="Equation" r:id="rId4" imgW="2044700" imgH="495300" progId="Equation.DSMT4">
                   <p:embed/>
                 </p:oleObj>
               </mc:Choice>
@@ -5291,7 +5291,7 @@
           <a:graphicData uri="http://schemas.openxmlformats.org/presentationml/2006/ole">
             <mc:AlternateContent xmlns:mc="http://schemas.openxmlformats.org/markup-compatibility/2006">
               <mc:Choice xmlns:v="urn:schemas-microsoft-com:vml" Requires="v">
-                <p:oleObj spid="_x0000_s362523" name="Equation" r:id="rId6" imgW="1308100" imgH="914400" progId="Equation.DSMT4">
+                <p:oleObj spid="_x0000_s362526" name="Equation" r:id="rId6" imgW="1308100" imgH="914400" progId="Equation.DSMT4">
                   <p:embed/>
                 </p:oleObj>
               </mc:Choice>
@@ -6424,10 +6424,6 @@
               </a:rPr>
               <a:t>good here.</a:t>
             </a:r>
-            <a:endParaRPr lang="en-US" sz="4800" dirty="0" smtClean="0">
-              <a:latin typeface="Comic Sans MS"/>
-              <a:cs typeface="Comic Sans MS"/>
-            </a:endParaRPr>
           </a:p>
         </p:txBody>
       </p:sp>
@@ -6804,13 +6800,6 @@
               </a:rPr>
               <a:t>No TB</a:t>
             </a:r>
-            <a:endParaRPr lang="en-US" sz="4800" dirty="0" smtClean="0">
-              <a:solidFill>
-                <a:srgbClr val="A50021"/>
-              </a:solidFill>
-              <a:latin typeface="Comic Sans MS"/>
-              <a:cs typeface="Comic Sans MS"/>
-            </a:endParaRPr>
           </a:p>
         </p:txBody>
       </p:sp>
@@ -6824,13 +6813,13 @@
   <p:clrMapOvr>
     <a:masterClrMapping/>
   </p:clrMapOvr>
-  <mc:AlternateContent xmlns:mc="http://schemas.openxmlformats.org/markup-compatibility/2006">
-    <mc:Choice xmlns:p14="http://schemas.microsoft.com/office/powerpoint/2010/main" Requires="p14">
+  <mc:AlternateContent xmlns:mc="http://schemas.openxmlformats.org/markup-compatibility/2006" xmlns:p14="http://schemas.microsoft.com/office/powerpoint/2010/main">
+    <mc:Choice Requires="p14">
       <p:transition spd="med" p14:dur="600" advClick="0">
         <p:fade/>
       </p:transition>
     </mc:Choice>
-    <mc:Fallback>
+    <mc:Fallback xmlns="">
       <p:transition xmlns:p14="http://schemas.microsoft.com/office/powerpoint/2010/main" spd="med" advClick="0">
         <p:fade/>
       </p:transition>
@@ -7029,7 +7018,7 @@
           <a:graphicData uri="http://schemas.openxmlformats.org/presentationml/2006/ole">
             <mc:AlternateContent xmlns:mc="http://schemas.openxmlformats.org/markup-compatibility/2006">
               <mc:Choice xmlns:v="urn:schemas-microsoft-com:vml" Requires="v">
-                <p:oleObj spid="_x0000_s365594" name="Equation" r:id="rId3" imgW="2044700" imgH="495300" progId="Equation.DSMT4">
+                <p:oleObj spid="_x0000_s365597" name="Equation" r:id="rId3" imgW="2044700" imgH="495300" progId="Equation.DSMT4">
                   <p:embed/>
                 </p:oleObj>
               </mc:Choice>
@@ -7086,7 +7075,7 @@
           <a:graphicData uri="http://schemas.openxmlformats.org/presentationml/2006/ole">
             <mc:AlternateContent xmlns:mc="http://schemas.openxmlformats.org/markup-compatibility/2006">
               <mc:Choice xmlns:v="urn:schemas-microsoft-com:vml" Requires="v">
-                <p:oleObj spid="_x0000_s365595" name="Equation" r:id="rId5" imgW="1790700" imgH="495300" progId="Equation.DSMT4">
+                <p:oleObj spid="_x0000_s365598" name="Equation" r:id="rId5" imgW="1790700" imgH="495300" progId="Equation.DSMT4">
                   <p:embed/>
                 </p:oleObj>
               </mc:Choice>
@@ -8241,7 +8230,7 @@
           <a:graphicData uri="http://schemas.openxmlformats.org/presentationml/2006/ole">
             <mc:AlternateContent xmlns:mc="http://schemas.openxmlformats.org/markup-compatibility/2006">
               <mc:Choice xmlns:v="urn:schemas-microsoft-com:vml" Requires="v">
-                <p:oleObj spid="_x0000_s334949" name="Equation" r:id="rId4" imgW="457200" imgH="304800" progId="Equation.DSMT4">
+                <p:oleObj spid="_x0000_s334953" name="Equation" r:id="rId4" imgW="457200" imgH="304800" progId="Equation.DSMT4">
                   <p:embed/>
                 </p:oleObj>
               </mc:Choice>
@@ -8311,7 +8300,7 @@
           <a:graphicData uri="http://schemas.openxmlformats.org/presentationml/2006/ole">
             <mc:AlternateContent xmlns:mc="http://schemas.openxmlformats.org/markup-compatibility/2006">
               <mc:Choice xmlns:v="urn:schemas-microsoft-com:vml" Requires="v">
-                <p:oleObj spid="_x0000_s334950" name="Equation" r:id="rId6" imgW="457200" imgH="304800" progId="Equation.DSMT4">
+                <p:oleObj spid="_x0000_s334954" name="Equation" r:id="rId6" imgW="457200" imgH="304800" progId="Equation.DSMT4">
                   <p:embed/>
                 </p:oleObj>
               </mc:Choice>
@@ -8381,7 +8370,7 @@
           <a:graphicData uri="http://schemas.openxmlformats.org/presentationml/2006/ole">
             <mc:AlternateContent xmlns:mc="http://schemas.openxmlformats.org/markup-compatibility/2006">
               <mc:Choice xmlns:v="urn:schemas-microsoft-com:vml" Requires="v">
-                <p:oleObj spid="_x0000_s334951" name="Equation" r:id="rId8" imgW="444500" imgH="304800" progId="Equation.DSMT4">
+                <p:oleObj spid="_x0000_s334955" name="Equation" r:id="rId8" imgW="444500" imgH="304800" progId="Equation.DSMT4">
                   <p:embed/>
                 </p:oleObj>
               </mc:Choice>
@@ -11424,13 +11413,13 @@
           <a:p>
             <a:pPr algn="l"/>
             <a:r>
-              <a:rPr lang="en-US" sz="6600" dirty="0">
+              <a:rPr lang="en-US" sz="6600" dirty="0" err="1" smtClean="0">
                 <a:solidFill>
                   <a:srgbClr val="0000CC"/>
                 </a:solidFill>
                 <a:latin typeface="Comic Sans MS" pitchFamily="66" charset="0"/>
               </a:rPr>
-              <a:t>Pr{A</a:t>
+              <a:t>Pr</a:t>
             </a:r>
             <a:r>
               <a:rPr lang="en-US" sz="6600" dirty="0" smtClean="0">
@@ -11439,7 +11428,7 @@
                 </a:solidFill>
                 <a:latin typeface="Comic Sans MS" pitchFamily="66" charset="0"/>
               </a:rPr>
-              <a:t>} </a:t>
+              <a:t>[A] </a:t>
             </a:r>
             <a:r>
               <a:rPr lang="en-US" sz="6600" dirty="0" smtClean="0">
@@ -11457,7 +11446,7 @@
               <a:t> </a:t>
             </a:r>
             <a:r>
-              <a:rPr lang="en-US" sz="6600" dirty="0">
+              <a:rPr lang="en-US" sz="6600" dirty="0" err="1" smtClean="0">
                 <a:solidFill>
                   <a:srgbClr val="0000CC"/>
                 </a:solidFill>
@@ -11472,7 +11461,7 @@
                 </a:solidFill>
                 <a:latin typeface="Comic Sans MS" pitchFamily="66" charset="0"/>
               </a:rPr>
-              <a:t>{B</a:t>
+              <a:t>[B</a:t>
             </a:r>
             <a:r>
               <a:rPr lang="en-US" sz="6600" baseline="-25000" dirty="0" smtClean="0">
@@ -11502,7 +11491,17 @@
                 <a:latin typeface="Comic Sans MS" pitchFamily="66" charset="0"/>
                 <a:sym typeface="Symbol" pitchFamily="18" charset="2"/>
               </a:rPr>
-              <a:t>A} +</a:t>
+              <a:t>A] </a:t>
+            </a:r>
+            <a:r>
+              <a:rPr lang="en-US" sz="6600" dirty="0" smtClean="0">
+                <a:solidFill>
+                  <a:srgbClr val="0000CC"/>
+                </a:solidFill>
+                <a:latin typeface="Comic Sans MS" pitchFamily="66" charset="0"/>
+                <a:sym typeface="Symbol" pitchFamily="18" charset="2"/>
+              </a:rPr>
+              <a:t>+</a:t>
             </a:r>
           </a:p>
           <a:p>
@@ -11525,7 +11524,27 @@
                 <a:latin typeface="Comic Sans MS" pitchFamily="66" charset="0"/>
                 <a:sym typeface="Symbol" pitchFamily="18" charset="2"/>
               </a:rPr>
-              <a:t>           Pr{</a:t>
+              <a:t>           </a:t>
+            </a:r>
+            <a:r>
+              <a:rPr lang="en-US" sz="6600" dirty="0" err="1" smtClean="0">
+                <a:solidFill>
+                  <a:srgbClr val="0000CC"/>
+                </a:solidFill>
+                <a:latin typeface="Comic Sans MS" pitchFamily="66" charset="0"/>
+                <a:sym typeface="Symbol" pitchFamily="18" charset="2"/>
+              </a:rPr>
+              <a:t>Pr</a:t>
+            </a:r>
+            <a:r>
+              <a:rPr lang="en-US" sz="6600" dirty="0" smtClean="0">
+                <a:solidFill>
+                  <a:srgbClr val="0000CC"/>
+                </a:solidFill>
+                <a:latin typeface="Comic Sans MS" pitchFamily="66" charset="0"/>
+                <a:sym typeface="Symbol" pitchFamily="18" charset="2"/>
+              </a:rPr>
+              <a:t>[</a:t>
             </a:r>
             <a:r>
               <a:rPr lang="en-US" sz="6600" dirty="0" smtClean="0">
@@ -11564,7 +11583,17 @@
                 <a:latin typeface="Comic Sans MS" pitchFamily="66" charset="0"/>
                 <a:sym typeface="Symbol" pitchFamily="18" charset="2"/>
               </a:rPr>
-              <a:t>A} +</a:t>
+              <a:t>A] </a:t>
+            </a:r>
+            <a:r>
+              <a:rPr lang="en-US" sz="6600" dirty="0" smtClean="0">
+                <a:solidFill>
+                  <a:srgbClr val="0000CC"/>
+                </a:solidFill>
+                <a:latin typeface="Comic Sans MS" pitchFamily="66" charset="0"/>
+                <a:sym typeface="Symbol" pitchFamily="18" charset="2"/>
+              </a:rPr>
+              <a:t>+</a:t>
             </a:r>
           </a:p>
           <a:p>
@@ -11587,7 +11616,27 @@
                 <a:latin typeface="Comic Sans MS" pitchFamily="66" charset="0"/>
                 <a:sym typeface="Symbol" pitchFamily="18" charset="2"/>
               </a:rPr>
-              <a:t>           Pr{</a:t>
+              <a:t>           </a:t>
+            </a:r>
+            <a:r>
+              <a:rPr lang="en-US" sz="6600" dirty="0" err="1" smtClean="0">
+                <a:solidFill>
+                  <a:srgbClr val="0000CC"/>
+                </a:solidFill>
+                <a:latin typeface="Comic Sans MS" pitchFamily="66" charset="0"/>
+                <a:sym typeface="Symbol" pitchFamily="18" charset="2"/>
+              </a:rPr>
+              <a:t>Pr</a:t>
+            </a:r>
+            <a:r>
+              <a:rPr lang="en-US" sz="6600" dirty="0" smtClean="0">
+                <a:solidFill>
+                  <a:srgbClr val="0000CC"/>
+                </a:solidFill>
+                <a:latin typeface="Comic Sans MS" pitchFamily="66" charset="0"/>
+                <a:sym typeface="Symbol" pitchFamily="18" charset="2"/>
+              </a:rPr>
+              <a:t>[</a:t>
             </a:r>
             <a:r>
               <a:rPr lang="en-US" sz="6600" dirty="0" smtClean="0">
@@ -11626,7 +11675,7 @@
                 <a:latin typeface="Comic Sans MS" pitchFamily="66" charset="0"/>
                 <a:sym typeface="Symbol" pitchFamily="18" charset="2"/>
               </a:rPr>
-              <a:t>A}</a:t>
+              <a:t>A]</a:t>
             </a:r>
             <a:endParaRPr lang="en-US" sz="6600" dirty="0">
               <a:solidFill>
@@ -11695,7 +11744,7 @@
           <a:graphicData uri="http://schemas.openxmlformats.org/presentationml/2006/ole">
             <mc:AlternateContent xmlns:mc="http://schemas.openxmlformats.org/markup-compatibility/2006">
               <mc:Choice xmlns:v="urn:schemas-microsoft-com:vml" Requires="v">
-                <p:oleObj spid="_x0000_s326704" name="Equation" r:id="rId4" imgW="2197100" imgH="292100" progId="Equation.DSMT4">
+                <p:oleObj spid="_x0000_s326706" name="Equation" r:id="rId4" imgW="2197100" imgH="292100" progId="Equation.DSMT4">
                   <p:embed/>
                 </p:oleObj>
               </mc:Choice>
@@ -12438,13 +12487,13 @@
           <a:p>
             <a:pPr algn="l"/>
             <a:r>
-              <a:rPr lang="en-US" sz="6600" dirty="0">
+              <a:rPr lang="en-US" sz="6600" dirty="0" err="1" smtClean="0">
                 <a:solidFill>
                   <a:srgbClr val="0000CC"/>
                 </a:solidFill>
                 <a:latin typeface="Comic Sans MS" pitchFamily="66" charset="0"/>
               </a:rPr>
-              <a:t>Pr{A</a:t>
+              <a:t>Pr</a:t>
             </a:r>
             <a:r>
               <a:rPr lang="en-US" sz="6600" dirty="0" smtClean="0">
@@ -12453,7 +12502,7 @@
                 </a:solidFill>
                 <a:latin typeface="Comic Sans MS" pitchFamily="66" charset="0"/>
               </a:rPr>
-              <a:t>}</a:t>
+              <a:t>[A]</a:t>
             </a:r>
             <a:r>
               <a:rPr lang="en-US" sz="6600" dirty="0" smtClean="0">
@@ -12462,7 +12511,7 @@
               <a:t>=</a:t>
             </a:r>
             <a:r>
-              <a:rPr lang="en-US" sz="6600" dirty="0" err="1">
+              <a:rPr lang="en-US" sz="6600" dirty="0" err="1" smtClean="0">
                 <a:solidFill>
                   <a:srgbClr val="0000CC"/>
                 </a:solidFill>
@@ -12471,26 +12520,36 @@
               <a:t>Pr</a:t>
             </a:r>
             <a:r>
-              <a:rPr lang="en-US" sz="6600" dirty="0">
+              <a:rPr lang="en-US" sz="6600" dirty="0" smtClean="0">
                 <a:solidFill>
                   <a:srgbClr val="0000CC"/>
                 </a:solidFill>
                 <a:latin typeface="Comic Sans MS" pitchFamily="66" charset="0"/>
               </a:rPr>
-              <a:t>{</a:t>
-            </a:r>
-            <a:r>
-              <a:rPr lang="en-US" sz="6600" dirty="0">
+              <a:t>[</a:t>
+            </a:r>
+            <a:r>
+              <a:rPr lang="en-US" sz="6600" dirty="0" smtClean="0">
                 <a:solidFill>
                   <a:srgbClr val="0000CC"/>
                 </a:solidFill>
                 <a:latin typeface="Comic Sans MS" pitchFamily="66" charset="0"/>
                 <a:sym typeface="Symbol" pitchFamily="18" charset="2"/>
               </a:rPr>
-              <a:t>A|</a:t>
+              <a:t>A</a:t>
             </a:r>
             <a:r>
               <a:rPr lang="en-US" sz="6600" dirty="0">
+                <a:solidFill>
+                  <a:srgbClr val="0000CC"/>
+                </a:solidFill>
+                <a:latin typeface="Comic Sans MS" pitchFamily="66" charset="0"/>
+                <a:sym typeface="Symbol" pitchFamily="18" charset="2"/>
+              </a:rPr>
+              <a:t>|</a:t>
+            </a:r>
+            <a:r>
+              <a:rPr lang="en-US" sz="6600" dirty="0" smtClean="0">
                 <a:solidFill>
                   <a:srgbClr val="0000CC"/>
                 </a:solidFill>
@@ -12499,7 +12558,7 @@
               <a:t>B</a:t>
             </a:r>
             <a:r>
-              <a:rPr lang="en-US" sz="6600" baseline="-25000" dirty="0">
+              <a:rPr lang="en-US" sz="6600" baseline="-25000" dirty="0" smtClean="0">
                 <a:solidFill>
                   <a:srgbClr val="0000CC"/>
                 </a:solidFill>
@@ -12508,16 +12567,16 @@
               <a:t>1</a:t>
             </a:r>
             <a:r>
-              <a:rPr lang="en-US" sz="6600" dirty="0">
+              <a:rPr lang="en-US" sz="6600" dirty="0" smtClean="0">
                 <a:solidFill>
                   <a:srgbClr val="0000CC"/>
                 </a:solidFill>
                 <a:latin typeface="Comic Sans MS" pitchFamily="66" charset="0"/>
               </a:rPr>
-              <a:t>}</a:t>
-            </a:r>
-            <a:r>
-              <a:rPr lang="en-US" sz="6600" dirty="0">
+              <a:t>]</a:t>
+            </a:r>
+            <a:r>
+              <a:rPr lang="en-US" sz="6600" dirty="0" smtClean="0">
                 <a:solidFill>
                   <a:srgbClr val="0000CC"/>
                 </a:solidFill>
@@ -12527,7 +12586,7 @@
               <a:t> </a:t>
             </a:r>
             <a:r>
-              <a:rPr lang="en-US" sz="6600" dirty="0" err="1">
+              <a:rPr lang="en-US" sz="6600" dirty="0" err="1" smtClean="0">
                 <a:solidFill>
                   <a:srgbClr val="0000CC"/>
                 </a:solidFill>
@@ -12537,24 +12596,14 @@
               <a:t>Pr</a:t>
             </a:r>
             <a:r>
-              <a:rPr lang="en-US" sz="6600" dirty="0">
+              <a:rPr lang="en-US" sz="6600" dirty="0" smtClean="0">
                 <a:solidFill>
                   <a:srgbClr val="0000CC"/>
                 </a:solidFill>
                 <a:latin typeface="Comic Sans MS" pitchFamily="66" charset="0"/>
                 <a:sym typeface="Symbol" pitchFamily="18" charset="2"/>
               </a:rPr>
-              <a:t>{</a:t>
-            </a:r>
-            <a:r>
-              <a:rPr lang="en-US" sz="6600" dirty="0" smtClean="0">
-                <a:solidFill>
-                  <a:srgbClr val="0000CC"/>
-                </a:solidFill>
-                <a:latin typeface="Comic Sans MS" pitchFamily="66" charset="0"/>
-                <a:sym typeface="Symbol" pitchFamily="18" charset="2"/>
-              </a:rPr>
-              <a:t>B</a:t>
+              <a:t>[B</a:t>
             </a:r>
             <a:r>
               <a:rPr lang="en-US" sz="6600" baseline="-25000" dirty="0" smtClean="0">
@@ -12574,7 +12623,17 @@
                 <a:latin typeface="Comic Sans MS" pitchFamily="66" charset="0"/>
                 <a:sym typeface="Symbol" pitchFamily="18" charset="2"/>
               </a:rPr>
-              <a:t>} 		+ </a:t>
+              <a:t>] </a:t>
+            </a:r>
+            <a:r>
+              <a:rPr lang="en-US" sz="6600" dirty="0" smtClean="0">
+                <a:solidFill>
+                  <a:srgbClr val="0000CC"/>
+                </a:solidFill>
+                <a:latin typeface="Comic Sans MS" pitchFamily="66" charset="0"/>
+                <a:sym typeface="Symbol" pitchFamily="18" charset="2"/>
+              </a:rPr>
+              <a:t>		+ </a:t>
             </a:r>
             <a:r>
               <a:rPr lang="en-US" sz="6600" dirty="0" err="1" smtClean="0">
@@ -12586,23 +12645,33 @@
               <a:t>Pr</a:t>
             </a:r>
             <a:r>
-              <a:rPr lang="en-US" sz="6600" dirty="0">
+              <a:rPr lang="en-US" sz="6600" dirty="0" smtClean="0">
                 <a:solidFill>
                   <a:srgbClr val="0000CC"/>
                 </a:solidFill>
                 <a:latin typeface="Comic Sans MS" pitchFamily="66" charset="0"/>
               </a:rPr>
-              <a:t>{</a:t>
-            </a:r>
-            <a:r>
-              <a:rPr lang="en-US" sz="6600" dirty="0">
+              <a:t>[</a:t>
+            </a:r>
+            <a:r>
+              <a:rPr lang="en-US" sz="6600" dirty="0" smtClean="0">
                 <a:solidFill>
                   <a:srgbClr val="0000CC"/>
                 </a:solidFill>
                 <a:latin typeface="Comic Sans MS" pitchFamily="66" charset="0"/>
                 <a:sym typeface="Symbol" pitchFamily="18" charset="2"/>
               </a:rPr>
-              <a:t>A|</a:t>
+              <a:t>A</a:t>
+            </a:r>
+            <a:r>
+              <a:rPr lang="en-US" sz="6600" dirty="0">
+                <a:solidFill>
+                  <a:srgbClr val="0000CC"/>
+                </a:solidFill>
+                <a:latin typeface="Comic Sans MS" pitchFamily="66" charset="0"/>
+                <a:sym typeface="Symbol" pitchFamily="18" charset="2"/>
+              </a:rPr>
+              <a:t>|</a:t>
             </a:r>
             <a:r>
               <a:rPr lang="en-US" sz="6600" dirty="0" smtClean="0">
@@ -12629,7 +12698,7 @@
                 </a:solidFill>
                 <a:latin typeface="Comic Sans MS" pitchFamily="66" charset="0"/>
               </a:rPr>
-              <a:t>}</a:t>
+              <a:t>]</a:t>
             </a:r>
             <a:r>
               <a:rPr lang="en-US" sz="6600" dirty="0" smtClean="0">
@@ -12642,7 +12711,7 @@
               <a:t> </a:t>
             </a:r>
             <a:r>
-              <a:rPr lang="en-US" sz="6600" dirty="0" err="1">
+              <a:rPr lang="en-US" sz="6600" dirty="0" err="1" smtClean="0">
                 <a:solidFill>
                   <a:srgbClr val="0000CC"/>
                 </a:solidFill>
@@ -12652,24 +12721,14 @@
               <a:t>Pr</a:t>
             </a:r>
             <a:r>
-              <a:rPr lang="en-US" sz="6600" dirty="0">
+              <a:rPr lang="en-US" sz="6600" dirty="0" smtClean="0">
                 <a:solidFill>
                   <a:srgbClr val="0000CC"/>
                 </a:solidFill>
                 <a:latin typeface="Comic Sans MS" pitchFamily="66" charset="0"/>
                 <a:sym typeface="Symbol" pitchFamily="18" charset="2"/>
               </a:rPr>
-              <a:t>{</a:t>
-            </a:r>
-            <a:r>
-              <a:rPr lang="en-US" sz="6600" dirty="0" smtClean="0">
-                <a:solidFill>
-                  <a:srgbClr val="0000CC"/>
-                </a:solidFill>
-                <a:latin typeface="Comic Sans MS" pitchFamily="66" charset="0"/>
-                <a:sym typeface="Symbol" pitchFamily="18" charset="2"/>
-              </a:rPr>
-              <a:t>B</a:t>
+              <a:t>[B</a:t>
             </a:r>
             <a:r>
               <a:rPr lang="en-US" sz="6600" baseline="-25000" dirty="0" smtClean="0">
@@ -12689,8 +12748,15 @@
                 <a:latin typeface="Comic Sans MS" pitchFamily="66" charset="0"/>
                 <a:sym typeface="Symbol" pitchFamily="18" charset="2"/>
               </a:rPr>
-              <a:t>}</a:t>
-            </a:r>
+              <a:t>]</a:t>
+            </a:r>
+            <a:endParaRPr lang="en-US" sz="6600" dirty="0" smtClean="0">
+              <a:solidFill>
+                <a:srgbClr val="0000CC"/>
+              </a:solidFill>
+              <a:latin typeface="Comic Sans MS" pitchFamily="66" charset="0"/>
+              <a:sym typeface="Symbol" pitchFamily="18" charset="2"/>
+            </a:endParaRPr>
           </a:p>
           <a:p>
             <a:pPr algn="l"/>
@@ -12713,23 +12779,33 @@
               <a:t>Pr</a:t>
             </a:r>
             <a:r>
-              <a:rPr lang="en-US" sz="6600" dirty="0">
+              <a:rPr lang="en-US" sz="6600" dirty="0" smtClean="0">
                 <a:solidFill>
                   <a:srgbClr val="0000CC"/>
                 </a:solidFill>
                 <a:latin typeface="Comic Sans MS" pitchFamily="66" charset="0"/>
               </a:rPr>
-              <a:t>{</a:t>
-            </a:r>
-            <a:r>
-              <a:rPr lang="en-US" sz="6600" dirty="0">
+              <a:t>[</a:t>
+            </a:r>
+            <a:r>
+              <a:rPr lang="en-US" sz="6600" dirty="0" smtClean="0">
                 <a:solidFill>
                   <a:srgbClr val="0000CC"/>
                 </a:solidFill>
                 <a:latin typeface="Comic Sans MS" pitchFamily="66" charset="0"/>
                 <a:sym typeface="Symbol" pitchFamily="18" charset="2"/>
               </a:rPr>
-              <a:t>A|</a:t>
+              <a:t>A</a:t>
+            </a:r>
+            <a:r>
+              <a:rPr lang="en-US" sz="6600" dirty="0">
+                <a:solidFill>
+                  <a:srgbClr val="0000CC"/>
+                </a:solidFill>
+                <a:latin typeface="Comic Sans MS" pitchFamily="66" charset="0"/>
+                <a:sym typeface="Symbol" pitchFamily="18" charset="2"/>
+              </a:rPr>
+              <a:t>|</a:t>
             </a:r>
             <a:r>
               <a:rPr lang="en-US" sz="6600" dirty="0" smtClean="0">
@@ -12756,7 +12832,7 @@
                 </a:solidFill>
                 <a:latin typeface="Comic Sans MS" pitchFamily="66" charset="0"/>
               </a:rPr>
-              <a:t>}</a:t>
+              <a:t>]</a:t>
             </a:r>
             <a:r>
               <a:rPr lang="en-US" sz="6600" dirty="0" smtClean="0">
@@ -12769,7 +12845,7 @@
               <a:t> </a:t>
             </a:r>
             <a:r>
-              <a:rPr lang="en-US" sz="6600" dirty="0" err="1">
+              <a:rPr lang="en-US" sz="6600" dirty="0" err="1" smtClean="0">
                 <a:solidFill>
                   <a:srgbClr val="0000CC"/>
                 </a:solidFill>
@@ -12779,24 +12855,14 @@
               <a:t>Pr</a:t>
             </a:r>
             <a:r>
-              <a:rPr lang="en-US" sz="6600" dirty="0">
+              <a:rPr lang="en-US" sz="6600" dirty="0" smtClean="0">
                 <a:solidFill>
                   <a:srgbClr val="0000CC"/>
                 </a:solidFill>
                 <a:latin typeface="Comic Sans MS" pitchFamily="66" charset="0"/>
                 <a:sym typeface="Symbol" pitchFamily="18" charset="2"/>
               </a:rPr>
-              <a:t>{</a:t>
-            </a:r>
-            <a:r>
-              <a:rPr lang="en-US" sz="6600" dirty="0" smtClean="0">
-                <a:solidFill>
-                  <a:srgbClr val="0000CC"/>
-                </a:solidFill>
-                <a:latin typeface="Comic Sans MS" pitchFamily="66" charset="0"/>
-                <a:sym typeface="Symbol" pitchFamily="18" charset="2"/>
-              </a:rPr>
-              <a:t>B</a:t>
+              <a:t>[B</a:t>
             </a:r>
             <a:r>
               <a:rPr lang="en-US" sz="6600" baseline="-25000" dirty="0" smtClean="0">
@@ -12816,7 +12882,7 @@
                 <a:latin typeface="Comic Sans MS" pitchFamily="66" charset="0"/>
                 <a:sym typeface="Symbol" pitchFamily="18" charset="2"/>
               </a:rPr>
-              <a:t>}  </a:t>
+              <a:t>]  </a:t>
             </a:r>
             <a:endParaRPr lang="en-US" sz="6600" dirty="0">
               <a:solidFill>
@@ -12885,7 +12951,7 @@
           <a:graphicData uri="http://schemas.openxmlformats.org/presentationml/2006/ole">
             <mc:AlternateContent xmlns:mc="http://schemas.openxmlformats.org/markup-compatibility/2006">
               <mc:Choice xmlns:v="urn:schemas-microsoft-com:vml" Requires="v">
-                <p:oleObj spid="_x0000_s353309" name="Equation" r:id="rId4" imgW="2197100" imgH="292100" progId="Equation.DSMT4">
+                <p:oleObj spid="_x0000_s353311" name="Equation" r:id="rId4" imgW="2197100" imgH="292100" progId="Equation.DSMT4">
                   <p:embed/>
                 </p:oleObj>
               </mc:Choice>
@@ -13356,25 +13422,25 @@
           <p:nvPr>
             <p:extLst>
               <p:ext uri="{D42A27DB-BD31-4B8C-83A1-F6EECF244321}">
-                <p14:modId xmlns:p14="http://schemas.microsoft.com/office/powerpoint/2010/main" val="547793161"/>
+                <p14:modId xmlns:p14="http://schemas.microsoft.com/office/powerpoint/2010/main" val="1716659863"/>
               </p:ext>
             </p:extLst>
           </p:nvPr>
         </p:nvGraphicFramePr>
         <p:xfrm>
-          <a:off x="144463" y="2084388"/>
-          <a:ext cx="7962900" cy="2095500"/>
+          <a:off x="179388" y="2084388"/>
+          <a:ext cx="7893050" cy="2095500"/>
         </p:xfrm>
         <a:graphic>
           <a:graphicData uri="http://schemas.openxmlformats.org/presentationml/2006/ole">
             <mc:AlternateContent xmlns:mc="http://schemas.openxmlformats.org/markup-compatibility/2006">
               <mc:Choice xmlns:v="urn:schemas-microsoft-com:vml" Requires="v">
-                <p:oleObj spid="_x0000_s327763" name="Equation" r:id="rId4" imgW="1447800" imgH="381000" progId="Equation.DSMT4">
+                <p:oleObj spid="_x0000_s327766" name="Equation" r:id="rId4" imgW="1435100" imgH="381000" progId="Equation.DSMT4">
                   <p:embed/>
                 </p:oleObj>
               </mc:Choice>
               <mc:Fallback>
-                <p:oleObj name="Equation" r:id="rId4" imgW="1447800" imgH="381000" progId="Equation.DSMT4">
+                <p:oleObj name="Equation" r:id="rId4" imgW="1435100" imgH="381000" progId="Equation.DSMT4">
                   <p:embed/>
                   <p:pic>
                     <p:nvPicPr>
@@ -13393,8 +13459,8 @@
                     </p:blipFill>
                     <p:spPr bwMode="auto">
                       <a:xfrm>
-                        <a:off x="144463" y="2084388"/>
-                        <a:ext cx="7962900" cy="2095500"/>
+                        <a:off x="179388" y="2084388"/>
+                        <a:ext cx="7893050" cy="2095500"/>
                       </a:xfrm>
                       <a:prstGeom prst="rect">
                         <a:avLst/>
@@ -13426,25 +13492,25 @@
           <p:nvPr>
             <p:extLst>
               <p:ext uri="{D42A27DB-BD31-4B8C-83A1-F6EECF244321}">
-                <p14:modId xmlns:p14="http://schemas.microsoft.com/office/powerpoint/2010/main" val="3360262333"/>
+                <p14:modId xmlns:p14="http://schemas.microsoft.com/office/powerpoint/2010/main" val="451989865"/>
               </p:ext>
             </p:extLst>
           </p:nvPr>
         </p:nvGraphicFramePr>
         <p:xfrm>
-          <a:off x="563563" y="3903663"/>
-          <a:ext cx="8116887" cy="2152650"/>
+          <a:off x="598488" y="3903663"/>
+          <a:ext cx="8045450" cy="2152650"/>
         </p:xfrm>
         <a:graphic>
           <a:graphicData uri="http://schemas.openxmlformats.org/presentationml/2006/ole">
             <mc:AlternateContent xmlns:mc="http://schemas.openxmlformats.org/markup-compatibility/2006">
               <mc:Choice xmlns:v="urn:schemas-microsoft-com:vml" Requires="v">
-                <p:oleObj spid="_x0000_s327764" name="Equation" r:id="rId6" imgW="1435100" imgH="381000" progId="Equation.DSMT4">
+                <p:oleObj spid="_x0000_s327767" name="Equation" r:id="rId6" imgW="1422400" imgH="381000" progId="Equation.DSMT4">
                   <p:embed/>
                 </p:oleObj>
               </mc:Choice>
               <mc:Fallback>
-                <p:oleObj name="Equation" r:id="rId6" imgW="1435100" imgH="381000" progId="Equation.DSMT4">
+                <p:oleObj name="Equation" r:id="rId6" imgW="1422400" imgH="381000" progId="Equation.DSMT4">
                   <p:embed/>
                   <p:pic>
                     <p:nvPicPr>
@@ -13463,8 +13529,8 @@
                     </p:blipFill>
                     <p:spPr bwMode="auto">
                       <a:xfrm>
-                        <a:off x="563563" y="3903663"/>
-                        <a:ext cx="8116887" cy="2152650"/>
+                        <a:off x="598488" y="3903663"/>
+                        <a:ext cx="8045450" cy="2152650"/>
                       </a:xfrm>
                       <a:prstGeom prst="rect">
                         <a:avLst/>
@@ -14117,7 +14183,7 @@
           <a:graphicData uri="http://schemas.openxmlformats.org/presentationml/2006/ole">
             <mc:AlternateContent xmlns:mc="http://schemas.openxmlformats.org/markup-compatibility/2006">
               <mc:Choice xmlns:v="urn:schemas-microsoft-com:vml" Requires="v">
-                <p:oleObj spid="_x0000_s1087" name="Equation" r:id="rId4" imgW="1714500" imgH="241300" progId="Equation.DSMT4">
+                <p:oleObj spid="_x0000_s1091" name="Equation" r:id="rId4" imgW="1714500" imgH="241300" progId="Equation.DSMT4">
                   <p:embed/>
                 </p:oleObj>
               </mc:Choice>
@@ -14174,7 +14240,7 @@
           <a:graphicData uri="http://schemas.openxmlformats.org/presentationml/2006/ole">
             <mc:AlternateContent xmlns:mc="http://schemas.openxmlformats.org/markup-compatibility/2006">
               <mc:Choice xmlns:v="urn:schemas-microsoft-com:vml" Requires="v">
-                <p:oleObj spid="_x0000_s1088" name="Equation" r:id="rId6" imgW="2235200" imgH="469900" progId="Equation.DSMT4">
+                <p:oleObj spid="_x0000_s1092" name="Equation" r:id="rId6" imgW="2235200" imgH="469900" progId="Equation.DSMT4">
                   <p:embed/>
                 </p:oleObj>
               </mc:Choice>
@@ -14231,7 +14297,7 @@
           <a:graphicData uri="http://schemas.openxmlformats.org/presentationml/2006/ole">
             <mc:AlternateContent xmlns:mc="http://schemas.openxmlformats.org/markup-compatibility/2006">
               <mc:Choice xmlns:v="urn:schemas-microsoft-com:vml" Requires="v">
-                <p:oleObj spid="_x0000_s1089" name="Equation" r:id="rId8" imgW="1193800" imgH="495300" progId="Equation.DSMT4">
+                <p:oleObj spid="_x0000_s1093" name="Equation" r:id="rId8" imgW="1193800" imgH="495300" progId="Equation.DSMT4">
                   <p:embed/>
                 </p:oleObj>
               </mc:Choice>
@@ -14276,13 +14342,13 @@
   <p:clrMapOvr>
     <a:masterClrMapping/>
   </p:clrMapOvr>
-  <mc:AlternateContent xmlns:mc="http://schemas.openxmlformats.org/markup-compatibility/2006">
-    <mc:Choice xmlns:p14="http://schemas.microsoft.com/office/powerpoint/2010/main" Requires="p14">
+  <mc:AlternateContent xmlns:mc="http://schemas.openxmlformats.org/markup-compatibility/2006" xmlns:p14="http://schemas.microsoft.com/office/powerpoint/2010/main">
+    <mc:Choice Requires="p14">
       <p:transition spd="slow" p14:dur="1100" advClick="0">
         <p:fade thruBlk="1"/>
       </p:transition>
     </mc:Choice>
-    <mc:Fallback>
+    <mc:Fallback xmlns="">
       <p:transition xmlns:p14="http://schemas.microsoft.com/office/powerpoint/2010/main" spd="slow" advClick="0">
         <p:fade thruBlk="1"/>
       </p:transition>
@@ -14758,7 +14824,7 @@
           <a:graphicData uri="http://schemas.openxmlformats.org/presentationml/2006/ole">
             <mc:AlternateContent xmlns:mc="http://schemas.openxmlformats.org/markup-compatibility/2006">
               <mc:Choice xmlns:v="urn:schemas-microsoft-com:vml" Requires="v">
-                <p:oleObj spid="_x0000_s357402" name="Equation" r:id="rId4" imgW="2235200" imgH="469900" progId="Equation.DSMT4">
+                <p:oleObj spid="_x0000_s357405" name="Equation" r:id="rId4" imgW="2235200" imgH="469900" progId="Equation.DSMT4">
                   <p:embed/>
                 </p:oleObj>
               </mc:Choice>
@@ -14815,7 +14881,7 @@
           <a:graphicData uri="http://schemas.openxmlformats.org/presentationml/2006/ole">
             <mc:AlternateContent xmlns:mc="http://schemas.openxmlformats.org/markup-compatibility/2006">
               <mc:Choice xmlns:v="urn:schemas-microsoft-com:vml" Requires="v">
-                <p:oleObj spid="_x0000_s357403" name="Equation" r:id="rId6" imgW="1676400" imgH="469900" progId="Equation.DSMT4">
+                <p:oleObj spid="_x0000_s357406" name="Equation" r:id="rId6" imgW="1676400" imgH="469900" progId="Equation.DSMT4">
                   <p:embed/>
                 </p:oleObj>
               </mc:Choice>
@@ -15207,7 +15273,7 @@
           <a:graphicData uri="http://schemas.openxmlformats.org/presentationml/2006/ole">
             <mc:AlternateContent xmlns:mc="http://schemas.openxmlformats.org/markup-compatibility/2006">
               <mc:Choice xmlns:v="urn:schemas-microsoft-com:vml" Requires="v">
-                <p:oleObj spid="_x0000_s354362" name="Equation" r:id="rId4" imgW="2413000" imgH="457200" progId="Equation.DSMT4">
+                <p:oleObj spid="_x0000_s354366" name="Equation" r:id="rId4" imgW="2413000" imgH="457200" progId="Equation.DSMT4">
                   <p:embed/>
                 </p:oleObj>
               </mc:Choice>
@@ -15264,7 +15330,7 @@
           <a:graphicData uri="http://schemas.openxmlformats.org/presentationml/2006/ole">
             <mc:AlternateContent xmlns:mc="http://schemas.openxmlformats.org/markup-compatibility/2006">
               <mc:Choice xmlns:v="urn:schemas-microsoft-com:vml" Requires="v">
-                <p:oleObj spid="_x0000_s354363" name="Equation" r:id="rId6" imgW="2235200" imgH="495300" progId="Equation.DSMT4">
+                <p:oleObj spid="_x0000_s354367" name="Equation" r:id="rId6" imgW="2235200" imgH="495300" progId="Equation.DSMT4">
                   <p:embed/>
                 </p:oleObj>
               </mc:Choice>
@@ -15499,7 +15565,7 @@
           <a:graphicData uri="http://schemas.openxmlformats.org/presentationml/2006/ole">
             <mc:AlternateContent xmlns:mc="http://schemas.openxmlformats.org/markup-compatibility/2006">
               <mc:Choice xmlns:v="urn:schemas-microsoft-com:vml" Requires="v">
-                <p:oleObj spid="_x0000_s354364" name="Equation" r:id="rId8" imgW="457200" imgH="469900" progId="Equation.DSMT4">
+                <p:oleObj spid="_x0000_s354368" name="Equation" r:id="rId8" imgW="457200" imgH="469900" progId="Equation.DSMT4">
                   <p:embed/>
                 </p:oleObj>
               </mc:Choice>

--- a/spring13/slides13/total-probability.pptx
+++ b/spring13/slides13/total-probability.pptx
@@ -5,10 +5,10 @@
     <p:sldMasterId id="2147483649" r:id="rId1"/>
   </p:sldMasterIdLst>
   <p:notesMasterIdLst>
-    <p:notesMasterId r:id="rId19"/>
+    <p:notesMasterId r:id="rId8"/>
   </p:notesMasterIdLst>
   <p:handoutMasterIdLst>
-    <p:handoutMasterId r:id="rId20"/>
+    <p:handoutMasterId r:id="rId9"/>
   </p:handoutMasterIdLst>
   <p:sldIdLst>
     <p:sldId id="306" r:id="rId2"/>
@@ -17,22 +17,11 @@
     <p:sldId id="396" r:id="rId5"/>
     <p:sldId id="402" r:id="rId6"/>
     <p:sldId id="397" r:id="rId7"/>
-    <p:sldId id="403" r:id="rId8"/>
-    <p:sldId id="407" r:id="rId9"/>
-    <p:sldId id="404" r:id="rId10"/>
-    <p:sldId id="408" r:id="rId11"/>
-    <p:sldId id="411" r:id="rId12"/>
-    <p:sldId id="412" r:id="rId13"/>
-    <p:sldId id="415" r:id="rId14"/>
-    <p:sldId id="417" r:id="rId15"/>
-    <p:sldId id="418" r:id="rId16"/>
-    <p:sldId id="419" r:id="rId17"/>
-    <p:sldId id="416" r:id="rId18"/>
   </p:sldIdLst>
   <p:sldSz cx="9144000" cy="6858000" type="screen4x3"/>
   <p:notesSz cx="9601200" cy="7315200"/>
   <p:custDataLst>
-    <p:tags r:id="rId22"/>
+    <p:tags r:id="rId11"/>
   </p:custDataLst>
   <p:defaultTextStyle>
     <a:defPPr>
@@ -942,270 +931,6 @@
 </p:notes>
 </file>
 
-<file path=ppt/notesSlides/notesSlide10.xml><?xml version="1.0" encoding="utf-8"?>
-<p:notes xmlns:a="http://schemas.openxmlformats.org/drawingml/2006/main" xmlns:r="http://schemas.openxmlformats.org/officeDocument/2006/relationships" xmlns:p="http://schemas.openxmlformats.org/presentationml/2006/main">
-  <p:cSld>
-    <p:spTree>
-      <p:nvGrpSpPr>
-        <p:cNvPr id="1" name=""/>
-        <p:cNvGrpSpPr/>
-        <p:nvPr/>
-      </p:nvGrpSpPr>
-      <p:grpSpPr>
-        <a:xfrm>
-          <a:off x="0" y="0"/>
-          <a:ext cx="0" cy="0"/>
-          <a:chOff x="0" y="0"/>
-          <a:chExt cx="0" cy="0"/>
-        </a:xfrm>
-      </p:grpSpPr>
-      <p:sp>
-        <p:nvSpPr>
-          <p:cNvPr id="69634" name="Rectangle 7"/>
-          <p:cNvSpPr>
-            <a:spLocks noGrp="1" noChangeArrowheads="1"/>
-          </p:cNvSpPr>
-          <p:nvPr>
-            <p:ph type="sldNum" sz="quarter" idx="5"/>
-          </p:nvPr>
-        </p:nvSpPr>
-        <p:spPr>
-          <a:noFill/>
-        </p:spPr>
-        <p:txBody>
-          <a:bodyPr/>
-          <a:lstStyle/>
-          <a:p>
-            <a:fld id="{47D539D4-74E1-492A-9468-BA66B65E4B96}" type="slidenum">
-              <a:rPr lang="en-US" smtClean="0"/>
-              <a:pPr/>
-              <a:t>10</a:t>
-            </a:fld>
-            <a:endParaRPr lang="en-US" smtClean="0"/>
-          </a:p>
-        </p:txBody>
-      </p:sp>
-      <p:sp>
-        <p:nvSpPr>
-          <p:cNvPr id="69635" name="Rectangle 2"/>
-          <p:cNvSpPr>
-            <a:spLocks noGrp="1" noRot="1" noChangeAspect="1" noChangeArrowheads="1" noTextEdit="1"/>
-          </p:cNvSpPr>
-          <p:nvPr>
-            <p:ph type="sldImg"/>
-          </p:nvPr>
-        </p:nvSpPr>
-        <p:spPr>
-          <a:ln/>
-        </p:spPr>
-      </p:sp>
-      <p:sp>
-        <p:nvSpPr>
-          <p:cNvPr id="69636" name="Rectangle 3"/>
-          <p:cNvSpPr>
-            <a:spLocks noGrp="1" noChangeArrowheads="1"/>
-          </p:cNvSpPr>
-          <p:nvPr>
-            <p:ph type="body" idx="1"/>
-          </p:nvPr>
-        </p:nvSpPr>
-        <p:spPr>
-          <a:noFill/>
-          <a:ln/>
-        </p:spPr>
-        <p:txBody>
-          <a:bodyPr/>
-          <a:lstStyle/>
-          <a:p>
-            <a:pPr eaLnBrk="1" hangingPunct="1"/>
-            <a:endParaRPr lang="en-US" smtClean="0"/>
-          </a:p>
-        </p:txBody>
-      </p:sp>
-    </p:spTree>
-  </p:cSld>
-  <p:clrMapOvr>
-    <a:masterClrMapping/>
-  </p:clrMapOvr>
-</p:notes>
-</file>
-
-<file path=ppt/notesSlides/notesSlide11.xml><?xml version="1.0" encoding="utf-8"?>
-<p:notes xmlns:a="http://schemas.openxmlformats.org/drawingml/2006/main" xmlns:r="http://schemas.openxmlformats.org/officeDocument/2006/relationships" xmlns:p="http://schemas.openxmlformats.org/presentationml/2006/main">
-  <p:cSld>
-    <p:spTree>
-      <p:nvGrpSpPr>
-        <p:cNvPr id="1" name=""/>
-        <p:cNvGrpSpPr/>
-        <p:nvPr/>
-      </p:nvGrpSpPr>
-      <p:grpSpPr>
-        <a:xfrm>
-          <a:off x="0" y="0"/>
-          <a:ext cx="0" cy="0"/>
-          <a:chOff x="0" y="0"/>
-          <a:chExt cx="0" cy="0"/>
-        </a:xfrm>
-      </p:grpSpPr>
-      <p:sp>
-        <p:nvSpPr>
-          <p:cNvPr id="69634" name="Rectangle 7"/>
-          <p:cNvSpPr>
-            <a:spLocks noGrp="1" noChangeArrowheads="1"/>
-          </p:cNvSpPr>
-          <p:nvPr>
-            <p:ph type="sldNum" sz="quarter" idx="5"/>
-          </p:nvPr>
-        </p:nvSpPr>
-        <p:spPr>
-          <a:noFill/>
-        </p:spPr>
-        <p:txBody>
-          <a:bodyPr/>
-          <a:lstStyle/>
-          <a:p>
-            <a:fld id="{47D539D4-74E1-492A-9468-BA66B65E4B96}" type="slidenum">
-              <a:rPr lang="en-US" smtClean="0"/>
-              <a:pPr/>
-              <a:t>11</a:t>
-            </a:fld>
-            <a:endParaRPr lang="en-US" smtClean="0"/>
-          </a:p>
-        </p:txBody>
-      </p:sp>
-      <p:sp>
-        <p:nvSpPr>
-          <p:cNvPr id="69635" name="Rectangle 2"/>
-          <p:cNvSpPr>
-            <a:spLocks noGrp="1" noRot="1" noChangeAspect="1" noChangeArrowheads="1" noTextEdit="1"/>
-          </p:cNvSpPr>
-          <p:nvPr>
-            <p:ph type="sldImg"/>
-          </p:nvPr>
-        </p:nvSpPr>
-        <p:spPr>
-          <a:ln/>
-        </p:spPr>
-      </p:sp>
-      <p:sp>
-        <p:nvSpPr>
-          <p:cNvPr id="69636" name="Rectangle 3"/>
-          <p:cNvSpPr>
-            <a:spLocks noGrp="1" noChangeArrowheads="1"/>
-          </p:cNvSpPr>
-          <p:nvPr>
-            <p:ph type="body" idx="1"/>
-          </p:nvPr>
-        </p:nvSpPr>
-        <p:spPr>
-          <a:noFill/>
-          <a:ln/>
-        </p:spPr>
-        <p:txBody>
-          <a:bodyPr/>
-          <a:lstStyle/>
-          <a:p>
-            <a:pPr eaLnBrk="1" hangingPunct="1"/>
-            <a:endParaRPr lang="en-US" smtClean="0"/>
-          </a:p>
-        </p:txBody>
-      </p:sp>
-    </p:spTree>
-  </p:cSld>
-  <p:clrMapOvr>
-    <a:masterClrMapping/>
-  </p:clrMapOvr>
-</p:notes>
-</file>
-
-<file path=ppt/notesSlides/notesSlide12.xml><?xml version="1.0" encoding="utf-8"?>
-<p:notes xmlns:a="http://schemas.openxmlformats.org/drawingml/2006/main" xmlns:r="http://schemas.openxmlformats.org/officeDocument/2006/relationships" xmlns:p="http://schemas.openxmlformats.org/presentationml/2006/main">
-  <p:cSld>
-    <p:spTree>
-      <p:nvGrpSpPr>
-        <p:cNvPr id="1" name=""/>
-        <p:cNvGrpSpPr/>
-        <p:nvPr/>
-      </p:nvGrpSpPr>
-      <p:grpSpPr>
-        <a:xfrm>
-          <a:off x="0" y="0"/>
-          <a:ext cx="0" cy="0"/>
-          <a:chOff x="0" y="0"/>
-          <a:chExt cx="0" cy="0"/>
-        </a:xfrm>
-      </p:grpSpPr>
-      <p:sp>
-        <p:nvSpPr>
-          <p:cNvPr id="69634" name="Rectangle 7"/>
-          <p:cNvSpPr>
-            <a:spLocks noGrp="1" noChangeArrowheads="1"/>
-          </p:cNvSpPr>
-          <p:nvPr>
-            <p:ph type="sldNum" sz="quarter" idx="5"/>
-          </p:nvPr>
-        </p:nvSpPr>
-        <p:spPr>
-          <a:noFill/>
-        </p:spPr>
-        <p:txBody>
-          <a:bodyPr/>
-          <a:lstStyle/>
-          <a:p>
-            <a:fld id="{47D539D4-74E1-492A-9468-BA66B65E4B96}" type="slidenum">
-              <a:rPr lang="en-US" smtClean="0"/>
-              <a:pPr/>
-              <a:t>12</a:t>
-            </a:fld>
-            <a:endParaRPr lang="en-US" smtClean="0"/>
-          </a:p>
-        </p:txBody>
-      </p:sp>
-      <p:sp>
-        <p:nvSpPr>
-          <p:cNvPr id="69635" name="Rectangle 2"/>
-          <p:cNvSpPr>
-            <a:spLocks noGrp="1" noRot="1" noChangeAspect="1" noChangeArrowheads="1" noTextEdit="1"/>
-          </p:cNvSpPr>
-          <p:nvPr>
-            <p:ph type="sldImg"/>
-          </p:nvPr>
-        </p:nvSpPr>
-        <p:spPr>
-          <a:ln/>
-        </p:spPr>
-      </p:sp>
-      <p:sp>
-        <p:nvSpPr>
-          <p:cNvPr id="69636" name="Rectangle 3"/>
-          <p:cNvSpPr>
-            <a:spLocks noGrp="1" noChangeArrowheads="1"/>
-          </p:cNvSpPr>
-          <p:nvPr>
-            <p:ph type="body" idx="1"/>
-          </p:nvPr>
-        </p:nvSpPr>
-        <p:spPr>
-          <a:noFill/>
-          <a:ln/>
-        </p:spPr>
-        <p:txBody>
-          <a:bodyPr/>
-          <a:lstStyle/>
-          <a:p>
-            <a:pPr eaLnBrk="1" hangingPunct="1"/>
-            <a:endParaRPr lang="en-US" smtClean="0"/>
-          </a:p>
-        </p:txBody>
-      </p:sp>
-    </p:spTree>
-  </p:cSld>
-  <p:clrMapOvr>
-    <a:masterClrMapping/>
-  </p:clrMapOvr>
-</p:notes>
-</file>
-
 <file path=ppt/notesSlides/notesSlide2.xml><?xml version="1.0" encoding="utf-8"?>
 <p:notes xmlns:a="http://schemas.openxmlformats.org/drawingml/2006/main" xmlns:r="http://schemas.openxmlformats.org/officeDocument/2006/relationships" xmlns:p="http://schemas.openxmlformats.org/presentationml/2006/main">
   <p:cSld>
@@ -1618,270 +1343,6 @@
       <p:sp>
         <p:nvSpPr>
           <p:cNvPr id="71684" name="Rectangle 3"/>
-          <p:cNvSpPr>
-            <a:spLocks noGrp="1" noChangeArrowheads="1"/>
-          </p:cNvSpPr>
-          <p:nvPr>
-            <p:ph type="body" idx="1"/>
-          </p:nvPr>
-        </p:nvSpPr>
-        <p:spPr>
-          <a:noFill/>
-          <a:ln/>
-        </p:spPr>
-        <p:txBody>
-          <a:bodyPr/>
-          <a:lstStyle/>
-          <a:p>
-            <a:pPr eaLnBrk="1" hangingPunct="1"/>
-            <a:endParaRPr lang="en-US" smtClean="0"/>
-          </a:p>
-        </p:txBody>
-      </p:sp>
-    </p:spTree>
-  </p:cSld>
-  <p:clrMapOvr>
-    <a:masterClrMapping/>
-  </p:clrMapOvr>
-</p:notes>
-</file>
-
-<file path=ppt/notesSlides/notesSlide7.xml><?xml version="1.0" encoding="utf-8"?>
-<p:notes xmlns:a="http://schemas.openxmlformats.org/drawingml/2006/main" xmlns:r="http://schemas.openxmlformats.org/officeDocument/2006/relationships" xmlns:p="http://schemas.openxmlformats.org/presentationml/2006/main">
-  <p:cSld>
-    <p:spTree>
-      <p:nvGrpSpPr>
-        <p:cNvPr id="1" name=""/>
-        <p:cNvGrpSpPr/>
-        <p:nvPr/>
-      </p:nvGrpSpPr>
-      <p:grpSpPr>
-        <a:xfrm>
-          <a:off x="0" y="0"/>
-          <a:ext cx="0" cy="0"/>
-          <a:chOff x="0" y="0"/>
-          <a:chExt cx="0" cy="0"/>
-        </a:xfrm>
-      </p:grpSpPr>
-      <p:sp>
-        <p:nvSpPr>
-          <p:cNvPr id="69634" name="Rectangle 7"/>
-          <p:cNvSpPr>
-            <a:spLocks noGrp="1" noChangeArrowheads="1"/>
-          </p:cNvSpPr>
-          <p:nvPr>
-            <p:ph type="sldNum" sz="quarter" idx="5"/>
-          </p:nvPr>
-        </p:nvSpPr>
-        <p:spPr>
-          <a:noFill/>
-        </p:spPr>
-        <p:txBody>
-          <a:bodyPr/>
-          <a:lstStyle/>
-          <a:p>
-            <a:fld id="{47D539D4-74E1-492A-9468-BA66B65E4B96}" type="slidenum">
-              <a:rPr lang="en-US" smtClean="0"/>
-              <a:pPr/>
-              <a:t>7</a:t>
-            </a:fld>
-            <a:endParaRPr lang="en-US" smtClean="0"/>
-          </a:p>
-        </p:txBody>
-      </p:sp>
-      <p:sp>
-        <p:nvSpPr>
-          <p:cNvPr id="69635" name="Rectangle 2"/>
-          <p:cNvSpPr>
-            <a:spLocks noGrp="1" noRot="1" noChangeAspect="1" noChangeArrowheads="1" noTextEdit="1"/>
-          </p:cNvSpPr>
-          <p:nvPr>
-            <p:ph type="sldImg"/>
-          </p:nvPr>
-        </p:nvSpPr>
-        <p:spPr>
-          <a:ln/>
-        </p:spPr>
-      </p:sp>
-      <p:sp>
-        <p:nvSpPr>
-          <p:cNvPr id="69636" name="Rectangle 3"/>
-          <p:cNvSpPr>
-            <a:spLocks noGrp="1" noChangeArrowheads="1"/>
-          </p:cNvSpPr>
-          <p:nvPr>
-            <p:ph type="body" idx="1"/>
-          </p:nvPr>
-        </p:nvSpPr>
-        <p:spPr>
-          <a:noFill/>
-          <a:ln/>
-        </p:spPr>
-        <p:txBody>
-          <a:bodyPr/>
-          <a:lstStyle/>
-          <a:p>
-            <a:pPr eaLnBrk="1" hangingPunct="1"/>
-            <a:endParaRPr lang="en-US" smtClean="0"/>
-          </a:p>
-        </p:txBody>
-      </p:sp>
-    </p:spTree>
-  </p:cSld>
-  <p:clrMapOvr>
-    <a:masterClrMapping/>
-  </p:clrMapOvr>
-</p:notes>
-</file>
-
-<file path=ppt/notesSlides/notesSlide8.xml><?xml version="1.0" encoding="utf-8"?>
-<p:notes xmlns:a="http://schemas.openxmlformats.org/drawingml/2006/main" xmlns:r="http://schemas.openxmlformats.org/officeDocument/2006/relationships" xmlns:p="http://schemas.openxmlformats.org/presentationml/2006/main">
-  <p:cSld>
-    <p:spTree>
-      <p:nvGrpSpPr>
-        <p:cNvPr id="1" name=""/>
-        <p:cNvGrpSpPr/>
-        <p:nvPr/>
-      </p:nvGrpSpPr>
-      <p:grpSpPr>
-        <a:xfrm>
-          <a:off x="0" y="0"/>
-          <a:ext cx="0" cy="0"/>
-          <a:chOff x="0" y="0"/>
-          <a:chExt cx="0" cy="0"/>
-        </a:xfrm>
-      </p:grpSpPr>
-      <p:sp>
-        <p:nvSpPr>
-          <p:cNvPr id="69634" name="Rectangle 7"/>
-          <p:cNvSpPr>
-            <a:spLocks noGrp="1" noChangeArrowheads="1"/>
-          </p:cNvSpPr>
-          <p:nvPr>
-            <p:ph type="sldNum" sz="quarter" idx="5"/>
-          </p:nvPr>
-        </p:nvSpPr>
-        <p:spPr>
-          <a:noFill/>
-        </p:spPr>
-        <p:txBody>
-          <a:bodyPr/>
-          <a:lstStyle/>
-          <a:p>
-            <a:fld id="{47D539D4-74E1-492A-9468-BA66B65E4B96}" type="slidenum">
-              <a:rPr lang="en-US" smtClean="0"/>
-              <a:pPr/>
-              <a:t>8</a:t>
-            </a:fld>
-            <a:endParaRPr lang="en-US" smtClean="0"/>
-          </a:p>
-        </p:txBody>
-      </p:sp>
-      <p:sp>
-        <p:nvSpPr>
-          <p:cNvPr id="69635" name="Rectangle 2"/>
-          <p:cNvSpPr>
-            <a:spLocks noGrp="1" noRot="1" noChangeAspect="1" noChangeArrowheads="1" noTextEdit="1"/>
-          </p:cNvSpPr>
-          <p:nvPr>
-            <p:ph type="sldImg"/>
-          </p:nvPr>
-        </p:nvSpPr>
-        <p:spPr>
-          <a:ln/>
-        </p:spPr>
-      </p:sp>
-      <p:sp>
-        <p:nvSpPr>
-          <p:cNvPr id="69636" name="Rectangle 3"/>
-          <p:cNvSpPr>
-            <a:spLocks noGrp="1" noChangeArrowheads="1"/>
-          </p:cNvSpPr>
-          <p:nvPr>
-            <p:ph type="body" idx="1"/>
-          </p:nvPr>
-        </p:nvSpPr>
-        <p:spPr>
-          <a:noFill/>
-          <a:ln/>
-        </p:spPr>
-        <p:txBody>
-          <a:bodyPr/>
-          <a:lstStyle/>
-          <a:p>
-            <a:pPr eaLnBrk="1" hangingPunct="1"/>
-            <a:endParaRPr lang="en-US" smtClean="0"/>
-          </a:p>
-        </p:txBody>
-      </p:sp>
-    </p:spTree>
-  </p:cSld>
-  <p:clrMapOvr>
-    <a:masterClrMapping/>
-  </p:clrMapOvr>
-</p:notes>
-</file>
-
-<file path=ppt/notesSlides/notesSlide9.xml><?xml version="1.0" encoding="utf-8"?>
-<p:notes xmlns:a="http://schemas.openxmlformats.org/drawingml/2006/main" xmlns:r="http://schemas.openxmlformats.org/officeDocument/2006/relationships" xmlns:p="http://schemas.openxmlformats.org/presentationml/2006/main">
-  <p:cSld>
-    <p:spTree>
-      <p:nvGrpSpPr>
-        <p:cNvPr id="1" name=""/>
-        <p:cNvGrpSpPr/>
-        <p:nvPr/>
-      </p:nvGrpSpPr>
-      <p:grpSpPr>
-        <a:xfrm>
-          <a:off x="0" y="0"/>
-          <a:ext cx="0" cy="0"/>
-          <a:chOff x="0" y="0"/>
-          <a:chExt cx="0" cy="0"/>
-        </a:xfrm>
-      </p:grpSpPr>
-      <p:sp>
-        <p:nvSpPr>
-          <p:cNvPr id="69634" name="Rectangle 7"/>
-          <p:cNvSpPr>
-            <a:spLocks noGrp="1" noChangeArrowheads="1"/>
-          </p:cNvSpPr>
-          <p:nvPr>
-            <p:ph type="sldNum" sz="quarter" idx="5"/>
-          </p:nvPr>
-        </p:nvSpPr>
-        <p:spPr>
-          <a:noFill/>
-        </p:spPr>
-        <p:txBody>
-          <a:bodyPr/>
-          <a:lstStyle/>
-          <a:p>
-            <a:fld id="{47D539D4-74E1-492A-9468-BA66B65E4B96}" type="slidenum">
-              <a:rPr lang="en-US" smtClean="0"/>
-              <a:pPr/>
-              <a:t>9</a:t>
-            </a:fld>
-            <a:endParaRPr lang="en-US" smtClean="0"/>
-          </a:p>
-        </p:txBody>
-      </p:sp>
-      <p:sp>
-        <p:nvSpPr>
-          <p:cNvPr id="69635" name="Rectangle 2"/>
-          <p:cNvSpPr>
-            <a:spLocks noGrp="1" noRot="1" noChangeAspect="1" noChangeArrowheads="1" noTextEdit="1"/>
-          </p:cNvSpPr>
-          <p:nvPr>
-            <p:ph type="sldImg"/>
-          </p:nvPr>
-        </p:nvSpPr>
-        <p:spPr>
-          <a:ln/>
-        </p:spPr>
-      </p:sp>
-      <p:sp>
-        <p:nvSpPr>
-          <p:cNvPr id="69636" name="Rectangle 3"/>
           <p:cNvSpPr>
             <a:spLocks noGrp="1" noChangeArrowheads="1"/>
           </p:cNvSpPr>
@@ -3819,3506 +3280,6 @@
 </p:sld>
 </file>
 
-<file path=ppt/slides/slide10.xml><?xml version="1.0" encoding="utf-8"?>
-<p:sld xmlns:a="http://schemas.openxmlformats.org/drawingml/2006/main" xmlns:r="http://schemas.openxmlformats.org/officeDocument/2006/relationships" xmlns:p="http://schemas.openxmlformats.org/presentationml/2006/main">
-  <p:cSld>
-    <p:spTree>
-      <p:nvGrpSpPr>
-        <p:cNvPr id="1" name=""/>
-        <p:cNvGrpSpPr/>
-        <p:nvPr/>
-      </p:nvGrpSpPr>
-      <p:grpSpPr>
-        <a:xfrm>
-          <a:off x="0" y="0"/>
-          <a:ext cx="0" cy="0"/>
-          <a:chOff x="0" y="0"/>
-          <a:chExt cx="0" cy="0"/>
-        </a:xfrm>
-      </p:grpSpPr>
-      <p:sp>
-        <p:nvSpPr>
-          <p:cNvPr id="20" name="Slide Number Placeholder 3"/>
-          <p:cNvSpPr>
-            <a:spLocks noGrp="1"/>
-          </p:cNvSpPr>
-          <p:nvPr>
-            <p:ph type="sldNum" sz="quarter" idx="4"/>
-          </p:nvPr>
-        </p:nvSpPr>
-        <p:spPr>
-          <a:xfrm>
-            <a:off x="7696200" y="6629400"/>
-            <a:ext cx="1447800" cy="228600"/>
-          </a:xfrm>
-        </p:spPr>
-        <p:txBody>
-          <a:bodyPr/>
-          <a:lstStyle/>
-          <a:p>
-            <a:pPr>
-              <a:defRPr/>
-            </a:pPr>
-            <a:r>
-              <a:rPr lang="en-US" dirty="0" err="1" smtClean="0"/>
-              <a:t>totalprob</a:t>
-            </a:r>
-            <a:r>
-              <a:rPr lang="en-US" dirty="0" smtClean="0"/>
-              <a:t>.</a:t>
-            </a:r>
-            <a:fld id="{EAD82470-6C7C-49DD-8212-C557C8A87E2B}" type="slidenum">
-              <a:rPr lang="en-US" smtClean="0"/>
-              <a:pPr>
-                <a:defRPr/>
-              </a:pPr>
-              <a:t>10</a:t>
-            </a:fld>
-            <a:endParaRPr lang="en-US" dirty="0"/>
-          </a:p>
-        </p:txBody>
-      </p:sp>
-      <p:cxnSp>
-        <p:nvCxnSpPr>
-          <p:cNvPr id="30727" name="AutoShape 21"/>
-          <p:cNvCxnSpPr>
-            <a:cxnSpLocks noChangeShapeType="1"/>
-          </p:cNvCxnSpPr>
-          <p:nvPr/>
-        </p:nvCxnSpPr>
-        <p:spPr bwMode="auto">
-          <a:xfrm>
-            <a:off x="1219200" y="3543300"/>
-            <a:ext cx="0" cy="0"/>
-          </a:xfrm>
-          <a:prstGeom prst="straightConnector1">
-            <a:avLst/>
-          </a:prstGeom>
-          <a:noFill/>
-          <a:ln w="9525">
-            <a:solidFill>
-              <a:schemeClr val="tx1"/>
-            </a:solidFill>
-            <a:round/>
-            <a:headEnd/>
-            <a:tailEnd/>
-          </a:ln>
-        </p:spPr>
-      </p:cxnSp>
-      <p:sp>
-        <p:nvSpPr>
-          <p:cNvPr id="39" name="Rectangle 4"/>
-          <p:cNvSpPr txBox="1">
-            <a:spLocks noChangeArrowheads="1"/>
-          </p:cNvSpPr>
-          <p:nvPr/>
-        </p:nvSpPr>
-        <p:spPr bwMode="auto">
-          <a:xfrm>
-            <a:off x="7696200" y="6629400"/>
-            <a:ext cx="1447800" cy="228600"/>
-          </a:xfrm>
-          <a:prstGeom prst="rect">
-            <a:avLst/>
-          </a:prstGeom>
-          <a:noFill/>
-          <a:ln w="9525">
-            <a:noFill/>
-            <a:miter lim="800000"/>
-            <a:headEnd/>
-            <a:tailEnd/>
-          </a:ln>
-          <a:effectLst/>
-        </p:spPr>
-        <p:txBody>
-          <a:bodyPr vert="horz" wrap="square" lIns="91440" tIns="45720" rIns="91440" bIns="45720" numCol="1" anchor="t" anchorCtr="0" compatLnSpc="1">
-            <a:prstTxWarp prst="textNoShape">
-              <a:avLst/>
-            </a:prstTxWarp>
-          </a:bodyPr>
-          <a:lstStyle>
-            <a:lvl1pPr algn="r">
-              <a:defRPr sz="1200" dirty="0" err="1" smtClean="0">
-                <a:latin typeface="+mn-lt"/>
-              </a:defRPr>
-            </a:lvl1pPr>
-          </a:lstStyle>
-          <a:p>
-            <a:pPr marL="0" marR="0" lvl="0" indent="0" algn="r" defTabSz="914400" rtl="0" eaLnBrk="1" fontAlgn="base" latinLnBrk="0" hangingPunct="1">
-              <a:lnSpc>
-                <a:spcPct val="100000"/>
-              </a:lnSpc>
-              <a:spcBef>
-                <a:spcPct val="0"/>
-              </a:spcBef>
-              <a:spcAft>
-                <a:spcPct val="0"/>
-              </a:spcAft>
-              <a:buClrTx/>
-              <a:buSzTx/>
-              <a:buFontTx/>
-              <a:buNone/>
-              <a:tabLst/>
-              <a:defRPr/>
-            </a:pPr>
-            <a:r>
-              <a:rPr kumimoji="0" lang="en-US" sz="1200" b="0" i="0" u="none" strike="noStrike" kern="1200" cap="none" spc="0" normalizeH="0" baseline="0" noProof="0" dirty="0" err="1" smtClean="0">
-                <a:ln>
-                  <a:noFill/>
-                </a:ln>
-                <a:solidFill>
-                  <a:schemeClr val="tx1"/>
-                </a:solidFill>
-                <a:effectLst/>
-                <a:uLnTx/>
-                <a:uFillTx/>
-                <a:latin typeface="+mn-lt"/>
-                <a:ea typeface="+mn-ea"/>
-                <a:cs typeface="+mn-cs"/>
-              </a:rPr>
-              <a:t>totalprob</a:t>
-            </a:r>
-            <a:r>
-              <a:rPr kumimoji="0" lang="en-US" sz="1200" b="0" i="0" u="none" strike="noStrike" kern="1200" cap="none" spc="0" normalizeH="0" baseline="0" noProof="0" dirty="0" smtClean="0">
-                <a:ln>
-                  <a:noFill/>
-                </a:ln>
-                <a:solidFill>
-                  <a:schemeClr val="tx1"/>
-                </a:solidFill>
-                <a:effectLst/>
-                <a:uLnTx/>
-                <a:uFillTx/>
-                <a:latin typeface="+mn-lt"/>
-                <a:ea typeface="+mn-ea"/>
-                <a:cs typeface="+mn-cs"/>
-              </a:rPr>
-              <a:t>.</a:t>
-            </a:r>
-            <a:fld id="{B9A0B45D-6AFD-413C-B761-B121FB8BE940}" type="slidenum">
-              <a:rPr kumimoji="0" lang="en-US" sz="1200" b="0" i="0" u="none" strike="noStrike" kern="1200" cap="none" spc="0" normalizeH="0" baseline="0" noProof="0" smtClean="0">
-                <a:ln>
-                  <a:noFill/>
-                </a:ln>
-                <a:solidFill>
-                  <a:schemeClr val="tx1"/>
-                </a:solidFill>
-                <a:effectLst/>
-                <a:uLnTx/>
-                <a:uFillTx/>
-                <a:latin typeface="+mn-lt"/>
-                <a:ea typeface="+mn-ea"/>
-                <a:cs typeface="+mn-cs"/>
-              </a:rPr>
-              <a:pPr marL="0" marR="0" lvl="0" indent="0" algn="r" defTabSz="914400" rtl="0" eaLnBrk="1" fontAlgn="base" latinLnBrk="0" hangingPunct="1">
-                <a:lnSpc>
-                  <a:spcPct val="100000"/>
-                </a:lnSpc>
-                <a:spcBef>
-                  <a:spcPct val="0"/>
-                </a:spcBef>
-                <a:spcAft>
-                  <a:spcPct val="0"/>
-                </a:spcAft>
-                <a:buClrTx/>
-                <a:buSzTx/>
-                <a:buFontTx/>
-                <a:buNone/>
-                <a:tabLst/>
-                <a:defRPr/>
-              </a:pPr>
-              <a:t>10</a:t>
-            </a:fld>
-            <a:endParaRPr kumimoji="0" lang="en-US" sz="1200" b="0" i="0" u="none" strike="noStrike" kern="1200" cap="none" spc="0" normalizeH="0" baseline="0" noProof="0" dirty="0">
-              <a:ln>
-                <a:noFill/>
-              </a:ln>
-              <a:solidFill>
-                <a:schemeClr val="tx1"/>
-              </a:solidFill>
-              <a:effectLst/>
-              <a:uLnTx/>
-              <a:uFillTx/>
-              <a:latin typeface="+mn-lt"/>
-              <a:ea typeface="+mn-ea"/>
-              <a:cs typeface="+mn-cs"/>
-            </a:endParaRPr>
-          </a:p>
-        </p:txBody>
-      </p:sp>
-      <p:sp>
-        <p:nvSpPr>
-          <p:cNvPr id="13" name="Rectangle 4"/>
-          <p:cNvSpPr txBox="1">
-            <a:spLocks noChangeArrowheads="1"/>
-          </p:cNvSpPr>
-          <p:nvPr/>
-        </p:nvSpPr>
-        <p:spPr bwMode="auto">
-          <a:xfrm>
-            <a:off x="1447800" y="381000"/>
-            <a:ext cx="6553200" cy="838200"/>
-          </a:xfrm>
-          <a:prstGeom prst="rect">
-            <a:avLst/>
-          </a:prstGeom>
-          <a:noFill/>
-          <a:ln w="9525">
-            <a:noFill/>
-            <a:miter lim="800000"/>
-            <a:headEnd/>
-            <a:tailEnd/>
-          </a:ln>
-        </p:spPr>
-        <p:txBody>
-          <a:bodyPr vert="horz" wrap="square" lIns="91440" tIns="45720" rIns="91440" bIns="45720" numCol="1" anchor="ctr" anchorCtr="0" compatLnSpc="1">
-            <a:prstTxWarp prst="textNoShape">
-              <a:avLst/>
-            </a:prstTxWarp>
-          </a:bodyPr>
-          <a:lstStyle>
-            <a:lvl1pPr algn="ctr" rtl="0" eaLnBrk="0" fontAlgn="base" hangingPunct="0">
-              <a:spcBef>
-                <a:spcPct val="0"/>
-              </a:spcBef>
-              <a:spcAft>
-                <a:spcPct val="0"/>
-              </a:spcAft>
-              <a:defRPr sz="3200" b="1">
-                <a:solidFill>
-                  <a:schemeClr val="tx2"/>
-                </a:solidFill>
-                <a:latin typeface="+mj-lt"/>
-                <a:ea typeface="+mj-ea"/>
-                <a:cs typeface="+mj-cs"/>
-              </a:defRPr>
-            </a:lvl1pPr>
-            <a:lvl2pPr algn="ctr" rtl="0" eaLnBrk="0" fontAlgn="base" hangingPunct="0">
-              <a:spcBef>
-                <a:spcPct val="0"/>
-              </a:spcBef>
-              <a:spcAft>
-                <a:spcPct val="0"/>
-              </a:spcAft>
-              <a:defRPr sz="3600" b="1">
-                <a:solidFill>
-                  <a:schemeClr val="tx2"/>
-                </a:solidFill>
-                <a:latin typeface="Comic Sans MS" pitchFamily="66" charset="0"/>
-              </a:defRPr>
-            </a:lvl2pPr>
-            <a:lvl3pPr algn="ctr" rtl="0" eaLnBrk="0" fontAlgn="base" hangingPunct="0">
-              <a:spcBef>
-                <a:spcPct val="0"/>
-              </a:spcBef>
-              <a:spcAft>
-                <a:spcPct val="0"/>
-              </a:spcAft>
-              <a:defRPr sz="3600" b="1">
-                <a:solidFill>
-                  <a:schemeClr val="tx2"/>
-                </a:solidFill>
-                <a:latin typeface="Comic Sans MS" pitchFamily="66" charset="0"/>
-              </a:defRPr>
-            </a:lvl3pPr>
-            <a:lvl4pPr algn="ctr" rtl="0" eaLnBrk="0" fontAlgn="base" hangingPunct="0">
-              <a:spcBef>
-                <a:spcPct val="0"/>
-              </a:spcBef>
-              <a:spcAft>
-                <a:spcPct val="0"/>
-              </a:spcAft>
-              <a:defRPr sz="3600" b="1">
-                <a:solidFill>
-                  <a:schemeClr val="tx2"/>
-                </a:solidFill>
-                <a:latin typeface="Comic Sans MS" pitchFamily="66" charset="0"/>
-              </a:defRPr>
-            </a:lvl4pPr>
-            <a:lvl5pPr algn="ctr" rtl="0" eaLnBrk="0" fontAlgn="base" hangingPunct="0">
-              <a:spcBef>
-                <a:spcPct val="0"/>
-              </a:spcBef>
-              <a:spcAft>
-                <a:spcPct val="0"/>
-              </a:spcAft>
-              <a:defRPr sz="3600" b="1">
-                <a:solidFill>
-                  <a:schemeClr val="tx2"/>
-                </a:solidFill>
-                <a:latin typeface="Comic Sans MS" pitchFamily="66" charset="0"/>
-              </a:defRPr>
-            </a:lvl5pPr>
-            <a:lvl6pPr marL="457200" algn="ctr" rtl="0" fontAlgn="base">
-              <a:spcBef>
-                <a:spcPct val="0"/>
-              </a:spcBef>
-              <a:spcAft>
-                <a:spcPct val="0"/>
-              </a:spcAft>
-              <a:defRPr sz="3600" b="1">
-                <a:solidFill>
-                  <a:schemeClr val="tx2"/>
-                </a:solidFill>
-                <a:latin typeface="Comic Sans MS" pitchFamily="66" charset="0"/>
-              </a:defRPr>
-            </a:lvl6pPr>
-            <a:lvl7pPr marL="914400" algn="ctr" rtl="0" fontAlgn="base">
-              <a:spcBef>
-                <a:spcPct val="0"/>
-              </a:spcBef>
-              <a:spcAft>
-                <a:spcPct val="0"/>
-              </a:spcAft>
-              <a:defRPr sz="3600" b="1">
-                <a:solidFill>
-                  <a:schemeClr val="tx2"/>
-                </a:solidFill>
-                <a:latin typeface="Comic Sans MS" pitchFamily="66" charset="0"/>
-              </a:defRPr>
-            </a:lvl7pPr>
-            <a:lvl8pPr marL="1371600" algn="ctr" rtl="0" fontAlgn="base">
-              <a:spcBef>
-                <a:spcPct val="0"/>
-              </a:spcBef>
-              <a:spcAft>
-                <a:spcPct val="0"/>
-              </a:spcAft>
-              <a:defRPr sz="3600" b="1">
-                <a:solidFill>
-                  <a:schemeClr val="tx2"/>
-                </a:solidFill>
-                <a:latin typeface="Comic Sans MS" pitchFamily="66" charset="0"/>
-              </a:defRPr>
-            </a:lvl8pPr>
-            <a:lvl9pPr marL="1828800" algn="ctr" rtl="0" fontAlgn="base">
-              <a:spcBef>
-                <a:spcPct val="0"/>
-              </a:spcBef>
-              <a:spcAft>
-                <a:spcPct val="0"/>
-              </a:spcAft>
-              <a:defRPr sz="3600" b="1">
-                <a:solidFill>
-                  <a:schemeClr val="tx2"/>
-                </a:solidFill>
-                <a:latin typeface="Comic Sans MS" pitchFamily="66" charset="0"/>
-              </a:defRPr>
-            </a:lvl9pPr>
-          </a:lstStyle>
-          <a:p>
-            <a:pPr eaLnBrk="1" hangingPunct="1"/>
-            <a:r>
-              <a:rPr lang="en-US" sz="4000" smtClean="0">
-                <a:solidFill>
-                  <a:schemeClr val="tx1"/>
-                </a:solidFill>
-              </a:rPr>
-              <a:t>TB testing by cases</a:t>
-            </a:r>
-            <a:endParaRPr lang="en-US" sz="4000" dirty="0" smtClean="0">
-              <a:solidFill>
-                <a:schemeClr val="tx1"/>
-              </a:solidFill>
-            </a:endParaRPr>
-          </a:p>
-        </p:txBody>
-      </p:sp>
-      <p:graphicFrame>
-        <p:nvGraphicFramePr>
-          <p:cNvPr id="8" name="Object 7"/>
-          <p:cNvGraphicFramePr>
-            <a:graphicFrameLocks noChangeAspect="1"/>
-          </p:cNvGraphicFramePr>
-          <p:nvPr>
-            <p:extLst>
-              <p:ext uri="{D42A27DB-BD31-4B8C-83A1-F6EECF244321}">
-                <p14:modId xmlns:p14="http://schemas.microsoft.com/office/powerpoint/2010/main" val="89498826"/>
-              </p:ext>
-            </p:extLst>
-          </p:nvPr>
-        </p:nvGraphicFramePr>
-        <p:xfrm>
-          <a:off x="828007" y="1203507"/>
-          <a:ext cx="6303043" cy="1801662"/>
-        </p:xfrm>
-        <a:graphic>
-          <a:graphicData uri="http://schemas.openxmlformats.org/presentationml/2006/ole">
-            <mc:AlternateContent xmlns:mc="http://schemas.openxmlformats.org/markup-compatibility/2006">
-              <mc:Choice xmlns:v="urn:schemas-microsoft-com:vml" Requires="v">
-                <p:oleObj spid="_x0000_s358419" name="Equation" r:id="rId4" imgW="1727200" imgH="495300" progId="Equation.DSMT4">
-                  <p:embed/>
-                </p:oleObj>
-              </mc:Choice>
-              <mc:Fallback>
-                <p:oleObj name="Equation" r:id="rId4" imgW="1727200" imgH="495300" progId="Equation.DSMT4">
-                  <p:embed/>
-                  <p:pic>
-                    <p:nvPicPr>
-                      <p:cNvPr id="0" name=""/>
-                      <p:cNvPicPr/>
-                      <p:nvPr/>
-                    </p:nvPicPr>
-                    <p:blipFill>
-                      <a:blip r:embed="rId5"/>
-                      <a:stretch>
-                        <a:fillRect/>
-                      </a:stretch>
-                    </p:blipFill>
-                    <p:spPr>
-                      <a:xfrm>
-                        <a:off x="828007" y="1203507"/>
-                        <a:ext cx="6303043" cy="1801662"/>
-                      </a:xfrm>
-                      <a:prstGeom prst="rect">
-                        <a:avLst/>
-                      </a:prstGeom>
-                    </p:spPr>
-                  </p:pic>
-                </p:oleObj>
-              </mc:Fallback>
-            </mc:AlternateContent>
-          </a:graphicData>
-        </a:graphic>
-      </p:graphicFrame>
-    </p:spTree>
-    <p:extLst>
-      <p:ext uri="{BB962C8B-B14F-4D97-AF65-F5344CB8AC3E}">
-        <p14:creationId xmlns:p14="http://schemas.microsoft.com/office/powerpoint/2010/main" val="92241869"/>
-      </p:ext>
-    </p:extLst>
-  </p:cSld>
-  <p:clrMapOvr>
-    <a:masterClrMapping/>
-  </p:clrMapOvr>
-  <mc:AlternateContent xmlns:mc="http://schemas.openxmlformats.org/markup-compatibility/2006" xmlns:p14="http://schemas.microsoft.com/office/powerpoint/2010/main">
-    <mc:Choice Requires="p14">
-      <p:transition spd="slow" p14:dur="900" advClick="0">
-        <p:fade/>
-      </p:transition>
-    </mc:Choice>
-    <mc:Fallback xmlns="">
-      <p:transition xmlns:p14="http://schemas.microsoft.com/office/powerpoint/2010/main" spd="slow" advClick="0">
-        <p:fade/>
-      </p:transition>
-    </mc:Fallback>
-  </mc:AlternateContent>
-  <p:timing>
-    <p:tnLst>
-      <p:par>
-        <p:cTn xmlns:p14="http://schemas.microsoft.com/office/powerpoint/2010/main" id="1" dur="indefinite" restart="never" nodeType="tmRoot"/>
-      </p:par>
-    </p:tnLst>
-  </p:timing>
-</p:sld>
-</file>
-
-<file path=ppt/slides/slide11.xml><?xml version="1.0" encoding="utf-8"?>
-<p:sld xmlns:a="http://schemas.openxmlformats.org/drawingml/2006/main" xmlns:r="http://schemas.openxmlformats.org/officeDocument/2006/relationships" xmlns:p="http://schemas.openxmlformats.org/presentationml/2006/main">
-  <p:cSld>
-    <p:spTree>
-      <p:nvGrpSpPr>
-        <p:cNvPr id="1" name=""/>
-        <p:cNvGrpSpPr/>
-        <p:nvPr/>
-      </p:nvGrpSpPr>
-      <p:grpSpPr>
-        <a:xfrm>
-          <a:off x="0" y="0"/>
-          <a:ext cx="0" cy="0"/>
-          <a:chOff x="0" y="0"/>
-          <a:chExt cx="0" cy="0"/>
-        </a:xfrm>
-      </p:grpSpPr>
-      <p:sp>
-        <p:nvSpPr>
-          <p:cNvPr id="20" name="Slide Number Placeholder 3"/>
-          <p:cNvSpPr>
-            <a:spLocks noGrp="1"/>
-          </p:cNvSpPr>
-          <p:nvPr>
-            <p:ph type="sldNum" sz="quarter" idx="4"/>
-          </p:nvPr>
-        </p:nvSpPr>
-        <p:spPr>
-          <a:xfrm>
-            <a:off x="7696200" y="6629400"/>
-            <a:ext cx="1447800" cy="228600"/>
-          </a:xfrm>
-        </p:spPr>
-        <p:txBody>
-          <a:bodyPr/>
-          <a:lstStyle/>
-          <a:p>
-            <a:pPr>
-              <a:defRPr/>
-            </a:pPr>
-            <a:r>
-              <a:rPr lang="en-US" dirty="0" err="1" smtClean="0"/>
-              <a:t>totalprob</a:t>
-            </a:r>
-            <a:r>
-              <a:rPr lang="en-US" dirty="0" smtClean="0"/>
-              <a:t>.</a:t>
-            </a:r>
-            <a:fld id="{EAD82470-6C7C-49DD-8212-C557C8A87E2B}" type="slidenum">
-              <a:rPr lang="en-US" smtClean="0"/>
-              <a:pPr>
-                <a:defRPr/>
-              </a:pPr>
-              <a:t>11</a:t>
-            </a:fld>
-            <a:endParaRPr lang="en-US" dirty="0"/>
-          </a:p>
-        </p:txBody>
-      </p:sp>
-      <p:cxnSp>
-        <p:nvCxnSpPr>
-          <p:cNvPr id="30727" name="AutoShape 21"/>
-          <p:cNvCxnSpPr>
-            <a:cxnSpLocks noChangeShapeType="1"/>
-          </p:cNvCxnSpPr>
-          <p:nvPr/>
-        </p:nvCxnSpPr>
-        <p:spPr bwMode="auto">
-          <a:xfrm>
-            <a:off x="1219200" y="3543300"/>
-            <a:ext cx="0" cy="0"/>
-          </a:xfrm>
-          <a:prstGeom prst="straightConnector1">
-            <a:avLst/>
-          </a:prstGeom>
-          <a:noFill/>
-          <a:ln w="9525">
-            <a:solidFill>
-              <a:schemeClr val="tx1"/>
-            </a:solidFill>
-            <a:round/>
-            <a:headEnd/>
-            <a:tailEnd/>
-          </a:ln>
-        </p:spPr>
-      </p:cxnSp>
-      <p:sp>
-        <p:nvSpPr>
-          <p:cNvPr id="39" name="Rectangle 4"/>
-          <p:cNvSpPr txBox="1">
-            <a:spLocks noChangeArrowheads="1"/>
-          </p:cNvSpPr>
-          <p:nvPr/>
-        </p:nvSpPr>
-        <p:spPr bwMode="auto">
-          <a:xfrm>
-            <a:off x="7696200" y="6629400"/>
-            <a:ext cx="1447800" cy="228600"/>
-          </a:xfrm>
-          <a:prstGeom prst="rect">
-            <a:avLst/>
-          </a:prstGeom>
-          <a:noFill/>
-          <a:ln w="9525">
-            <a:noFill/>
-            <a:miter lim="800000"/>
-            <a:headEnd/>
-            <a:tailEnd/>
-          </a:ln>
-          <a:effectLst/>
-        </p:spPr>
-        <p:txBody>
-          <a:bodyPr vert="horz" wrap="square" lIns="91440" tIns="45720" rIns="91440" bIns="45720" numCol="1" anchor="t" anchorCtr="0" compatLnSpc="1">
-            <a:prstTxWarp prst="textNoShape">
-              <a:avLst/>
-            </a:prstTxWarp>
-          </a:bodyPr>
-          <a:lstStyle>
-            <a:lvl1pPr algn="r">
-              <a:defRPr sz="1200" dirty="0" err="1" smtClean="0">
-                <a:latin typeface="+mn-lt"/>
-              </a:defRPr>
-            </a:lvl1pPr>
-          </a:lstStyle>
-          <a:p>
-            <a:pPr marL="0" marR="0" lvl="0" indent="0" algn="r" defTabSz="914400" rtl="0" eaLnBrk="1" fontAlgn="base" latinLnBrk="0" hangingPunct="1">
-              <a:lnSpc>
-                <a:spcPct val="100000"/>
-              </a:lnSpc>
-              <a:spcBef>
-                <a:spcPct val="0"/>
-              </a:spcBef>
-              <a:spcAft>
-                <a:spcPct val="0"/>
-              </a:spcAft>
-              <a:buClrTx/>
-              <a:buSzTx/>
-              <a:buFontTx/>
-              <a:buNone/>
-              <a:tabLst/>
-              <a:defRPr/>
-            </a:pPr>
-            <a:r>
-              <a:rPr kumimoji="0" lang="en-US" sz="1200" b="0" i="0" u="none" strike="noStrike" kern="1200" cap="none" spc="0" normalizeH="0" baseline="0" noProof="0" dirty="0" err="1" smtClean="0">
-                <a:ln>
-                  <a:noFill/>
-                </a:ln>
-                <a:solidFill>
-                  <a:schemeClr val="tx1"/>
-                </a:solidFill>
-                <a:effectLst/>
-                <a:uLnTx/>
-                <a:uFillTx/>
-                <a:latin typeface="+mn-lt"/>
-                <a:ea typeface="+mn-ea"/>
-                <a:cs typeface="+mn-cs"/>
-              </a:rPr>
-              <a:t>totalprob</a:t>
-            </a:r>
-            <a:r>
-              <a:rPr kumimoji="0" lang="en-US" sz="1200" b="0" i="0" u="none" strike="noStrike" kern="1200" cap="none" spc="0" normalizeH="0" baseline="0" noProof="0" dirty="0" smtClean="0">
-                <a:ln>
-                  <a:noFill/>
-                </a:ln>
-                <a:solidFill>
-                  <a:schemeClr val="tx1"/>
-                </a:solidFill>
-                <a:effectLst/>
-                <a:uLnTx/>
-                <a:uFillTx/>
-                <a:latin typeface="+mn-lt"/>
-                <a:ea typeface="+mn-ea"/>
-                <a:cs typeface="+mn-cs"/>
-              </a:rPr>
-              <a:t>.</a:t>
-            </a:r>
-            <a:fld id="{B9A0B45D-6AFD-413C-B761-B121FB8BE940}" type="slidenum">
-              <a:rPr kumimoji="0" lang="en-US" sz="1200" b="0" i="0" u="none" strike="noStrike" kern="1200" cap="none" spc="0" normalizeH="0" baseline="0" noProof="0" smtClean="0">
-                <a:ln>
-                  <a:noFill/>
-                </a:ln>
-                <a:solidFill>
-                  <a:schemeClr val="tx1"/>
-                </a:solidFill>
-                <a:effectLst/>
-                <a:uLnTx/>
-                <a:uFillTx/>
-                <a:latin typeface="+mn-lt"/>
-                <a:ea typeface="+mn-ea"/>
-                <a:cs typeface="+mn-cs"/>
-              </a:rPr>
-              <a:pPr marL="0" marR="0" lvl="0" indent="0" algn="r" defTabSz="914400" rtl="0" eaLnBrk="1" fontAlgn="base" latinLnBrk="0" hangingPunct="1">
-                <a:lnSpc>
-                  <a:spcPct val="100000"/>
-                </a:lnSpc>
-                <a:spcBef>
-                  <a:spcPct val="0"/>
-                </a:spcBef>
-                <a:spcAft>
-                  <a:spcPct val="0"/>
-                </a:spcAft>
-                <a:buClrTx/>
-                <a:buSzTx/>
-                <a:buFontTx/>
-                <a:buNone/>
-                <a:tabLst/>
-                <a:defRPr/>
-              </a:pPr>
-              <a:t>11</a:t>
-            </a:fld>
-            <a:endParaRPr kumimoji="0" lang="en-US" sz="1200" b="0" i="0" u="none" strike="noStrike" kern="1200" cap="none" spc="0" normalizeH="0" baseline="0" noProof="0" dirty="0">
-              <a:ln>
-                <a:noFill/>
-              </a:ln>
-              <a:solidFill>
-                <a:schemeClr val="tx1"/>
-              </a:solidFill>
-              <a:effectLst/>
-              <a:uLnTx/>
-              <a:uFillTx/>
-              <a:latin typeface="+mn-lt"/>
-              <a:ea typeface="+mn-ea"/>
-              <a:cs typeface="+mn-cs"/>
-            </a:endParaRPr>
-          </a:p>
-        </p:txBody>
-      </p:sp>
-      <p:sp>
-        <p:nvSpPr>
-          <p:cNvPr id="13" name="Rectangle 4"/>
-          <p:cNvSpPr txBox="1">
-            <a:spLocks noChangeArrowheads="1"/>
-          </p:cNvSpPr>
-          <p:nvPr/>
-        </p:nvSpPr>
-        <p:spPr bwMode="auto">
-          <a:xfrm>
-            <a:off x="1447800" y="381000"/>
-            <a:ext cx="6553200" cy="838200"/>
-          </a:xfrm>
-          <a:prstGeom prst="rect">
-            <a:avLst/>
-          </a:prstGeom>
-          <a:noFill/>
-          <a:ln w="9525">
-            <a:noFill/>
-            <a:miter lim="800000"/>
-            <a:headEnd/>
-            <a:tailEnd/>
-          </a:ln>
-        </p:spPr>
-        <p:txBody>
-          <a:bodyPr vert="horz" wrap="square" lIns="91440" tIns="45720" rIns="91440" bIns="45720" numCol="1" anchor="ctr" anchorCtr="0" compatLnSpc="1">
-            <a:prstTxWarp prst="textNoShape">
-              <a:avLst/>
-            </a:prstTxWarp>
-          </a:bodyPr>
-          <a:lstStyle>
-            <a:lvl1pPr algn="ctr" rtl="0" eaLnBrk="0" fontAlgn="base" hangingPunct="0">
-              <a:spcBef>
-                <a:spcPct val="0"/>
-              </a:spcBef>
-              <a:spcAft>
-                <a:spcPct val="0"/>
-              </a:spcAft>
-              <a:defRPr sz="3200" b="1">
-                <a:solidFill>
-                  <a:schemeClr val="tx2"/>
-                </a:solidFill>
-                <a:latin typeface="+mj-lt"/>
-                <a:ea typeface="+mj-ea"/>
-                <a:cs typeface="+mj-cs"/>
-              </a:defRPr>
-            </a:lvl1pPr>
-            <a:lvl2pPr algn="ctr" rtl="0" eaLnBrk="0" fontAlgn="base" hangingPunct="0">
-              <a:spcBef>
-                <a:spcPct val="0"/>
-              </a:spcBef>
-              <a:spcAft>
-                <a:spcPct val="0"/>
-              </a:spcAft>
-              <a:defRPr sz="3600" b="1">
-                <a:solidFill>
-                  <a:schemeClr val="tx2"/>
-                </a:solidFill>
-                <a:latin typeface="Comic Sans MS" pitchFamily="66" charset="0"/>
-              </a:defRPr>
-            </a:lvl2pPr>
-            <a:lvl3pPr algn="ctr" rtl="0" eaLnBrk="0" fontAlgn="base" hangingPunct="0">
-              <a:spcBef>
-                <a:spcPct val="0"/>
-              </a:spcBef>
-              <a:spcAft>
-                <a:spcPct val="0"/>
-              </a:spcAft>
-              <a:defRPr sz="3600" b="1">
-                <a:solidFill>
-                  <a:schemeClr val="tx2"/>
-                </a:solidFill>
-                <a:latin typeface="Comic Sans MS" pitchFamily="66" charset="0"/>
-              </a:defRPr>
-            </a:lvl3pPr>
-            <a:lvl4pPr algn="ctr" rtl="0" eaLnBrk="0" fontAlgn="base" hangingPunct="0">
-              <a:spcBef>
-                <a:spcPct val="0"/>
-              </a:spcBef>
-              <a:spcAft>
-                <a:spcPct val="0"/>
-              </a:spcAft>
-              <a:defRPr sz="3600" b="1">
-                <a:solidFill>
-                  <a:schemeClr val="tx2"/>
-                </a:solidFill>
-                <a:latin typeface="Comic Sans MS" pitchFamily="66" charset="0"/>
-              </a:defRPr>
-            </a:lvl4pPr>
-            <a:lvl5pPr algn="ctr" rtl="0" eaLnBrk="0" fontAlgn="base" hangingPunct="0">
-              <a:spcBef>
-                <a:spcPct val="0"/>
-              </a:spcBef>
-              <a:spcAft>
-                <a:spcPct val="0"/>
-              </a:spcAft>
-              <a:defRPr sz="3600" b="1">
-                <a:solidFill>
-                  <a:schemeClr val="tx2"/>
-                </a:solidFill>
-                <a:latin typeface="Comic Sans MS" pitchFamily="66" charset="0"/>
-              </a:defRPr>
-            </a:lvl5pPr>
-            <a:lvl6pPr marL="457200" algn="ctr" rtl="0" fontAlgn="base">
-              <a:spcBef>
-                <a:spcPct val="0"/>
-              </a:spcBef>
-              <a:spcAft>
-                <a:spcPct val="0"/>
-              </a:spcAft>
-              <a:defRPr sz="3600" b="1">
-                <a:solidFill>
-                  <a:schemeClr val="tx2"/>
-                </a:solidFill>
-                <a:latin typeface="Comic Sans MS" pitchFamily="66" charset="0"/>
-              </a:defRPr>
-            </a:lvl6pPr>
-            <a:lvl7pPr marL="914400" algn="ctr" rtl="0" fontAlgn="base">
-              <a:spcBef>
-                <a:spcPct val="0"/>
-              </a:spcBef>
-              <a:spcAft>
-                <a:spcPct val="0"/>
-              </a:spcAft>
-              <a:defRPr sz="3600" b="1">
-                <a:solidFill>
-                  <a:schemeClr val="tx2"/>
-                </a:solidFill>
-                <a:latin typeface="Comic Sans MS" pitchFamily="66" charset="0"/>
-              </a:defRPr>
-            </a:lvl7pPr>
-            <a:lvl8pPr marL="1371600" algn="ctr" rtl="0" fontAlgn="base">
-              <a:spcBef>
-                <a:spcPct val="0"/>
-              </a:spcBef>
-              <a:spcAft>
-                <a:spcPct val="0"/>
-              </a:spcAft>
-              <a:defRPr sz="3600" b="1">
-                <a:solidFill>
-                  <a:schemeClr val="tx2"/>
-                </a:solidFill>
-                <a:latin typeface="Comic Sans MS" pitchFamily="66" charset="0"/>
-              </a:defRPr>
-            </a:lvl8pPr>
-            <a:lvl9pPr marL="1828800" algn="ctr" rtl="0" fontAlgn="base">
-              <a:spcBef>
-                <a:spcPct val="0"/>
-              </a:spcBef>
-              <a:spcAft>
-                <a:spcPct val="0"/>
-              </a:spcAft>
-              <a:defRPr sz="3600" b="1">
-                <a:solidFill>
-                  <a:schemeClr val="tx2"/>
-                </a:solidFill>
-                <a:latin typeface="Comic Sans MS" pitchFamily="66" charset="0"/>
-              </a:defRPr>
-            </a:lvl9pPr>
-          </a:lstStyle>
-          <a:p>
-            <a:pPr eaLnBrk="1" hangingPunct="1"/>
-            <a:r>
-              <a:rPr lang="en-US" sz="4000" smtClean="0">
-                <a:solidFill>
-                  <a:schemeClr val="tx1"/>
-                </a:solidFill>
-              </a:rPr>
-              <a:t>TB testing by cases</a:t>
-            </a:r>
-            <a:endParaRPr lang="en-US" sz="4000" dirty="0" smtClean="0">
-              <a:solidFill>
-                <a:schemeClr val="tx1"/>
-              </a:solidFill>
-            </a:endParaRPr>
-          </a:p>
-        </p:txBody>
-      </p:sp>
-      <p:graphicFrame>
-        <p:nvGraphicFramePr>
-          <p:cNvPr id="7" name="Object 6"/>
-          <p:cNvGraphicFramePr>
-            <a:graphicFrameLocks noChangeAspect="1"/>
-          </p:cNvGraphicFramePr>
-          <p:nvPr>
-            <p:extLst>
-              <p:ext uri="{D42A27DB-BD31-4B8C-83A1-F6EECF244321}">
-                <p14:modId xmlns:p14="http://schemas.microsoft.com/office/powerpoint/2010/main" val="2745202180"/>
-              </p:ext>
-            </p:extLst>
-          </p:nvPr>
-        </p:nvGraphicFramePr>
-        <p:xfrm>
-          <a:off x="796875" y="1295208"/>
-          <a:ext cx="7272333" cy="1755335"/>
-        </p:xfrm>
-        <a:graphic>
-          <a:graphicData uri="http://schemas.openxmlformats.org/presentationml/2006/ole">
-            <mc:AlternateContent xmlns:mc="http://schemas.openxmlformats.org/markup-compatibility/2006">
-              <mc:Choice xmlns:v="urn:schemas-microsoft-com:vml" Requires="v">
-                <p:oleObj spid="_x0000_s361489" name="Equation" r:id="rId4" imgW="2044700" imgH="495300" progId="Equation.DSMT4">
-                  <p:embed/>
-                </p:oleObj>
-              </mc:Choice>
-              <mc:Fallback>
-                <p:oleObj name="Equation" r:id="rId4" imgW="2044700" imgH="495300" progId="Equation.DSMT4">
-                  <p:embed/>
-                  <p:pic>
-                    <p:nvPicPr>
-                      <p:cNvPr id="0" name=""/>
-                      <p:cNvPicPr/>
-                      <p:nvPr/>
-                    </p:nvPicPr>
-                    <p:blipFill>
-                      <a:blip r:embed="rId5"/>
-                      <a:stretch>
-                        <a:fillRect/>
-                      </a:stretch>
-                    </p:blipFill>
-                    <p:spPr>
-                      <a:xfrm>
-                        <a:off x="796875" y="1295208"/>
-                        <a:ext cx="7272333" cy="1755335"/>
-                      </a:xfrm>
-                      <a:prstGeom prst="rect">
-                        <a:avLst/>
-                      </a:prstGeom>
-                    </p:spPr>
-                  </p:pic>
-                </p:oleObj>
-              </mc:Fallback>
-            </mc:AlternateContent>
-          </a:graphicData>
-        </a:graphic>
-      </p:graphicFrame>
-    </p:spTree>
-    <p:extLst>
-      <p:ext uri="{BB962C8B-B14F-4D97-AF65-F5344CB8AC3E}">
-        <p14:creationId xmlns:p14="http://schemas.microsoft.com/office/powerpoint/2010/main" val="1808849290"/>
-      </p:ext>
-    </p:extLst>
-  </p:cSld>
-  <p:clrMapOvr>
-    <a:masterClrMapping/>
-  </p:clrMapOvr>
-  <mc:AlternateContent xmlns:mc="http://schemas.openxmlformats.org/markup-compatibility/2006" xmlns:p14="http://schemas.microsoft.com/office/powerpoint/2010/main">
-    <mc:Choice Requires="p14">
-      <p:transition spd="slow" p14:dur="900" advClick="0">
-        <p:fade/>
-      </p:transition>
-    </mc:Choice>
-    <mc:Fallback xmlns="">
-      <p:transition xmlns:p14="http://schemas.microsoft.com/office/powerpoint/2010/main" spd="slow" advClick="0">
-        <p:fade/>
-      </p:transition>
-    </mc:Fallback>
-  </mc:AlternateContent>
-  <p:timing>
-    <p:tnLst>
-      <p:par>
-        <p:cTn xmlns:p14="http://schemas.microsoft.com/office/powerpoint/2010/main" id="1" dur="indefinite" restart="never" nodeType="tmRoot"/>
-      </p:par>
-    </p:tnLst>
-  </p:timing>
-</p:sld>
-</file>
-
-<file path=ppt/slides/slide12.xml><?xml version="1.0" encoding="utf-8"?>
-<p:sld xmlns:a="http://schemas.openxmlformats.org/drawingml/2006/main" xmlns:r="http://schemas.openxmlformats.org/officeDocument/2006/relationships" xmlns:p="http://schemas.openxmlformats.org/presentationml/2006/main">
-  <p:cSld>
-    <p:spTree>
-      <p:nvGrpSpPr>
-        <p:cNvPr id="1" name=""/>
-        <p:cNvGrpSpPr/>
-        <p:nvPr/>
-      </p:nvGrpSpPr>
-      <p:grpSpPr>
-        <a:xfrm>
-          <a:off x="0" y="0"/>
-          <a:ext cx="0" cy="0"/>
-          <a:chOff x="0" y="0"/>
-          <a:chExt cx="0" cy="0"/>
-        </a:xfrm>
-      </p:grpSpPr>
-      <p:sp>
-        <p:nvSpPr>
-          <p:cNvPr id="20" name="Slide Number Placeholder 3"/>
-          <p:cNvSpPr>
-            <a:spLocks noGrp="1"/>
-          </p:cNvSpPr>
-          <p:nvPr>
-            <p:ph type="sldNum" sz="quarter" idx="4"/>
-          </p:nvPr>
-        </p:nvSpPr>
-        <p:spPr>
-          <a:xfrm>
-            <a:off x="7696200" y="6629400"/>
-            <a:ext cx="1447800" cy="228600"/>
-          </a:xfrm>
-        </p:spPr>
-        <p:txBody>
-          <a:bodyPr/>
-          <a:lstStyle/>
-          <a:p>
-            <a:pPr>
-              <a:defRPr/>
-            </a:pPr>
-            <a:r>
-              <a:rPr lang="en-US" dirty="0" err="1" smtClean="0"/>
-              <a:t>totalprob</a:t>
-            </a:r>
-            <a:r>
-              <a:rPr lang="en-US" dirty="0" smtClean="0"/>
-              <a:t>.</a:t>
-            </a:r>
-            <a:fld id="{EAD82470-6C7C-49DD-8212-C557C8A87E2B}" type="slidenum">
-              <a:rPr lang="en-US" smtClean="0"/>
-              <a:pPr>
-                <a:defRPr/>
-              </a:pPr>
-              <a:t>12</a:t>
-            </a:fld>
-            <a:endParaRPr lang="en-US" dirty="0"/>
-          </a:p>
-        </p:txBody>
-      </p:sp>
-      <p:cxnSp>
-        <p:nvCxnSpPr>
-          <p:cNvPr id="30727" name="AutoShape 21"/>
-          <p:cNvCxnSpPr>
-            <a:cxnSpLocks noChangeShapeType="1"/>
-          </p:cNvCxnSpPr>
-          <p:nvPr/>
-        </p:nvCxnSpPr>
-        <p:spPr bwMode="auto">
-          <a:xfrm>
-            <a:off x="1219200" y="3543300"/>
-            <a:ext cx="0" cy="0"/>
-          </a:xfrm>
-          <a:prstGeom prst="straightConnector1">
-            <a:avLst/>
-          </a:prstGeom>
-          <a:noFill/>
-          <a:ln w="9525">
-            <a:solidFill>
-              <a:schemeClr val="tx1"/>
-            </a:solidFill>
-            <a:round/>
-            <a:headEnd/>
-            <a:tailEnd/>
-          </a:ln>
-        </p:spPr>
-      </p:cxnSp>
-      <p:sp>
-        <p:nvSpPr>
-          <p:cNvPr id="39" name="Rectangle 4"/>
-          <p:cNvSpPr txBox="1">
-            <a:spLocks noChangeArrowheads="1"/>
-          </p:cNvSpPr>
-          <p:nvPr/>
-        </p:nvSpPr>
-        <p:spPr bwMode="auto">
-          <a:xfrm>
-            <a:off x="7696200" y="6629400"/>
-            <a:ext cx="1447800" cy="228600"/>
-          </a:xfrm>
-          <a:prstGeom prst="rect">
-            <a:avLst/>
-          </a:prstGeom>
-          <a:noFill/>
-          <a:ln w="9525">
-            <a:noFill/>
-            <a:miter lim="800000"/>
-            <a:headEnd/>
-            <a:tailEnd/>
-          </a:ln>
-          <a:effectLst/>
-        </p:spPr>
-        <p:txBody>
-          <a:bodyPr vert="horz" wrap="square" lIns="91440" tIns="45720" rIns="91440" bIns="45720" numCol="1" anchor="t" anchorCtr="0" compatLnSpc="1">
-            <a:prstTxWarp prst="textNoShape">
-              <a:avLst/>
-            </a:prstTxWarp>
-          </a:bodyPr>
-          <a:lstStyle>
-            <a:lvl1pPr algn="r">
-              <a:defRPr sz="1200" dirty="0" err="1" smtClean="0">
-                <a:latin typeface="+mn-lt"/>
-              </a:defRPr>
-            </a:lvl1pPr>
-          </a:lstStyle>
-          <a:p>
-            <a:pPr marL="0" marR="0" lvl="0" indent="0" algn="r" defTabSz="914400" rtl="0" eaLnBrk="1" fontAlgn="base" latinLnBrk="0" hangingPunct="1">
-              <a:lnSpc>
-                <a:spcPct val="100000"/>
-              </a:lnSpc>
-              <a:spcBef>
-                <a:spcPct val="0"/>
-              </a:spcBef>
-              <a:spcAft>
-                <a:spcPct val="0"/>
-              </a:spcAft>
-              <a:buClrTx/>
-              <a:buSzTx/>
-              <a:buFontTx/>
-              <a:buNone/>
-              <a:tabLst/>
-              <a:defRPr/>
-            </a:pPr>
-            <a:r>
-              <a:rPr kumimoji="0" lang="en-US" sz="1200" b="0" i="0" u="none" strike="noStrike" kern="1200" cap="none" spc="0" normalizeH="0" baseline="0" noProof="0" dirty="0" err="1" smtClean="0">
-                <a:ln>
-                  <a:noFill/>
-                </a:ln>
-                <a:solidFill>
-                  <a:schemeClr val="tx1"/>
-                </a:solidFill>
-                <a:effectLst/>
-                <a:uLnTx/>
-                <a:uFillTx/>
-                <a:latin typeface="+mn-lt"/>
-                <a:ea typeface="+mn-ea"/>
-                <a:cs typeface="+mn-cs"/>
-              </a:rPr>
-              <a:t>totalprob</a:t>
-            </a:r>
-            <a:r>
-              <a:rPr kumimoji="0" lang="en-US" sz="1200" b="0" i="0" u="none" strike="noStrike" kern="1200" cap="none" spc="0" normalizeH="0" baseline="0" noProof="0" dirty="0" smtClean="0">
-                <a:ln>
-                  <a:noFill/>
-                </a:ln>
-                <a:solidFill>
-                  <a:schemeClr val="tx1"/>
-                </a:solidFill>
-                <a:effectLst/>
-                <a:uLnTx/>
-                <a:uFillTx/>
-                <a:latin typeface="+mn-lt"/>
-                <a:ea typeface="+mn-ea"/>
-                <a:cs typeface="+mn-cs"/>
-              </a:rPr>
-              <a:t>.</a:t>
-            </a:r>
-            <a:fld id="{B9A0B45D-6AFD-413C-B761-B121FB8BE940}" type="slidenum">
-              <a:rPr kumimoji="0" lang="en-US" sz="1200" b="0" i="0" u="none" strike="noStrike" kern="1200" cap="none" spc="0" normalizeH="0" baseline="0" noProof="0" smtClean="0">
-                <a:ln>
-                  <a:noFill/>
-                </a:ln>
-                <a:solidFill>
-                  <a:schemeClr val="tx1"/>
-                </a:solidFill>
-                <a:effectLst/>
-                <a:uLnTx/>
-                <a:uFillTx/>
-                <a:latin typeface="+mn-lt"/>
-                <a:ea typeface="+mn-ea"/>
-                <a:cs typeface="+mn-cs"/>
-              </a:rPr>
-              <a:pPr marL="0" marR="0" lvl="0" indent="0" algn="r" defTabSz="914400" rtl="0" eaLnBrk="1" fontAlgn="base" latinLnBrk="0" hangingPunct="1">
-                <a:lnSpc>
-                  <a:spcPct val="100000"/>
-                </a:lnSpc>
-                <a:spcBef>
-                  <a:spcPct val="0"/>
-                </a:spcBef>
-                <a:spcAft>
-                  <a:spcPct val="0"/>
-                </a:spcAft>
-                <a:buClrTx/>
-                <a:buSzTx/>
-                <a:buFontTx/>
-                <a:buNone/>
-                <a:tabLst/>
-                <a:defRPr/>
-              </a:pPr>
-              <a:t>12</a:t>
-            </a:fld>
-            <a:endParaRPr kumimoji="0" lang="en-US" sz="1200" b="0" i="0" u="none" strike="noStrike" kern="1200" cap="none" spc="0" normalizeH="0" baseline="0" noProof="0" dirty="0">
-              <a:ln>
-                <a:noFill/>
-              </a:ln>
-              <a:solidFill>
-                <a:schemeClr val="tx1"/>
-              </a:solidFill>
-              <a:effectLst/>
-              <a:uLnTx/>
-              <a:uFillTx/>
-              <a:latin typeface="+mn-lt"/>
-              <a:ea typeface="+mn-ea"/>
-              <a:cs typeface="+mn-cs"/>
-            </a:endParaRPr>
-          </a:p>
-        </p:txBody>
-      </p:sp>
-      <p:sp>
-        <p:nvSpPr>
-          <p:cNvPr id="13" name="Rectangle 4"/>
-          <p:cNvSpPr txBox="1">
-            <a:spLocks noChangeArrowheads="1"/>
-          </p:cNvSpPr>
-          <p:nvPr/>
-        </p:nvSpPr>
-        <p:spPr bwMode="auto">
-          <a:xfrm>
-            <a:off x="1447800" y="381000"/>
-            <a:ext cx="6553200" cy="838200"/>
-          </a:xfrm>
-          <a:prstGeom prst="rect">
-            <a:avLst/>
-          </a:prstGeom>
-          <a:noFill/>
-          <a:ln w="9525">
-            <a:noFill/>
-            <a:miter lim="800000"/>
-            <a:headEnd/>
-            <a:tailEnd/>
-          </a:ln>
-        </p:spPr>
-        <p:txBody>
-          <a:bodyPr vert="horz" wrap="square" lIns="91440" tIns="45720" rIns="91440" bIns="45720" numCol="1" anchor="ctr" anchorCtr="0" compatLnSpc="1">
-            <a:prstTxWarp prst="textNoShape">
-              <a:avLst/>
-            </a:prstTxWarp>
-          </a:bodyPr>
-          <a:lstStyle>
-            <a:lvl1pPr algn="ctr" rtl="0" eaLnBrk="0" fontAlgn="base" hangingPunct="0">
-              <a:spcBef>
-                <a:spcPct val="0"/>
-              </a:spcBef>
-              <a:spcAft>
-                <a:spcPct val="0"/>
-              </a:spcAft>
-              <a:defRPr sz="3200" b="1">
-                <a:solidFill>
-                  <a:schemeClr val="tx2"/>
-                </a:solidFill>
-                <a:latin typeface="+mj-lt"/>
-                <a:ea typeface="+mj-ea"/>
-                <a:cs typeface="+mj-cs"/>
-              </a:defRPr>
-            </a:lvl1pPr>
-            <a:lvl2pPr algn="ctr" rtl="0" eaLnBrk="0" fontAlgn="base" hangingPunct="0">
-              <a:spcBef>
-                <a:spcPct val="0"/>
-              </a:spcBef>
-              <a:spcAft>
-                <a:spcPct val="0"/>
-              </a:spcAft>
-              <a:defRPr sz="3600" b="1">
-                <a:solidFill>
-                  <a:schemeClr val="tx2"/>
-                </a:solidFill>
-                <a:latin typeface="Comic Sans MS" pitchFamily="66" charset="0"/>
-              </a:defRPr>
-            </a:lvl2pPr>
-            <a:lvl3pPr algn="ctr" rtl="0" eaLnBrk="0" fontAlgn="base" hangingPunct="0">
-              <a:spcBef>
-                <a:spcPct val="0"/>
-              </a:spcBef>
-              <a:spcAft>
-                <a:spcPct val="0"/>
-              </a:spcAft>
-              <a:defRPr sz="3600" b="1">
-                <a:solidFill>
-                  <a:schemeClr val="tx2"/>
-                </a:solidFill>
-                <a:latin typeface="Comic Sans MS" pitchFamily="66" charset="0"/>
-              </a:defRPr>
-            </a:lvl3pPr>
-            <a:lvl4pPr algn="ctr" rtl="0" eaLnBrk="0" fontAlgn="base" hangingPunct="0">
-              <a:spcBef>
-                <a:spcPct val="0"/>
-              </a:spcBef>
-              <a:spcAft>
-                <a:spcPct val="0"/>
-              </a:spcAft>
-              <a:defRPr sz="3600" b="1">
-                <a:solidFill>
-                  <a:schemeClr val="tx2"/>
-                </a:solidFill>
-                <a:latin typeface="Comic Sans MS" pitchFamily="66" charset="0"/>
-              </a:defRPr>
-            </a:lvl4pPr>
-            <a:lvl5pPr algn="ctr" rtl="0" eaLnBrk="0" fontAlgn="base" hangingPunct="0">
-              <a:spcBef>
-                <a:spcPct val="0"/>
-              </a:spcBef>
-              <a:spcAft>
-                <a:spcPct val="0"/>
-              </a:spcAft>
-              <a:defRPr sz="3600" b="1">
-                <a:solidFill>
-                  <a:schemeClr val="tx2"/>
-                </a:solidFill>
-                <a:latin typeface="Comic Sans MS" pitchFamily="66" charset="0"/>
-              </a:defRPr>
-            </a:lvl5pPr>
-            <a:lvl6pPr marL="457200" algn="ctr" rtl="0" fontAlgn="base">
-              <a:spcBef>
-                <a:spcPct val="0"/>
-              </a:spcBef>
-              <a:spcAft>
-                <a:spcPct val="0"/>
-              </a:spcAft>
-              <a:defRPr sz="3600" b="1">
-                <a:solidFill>
-                  <a:schemeClr val="tx2"/>
-                </a:solidFill>
-                <a:latin typeface="Comic Sans MS" pitchFamily="66" charset="0"/>
-              </a:defRPr>
-            </a:lvl6pPr>
-            <a:lvl7pPr marL="914400" algn="ctr" rtl="0" fontAlgn="base">
-              <a:spcBef>
-                <a:spcPct val="0"/>
-              </a:spcBef>
-              <a:spcAft>
-                <a:spcPct val="0"/>
-              </a:spcAft>
-              <a:defRPr sz="3600" b="1">
-                <a:solidFill>
-                  <a:schemeClr val="tx2"/>
-                </a:solidFill>
-                <a:latin typeface="Comic Sans MS" pitchFamily="66" charset="0"/>
-              </a:defRPr>
-            </a:lvl7pPr>
-            <a:lvl8pPr marL="1371600" algn="ctr" rtl="0" fontAlgn="base">
-              <a:spcBef>
-                <a:spcPct val="0"/>
-              </a:spcBef>
-              <a:spcAft>
-                <a:spcPct val="0"/>
-              </a:spcAft>
-              <a:defRPr sz="3600" b="1">
-                <a:solidFill>
-                  <a:schemeClr val="tx2"/>
-                </a:solidFill>
-                <a:latin typeface="Comic Sans MS" pitchFamily="66" charset="0"/>
-              </a:defRPr>
-            </a:lvl8pPr>
-            <a:lvl9pPr marL="1828800" algn="ctr" rtl="0" fontAlgn="base">
-              <a:spcBef>
-                <a:spcPct val="0"/>
-              </a:spcBef>
-              <a:spcAft>
-                <a:spcPct val="0"/>
-              </a:spcAft>
-              <a:defRPr sz="3600" b="1">
-                <a:solidFill>
-                  <a:schemeClr val="tx2"/>
-                </a:solidFill>
-                <a:latin typeface="Comic Sans MS" pitchFamily="66" charset="0"/>
-              </a:defRPr>
-            </a:lvl9pPr>
-          </a:lstStyle>
-          <a:p>
-            <a:pPr eaLnBrk="1" hangingPunct="1"/>
-            <a:r>
-              <a:rPr lang="en-US" sz="4000" smtClean="0">
-                <a:solidFill>
-                  <a:schemeClr val="tx1"/>
-                </a:solidFill>
-              </a:rPr>
-              <a:t>TB testing by cases</a:t>
-            </a:r>
-            <a:endParaRPr lang="en-US" sz="4000" dirty="0" smtClean="0">
-              <a:solidFill>
-                <a:schemeClr val="tx1"/>
-              </a:solidFill>
-            </a:endParaRPr>
-          </a:p>
-        </p:txBody>
-      </p:sp>
-      <p:graphicFrame>
-        <p:nvGraphicFramePr>
-          <p:cNvPr id="7" name="Object 6"/>
-          <p:cNvGraphicFramePr>
-            <a:graphicFrameLocks noChangeAspect="1"/>
-          </p:cNvGraphicFramePr>
-          <p:nvPr>
-            <p:extLst>
-              <p:ext uri="{D42A27DB-BD31-4B8C-83A1-F6EECF244321}">
-                <p14:modId xmlns:p14="http://schemas.microsoft.com/office/powerpoint/2010/main" val="1785834648"/>
-              </p:ext>
-            </p:extLst>
-          </p:nvPr>
-        </p:nvGraphicFramePr>
-        <p:xfrm>
-          <a:off x="796875" y="1295208"/>
-          <a:ext cx="7272333" cy="1755335"/>
-        </p:xfrm>
-        <a:graphic>
-          <a:graphicData uri="http://schemas.openxmlformats.org/presentationml/2006/ole">
-            <mc:AlternateContent xmlns:mc="http://schemas.openxmlformats.org/markup-compatibility/2006">
-              <mc:Choice xmlns:v="urn:schemas-microsoft-com:vml" Requires="v">
-                <p:oleObj spid="_x0000_s362525" name="Equation" r:id="rId4" imgW="2044700" imgH="495300" progId="Equation.DSMT4">
-                  <p:embed/>
-                </p:oleObj>
-              </mc:Choice>
-              <mc:Fallback>
-                <p:oleObj name="Equation" r:id="rId4" imgW="2044700" imgH="495300" progId="Equation.DSMT4">
-                  <p:embed/>
-                  <p:pic>
-                    <p:nvPicPr>
-                      <p:cNvPr id="0" name=""/>
-                      <p:cNvPicPr/>
-                      <p:nvPr/>
-                    </p:nvPicPr>
-                    <p:blipFill>
-                      <a:blip r:embed="rId5"/>
-                      <a:stretch>
-                        <a:fillRect/>
-                      </a:stretch>
-                    </p:blipFill>
-                    <p:spPr>
-                      <a:xfrm>
-                        <a:off x="796875" y="1295208"/>
-                        <a:ext cx="7272333" cy="1755335"/>
-                      </a:xfrm>
-                      <a:prstGeom prst="rect">
-                        <a:avLst/>
-                      </a:prstGeom>
-                    </p:spPr>
-                  </p:pic>
-                </p:oleObj>
-              </mc:Fallback>
-            </mc:AlternateContent>
-          </a:graphicData>
-        </a:graphic>
-      </p:graphicFrame>
-      <p:graphicFrame>
-        <p:nvGraphicFramePr>
-          <p:cNvPr id="8" name="Object 7"/>
-          <p:cNvGraphicFramePr>
-            <a:graphicFrameLocks noChangeAspect="1"/>
-          </p:cNvGraphicFramePr>
-          <p:nvPr>
-            <p:extLst>
-              <p:ext uri="{D42A27DB-BD31-4B8C-83A1-F6EECF244321}">
-                <p14:modId xmlns:p14="http://schemas.microsoft.com/office/powerpoint/2010/main" val="2229621513"/>
-              </p:ext>
-            </p:extLst>
-          </p:nvPr>
-        </p:nvGraphicFramePr>
-        <p:xfrm>
-          <a:off x="2447717" y="2398920"/>
-          <a:ext cx="4811946" cy="3350580"/>
-        </p:xfrm>
-        <a:graphic>
-          <a:graphicData uri="http://schemas.openxmlformats.org/presentationml/2006/ole">
-            <mc:AlternateContent xmlns:mc="http://schemas.openxmlformats.org/markup-compatibility/2006">
-              <mc:Choice xmlns:v="urn:schemas-microsoft-com:vml" Requires="v">
-                <p:oleObj spid="_x0000_s362526" name="Equation" r:id="rId6" imgW="1308100" imgH="914400" progId="Equation.DSMT4">
-                  <p:embed/>
-                </p:oleObj>
-              </mc:Choice>
-              <mc:Fallback>
-                <p:oleObj name="Equation" r:id="rId6" imgW="1308100" imgH="914400" progId="Equation.DSMT4">
-                  <p:embed/>
-                  <p:pic>
-                    <p:nvPicPr>
-                      <p:cNvPr id="0" name=""/>
-                      <p:cNvPicPr/>
-                      <p:nvPr/>
-                    </p:nvPicPr>
-                    <p:blipFill>
-                      <a:blip r:embed="rId7"/>
-                      <a:stretch>
-                        <a:fillRect/>
-                      </a:stretch>
-                    </p:blipFill>
-                    <p:spPr>
-                      <a:xfrm>
-                        <a:off x="2447717" y="2398920"/>
-                        <a:ext cx="4811946" cy="3350580"/>
-                      </a:xfrm>
-                      <a:prstGeom prst="rect">
-                        <a:avLst/>
-                      </a:prstGeom>
-                    </p:spPr>
-                  </p:pic>
-                </p:oleObj>
-              </mc:Fallback>
-            </mc:AlternateContent>
-          </a:graphicData>
-        </a:graphic>
-      </p:graphicFrame>
-    </p:spTree>
-    <p:extLst>
-      <p:ext uri="{BB962C8B-B14F-4D97-AF65-F5344CB8AC3E}">
-        <p14:creationId xmlns:p14="http://schemas.microsoft.com/office/powerpoint/2010/main" val="1624158403"/>
-      </p:ext>
-    </p:extLst>
-  </p:cSld>
-  <p:clrMapOvr>
-    <a:masterClrMapping/>
-  </p:clrMapOvr>
-  <mc:AlternateContent xmlns:mc="http://schemas.openxmlformats.org/markup-compatibility/2006" xmlns:p14="http://schemas.microsoft.com/office/powerpoint/2010/main">
-    <mc:Choice Requires="p14">
-      <p:transition spd="slow" p14:dur="900" advClick="0">
-        <p:fade/>
-      </p:transition>
-    </mc:Choice>
-    <mc:Fallback xmlns="">
-      <p:transition xmlns:p14="http://schemas.microsoft.com/office/powerpoint/2010/main" spd="slow" advClick="0">
-        <p:fade/>
-      </p:transition>
-    </mc:Fallback>
-  </mc:AlternateContent>
-  <p:timing>
-    <p:tnLst>
-      <p:par>
-        <p:cTn xmlns:p14="http://schemas.microsoft.com/office/powerpoint/2010/main" id="1" dur="indefinite" restart="never" nodeType="tmRoot">
-          <p:childTnLst>
-            <p:seq concurrent="1" nextAc="seek">
-              <p:cTn id="2" dur="indefinite" nodeType="mainSeq">
-                <p:childTnLst>
-                  <p:par>
-                    <p:cTn id="3" fill="hold">
-                      <p:stCondLst>
-                        <p:cond delay="indefinite"/>
-                        <p:cond evt="onBegin" delay="0">
-                          <p:tn val="2"/>
-                        </p:cond>
-                      </p:stCondLst>
-                      <p:childTnLst>
-                        <p:par>
-                          <p:cTn id="4" fill="hold">
-                            <p:stCondLst>
-                              <p:cond delay="0"/>
-                            </p:stCondLst>
-                            <p:childTnLst>
-                              <p:par>
-                                <p:cTn id="5" presetID="22" presetClass="entr" presetSubtype="8" fill="hold" nodeType="withEffect">
-                                  <p:stCondLst>
-                                    <p:cond delay="0"/>
-                                  </p:stCondLst>
-                                  <p:childTnLst>
-                                    <p:set>
-                                      <p:cBhvr>
-                                        <p:cTn id="6" dur="1" fill="hold">
-                                          <p:stCondLst>
-                                            <p:cond delay="0"/>
-                                          </p:stCondLst>
-                                        </p:cTn>
-                                        <p:tgtEl>
-                                          <p:spTgt spid="8"/>
-                                        </p:tgtEl>
-                                        <p:attrNameLst>
-                                          <p:attrName>style.visibility</p:attrName>
-                                        </p:attrNameLst>
-                                      </p:cBhvr>
-                                      <p:to>
-                                        <p:strVal val="visible"/>
-                                      </p:to>
-                                    </p:set>
-                                    <p:animEffect transition="in" filter="wipe(left)">
-                                      <p:cBhvr>
-                                        <p:cTn id="7" dur="1000"/>
-                                        <p:tgtEl>
-                                          <p:spTgt spid="8"/>
-                                        </p:tgtEl>
-                                      </p:cBhvr>
-                                    </p:animEffect>
-                                  </p:childTnLst>
-                                </p:cTn>
-                              </p:par>
-                            </p:childTnLst>
-                          </p:cTn>
-                        </p:par>
-                      </p:childTnLst>
-                    </p:cTn>
-                  </p:par>
-                </p:childTnLst>
-              </p:cTn>
-              <p:prevCondLst>
-                <p:cond evt="onPrev" delay="0">
-                  <p:tgtEl>
-                    <p:sldTgt/>
-                  </p:tgtEl>
-                </p:cond>
-              </p:prevCondLst>
-              <p:nextCondLst>
-                <p:cond evt="onNext" delay="0">
-                  <p:tgtEl>
-                    <p:sldTgt/>
-                  </p:tgtEl>
-                </p:cond>
-              </p:nextCondLst>
-            </p:seq>
-          </p:childTnLst>
-        </p:cTn>
-      </p:par>
-    </p:tnLst>
-  </p:timing>
-</p:sld>
-</file>
-
-<file path=ppt/slides/slide13.xml><?xml version="1.0" encoding="utf-8"?>
-<p:sld xmlns:a="http://schemas.openxmlformats.org/drawingml/2006/main" xmlns:r="http://schemas.openxmlformats.org/officeDocument/2006/relationships" xmlns:p="http://schemas.openxmlformats.org/presentationml/2006/main">
-  <p:cSld>
-    <p:spTree>
-      <p:nvGrpSpPr>
-        <p:cNvPr id="1" name=""/>
-        <p:cNvGrpSpPr/>
-        <p:nvPr/>
-      </p:nvGrpSpPr>
-      <p:grpSpPr>
-        <a:xfrm>
-          <a:off x="0" y="0"/>
-          <a:ext cx="0" cy="0"/>
-          <a:chOff x="0" y="0"/>
-          <a:chExt cx="0" cy="0"/>
-        </a:xfrm>
-      </p:grpSpPr>
-      <p:sp>
-        <p:nvSpPr>
-          <p:cNvPr id="4" name="Slide Number Placeholder 3"/>
-          <p:cNvSpPr>
-            <a:spLocks noGrp="1"/>
-          </p:cNvSpPr>
-          <p:nvPr>
-            <p:ph type="sldNum" sz="quarter" idx="4"/>
-          </p:nvPr>
-        </p:nvSpPr>
-        <p:spPr/>
-        <p:txBody>
-          <a:bodyPr/>
-          <a:lstStyle/>
-          <a:p>
-            <a:pPr>
-              <a:defRPr/>
-            </a:pPr>
-            <a:r>
-              <a:rPr lang="en-US" dirty="0" err="1" smtClean="0"/>
-              <a:t>totalprob</a:t>
-            </a:r>
-            <a:r>
-              <a:rPr lang="en-US" dirty="0" smtClean="0"/>
-              <a:t>.</a:t>
-            </a:r>
-            <a:fld id="{B9A0B45D-6AFD-413C-B761-B121FB8BE940}" type="slidenum">
-              <a:rPr lang="en-US" smtClean="0"/>
-              <a:pPr>
-                <a:defRPr/>
-              </a:pPr>
-              <a:t>13</a:t>
-            </a:fld>
-            <a:endParaRPr lang="en-US" dirty="0"/>
-          </a:p>
-        </p:txBody>
-      </p:sp>
-      <p:sp>
-        <p:nvSpPr>
-          <p:cNvPr id="5" name="Rectangle 4"/>
-          <p:cNvSpPr txBox="1">
-            <a:spLocks noChangeArrowheads="1"/>
-          </p:cNvSpPr>
-          <p:nvPr/>
-        </p:nvSpPr>
-        <p:spPr bwMode="auto">
-          <a:xfrm>
-            <a:off x="1447800" y="381000"/>
-            <a:ext cx="6553200" cy="838200"/>
-          </a:xfrm>
-          <a:prstGeom prst="rect">
-            <a:avLst/>
-          </a:prstGeom>
-          <a:noFill/>
-          <a:ln w="9525">
-            <a:noFill/>
-            <a:miter lim="800000"/>
-            <a:headEnd/>
-            <a:tailEnd/>
-          </a:ln>
-        </p:spPr>
-        <p:txBody>
-          <a:bodyPr vert="horz" wrap="square" lIns="91440" tIns="45720" rIns="91440" bIns="45720" numCol="1" anchor="ctr" anchorCtr="0" compatLnSpc="1">
-            <a:prstTxWarp prst="textNoShape">
-              <a:avLst/>
-            </a:prstTxWarp>
-          </a:bodyPr>
-          <a:lstStyle>
-            <a:lvl1pPr algn="ctr" rtl="0" eaLnBrk="0" fontAlgn="base" hangingPunct="0">
-              <a:spcBef>
-                <a:spcPct val="0"/>
-              </a:spcBef>
-              <a:spcAft>
-                <a:spcPct val="0"/>
-              </a:spcAft>
-              <a:defRPr sz="3200" b="1">
-                <a:solidFill>
-                  <a:schemeClr val="tx2"/>
-                </a:solidFill>
-                <a:latin typeface="+mj-lt"/>
-                <a:ea typeface="+mj-ea"/>
-                <a:cs typeface="+mj-cs"/>
-              </a:defRPr>
-            </a:lvl1pPr>
-            <a:lvl2pPr algn="ctr" rtl="0" eaLnBrk="0" fontAlgn="base" hangingPunct="0">
-              <a:spcBef>
-                <a:spcPct val="0"/>
-              </a:spcBef>
-              <a:spcAft>
-                <a:spcPct val="0"/>
-              </a:spcAft>
-              <a:defRPr sz="3600" b="1">
-                <a:solidFill>
-                  <a:schemeClr val="tx2"/>
-                </a:solidFill>
-                <a:latin typeface="Comic Sans MS" pitchFamily="66" charset="0"/>
-              </a:defRPr>
-            </a:lvl2pPr>
-            <a:lvl3pPr algn="ctr" rtl="0" eaLnBrk="0" fontAlgn="base" hangingPunct="0">
-              <a:spcBef>
-                <a:spcPct val="0"/>
-              </a:spcBef>
-              <a:spcAft>
-                <a:spcPct val="0"/>
-              </a:spcAft>
-              <a:defRPr sz="3600" b="1">
-                <a:solidFill>
-                  <a:schemeClr val="tx2"/>
-                </a:solidFill>
-                <a:latin typeface="Comic Sans MS" pitchFamily="66" charset="0"/>
-              </a:defRPr>
-            </a:lvl3pPr>
-            <a:lvl4pPr algn="ctr" rtl="0" eaLnBrk="0" fontAlgn="base" hangingPunct="0">
-              <a:spcBef>
-                <a:spcPct val="0"/>
-              </a:spcBef>
-              <a:spcAft>
-                <a:spcPct val="0"/>
-              </a:spcAft>
-              <a:defRPr sz="3600" b="1">
-                <a:solidFill>
-                  <a:schemeClr val="tx2"/>
-                </a:solidFill>
-                <a:latin typeface="Comic Sans MS" pitchFamily="66" charset="0"/>
-              </a:defRPr>
-            </a:lvl4pPr>
-            <a:lvl5pPr algn="ctr" rtl="0" eaLnBrk="0" fontAlgn="base" hangingPunct="0">
-              <a:spcBef>
-                <a:spcPct val="0"/>
-              </a:spcBef>
-              <a:spcAft>
-                <a:spcPct val="0"/>
-              </a:spcAft>
-              <a:defRPr sz="3600" b="1">
-                <a:solidFill>
-                  <a:schemeClr val="tx2"/>
-                </a:solidFill>
-                <a:latin typeface="Comic Sans MS" pitchFamily="66" charset="0"/>
-              </a:defRPr>
-            </a:lvl5pPr>
-            <a:lvl6pPr marL="457200" algn="ctr" rtl="0" fontAlgn="base">
-              <a:spcBef>
-                <a:spcPct val="0"/>
-              </a:spcBef>
-              <a:spcAft>
-                <a:spcPct val="0"/>
-              </a:spcAft>
-              <a:defRPr sz="3600" b="1">
-                <a:solidFill>
-                  <a:schemeClr val="tx2"/>
-                </a:solidFill>
-                <a:latin typeface="Comic Sans MS" pitchFamily="66" charset="0"/>
-              </a:defRPr>
-            </a:lvl6pPr>
-            <a:lvl7pPr marL="914400" algn="ctr" rtl="0" fontAlgn="base">
-              <a:spcBef>
-                <a:spcPct val="0"/>
-              </a:spcBef>
-              <a:spcAft>
-                <a:spcPct val="0"/>
-              </a:spcAft>
-              <a:defRPr sz="3600" b="1">
-                <a:solidFill>
-                  <a:schemeClr val="tx2"/>
-                </a:solidFill>
-                <a:latin typeface="Comic Sans MS" pitchFamily="66" charset="0"/>
-              </a:defRPr>
-            </a:lvl7pPr>
-            <a:lvl8pPr marL="1371600" algn="ctr" rtl="0" fontAlgn="base">
-              <a:spcBef>
-                <a:spcPct val="0"/>
-              </a:spcBef>
-              <a:spcAft>
-                <a:spcPct val="0"/>
-              </a:spcAft>
-              <a:defRPr sz="3600" b="1">
-                <a:solidFill>
-                  <a:schemeClr val="tx2"/>
-                </a:solidFill>
-                <a:latin typeface="Comic Sans MS" pitchFamily="66" charset="0"/>
-              </a:defRPr>
-            </a:lvl8pPr>
-            <a:lvl9pPr marL="1828800" algn="ctr" rtl="0" fontAlgn="base">
-              <a:spcBef>
-                <a:spcPct val="0"/>
-              </a:spcBef>
-              <a:spcAft>
-                <a:spcPct val="0"/>
-              </a:spcAft>
-              <a:defRPr sz="3600" b="1">
-                <a:solidFill>
-                  <a:schemeClr val="tx2"/>
-                </a:solidFill>
-                <a:latin typeface="Comic Sans MS" pitchFamily="66" charset="0"/>
-              </a:defRPr>
-            </a:lvl9pPr>
-          </a:lstStyle>
-          <a:p>
-            <a:pPr eaLnBrk="1" hangingPunct="1"/>
-            <a:r>
-              <a:rPr lang="en-US" sz="4000" dirty="0" smtClean="0">
-                <a:solidFill>
-                  <a:schemeClr val="tx1"/>
-                </a:solidFill>
-              </a:rPr>
-              <a:t>TB testing by cases</a:t>
-            </a:r>
-          </a:p>
-        </p:txBody>
-      </p:sp>
-      <p:sp>
-        <p:nvSpPr>
-          <p:cNvPr id="6" name="TextBox 5"/>
-          <p:cNvSpPr txBox="1"/>
-          <p:nvPr/>
-        </p:nvSpPr>
-        <p:spPr>
-          <a:xfrm>
-            <a:off x="355568" y="1379277"/>
-            <a:ext cx="6842438" cy="2308324"/>
-          </a:xfrm>
-          <a:prstGeom prst="rect">
-            <a:avLst/>
-          </a:prstGeom>
-          <a:noFill/>
-        </p:spPr>
-        <p:txBody>
-          <a:bodyPr wrap="none" rtlCol="0">
-            <a:spAutoFit/>
-          </a:bodyPr>
-          <a:lstStyle/>
-          <a:p>
-            <a:pPr algn="l"/>
-            <a:r>
-              <a:rPr lang="en-US" sz="4800" dirty="0" smtClean="0">
-                <a:solidFill>
-                  <a:srgbClr val="000000"/>
-                </a:solidFill>
-                <a:latin typeface="+mj-lt"/>
-              </a:rPr>
-              <a:t>B</a:t>
-            </a:r>
-            <a:r>
-              <a:rPr lang="en-US" sz="4800" dirty="0" smtClean="0">
-                <a:latin typeface="+mj-lt"/>
-              </a:rPr>
-              <a:t>ecause of </a:t>
-            </a:r>
-            <a:r>
-              <a:rPr lang="en-US" sz="4800" dirty="0" smtClean="0">
-                <a:solidFill>
-                  <a:srgbClr val="000000"/>
-                </a:solidFill>
-                <a:latin typeface="+mj-lt"/>
-              </a:rPr>
-              <a:t>relatively</a:t>
-            </a:r>
-          </a:p>
-          <a:p>
-            <a:pPr algn="l"/>
-            <a:r>
-              <a:rPr lang="en-US" sz="4800" dirty="0" smtClean="0">
-                <a:solidFill>
-                  <a:srgbClr val="FF33CC"/>
-                </a:solidFill>
-                <a:latin typeface="+mj-lt"/>
-              </a:rPr>
-              <a:t>high false positive rate </a:t>
-            </a:r>
-          </a:p>
-          <a:p>
-            <a:pPr algn="l"/>
-            <a:r>
-              <a:rPr lang="en-US" sz="4800" dirty="0" smtClean="0">
-                <a:latin typeface="+mj-lt"/>
-              </a:rPr>
-              <a:t>compared to TB rate, </a:t>
-            </a:r>
-          </a:p>
-        </p:txBody>
-      </p:sp>
-    </p:spTree>
-    <p:extLst>
-      <p:ext uri="{BB962C8B-B14F-4D97-AF65-F5344CB8AC3E}">
-        <p14:creationId xmlns:p14="http://schemas.microsoft.com/office/powerpoint/2010/main" val="472043094"/>
-      </p:ext>
-    </p:extLst>
-  </p:cSld>
-  <p:clrMapOvr>
-    <a:masterClrMapping/>
-  </p:clrMapOvr>
-  <mc:AlternateContent xmlns:mc="http://schemas.openxmlformats.org/markup-compatibility/2006" xmlns:p14="http://schemas.microsoft.com/office/powerpoint/2010/main">
-    <mc:Choice Requires="p14">
-      <p:transition spd="slow" p14:dur="900" advClick="0">
-        <p:fade/>
-      </p:transition>
-    </mc:Choice>
-    <mc:Fallback xmlns="">
-      <p:transition xmlns:p14="http://schemas.microsoft.com/office/powerpoint/2010/main" spd="slow" advClick="0">
-        <p:fade/>
-      </p:transition>
-    </mc:Fallback>
-  </mc:AlternateContent>
-  <p:timing>
-    <p:tnLst>
-      <p:par>
-        <p:cTn xmlns:p14="http://schemas.microsoft.com/office/powerpoint/2010/main" id="1" dur="indefinite" restart="never" nodeType="tmRoot"/>
-      </p:par>
-    </p:tnLst>
-  </p:timing>
-</p:sld>
-</file>
-
-<file path=ppt/slides/slide14.xml><?xml version="1.0" encoding="utf-8"?>
-<p:sld xmlns:a="http://schemas.openxmlformats.org/drawingml/2006/main" xmlns:r="http://schemas.openxmlformats.org/officeDocument/2006/relationships" xmlns:p="http://schemas.openxmlformats.org/presentationml/2006/main">
-  <p:cSld>
-    <p:spTree>
-      <p:nvGrpSpPr>
-        <p:cNvPr id="1" name=""/>
-        <p:cNvGrpSpPr/>
-        <p:nvPr/>
-      </p:nvGrpSpPr>
-      <p:grpSpPr>
-        <a:xfrm>
-          <a:off x="0" y="0"/>
-          <a:ext cx="0" cy="0"/>
-          <a:chOff x="0" y="0"/>
-          <a:chExt cx="0" cy="0"/>
-        </a:xfrm>
-      </p:grpSpPr>
-      <p:sp>
-        <p:nvSpPr>
-          <p:cNvPr id="4" name="Slide Number Placeholder 3"/>
-          <p:cNvSpPr>
-            <a:spLocks noGrp="1"/>
-          </p:cNvSpPr>
-          <p:nvPr>
-            <p:ph type="sldNum" sz="quarter" idx="4"/>
-          </p:nvPr>
-        </p:nvSpPr>
-        <p:spPr/>
-        <p:txBody>
-          <a:bodyPr/>
-          <a:lstStyle/>
-          <a:p>
-            <a:pPr>
-              <a:defRPr/>
-            </a:pPr>
-            <a:r>
-              <a:rPr lang="en-US" dirty="0" err="1" smtClean="0"/>
-              <a:t>totalprob</a:t>
-            </a:r>
-            <a:r>
-              <a:rPr lang="en-US" dirty="0" smtClean="0"/>
-              <a:t>.</a:t>
-            </a:r>
-            <a:fld id="{B9A0B45D-6AFD-413C-B761-B121FB8BE940}" type="slidenum">
-              <a:rPr lang="en-US" smtClean="0"/>
-              <a:pPr>
-                <a:defRPr/>
-              </a:pPr>
-              <a:t>14</a:t>
-            </a:fld>
-            <a:endParaRPr lang="en-US" dirty="0"/>
-          </a:p>
-        </p:txBody>
-      </p:sp>
-      <p:sp>
-        <p:nvSpPr>
-          <p:cNvPr id="5" name="Rectangle 4"/>
-          <p:cNvSpPr txBox="1">
-            <a:spLocks noChangeArrowheads="1"/>
-          </p:cNvSpPr>
-          <p:nvPr/>
-        </p:nvSpPr>
-        <p:spPr bwMode="auto">
-          <a:xfrm>
-            <a:off x="1447800" y="381000"/>
-            <a:ext cx="6553200" cy="838200"/>
-          </a:xfrm>
-          <a:prstGeom prst="rect">
-            <a:avLst/>
-          </a:prstGeom>
-          <a:noFill/>
-          <a:ln w="9525">
-            <a:noFill/>
-            <a:miter lim="800000"/>
-            <a:headEnd/>
-            <a:tailEnd/>
-          </a:ln>
-        </p:spPr>
-        <p:txBody>
-          <a:bodyPr vert="horz" wrap="square" lIns="91440" tIns="45720" rIns="91440" bIns="45720" numCol="1" anchor="ctr" anchorCtr="0" compatLnSpc="1">
-            <a:prstTxWarp prst="textNoShape">
-              <a:avLst/>
-            </a:prstTxWarp>
-          </a:bodyPr>
-          <a:lstStyle>
-            <a:lvl1pPr algn="ctr" rtl="0" eaLnBrk="0" fontAlgn="base" hangingPunct="0">
-              <a:spcBef>
-                <a:spcPct val="0"/>
-              </a:spcBef>
-              <a:spcAft>
-                <a:spcPct val="0"/>
-              </a:spcAft>
-              <a:defRPr sz="3200" b="1">
-                <a:solidFill>
-                  <a:schemeClr val="tx2"/>
-                </a:solidFill>
-                <a:latin typeface="+mj-lt"/>
-                <a:ea typeface="+mj-ea"/>
-                <a:cs typeface="+mj-cs"/>
-              </a:defRPr>
-            </a:lvl1pPr>
-            <a:lvl2pPr algn="ctr" rtl="0" eaLnBrk="0" fontAlgn="base" hangingPunct="0">
-              <a:spcBef>
-                <a:spcPct val="0"/>
-              </a:spcBef>
-              <a:spcAft>
-                <a:spcPct val="0"/>
-              </a:spcAft>
-              <a:defRPr sz="3600" b="1">
-                <a:solidFill>
-                  <a:schemeClr val="tx2"/>
-                </a:solidFill>
-                <a:latin typeface="Comic Sans MS" pitchFamily="66" charset="0"/>
-              </a:defRPr>
-            </a:lvl2pPr>
-            <a:lvl3pPr algn="ctr" rtl="0" eaLnBrk="0" fontAlgn="base" hangingPunct="0">
-              <a:spcBef>
-                <a:spcPct val="0"/>
-              </a:spcBef>
-              <a:spcAft>
-                <a:spcPct val="0"/>
-              </a:spcAft>
-              <a:defRPr sz="3600" b="1">
-                <a:solidFill>
-                  <a:schemeClr val="tx2"/>
-                </a:solidFill>
-                <a:latin typeface="Comic Sans MS" pitchFamily="66" charset="0"/>
-              </a:defRPr>
-            </a:lvl3pPr>
-            <a:lvl4pPr algn="ctr" rtl="0" eaLnBrk="0" fontAlgn="base" hangingPunct="0">
-              <a:spcBef>
-                <a:spcPct val="0"/>
-              </a:spcBef>
-              <a:spcAft>
-                <a:spcPct val="0"/>
-              </a:spcAft>
-              <a:defRPr sz="3600" b="1">
-                <a:solidFill>
-                  <a:schemeClr val="tx2"/>
-                </a:solidFill>
-                <a:latin typeface="Comic Sans MS" pitchFamily="66" charset="0"/>
-              </a:defRPr>
-            </a:lvl4pPr>
-            <a:lvl5pPr algn="ctr" rtl="0" eaLnBrk="0" fontAlgn="base" hangingPunct="0">
-              <a:spcBef>
-                <a:spcPct val="0"/>
-              </a:spcBef>
-              <a:spcAft>
-                <a:spcPct val="0"/>
-              </a:spcAft>
-              <a:defRPr sz="3600" b="1">
-                <a:solidFill>
-                  <a:schemeClr val="tx2"/>
-                </a:solidFill>
-                <a:latin typeface="Comic Sans MS" pitchFamily="66" charset="0"/>
-              </a:defRPr>
-            </a:lvl5pPr>
-            <a:lvl6pPr marL="457200" algn="ctr" rtl="0" fontAlgn="base">
-              <a:spcBef>
-                <a:spcPct val="0"/>
-              </a:spcBef>
-              <a:spcAft>
-                <a:spcPct val="0"/>
-              </a:spcAft>
-              <a:defRPr sz="3600" b="1">
-                <a:solidFill>
-                  <a:schemeClr val="tx2"/>
-                </a:solidFill>
-                <a:latin typeface="Comic Sans MS" pitchFamily="66" charset="0"/>
-              </a:defRPr>
-            </a:lvl6pPr>
-            <a:lvl7pPr marL="914400" algn="ctr" rtl="0" fontAlgn="base">
-              <a:spcBef>
-                <a:spcPct val="0"/>
-              </a:spcBef>
-              <a:spcAft>
-                <a:spcPct val="0"/>
-              </a:spcAft>
-              <a:defRPr sz="3600" b="1">
-                <a:solidFill>
-                  <a:schemeClr val="tx2"/>
-                </a:solidFill>
-                <a:latin typeface="Comic Sans MS" pitchFamily="66" charset="0"/>
-              </a:defRPr>
-            </a:lvl7pPr>
-            <a:lvl8pPr marL="1371600" algn="ctr" rtl="0" fontAlgn="base">
-              <a:spcBef>
-                <a:spcPct val="0"/>
-              </a:spcBef>
-              <a:spcAft>
-                <a:spcPct val="0"/>
-              </a:spcAft>
-              <a:defRPr sz="3600" b="1">
-                <a:solidFill>
-                  <a:schemeClr val="tx2"/>
-                </a:solidFill>
-                <a:latin typeface="Comic Sans MS" pitchFamily="66" charset="0"/>
-              </a:defRPr>
-            </a:lvl8pPr>
-            <a:lvl9pPr marL="1828800" algn="ctr" rtl="0" fontAlgn="base">
-              <a:spcBef>
-                <a:spcPct val="0"/>
-              </a:spcBef>
-              <a:spcAft>
-                <a:spcPct val="0"/>
-              </a:spcAft>
-              <a:defRPr sz="3600" b="1">
-                <a:solidFill>
-                  <a:schemeClr val="tx2"/>
-                </a:solidFill>
-                <a:latin typeface="Comic Sans MS" pitchFamily="66" charset="0"/>
-              </a:defRPr>
-            </a:lvl9pPr>
-          </a:lstStyle>
-          <a:p>
-            <a:pPr eaLnBrk="1" hangingPunct="1"/>
-            <a:r>
-              <a:rPr lang="en-US" sz="4000" dirty="0" smtClean="0">
-                <a:solidFill>
-                  <a:schemeClr val="tx1"/>
-                </a:solidFill>
-              </a:rPr>
-              <a:t>TB testing by cases</a:t>
-            </a:r>
-          </a:p>
-        </p:txBody>
-      </p:sp>
-      <p:sp>
-        <p:nvSpPr>
-          <p:cNvPr id="6" name="TextBox 5"/>
-          <p:cNvSpPr txBox="1"/>
-          <p:nvPr/>
-        </p:nvSpPr>
-        <p:spPr>
-          <a:xfrm>
-            <a:off x="355568" y="1379277"/>
-            <a:ext cx="8468183" cy="4524315"/>
-          </a:xfrm>
-          <a:prstGeom prst="rect">
-            <a:avLst/>
-          </a:prstGeom>
-          <a:noFill/>
-        </p:spPr>
-        <p:txBody>
-          <a:bodyPr wrap="none" rtlCol="0">
-            <a:spAutoFit/>
-          </a:bodyPr>
-          <a:lstStyle/>
-          <a:p>
-            <a:pPr algn="l"/>
-            <a:r>
-              <a:rPr lang="en-US" sz="4800" dirty="0" smtClean="0">
-                <a:latin typeface="+mj-lt"/>
-              </a:rPr>
-              <a:t>Because of relatively</a:t>
-            </a:r>
-          </a:p>
-          <a:p>
-            <a:pPr algn="l"/>
-            <a:r>
-              <a:rPr lang="en-US" sz="4800" dirty="0" smtClean="0">
-                <a:solidFill>
-                  <a:srgbClr val="FF33CC"/>
-                </a:solidFill>
-                <a:latin typeface="+mj-lt"/>
-              </a:rPr>
-              <a:t>high false positive rate </a:t>
-            </a:r>
-          </a:p>
-          <a:p>
-            <a:pPr algn="l"/>
-            <a:r>
-              <a:rPr lang="en-US" sz="4800" dirty="0" smtClean="0">
-                <a:latin typeface="+mj-lt"/>
-              </a:rPr>
-              <a:t>compared to TB rate, chance </a:t>
-            </a:r>
-          </a:p>
-          <a:p>
-            <a:pPr algn="l"/>
-            <a:r>
-              <a:rPr lang="en-US" sz="4800" dirty="0" smtClean="0">
-                <a:latin typeface="+mj-lt"/>
-              </a:rPr>
-              <a:t>of having TB even when a </a:t>
-            </a:r>
-          </a:p>
-          <a:p>
-            <a:pPr algn="l"/>
-            <a:r>
-              <a:rPr lang="en-US" sz="4800" dirty="0" smtClean="0">
-                <a:solidFill>
-                  <a:srgbClr val="0000CC"/>
-                </a:solidFill>
-                <a:latin typeface="+mj-lt"/>
-              </a:rPr>
-              <a:t>99%</a:t>
-            </a:r>
-            <a:r>
-              <a:rPr lang="en-US" sz="4800" dirty="0" smtClean="0">
-                <a:latin typeface="+mj-lt"/>
-              </a:rPr>
-              <a:t> accurate test says so</a:t>
-            </a:r>
-          </a:p>
-          <a:p>
-            <a:pPr algn="l"/>
-            <a:r>
-              <a:rPr lang="en-US" sz="4800" dirty="0" smtClean="0">
-                <a:latin typeface="+mj-lt"/>
-              </a:rPr>
-              <a:t>remains small (</a:t>
-            </a:r>
-            <a:r>
-              <a:rPr lang="en-US" sz="4800" dirty="0" smtClean="0">
-                <a:solidFill>
-                  <a:srgbClr val="008000"/>
-                </a:solidFill>
-                <a:latin typeface="+mj-lt"/>
-              </a:rPr>
-              <a:t>1%</a:t>
-            </a:r>
-            <a:r>
-              <a:rPr lang="en-US" sz="4800" dirty="0" smtClean="0">
-                <a:latin typeface="+mj-lt"/>
-              </a:rPr>
-              <a:t>)!</a:t>
-            </a:r>
-          </a:p>
-        </p:txBody>
-      </p:sp>
-    </p:spTree>
-    <p:extLst>
-      <p:ext uri="{BB962C8B-B14F-4D97-AF65-F5344CB8AC3E}">
-        <p14:creationId xmlns:p14="http://schemas.microsoft.com/office/powerpoint/2010/main" val="3812951071"/>
-      </p:ext>
-    </p:extLst>
-  </p:cSld>
-  <p:clrMapOvr>
-    <a:masterClrMapping/>
-  </p:clrMapOvr>
-  <mc:AlternateContent xmlns:mc="http://schemas.openxmlformats.org/markup-compatibility/2006" xmlns:p14="http://schemas.microsoft.com/office/powerpoint/2010/main">
-    <mc:Choice Requires="p14">
-      <p:transition spd="slow" p14:dur="900" advClick="0">
-        <p:fade/>
-      </p:transition>
-    </mc:Choice>
-    <mc:Fallback xmlns="">
-      <p:transition xmlns:p14="http://schemas.microsoft.com/office/powerpoint/2010/main" spd="slow" advClick="0">
-        <p:fade/>
-      </p:transition>
-    </mc:Fallback>
-  </mc:AlternateContent>
-  <p:timing>
-    <p:tnLst>
-      <p:par>
-        <p:cTn xmlns:p14="http://schemas.microsoft.com/office/powerpoint/2010/main" id="1" dur="indefinite" restart="never" nodeType="tmRoot"/>
-      </p:par>
-    </p:tnLst>
-  </p:timing>
-</p:sld>
-</file>
-
-<file path=ppt/slides/slide15.xml><?xml version="1.0" encoding="utf-8"?>
-<p:sld xmlns:a="http://schemas.openxmlformats.org/drawingml/2006/main" xmlns:r="http://schemas.openxmlformats.org/officeDocument/2006/relationships" xmlns:p="http://schemas.openxmlformats.org/presentationml/2006/main">
-  <p:cSld>
-    <p:spTree>
-      <p:nvGrpSpPr>
-        <p:cNvPr id="1" name=""/>
-        <p:cNvGrpSpPr/>
-        <p:nvPr/>
-      </p:nvGrpSpPr>
-      <p:grpSpPr>
-        <a:xfrm>
-          <a:off x="0" y="0"/>
-          <a:ext cx="0" cy="0"/>
-          <a:chOff x="0" y="0"/>
-          <a:chExt cx="0" cy="0"/>
-        </a:xfrm>
-      </p:grpSpPr>
-      <p:sp>
-        <p:nvSpPr>
-          <p:cNvPr id="4" name="Slide Number Placeholder 3"/>
-          <p:cNvSpPr>
-            <a:spLocks noGrp="1"/>
-          </p:cNvSpPr>
-          <p:nvPr>
-            <p:ph type="sldNum" sz="quarter" idx="4"/>
-          </p:nvPr>
-        </p:nvSpPr>
-        <p:spPr/>
-        <p:txBody>
-          <a:bodyPr/>
-          <a:lstStyle/>
-          <a:p>
-            <a:pPr>
-              <a:defRPr/>
-            </a:pPr>
-            <a:r>
-              <a:rPr lang="en-US" dirty="0" err="1" smtClean="0"/>
-              <a:t>totalprob</a:t>
-            </a:r>
-            <a:r>
-              <a:rPr lang="en-US" dirty="0" smtClean="0"/>
-              <a:t>.</a:t>
-            </a:r>
-            <a:fld id="{B9A0B45D-6AFD-413C-B761-B121FB8BE940}" type="slidenum">
-              <a:rPr lang="en-US" smtClean="0"/>
-              <a:pPr>
-                <a:defRPr/>
-              </a:pPr>
-              <a:t>15</a:t>
-            </a:fld>
-            <a:endParaRPr lang="en-US" dirty="0"/>
-          </a:p>
-        </p:txBody>
-      </p:sp>
-      <p:sp>
-        <p:nvSpPr>
-          <p:cNvPr id="5" name="Rectangle 4"/>
-          <p:cNvSpPr txBox="1">
-            <a:spLocks noChangeArrowheads="1"/>
-          </p:cNvSpPr>
-          <p:nvPr/>
-        </p:nvSpPr>
-        <p:spPr bwMode="auto">
-          <a:xfrm>
-            <a:off x="1447800" y="381000"/>
-            <a:ext cx="6553200" cy="838200"/>
-          </a:xfrm>
-          <a:prstGeom prst="rect">
-            <a:avLst/>
-          </a:prstGeom>
-          <a:noFill/>
-          <a:ln w="9525">
-            <a:noFill/>
-            <a:miter lim="800000"/>
-            <a:headEnd/>
-            <a:tailEnd/>
-          </a:ln>
-        </p:spPr>
-        <p:txBody>
-          <a:bodyPr vert="horz" wrap="square" lIns="91440" tIns="45720" rIns="91440" bIns="45720" numCol="1" anchor="ctr" anchorCtr="0" compatLnSpc="1">
-            <a:prstTxWarp prst="textNoShape">
-              <a:avLst/>
-            </a:prstTxWarp>
-          </a:bodyPr>
-          <a:lstStyle>
-            <a:lvl1pPr algn="ctr" rtl="0" eaLnBrk="0" fontAlgn="base" hangingPunct="0">
-              <a:spcBef>
-                <a:spcPct val="0"/>
-              </a:spcBef>
-              <a:spcAft>
-                <a:spcPct val="0"/>
-              </a:spcAft>
-              <a:defRPr sz="3200" b="1">
-                <a:solidFill>
-                  <a:schemeClr val="tx2"/>
-                </a:solidFill>
-                <a:latin typeface="+mj-lt"/>
-                <a:ea typeface="+mj-ea"/>
-                <a:cs typeface="+mj-cs"/>
-              </a:defRPr>
-            </a:lvl1pPr>
-            <a:lvl2pPr algn="ctr" rtl="0" eaLnBrk="0" fontAlgn="base" hangingPunct="0">
-              <a:spcBef>
-                <a:spcPct val="0"/>
-              </a:spcBef>
-              <a:spcAft>
-                <a:spcPct val="0"/>
-              </a:spcAft>
-              <a:defRPr sz="3600" b="1">
-                <a:solidFill>
-                  <a:schemeClr val="tx2"/>
-                </a:solidFill>
-                <a:latin typeface="Comic Sans MS" pitchFamily="66" charset="0"/>
-              </a:defRPr>
-            </a:lvl2pPr>
-            <a:lvl3pPr algn="ctr" rtl="0" eaLnBrk="0" fontAlgn="base" hangingPunct="0">
-              <a:spcBef>
-                <a:spcPct val="0"/>
-              </a:spcBef>
-              <a:spcAft>
-                <a:spcPct val="0"/>
-              </a:spcAft>
-              <a:defRPr sz="3600" b="1">
-                <a:solidFill>
-                  <a:schemeClr val="tx2"/>
-                </a:solidFill>
-                <a:latin typeface="Comic Sans MS" pitchFamily="66" charset="0"/>
-              </a:defRPr>
-            </a:lvl3pPr>
-            <a:lvl4pPr algn="ctr" rtl="0" eaLnBrk="0" fontAlgn="base" hangingPunct="0">
-              <a:spcBef>
-                <a:spcPct val="0"/>
-              </a:spcBef>
-              <a:spcAft>
-                <a:spcPct val="0"/>
-              </a:spcAft>
-              <a:defRPr sz="3600" b="1">
-                <a:solidFill>
-                  <a:schemeClr val="tx2"/>
-                </a:solidFill>
-                <a:latin typeface="Comic Sans MS" pitchFamily="66" charset="0"/>
-              </a:defRPr>
-            </a:lvl4pPr>
-            <a:lvl5pPr algn="ctr" rtl="0" eaLnBrk="0" fontAlgn="base" hangingPunct="0">
-              <a:spcBef>
-                <a:spcPct val="0"/>
-              </a:spcBef>
-              <a:spcAft>
-                <a:spcPct val="0"/>
-              </a:spcAft>
-              <a:defRPr sz="3600" b="1">
-                <a:solidFill>
-                  <a:schemeClr val="tx2"/>
-                </a:solidFill>
-                <a:latin typeface="Comic Sans MS" pitchFamily="66" charset="0"/>
-              </a:defRPr>
-            </a:lvl5pPr>
-            <a:lvl6pPr marL="457200" algn="ctr" rtl="0" fontAlgn="base">
-              <a:spcBef>
-                <a:spcPct val="0"/>
-              </a:spcBef>
-              <a:spcAft>
-                <a:spcPct val="0"/>
-              </a:spcAft>
-              <a:defRPr sz="3600" b="1">
-                <a:solidFill>
-                  <a:schemeClr val="tx2"/>
-                </a:solidFill>
-                <a:latin typeface="Comic Sans MS" pitchFamily="66" charset="0"/>
-              </a:defRPr>
-            </a:lvl6pPr>
-            <a:lvl7pPr marL="914400" algn="ctr" rtl="0" fontAlgn="base">
-              <a:spcBef>
-                <a:spcPct val="0"/>
-              </a:spcBef>
-              <a:spcAft>
-                <a:spcPct val="0"/>
-              </a:spcAft>
-              <a:defRPr sz="3600" b="1">
-                <a:solidFill>
-                  <a:schemeClr val="tx2"/>
-                </a:solidFill>
-                <a:latin typeface="Comic Sans MS" pitchFamily="66" charset="0"/>
-              </a:defRPr>
-            </a:lvl7pPr>
-            <a:lvl8pPr marL="1371600" algn="ctr" rtl="0" fontAlgn="base">
-              <a:spcBef>
-                <a:spcPct val="0"/>
-              </a:spcBef>
-              <a:spcAft>
-                <a:spcPct val="0"/>
-              </a:spcAft>
-              <a:defRPr sz="3600" b="1">
-                <a:solidFill>
-                  <a:schemeClr val="tx2"/>
-                </a:solidFill>
-                <a:latin typeface="Comic Sans MS" pitchFamily="66" charset="0"/>
-              </a:defRPr>
-            </a:lvl8pPr>
-            <a:lvl9pPr marL="1828800" algn="ctr" rtl="0" fontAlgn="base">
-              <a:spcBef>
-                <a:spcPct val="0"/>
-              </a:spcBef>
-              <a:spcAft>
-                <a:spcPct val="0"/>
-              </a:spcAft>
-              <a:defRPr sz="3600" b="1">
-                <a:solidFill>
-                  <a:schemeClr val="tx2"/>
-                </a:solidFill>
-                <a:latin typeface="Comic Sans MS" pitchFamily="66" charset="0"/>
-              </a:defRPr>
-            </a:lvl9pPr>
-          </a:lstStyle>
-          <a:p>
-            <a:pPr eaLnBrk="1" hangingPunct="1"/>
-            <a:r>
-              <a:rPr lang="en-US" sz="4000" dirty="0" smtClean="0">
-                <a:solidFill>
-                  <a:schemeClr val="tx1"/>
-                </a:solidFill>
-              </a:rPr>
-              <a:t>TB testing by cases</a:t>
-            </a:r>
-          </a:p>
-        </p:txBody>
-      </p:sp>
-      <p:sp>
-        <p:nvSpPr>
-          <p:cNvPr id="6" name="TextBox 5"/>
-          <p:cNvSpPr txBox="1"/>
-          <p:nvPr/>
-        </p:nvSpPr>
-        <p:spPr>
-          <a:xfrm>
-            <a:off x="355568" y="1379277"/>
-            <a:ext cx="8114721" cy="1569660"/>
-          </a:xfrm>
-          <a:prstGeom prst="rect">
-            <a:avLst/>
-          </a:prstGeom>
-          <a:noFill/>
-        </p:spPr>
-        <p:txBody>
-          <a:bodyPr wrap="none" rtlCol="0">
-            <a:spAutoFit/>
-          </a:bodyPr>
-          <a:lstStyle/>
-          <a:p>
-            <a:pPr algn="l"/>
-            <a:r>
-              <a:rPr lang="en-US" sz="4800" dirty="0" smtClean="0">
-                <a:solidFill>
-                  <a:srgbClr val="0000CC"/>
-                </a:solidFill>
-                <a:latin typeface="Comic Sans MS"/>
-                <a:cs typeface="Comic Sans MS"/>
-              </a:rPr>
-              <a:t>99</a:t>
-            </a:r>
-            <a:r>
-              <a:rPr lang="en-US" sz="4800" dirty="0">
-                <a:solidFill>
-                  <a:srgbClr val="0000CC"/>
-                </a:solidFill>
-                <a:latin typeface="Comic Sans MS"/>
-                <a:cs typeface="Comic Sans MS"/>
-              </a:rPr>
-              <a:t>%</a:t>
-            </a:r>
-            <a:r>
-              <a:rPr lang="en-US" sz="4800" dirty="0">
-                <a:latin typeface="Comic Sans MS"/>
-                <a:cs typeface="Comic Sans MS"/>
-              </a:rPr>
-              <a:t> accurate </a:t>
-            </a:r>
-            <a:r>
-              <a:rPr lang="en-US" sz="4800" dirty="0" smtClean="0">
-                <a:latin typeface="Comic Sans MS"/>
-                <a:cs typeface="Comic Sans MS"/>
-              </a:rPr>
-              <a:t>test is not so</a:t>
-            </a:r>
-          </a:p>
-          <a:p>
-            <a:pPr algn="l"/>
-            <a:r>
-              <a:rPr lang="en-US" sz="4800" dirty="0" smtClean="0">
-                <a:latin typeface="Comic Sans MS"/>
-                <a:cs typeface="Comic Sans MS"/>
-              </a:rPr>
-              <a:t>good here.</a:t>
-            </a:r>
-          </a:p>
-        </p:txBody>
-      </p:sp>
-    </p:spTree>
-    <p:extLst>
-      <p:ext uri="{BB962C8B-B14F-4D97-AF65-F5344CB8AC3E}">
-        <p14:creationId xmlns:p14="http://schemas.microsoft.com/office/powerpoint/2010/main" val="3613922773"/>
-      </p:ext>
-    </p:extLst>
-  </p:cSld>
-  <p:clrMapOvr>
-    <a:masterClrMapping/>
-  </p:clrMapOvr>
-  <mc:AlternateContent xmlns:mc="http://schemas.openxmlformats.org/markup-compatibility/2006" xmlns:p14="http://schemas.microsoft.com/office/powerpoint/2010/main">
-    <mc:Choice Requires="p14">
-      <p:transition spd="slow" p14:dur="900" advClick="0">
-        <p:fade/>
-      </p:transition>
-    </mc:Choice>
-    <mc:Fallback xmlns="">
-      <p:transition xmlns:p14="http://schemas.microsoft.com/office/powerpoint/2010/main" spd="slow" advClick="0">
-        <p:fade/>
-      </p:transition>
-    </mc:Fallback>
-  </mc:AlternateContent>
-  <p:timing>
-    <p:tnLst>
-      <p:par>
-        <p:cTn xmlns:p14="http://schemas.microsoft.com/office/powerpoint/2010/main" id="1" dur="indefinite" restart="never" nodeType="tmRoot"/>
-      </p:par>
-    </p:tnLst>
-  </p:timing>
-</p:sld>
-</file>
-
-<file path=ppt/slides/slide16.xml><?xml version="1.0" encoding="utf-8"?>
-<p:sld xmlns:a="http://schemas.openxmlformats.org/drawingml/2006/main" xmlns:r="http://schemas.openxmlformats.org/officeDocument/2006/relationships" xmlns:p="http://schemas.openxmlformats.org/presentationml/2006/main">
-  <p:cSld>
-    <p:spTree>
-      <p:nvGrpSpPr>
-        <p:cNvPr id="1" name=""/>
-        <p:cNvGrpSpPr/>
-        <p:nvPr/>
-      </p:nvGrpSpPr>
-      <p:grpSpPr>
-        <a:xfrm>
-          <a:off x="0" y="0"/>
-          <a:ext cx="0" cy="0"/>
-          <a:chOff x="0" y="0"/>
-          <a:chExt cx="0" cy="0"/>
-        </a:xfrm>
-      </p:grpSpPr>
-      <p:sp>
-        <p:nvSpPr>
-          <p:cNvPr id="4" name="Slide Number Placeholder 3"/>
-          <p:cNvSpPr>
-            <a:spLocks noGrp="1"/>
-          </p:cNvSpPr>
-          <p:nvPr>
-            <p:ph type="sldNum" sz="quarter" idx="4"/>
-          </p:nvPr>
-        </p:nvSpPr>
-        <p:spPr/>
-        <p:txBody>
-          <a:bodyPr/>
-          <a:lstStyle/>
-          <a:p>
-            <a:pPr>
-              <a:defRPr/>
-            </a:pPr>
-            <a:r>
-              <a:rPr lang="en-US" dirty="0" err="1" smtClean="0"/>
-              <a:t>totalprob</a:t>
-            </a:r>
-            <a:r>
-              <a:rPr lang="en-US" dirty="0" smtClean="0"/>
-              <a:t>.</a:t>
-            </a:r>
-            <a:fld id="{B9A0B45D-6AFD-413C-B761-B121FB8BE940}" type="slidenum">
-              <a:rPr lang="en-US" smtClean="0"/>
-              <a:pPr>
-                <a:defRPr/>
-              </a:pPr>
-              <a:t>16</a:t>
-            </a:fld>
-            <a:endParaRPr lang="en-US" dirty="0"/>
-          </a:p>
-        </p:txBody>
-      </p:sp>
-      <p:sp>
-        <p:nvSpPr>
-          <p:cNvPr id="5" name="Rectangle 4"/>
-          <p:cNvSpPr txBox="1">
-            <a:spLocks noChangeArrowheads="1"/>
-          </p:cNvSpPr>
-          <p:nvPr/>
-        </p:nvSpPr>
-        <p:spPr bwMode="auto">
-          <a:xfrm>
-            <a:off x="1447800" y="381000"/>
-            <a:ext cx="6553200" cy="838200"/>
-          </a:xfrm>
-          <a:prstGeom prst="rect">
-            <a:avLst/>
-          </a:prstGeom>
-          <a:noFill/>
-          <a:ln w="9525">
-            <a:noFill/>
-            <a:miter lim="800000"/>
-            <a:headEnd/>
-            <a:tailEnd/>
-          </a:ln>
-        </p:spPr>
-        <p:txBody>
-          <a:bodyPr vert="horz" wrap="square" lIns="91440" tIns="45720" rIns="91440" bIns="45720" numCol="1" anchor="ctr" anchorCtr="0" compatLnSpc="1">
-            <a:prstTxWarp prst="textNoShape">
-              <a:avLst/>
-            </a:prstTxWarp>
-          </a:bodyPr>
-          <a:lstStyle>
-            <a:lvl1pPr algn="ctr" rtl="0" eaLnBrk="0" fontAlgn="base" hangingPunct="0">
-              <a:spcBef>
-                <a:spcPct val="0"/>
-              </a:spcBef>
-              <a:spcAft>
-                <a:spcPct val="0"/>
-              </a:spcAft>
-              <a:defRPr sz="3200" b="1">
-                <a:solidFill>
-                  <a:schemeClr val="tx2"/>
-                </a:solidFill>
-                <a:latin typeface="+mj-lt"/>
-                <a:ea typeface="+mj-ea"/>
-                <a:cs typeface="+mj-cs"/>
-              </a:defRPr>
-            </a:lvl1pPr>
-            <a:lvl2pPr algn="ctr" rtl="0" eaLnBrk="0" fontAlgn="base" hangingPunct="0">
-              <a:spcBef>
-                <a:spcPct val="0"/>
-              </a:spcBef>
-              <a:spcAft>
-                <a:spcPct val="0"/>
-              </a:spcAft>
-              <a:defRPr sz="3600" b="1">
-                <a:solidFill>
-                  <a:schemeClr val="tx2"/>
-                </a:solidFill>
-                <a:latin typeface="Comic Sans MS" pitchFamily="66" charset="0"/>
-              </a:defRPr>
-            </a:lvl2pPr>
-            <a:lvl3pPr algn="ctr" rtl="0" eaLnBrk="0" fontAlgn="base" hangingPunct="0">
-              <a:spcBef>
-                <a:spcPct val="0"/>
-              </a:spcBef>
-              <a:spcAft>
-                <a:spcPct val="0"/>
-              </a:spcAft>
-              <a:defRPr sz="3600" b="1">
-                <a:solidFill>
-                  <a:schemeClr val="tx2"/>
-                </a:solidFill>
-                <a:latin typeface="Comic Sans MS" pitchFamily="66" charset="0"/>
-              </a:defRPr>
-            </a:lvl3pPr>
-            <a:lvl4pPr algn="ctr" rtl="0" eaLnBrk="0" fontAlgn="base" hangingPunct="0">
-              <a:spcBef>
-                <a:spcPct val="0"/>
-              </a:spcBef>
-              <a:spcAft>
-                <a:spcPct val="0"/>
-              </a:spcAft>
-              <a:defRPr sz="3600" b="1">
-                <a:solidFill>
-                  <a:schemeClr val="tx2"/>
-                </a:solidFill>
-                <a:latin typeface="Comic Sans MS" pitchFamily="66" charset="0"/>
-              </a:defRPr>
-            </a:lvl4pPr>
-            <a:lvl5pPr algn="ctr" rtl="0" eaLnBrk="0" fontAlgn="base" hangingPunct="0">
-              <a:spcBef>
-                <a:spcPct val="0"/>
-              </a:spcBef>
-              <a:spcAft>
-                <a:spcPct val="0"/>
-              </a:spcAft>
-              <a:defRPr sz="3600" b="1">
-                <a:solidFill>
-                  <a:schemeClr val="tx2"/>
-                </a:solidFill>
-                <a:latin typeface="Comic Sans MS" pitchFamily="66" charset="0"/>
-              </a:defRPr>
-            </a:lvl5pPr>
-            <a:lvl6pPr marL="457200" algn="ctr" rtl="0" fontAlgn="base">
-              <a:spcBef>
-                <a:spcPct val="0"/>
-              </a:spcBef>
-              <a:spcAft>
-                <a:spcPct val="0"/>
-              </a:spcAft>
-              <a:defRPr sz="3600" b="1">
-                <a:solidFill>
-                  <a:schemeClr val="tx2"/>
-                </a:solidFill>
-                <a:latin typeface="Comic Sans MS" pitchFamily="66" charset="0"/>
-              </a:defRPr>
-            </a:lvl6pPr>
-            <a:lvl7pPr marL="914400" algn="ctr" rtl="0" fontAlgn="base">
-              <a:spcBef>
-                <a:spcPct val="0"/>
-              </a:spcBef>
-              <a:spcAft>
-                <a:spcPct val="0"/>
-              </a:spcAft>
-              <a:defRPr sz="3600" b="1">
-                <a:solidFill>
-                  <a:schemeClr val="tx2"/>
-                </a:solidFill>
-                <a:latin typeface="Comic Sans MS" pitchFamily="66" charset="0"/>
-              </a:defRPr>
-            </a:lvl7pPr>
-            <a:lvl8pPr marL="1371600" algn="ctr" rtl="0" fontAlgn="base">
-              <a:spcBef>
-                <a:spcPct val="0"/>
-              </a:spcBef>
-              <a:spcAft>
-                <a:spcPct val="0"/>
-              </a:spcAft>
-              <a:defRPr sz="3600" b="1">
-                <a:solidFill>
-                  <a:schemeClr val="tx2"/>
-                </a:solidFill>
-                <a:latin typeface="Comic Sans MS" pitchFamily="66" charset="0"/>
-              </a:defRPr>
-            </a:lvl8pPr>
-            <a:lvl9pPr marL="1828800" algn="ctr" rtl="0" fontAlgn="base">
-              <a:spcBef>
-                <a:spcPct val="0"/>
-              </a:spcBef>
-              <a:spcAft>
-                <a:spcPct val="0"/>
-              </a:spcAft>
-              <a:defRPr sz="3600" b="1">
-                <a:solidFill>
-                  <a:schemeClr val="tx2"/>
-                </a:solidFill>
-                <a:latin typeface="Comic Sans MS" pitchFamily="66" charset="0"/>
-              </a:defRPr>
-            </a:lvl9pPr>
-          </a:lstStyle>
-          <a:p>
-            <a:pPr eaLnBrk="1" hangingPunct="1"/>
-            <a:r>
-              <a:rPr lang="en-US" sz="4000" dirty="0" smtClean="0">
-                <a:solidFill>
-                  <a:schemeClr val="tx1"/>
-                </a:solidFill>
-              </a:rPr>
-              <a:t>TB testing by cases</a:t>
-            </a:r>
-          </a:p>
-        </p:txBody>
-      </p:sp>
-      <p:sp>
-        <p:nvSpPr>
-          <p:cNvPr id="6" name="TextBox 5"/>
-          <p:cNvSpPr txBox="1"/>
-          <p:nvPr/>
-        </p:nvSpPr>
-        <p:spPr>
-          <a:xfrm>
-            <a:off x="355568" y="1379277"/>
-            <a:ext cx="8234045" cy="3785652"/>
-          </a:xfrm>
-          <a:prstGeom prst="rect">
-            <a:avLst/>
-          </a:prstGeom>
-          <a:noFill/>
-        </p:spPr>
-        <p:txBody>
-          <a:bodyPr wrap="none" rtlCol="0">
-            <a:spAutoFit/>
-          </a:bodyPr>
-          <a:lstStyle/>
-          <a:p>
-            <a:pPr algn="l"/>
-            <a:r>
-              <a:rPr lang="en-US" sz="4800" dirty="0">
-                <a:solidFill>
-                  <a:srgbClr val="0000CC"/>
-                </a:solidFill>
-                <a:latin typeface="Comic Sans MS"/>
-                <a:cs typeface="Comic Sans MS"/>
-              </a:rPr>
-              <a:t>99%</a:t>
-            </a:r>
-            <a:r>
-              <a:rPr lang="en-US" sz="4800" dirty="0">
-                <a:latin typeface="Comic Sans MS"/>
-                <a:cs typeface="Comic Sans MS"/>
-              </a:rPr>
-              <a:t> accurate </a:t>
-            </a:r>
-            <a:r>
-              <a:rPr lang="en-US" sz="4800" dirty="0" smtClean="0">
-                <a:latin typeface="Comic Sans MS"/>
-                <a:cs typeface="Comic Sans MS"/>
-              </a:rPr>
-              <a:t>test is not so</a:t>
-            </a:r>
-          </a:p>
-          <a:p>
-            <a:pPr algn="l"/>
-            <a:r>
-              <a:rPr lang="en-US" sz="4800" dirty="0" smtClean="0">
-                <a:latin typeface="Comic Sans MS"/>
-                <a:cs typeface="Comic Sans MS"/>
-              </a:rPr>
-              <a:t>good here.  In fact, there’s</a:t>
-            </a:r>
-          </a:p>
-          <a:p>
-            <a:pPr algn="l"/>
-            <a:r>
-              <a:rPr lang="en-US" sz="4800" dirty="0" smtClean="0">
-                <a:latin typeface="Comic Sans MS"/>
-                <a:cs typeface="Comic Sans MS"/>
-              </a:rPr>
-              <a:t>a trivial test that is </a:t>
-            </a:r>
-            <a:r>
-              <a:rPr lang="en-US" sz="4800" dirty="0" smtClean="0">
-                <a:solidFill>
-                  <a:srgbClr val="0000CC"/>
-                </a:solidFill>
-                <a:latin typeface="Comic Sans MS"/>
-                <a:cs typeface="Comic Sans MS"/>
-              </a:rPr>
-              <a:t>99.99%</a:t>
-            </a:r>
-          </a:p>
-          <a:p>
-            <a:pPr algn="l"/>
-            <a:r>
-              <a:rPr lang="en-US" sz="4800" dirty="0" smtClean="0">
-                <a:latin typeface="Comic Sans MS"/>
-                <a:cs typeface="Comic Sans MS"/>
-              </a:rPr>
-              <a:t>accurate:</a:t>
-            </a:r>
-          </a:p>
-          <a:p>
-            <a:pPr algn="l"/>
-            <a:r>
-              <a:rPr lang="en-US" sz="4800" dirty="0">
-                <a:latin typeface="Comic Sans MS"/>
-                <a:cs typeface="Comic Sans MS"/>
-              </a:rPr>
-              <a:t>	</a:t>
-            </a:r>
-            <a:r>
-              <a:rPr lang="en-US" sz="4800" dirty="0" smtClean="0">
-                <a:latin typeface="Comic Sans MS"/>
-                <a:cs typeface="Comic Sans MS"/>
-              </a:rPr>
-              <a:t>	always say </a:t>
-            </a:r>
-            <a:r>
-              <a:rPr lang="en-US" sz="4800" dirty="0" smtClean="0">
-                <a:solidFill>
-                  <a:srgbClr val="A50021"/>
-                </a:solidFill>
-                <a:latin typeface="Comic Sans MS"/>
-                <a:cs typeface="Comic Sans MS"/>
-              </a:rPr>
-              <a:t>No TB</a:t>
-            </a:r>
-          </a:p>
-        </p:txBody>
-      </p:sp>
-    </p:spTree>
-    <p:extLst>
-      <p:ext uri="{BB962C8B-B14F-4D97-AF65-F5344CB8AC3E}">
-        <p14:creationId xmlns:p14="http://schemas.microsoft.com/office/powerpoint/2010/main" val="1397802185"/>
-      </p:ext>
-    </p:extLst>
-  </p:cSld>
-  <p:clrMapOvr>
-    <a:masterClrMapping/>
-  </p:clrMapOvr>
-  <mc:AlternateContent xmlns:mc="http://schemas.openxmlformats.org/markup-compatibility/2006" xmlns:p14="http://schemas.microsoft.com/office/powerpoint/2010/main">
-    <mc:Choice Requires="p14">
-      <p:transition spd="med" p14:dur="600" advClick="0">
-        <p:fade/>
-      </p:transition>
-    </mc:Choice>
-    <mc:Fallback xmlns="">
-      <p:transition xmlns:p14="http://schemas.microsoft.com/office/powerpoint/2010/main" spd="med" advClick="0">
-        <p:fade/>
-      </p:transition>
-    </mc:Fallback>
-  </mc:AlternateContent>
-  <p:timing>
-    <p:tnLst>
-      <p:par>
-        <p:cTn xmlns:p14="http://schemas.microsoft.com/office/powerpoint/2010/main" id="1" dur="indefinite" restart="never" nodeType="tmRoot">
-          <p:childTnLst>
-            <p:seq concurrent="1" nextAc="seek">
-              <p:cTn id="2" dur="indefinite" nodeType="mainSeq">
-                <p:childTnLst>
-                  <p:par>
-                    <p:cTn id="3" fill="hold">
-                      <p:stCondLst>
-                        <p:cond delay="indefinite"/>
-                      </p:stCondLst>
-                      <p:childTnLst>
-                        <p:par>
-                          <p:cTn id="4" fill="hold">
-                            <p:stCondLst>
-                              <p:cond delay="0"/>
-                            </p:stCondLst>
-                            <p:childTnLst>
-                              <p:par>
-                                <p:cTn id="5" presetID="10" presetClass="entr" presetSubtype="0" fill="hold" nodeType="clickEffect">
-                                  <p:stCondLst>
-                                    <p:cond delay="0"/>
-                                  </p:stCondLst>
-                                  <p:childTnLst>
-                                    <p:set>
-                                      <p:cBhvr>
-                                        <p:cTn id="6" dur="1" fill="hold">
-                                          <p:stCondLst>
-                                            <p:cond delay="0"/>
-                                          </p:stCondLst>
-                                        </p:cTn>
-                                        <p:tgtEl>
-                                          <p:spTgt spid="6">
-                                            <p:txEl>
-                                              <p:pRg st="4" end="4"/>
-                                            </p:txEl>
-                                          </p:spTgt>
-                                        </p:tgtEl>
-                                        <p:attrNameLst>
-                                          <p:attrName>style.visibility</p:attrName>
-                                        </p:attrNameLst>
-                                      </p:cBhvr>
-                                      <p:to>
-                                        <p:strVal val="visible"/>
-                                      </p:to>
-                                    </p:set>
-                                    <p:animEffect transition="in" filter="fade">
-                                      <p:cBhvr>
-                                        <p:cTn id="7" dur="500"/>
-                                        <p:tgtEl>
-                                          <p:spTgt spid="6">
-                                            <p:txEl>
-                                              <p:pRg st="4" end="4"/>
-                                            </p:txEl>
-                                          </p:spTgt>
-                                        </p:tgtEl>
-                                      </p:cBhvr>
-                                    </p:animEffect>
-                                  </p:childTnLst>
-                                </p:cTn>
-                              </p:par>
-                            </p:childTnLst>
-                          </p:cTn>
-                        </p:par>
-                      </p:childTnLst>
-                    </p:cTn>
-                  </p:par>
-                </p:childTnLst>
-              </p:cTn>
-              <p:prevCondLst>
-                <p:cond evt="onPrev" delay="0">
-                  <p:tgtEl>
-                    <p:sldTgt/>
-                  </p:tgtEl>
-                </p:cond>
-              </p:prevCondLst>
-              <p:nextCondLst>
-                <p:cond evt="onNext" delay="0">
-                  <p:tgtEl>
-                    <p:sldTgt/>
-                  </p:tgtEl>
-                </p:cond>
-              </p:nextCondLst>
-            </p:seq>
-          </p:childTnLst>
-        </p:cTn>
-      </p:par>
-    </p:tnLst>
-  </p:timing>
-</p:sld>
-</file>
-
-<file path=ppt/slides/slide17.xml><?xml version="1.0" encoding="utf-8"?>
-<p:sld xmlns:a="http://schemas.openxmlformats.org/drawingml/2006/main" xmlns:r="http://schemas.openxmlformats.org/officeDocument/2006/relationships" xmlns:p="http://schemas.openxmlformats.org/presentationml/2006/main">
-  <p:cSld>
-    <p:spTree>
-      <p:nvGrpSpPr>
-        <p:cNvPr id="1" name=""/>
-        <p:cNvGrpSpPr/>
-        <p:nvPr/>
-      </p:nvGrpSpPr>
-      <p:grpSpPr>
-        <a:xfrm>
-          <a:off x="0" y="0"/>
-          <a:ext cx="0" cy="0"/>
-          <a:chOff x="0" y="0"/>
-          <a:chExt cx="0" cy="0"/>
-        </a:xfrm>
-      </p:grpSpPr>
-      <p:sp>
-        <p:nvSpPr>
-          <p:cNvPr id="2" name="Title 1"/>
-          <p:cNvSpPr>
-            <a:spLocks noGrp="1"/>
-          </p:cNvSpPr>
-          <p:nvPr>
-            <p:ph type="title"/>
-          </p:nvPr>
-        </p:nvSpPr>
-        <p:spPr/>
-        <p:txBody>
-          <a:bodyPr/>
-          <a:lstStyle/>
-          <a:p>
-            <a:r>
-              <a:rPr lang="en-US" sz="4400" dirty="0" smtClean="0"/>
-              <a:t>Bayes Rule</a:t>
-            </a:r>
-            <a:endParaRPr lang="en-US" sz="4400" dirty="0"/>
-          </a:p>
-        </p:txBody>
-      </p:sp>
-      <p:sp>
-        <p:nvSpPr>
-          <p:cNvPr id="4" name="Slide Number Placeholder 3"/>
-          <p:cNvSpPr>
-            <a:spLocks noGrp="1"/>
-          </p:cNvSpPr>
-          <p:nvPr>
-            <p:ph type="sldNum" sz="quarter" idx="4"/>
-          </p:nvPr>
-        </p:nvSpPr>
-        <p:spPr/>
-        <p:txBody>
-          <a:bodyPr/>
-          <a:lstStyle/>
-          <a:p>
-            <a:pPr>
-              <a:defRPr/>
-            </a:pPr>
-            <a:r>
-              <a:rPr lang="en-US" dirty="0" err="1" smtClean="0"/>
-              <a:t>totalprob</a:t>
-            </a:r>
-            <a:r>
-              <a:rPr lang="en-US" dirty="0" smtClean="0"/>
-              <a:t>.</a:t>
-            </a:r>
-            <a:fld id="{B9A0B45D-6AFD-413C-B761-B121FB8BE940}" type="slidenum">
-              <a:rPr lang="en-US" smtClean="0"/>
-              <a:pPr>
-                <a:defRPr/>
-              </a:pPr>
-              <a:t>17</a:t>
-            </a:fld>
-            <a:endParaRPr lang="en-US" dirty="0"/>
-          </a:p>
-        </p:txBody>
-      </p:sp>
-      <p:graphicFrame>
-        <p:nvGraphicFramePr>
-          <p:cNvPr id="5" name="Object 4"/>
-          <p:cNvGraphicFramePr>
-            <a:graphicFrameLocks noChangeAspect="1"/>
-          </p:cNvGraphicFramePr>
-          <p:nvPr>
-            <p:extLst>
-              <p:ext uri="{D42A27DB-BD31-4B8C-83A1-F6EECF244321}">
-                <p14:modId xmlns:p14="http://schemas.microsoft.com/office/powerpoint/2010/main" val="2231705141"/>
-              </p:ext>
-            </p:extLst>
-          </p:nvPr>
-        </p:nvGraphicFramePr>
-        <p:xfrm>
-          <a:off x="833871" y="1332195"/>
-          <a:ext cx="7272333" cy="1755335"/>
-        </p:xfrm>
-        <a:graphic>
-          <a:graphicData uri="http://schemas.openxmlformats.org/presentationml/2006/ole">
-            <mc:AlternateContent xmlns:mc="http://schemas.openxmlformats.org/markup-compatibility/2006">
-              <mc:Choice xmlns:v="urn:schemas-microsoft-com:vml" Requires="v">
-                <p:oleObj spid="_x0000_s365597" name="Equation" r:id="rId3" imgW="2044700" imgH="495300" progId="Equation.DSMT4">
-                  <p:embed/>
-                </p:oleObj>
-              </mc:Choice>
-              <mc:Fallback>
-                <p:oleObj name="Equation" r:id="rId3" imgW="2044700" imgH="495300" progId="Equation.DSMT4">
-                  <p:embed/>
-                  <p:pic>
-                    <p:nvPicPr>
-                      <p:cNvPr id="0" name=""/>
-                      <p:cNvPicPr/>
-                      <p:nvPr/>
-                    </p:nvPicPr>
-                    <p:blipFill>
-                      <a:blip r:embed="rId4"/>
-                      <a:stretch>
-                        <a:fillRect/>
-                      </a:stretch>
-                    </p:blipFill>
-                    <p:spPr>
-                      <a:xfrm>
-                        <a:off x="833871" y="1332195"/>
-                        <a:ext cx="7272333" cy="1755335"/>
-                      </a:xfrm>
-                      <a:prstGeom prst="rect">
-                        <a:avLst/>
-                      </a:prstGeom>
-                    </p:spPr>
-                  </p:pic>
-                </p:oleObj>
-              </mc:Fallback>
-            </mc:AlternateContent>
-          </a:graphicData>
-        </a:graphic>
-      </p:graphicFrame>
-      <p:graphicFrame>
-        <p:nvGraphicFramePr>
-          <p:cNvPr id="6" name="Object 5"/>
-          <p:cNvGraphicFramePr>
-            <a:graphicFrameLocks noChangeAspect="1"/>
-          </p:cNvGraphicFramePr>
-          <p:nvPr>
-            <p:extLst>
-              <p:ext uri="{D42A27DB-BD31-4B8C-83A1-F6EECF244321}">
-                <p14:modId xmlns:p14="http://schemas.microsoft.com/office/powerpoint/2010/main" val="998991841"/>
-              </p:ext>
-            </p:extLst>
-          </p:nvPr>
-        </p:nvGraphicFramePr>
-        <p:xfrm>
-          <a:off x="1126598" y="3238190"/>
-          <a:ext cx="6801391" cy="1875427"/>
-        </p:xfrm>
-        <a:graphic>
-          <a:graphicData uri="http://schemas.openxmlformats.org/presentationml/2006/ole">
-            <mc:AlternateContent xmlns:mc="http://schemas.openxmlformats.org/markup-compatibility/2006">
-              <mc:Choice xmlns:v="urn:schemas-microsoft-com:vml" Requires="v">
-                <p:oleObj spid="_x0000_s365598" name="Equation" r:id="rId5" imgW="1790700" imgH="495300" progId="Equation.DSMT4">
-                  <p:embed/>
-                </p:oleObj>
-              </mc:Choice>
-              <mc:Fallback>
-                <p:oleObj name="Equation" r:id="rId5" imgW="1790700" imgH="495300" progId="Equation.DSMT4">
-                  <p:embed/>
-                  <p:pic>
-                    <p:nvPicPr>
-                      <p:cNvPr id="0" name=""/>
-                      <p:cNvPicPr/>
-                      <p:nvPr/>
-                    </p:nvPicPr>
-                    <p:blipFill>
-                      <a:blip r:embed="rId6"/>
-                      <a:stretch>
-                        <a:fillRect/>
-                      </a:stretch>
-                    </p:blipFill>
-                    <p:spPr>
-                      <a:xfrm>
-                        <a:off x="1126598" y="3238190"/>
-                        <a:ext cx="6801391" cy="1875427"/>
-                      </a:xfrm>
-                      <a:prstGeom prst="rect">
-                        <a:avLst/>
-                      </a:prstGeom>
-                    </p:spPr>
-                  </p:pic>
-                </p:oleObj>
-              </mc:Fallback>
-            </mc:AlternateContent>
-          </a:graphicData>
-        </a:graphic>
-      </p:graphicFrame>
-      <p:sp>
-        <p:nvSpPr>
-          <p:cNvPr id="7" name="Rectangle 6"/>
-          <p:cNvSpPr/>
-          <p:nvPr/>
-        </p:nvSpPr>
-        <p:spPr bwMode="auto">
-          <a:xfrm>
-            <a:off x="628814" y="3168550"/>
-            <a:ext cx="7656732" cy="2268534"/>
-          </a:xfrm>
-          <a:prstGeom prst="rect">
-            <a:avLst/>
-          </a:prstGeom>
-          <a:noFill/>
-          <a:ln w="38100" cap="flat" cmpd="sng" algn="ctr">
-            <a:solidFill>
-              <a:srgbClr val="FF33CC"/>
-            </a:solidFill>
-            <a:prstDash val="sysDash"/>
-            <a:round/>
-            <a:headEnd type="none" w="med" len="med"/>
-            <a:tailEnd type="none" w="med" len="med"/>
-          </a:ln>
-          <a:effectLst/>
-        </p:spPr>
-        <p:txBody>
-          <a:bodyPr vert="horz" wrap="none" lIns="91440" tIns="45720" rIns="91440" bIns="45720" numCol="1" rtlCol="0" anchor="ctr" anchorCtr="0" compatLnSpc="1">
-            <a:prstTxWarp prst="textNoShape">
-              <a:avLst/>
-            </a:prstTxWarp>
-          </a:bodyPr>
-          <a:lstStyle/>
-          <a:p>
-            <a:pPr marL="0" marR="0" indent="0" algn="ctr" defTabSz="914400" rtl="0" eaLnBrk="1" fontAlgn="base" latinLnBrk="0" hangingPunct="1">
-              <a:lnSpc>
-                <a:spcPct val="100000"/>
-              </a:lnSpc>
-              <a:spcBef>
-                <a:spcPct val="0"/>
-              </a:spcBef>
-              <a:spcAft>
-                <a:spcPct val="0"/>
-              </a:spcAft>
-              <a:buClrTx/>
-              <a:buSzTx/>
-              <a:buFontTx/>
-              <a:buNone/>
-              <a:tabLst/>
-            </a:pPr>
-            <a:endParaRPr kumimoji="0" lang="en-US" sz="1800" b="0" i="0" u="none" strike="noStrike" cap="none" normalizeH="0" baseline="0" smtClean="0">
-              <a:ln>
-                <a:noFill/>
-              </a:ln>
-              <a:solidFill>
-                <a:schemeClr val="tx1"/>
-              </a:solidFill>
-              <a:effectLst/>
-              <a:latin typeface="Times New Roman" pitchFamily="18" charset="0"/>
-            </a:endParaRPr>
-          </a:p>
-        </p:txBody>
-      </p:sp>
-    </p:spTree>
-    <p:extLst>
-      <p:ext uri="{BB962C8B-B14F-4D97-AF65-F5344CB8AC3E}">
-        <p14:creationId xmlns:p14="http://schemas.microsoft.com/office/powerpoint/2010/main" val="2683109662"/>
-      </p:ext>
-    </p:extLst>
-  </p:cSld>
-  <p:clrMapOvr>
-    <a:masterClrMapping/>
-  </p:clrMapOvr>
-  <p:transition xmlns:p14="http://schemas.microsoft.com/office/powerpoint/2010/main" spd="slow" advClick="0">
-    <p:fade thruBlk="1"/>
-  </p:transition>
-  <p:timing>
-    <p:tnLst>
-      <p:par>
-        <p:cTn xmlns:p14="http://schemas.microsoft.com/office/powerpoint/2010/main" id="1" dur="indefinite" restart="never" nodeType="tmRoot">
-          <p:childTnLst>
-            <p:seq concurrent="1" nextAc="seek">
-              <p:cTn id="2" dur="indefinite" nodeType="mainSeq">
-                <p:childTnLst>
-                  <p:par>
-                    <p:cTn id="3" fill="hold">
-                      <p:stCondLst>
-                        <p:cond delay="indefinite"/>
-                      </p:stCondLst>
-                      <p:childTnLst>
-                        <p:par>
-                          <p:cTn id="4" fill="hold">
-                            <p:stCondLst>
-                              <p:cond delay="0"/>
-                            </p:stCondLst>
-                            <p:childTnLst>
-                              <p:par>
-                                <p:cTn id="5" presetID="9" presetClass="entr" presetSubtype="0" fill="hold" nodeType="clickEffect">
-                                  <p:stCondLst>
-                                    <p:cond delay="0"/>
-                                  </p:stCondLst>
-                                  <p:childTnLst>
-                                    <p:set>
-                                      <p:cBhvr>
-                                        <p:cTn id="6" dur="1" fill="hold">
-                                          <p:stCondLst>
-                                            <p:cond delay="0"/>
-                                          </p:stCondLst>
-                                        </p:cTn>
-                                        <p:tgtEl>
-                                          <p:spTgt spid="6"/>
-                                        </p:tgtEl>
-                                        <p:attrNameLst>
-                                          <p:attrName>style.visibility</p:attrName>
-                                        </p:attrNameLst>
-                                      </p:cBhvr>
-                                      <p:to>
-                                        <p:strVal val="visible"/>
-                                      </p:to>
-                                    </p:set>
-                                    <p:animEffect transition="in" filter="dissolve">
-                                      <p:cBhvr>
-                                        <p:cTn id="7" dur="500"/>
-                                        <p:tgtEl>
-                                          <p:spTgt spid="6"/>
-                                        </p:tgtEl>
-                                      </p:cBhvr>
-                                    </p:animEffect>
-                                  </p:childTnLst>
-                                </p:cTn>
-                              </p:par>
-                            </p:childTnLst>
-                          </p:cTn>
-                        </p:par>
-                        <p:par>
-                          <p:cTn id="8" fill="hold">
-                            <p:stCondLst>
-                              <p:cond delay="500"/>
-                            </p:stCondLst>
-                            <p:childTnLst>
-                              <p:par>
-                                <p:cTn id="9" presetID="9" presetClass="entr" presetSubtype="0" fill="hold" grpId="0" nodeType="afterEffect">
-                                  <p:stCondLst>
-                                    <p:cond delay="0"/>
-                                  </p:stCondLst>
-                                  <p:childTnLst>
-                                    <p:set>
-                                      <p:cBhvr>
-                                        <p:cTn id="10" dur="1" fill="hold">
-                                          <p:stCondLst>
-                                            <p:cond delay="0"/>
-                                          </p:stCondLst>
-                                        </p:cTn>
-                                        <p:tgtEl>
-                                          <p:spTgt spid="7"/>
-                                        </p:tgtEl>
-                                        <p:attrNameLst>
-                                          <p:attrName>style.visibility</p:attrName>
-                                        </p:attrNameLst>
-                                      </p:cBhvr>
-                                      <p:to>
-                                        <p:strVal val="visible"/>
-                                      </p:to>
-                                    </p:set>
-                                    <p:animEffect transition="in" filter="dissolve">
-                                      <p:cBhvr>
-                                        <p:cTn id="11" dur="500"/>
-                                        <p:tgtEl>
-                                          <p:spTgt spid="7"/>
-                                        </p:tgtEl>
-                                      </p:cBhvr>
-                                    </p:animEffect>
-                                  </p:childTnLst>
-                                </p:cTn>
-                              </p:par>
-                            </p:childTnLst>
-                          </p:cTn>
-                        </p:par>
-                      </p:childTnLst>
-                    </p:cTn>
-                  </p:par>
-                </p:childTnLst>
-              </p:cTn>
-              <p:prevCondLst>
-                <p:cond evt="onPrev" delay="0">
-                  <p:tgtEl>
-                    <p:sldTgt/>
-                  </p:tgtEl>
-                </p:cond>
-              </p:prevCondLst>
-              <p:nextCondLst>
-                <p:cond evt="onNext" delay="0">
-                  <p:tgtEl>
-                    <p:sldTgt/>
-                  </p:tgtEl>
-                </p:cond>
-              </p:nextCondLst>
-            </p:seq>
-          </p:childTnLst>
-        </p:cTn>
-      </p:par>
-    </p:tnLst>
-    <p:bldLst>
-      <p:bldP spid="7" grpId="0" animBg="1"/>
-    </p:bldLst>
-  </p:timing>
-</p:sld>
-</file>
-
 <file path=ppt/slides/slide2.xml><?xml version="1.0" encoding="utf-8"?>
 <p:sld xmlns:a="http://schemas.openxmlformats.org/drawingml/2006/main" xmlns:r="http://schemas.openxmlformats.org/officeDocument/2006/relationships" xmlns:p="http://schemas.openxmlformats.org/presentationml/2006/main">
   <p:cSld>
@@ -8230,7 +4191,7 @@
           <a:graphicData uri="http://schemas.openxmlformats.org/presentationml/2006/ole">
             <mc:AlternateContent xmlns:mc="http://schemas.openxmlformats.org/markup-compatibility/2006">
               <mc:Choice xmlns:v="urn:schemas-microsoft-com:vml" Requires="v">
-                <p:oleObj spid="_x0000_s334953" name="Equation" r:id="rId4" imgW="457200" imgH="304800" progId="Equation.DSMT4">
+                <p:oleObj spid="_x0000_s334957" name="Equation" r:id="rId4" imgW="457200" imgH="304800" progId="Equation.DSMT4">
                   <p:embed/>
                 </p:oleObj>
               </mc:Choice>
@@ -8300,7 +4261,7 @@
           <a:graphicData uri="http://schemas.openxmlformats.org/presentationml/2006/ole">
             <mc:AlternateContent xmlns:mc="http://schemas.openxmlformats.org/markup-compatibility/2006">
               <mc:Choice xmlns:v="urn:schemas-microsoft-com:vml" Requires="v">
-                <p:oleObj spid="_x0000_s334954" name="Equation" r:id="rId6" imgW="457200" imgH="304800" progId="Equation.DSMT4">
+                <p:oleObj spid="_x0000_s334958" name="Equation" r:id="rId6" imgW="457200" imgH="304800" progId="Equation.DSMT4">
                   <p:embed/>
                 </p:oleObj>
               </mc:Choice>
@@ -8370,7 +4331,7 @@
           <a:graphicData uri="http://schemas.openxmlformats.org/presentationml/2006/ole">
             <mc:AlternateContent xmlns:mc="http://schemas.openxmlformats.org/markup-compatibility/2006">
               <mc:Choice xmlns:v="urn:schemas-microsoft-com:vml" Requires="v">
-                <p:oleObj spid="_x0000_s334955" name="Equation" r:id="rId8" imgW="444500" imgH="304800" progId="Equation.DSMT4">
+                <p:oleObj spid="_x0000_s334959" name="Equation" r:id="rId8" imgW="444500" imgH="304800" progId="Equation.DSMT4">
                   <p:embed/>
                 </p:oleObj>
               </mc:Choice>
@@ -11491,17 +7452,7 @@
                 <a:latin typeface="Comic Sans MS" pitchFamily="66" charset="0"/>
                 <a:sym typeface="Symbol" pitchFamily="18" charset="2"/>
               </a:rPr>
-              <a:t>A] </a:t>
-            </a:r>
-            <a:r>
-              <a:rPr lang="en-US" sz="6600" dirty="0" smtClean="0">
-                <a:solidFill>
-                  <a:srgbClr val="0000CC"/>
-                </a:solidFill>
-                <a:latin typeface="Comic Sans MS" pitchFamily="66" charset="0"/>
-                <a:sym typeface="Symbol" pitchFamily="18" charset="2"/>
-              </a:rPr>
-              <a:t>+</a:t>
+              <a:t>A] +</a:t>
             </a:r>
           </a:p>
           <a:p>
@@ -11583,17 +7534,7 @@
                 <a:latin typeface="Comic Sans MS" pitchFamily="66" charset="0"/>
                 <a:sym typeface="Symbol" pitchFamily="18" charset="2"/>
               </a:rPr>
-              <a:t>A] </a:t>
-            </a:r>
-            <a:r>
-              <a:rPr lang="en-US" sz="6600" dirty="0" smtClean="0">
-                <a:solidFill>
-                  <a:srgbClr val="0000CC"/>
-                </a:solidFill>
-                <a:latin typeface="Comic Sans MS" pitchFamily="66" charset="0"/>
-                <a:sym typeface="Symbol" pitchFamily="18" charset="2"/>
-              </a:rPr>
-              <a:t>+</a:t>
+              <a:t>A] +</a:t>
             </a:r>
           </a:p>
           <a:p>
@@ -11744,7 +7685,7 @@
           <a:graphicData uri="http://schemas.openxmlformats.org/presentationml/2006/ole">
             <mc:AlternateContent xmlns:mc="http://schemas.openxmlformats.org/markup-compatibility/2006">
               <mc:Choice xmlns:v="urn:schemas-microsoft-com:vml" Requires="v">
-                <p:oleObj spid="_x0000_s326706" name="Equation" r:id="rId4" imgW="2197100" imgH="292100" progId="Equation.DSMT4">
+                <p:oleObj spid="_x0000_s326708" name="Equation" r:id="rId4" imgW="2197100" imgH="292100" progId="Equation.DSMT4">
                   <p:embed/>
                 </p:oleObj>
               </mc:Choice>
@@ -12623,17 +8564,7 @@
                 <a:latin typeface="Comic Sans MS" pitchFamily="66" charset="0"/>
                 <a:sym typeface="Symbol" pitchFamily="18" charset="2"/>
               </a:rPr>
-              <a:t>] </a:t>
-            </a:r>
-            <a:r>
-              <a:rPr lang="en-US" sz="6600" dirty="0" smtClean="0">
-                <a:solidFill>
-                  <a:srgbClr val="0000CC"/>
-                </a:solidFill>
-                <a:latin typeface="Comic Sans MS" pitchFamily="66" charset="0"/>
-                <a:sym typeface="Symbol" pitchFamily="18" charset="2"/>
-              </a:rPr>
-              <a:t>		+ </a:t>
+              <a:t>] 		+ </a:t>
             </a:r>
             <a:r>
               <a:rPr lang="en-US" sz="6600" dirty="0" err="1" smtClean="0">
@@ -12750,13 +8681,6 @@
               </a:rPr>
               <a:t>]</a:t>
             </a:r>
-            <a:endParaRPr lang="en-US" sz="6600" dirty="0" smtClean="0">
-              <a:solidFill>
-                <a:srgbClr val="0000CC"/>
-              </a:solidFill>
-              <a:latin typeface="Comic Sans MS" pitchFamily="66" charset="0"/>
-              <a:sym typeface="Symbol" pitchFamily="18" charset="2"/>
-            </a:endParaRPr>
           </a:p>
           <a:p>
             <a:pPr algn="l"/>
@@ -12951,7 +8875,7 @@
           <a:graphicData uri="http://schemas.openxmlformats.org/presentationml/2006/ole">
             <mc:AlternateContent xmlns:mc="http://schemas.openxmlformats.org/markup-compatibility/2006">
               <mc:Choice xmlns:v="urn:schemas-microsoft-com:vml" Requires="v">
-                <p:oleObj spid="_x0000_s353311" name="Equation" r:id="rId4" imgW="2197100" imgH="292100" progId="Equation.DSMT4">
+                <p:oleObj spid="_x0000_s353313" name="Equation" r:id="rId4" imgW="2197100" imgH="292100" progId="Equation.DSMT4">
                   <p:embed/>
                 </p:oleObj>
               </mc:Choice>
@@ -13435,7 +9359,7 @@
           <a:graphicData uri="http://schemas.openxmlformats.org/presentationml/2006/ole">
             <mc:AlternateContent xmlns:mc="http://schemas.openxmlformats.org/markup-compatibility/2006">
               <mc:Choice xmlns:v="urn:schemas-microsoft-com:vml" Requires="v">
-                <p:oleObj spid="_x0000_s327766" name="Equation" r:id="rId4" imgW="1435100" imgH="381000" progId="Equation.DSMT4">
+                <p:oleObj spid="_x0000_s327769" name="Equation" r:id="rId4" imgW="1435100" imgH="381000" progId="Equation.DSMT4">
                   <p:embed/>
                 </p:oleObj>
               </mc:Choice>
@@ -13505,7 +9429,7 @@
           <a:graphicData uri="http://schemas.openxmlformats.org/presentationml/2006/ole">
             <mc:AlternateContent xmlns:mc="http://schemas.openxmlformats.org/markup-compatibility/2006">
               <mc:Choice xmlns:v="urn:schemas-microsoft-com:vml" Requires="v">
-                <p:oleObj spid="_x0000_s327767" name="Equation" r:id="rId6" imgW="1422400" imgH="381000" progId="Equation.DSMT4">
+                <p:oleObj spid="_x0000_s327770" name="Equation" r:id="rId6" imgW="1422400" imgH="381000" progId="Equation.DSMT4">
                   <p:embed/>
                 </p:oleObj>
               </mc:Choice>
@@ -13900,2018 +9824,6 @@
     </p:tnLst>
     <p:bldLst>
       <p:bldP spid="32775" grpId="0" animBg="1"/>
-    </p:bldLst>
-  </p:timing>
-</p:sld>
-</file>
-
-<file path=ppt/slides/slide7.xml><?xml version="1.0" encoding="utf-8"?>
-<p:sld xmlns:a="http://schemas.openxmlformats.org/drawingml/2006/main" xmlns:r="http://schemas.openxmlformats.org/officeDocument/2006/relationships" xmlns:p="http://schemas.openxmlformats.org/presentationml/2006/main">
-  <p:cSld>
-    <p:spTree>
-      <p:nvGrpSpPr>
-        <p:cNvPr id="1" name=""/>
-        <p:cNvGrpSpPr/>
-        <p:nvPr/>
-      </p:nvGrpSpPr>
-      <p:grpSpPr>
-        <a:xfrm>
-          <a:off x="0" y="0"/>
-          <a:ext cx="0" cy="0"/>
-          <a:chOff x="0" y="0"/>
-          <a:chExt cx="0" cy="0"/>
-        </a:xfrm>
-      </p:grpSpPr>
-      <p:sp>
-        <p:nvSpPr>
-          <p:cNvPr id="20" name="Slide Number Placeholder 3"/>
-          <p:cNvSpPr>
-            <a:spLocks noGrp="1"/>
-          </p:cNvSpPr>
-          <p:nvPr>
-            <p:ph type="sldNum" sz="quarter" idx="4"/>
-          </p:nvPr>
-        </p:nvSpPr>
-        <p:spPr>
-          <a:xfrm>
-            <a:off x="7696200" y="6629400"/>
-            <a:ext cx="1447800" cy="228600"/>
-          </a:xfrm>
-        </p:spPr>
-        <p:txBody>
-          <a:bodyPr/>
-          <a:lstStyle/>
-          <a:p>
-            <a:pPr>
-              <a:defRPr/>
-            </a:pPr>
-            <a:r>
-              <a:rPr lang="en-US" dirty="0" err="1" smtClean="0"/>
-              <a:t>totalprob</a:t>
-            </a:r>
-            <a:r>
-              <a:rPr lang="en-US" dirty="0" smtClean="0"/>
-              <a:t>.</a:t>
-            </a:r>
-            <a:fld id="{EAD82470-6C7C-49DD-8212-C557C8A87E2B}" type="slidenum">
-              <a:rPr lang="en-US" smtClean="0"/>
-              <a:pPr>
-                <a:defRPr/>
-              </a:pPr>
-              <a:t>7</a:t>
-            </a:fld>
-            <a:endParaRPr lang="en-US" dirty="0"/>
-          </a:p>
-        </p:txBody>
-      </p:sp>
-      <p:sp>
-        <p:nvSpPr>
-          <p:cNvPr id="30726" name="Rectangle 4"/>
-          <p:cNvSpPr>
-            <a:spLocks noGrp="1" noChangeArrowheads="1"/>
-          </p:cNvSpPr>
-          <p:nvPr>
-            <p:ph type="title"/>
-          </p:nvPr>
-        </p:nvSpPr>
-        <p:spPr>
-          <a:noFill/>
-        </p:spPr>
-        <p:txBody>
-          <a:bodyPr/>
-          <a:lstStyle/>
-          <a:p>
-            <a:pPr eaLnBrk="1" hangingPunct="1"/>
-            <a:r>
-              <a:rPr lang="en-US" sz="4000" dirty="0" smtClean="0">
-                <a:solidFill>
-                  <a:schemeClr val="tx1"/>
-                </a:solidFill>
-              </a:rPr>
-              <a:t>TB testing by cases</a:t>
-            </a:r>
-          </a:p>
-        </p:txBody>
-      </p:sp>
-      <p:cxnSp>
-        <p:nvCxnSpPr>
-          <p:cNvPr id="30727" name="AutoShape 21"/>
-          <p:cNvCxnSpPr>
-            <a:cxnSpLocks noChangeShapeType="1"/>
-          </p:cNvCxnSpPr>
-          <p:nvPr/>
-        </p:nvCxnSpPr>
-        <p:spPr bwMode="auto">
-          <a:xfrm>
-            <a:off x="1219200" y="3543300"/>
-            <a:ext cx="0" cy="0"/>
-          </a:xfrm>
-          <a:prstGeom prst="straightConnector1">
-            <a:avLst/>
-          </a:prstGeom>
-          <a:noFill/>
-          <a:ln w="9525">
-            <a:solidFill>
-              <a:schemeClr val="tx1"/>
-            </a:solidFill>
-            <a:round/>
-            <a:headEnd/>
-            <a:tailEnd/>
-          </a:ln>
-        </p:spPr>
-      </p:cxnSp>
-      <p:sp>
-        <p:nvSpPr>
-          <p:cNvPr id="39" name="Rectangle 4"/>
-          <p:cNvSpPr txBox="1">
-            <a:spLocks noChangeArrowheads="1"/>
-          </p:cNvSpPr>
-          <p:nvPr/>
-        </p:nvSpPr>
-        <p:spPr bwMode="auto">
-          <a:xfrm>
-            <a:off x="7696200" y="6629400"/>
-            <a:ext cx="1447800" cy="228600"/>
-          </a:xfrm>
-          <a:prstGeom prst="rect">
-            <a:avLst/>
-          </a:prstGeom>
-          <a:noFill/>
-          <a:ln w="9525">
-            <a:noFill/>
-            <a:miter lim="800000"/>
-            <a:headEnd/>
-            <a:tailEnd/>
-          </a:ln>
-          <a:effectLst/>
-        </p:spPr>
-        <p:txBody>
-          <a:bodyPr vert="horz" wrap="square" lIns="91440" tIns="45720" rIns="91440" bIns="45720" numCol="1" anchor="t" anchorCtr="0" compatLnSpc="1">
-            <a:prstTxWarp prst="textNoShape">
-              <a:avLst/>
-            </a:prstTxWarp>
-          </a:bodyPr>
-          <a:lstStyle>
-            <a:lvl1pPr algn="r">
-              <a:defRPr sz="1200" dirty="0" err="1" smtClean="0">
-                <a:latin typeface="+mn-lt"/>
-              </a:defRPr>
-            </a:lvl1pPr>
-          </a:lstStyle>
-          <a:p>
-            <a:pPr marL="0" marR="0" lvl="0" indent="0" algn="r" defTabSz="914400" rtl="0" eaLnBrk="1" fontAlgn="base" latinLnBrk="0" hangingPunct="1">
-              <a:lnSpc>
-                <a:spcPct val="100000"/>
-              </a:lnSpc>
-              <a:spcBef>
-                <a:spcPct val="0"/>
-              </a:spcBef>
-              <a:spcAft>
-                <a:spcPct val="0"/>
-              </a:spcAft>
-              <a:buClrTx/>
-              <a:buSzTx/>
-              <a:buFontTx/>
-              <a:buNone/>
-              <a:tabLst/>
-              <a:defRPr/>
-            </a:pPr>
-            <a:r>
-              <a:rPr kumimoji="0" lang="en-US" sz="1200" b="0" i="0" u="none" strike="noStrike" kern="1200" cap="none" spc="0" normalizeH="0" baseline="0" noProof="0" dirty="0" err="1" smtClean="0">
-                <a:ln>
-                  <a:noFill/>
-                </a:ln>
-                <a:solidFill>
-                  <a:schemeClr val="tx1"/>
-                </a:solidFill>
-                <a:effectLst/>
-                <a:uLnTx/>
-                <a:uFillTx/>
-                <a:latin typeface="+mn-lt"/>
-                <a:ea typeface="+mn-ea"/>
-                <a:cs typeface="+mn-cs"/>
-              </a:rPr>
-              <a:t>totalprob</a:t>
-            </a:r>
-            <a:r>
-              <a:rPr kumimoji="0" lang="en-US" sz="1200" b="0" i="0" u="none" strike="noStrike" kern="1200" cap="none" spc="0" normalizeH="0" baseline="0" noProof="0" dirty="0" smtClean="0">
-                <a:ln>
-                  <a:noFill/>
-                </a:ln>
-                <a:solidFill>
-                  <a:schemeClr val="tx1"/>
-                </a:solidFill>
-                <a:effectLst/>
-                <a:uLnTx/>
-                <a:uFillTx/>
-                <a:latin typeface="+mn-lt"/>
-                <a:ea typeface="+mn-ea"/>
-                <a:cs typeface="+mn-cs"/>
-              </a:rPr>
-              <a:t>.</a:t>
-            </a:r>
-            <a:fld id="{B9A0B45D-6AFD-413C-B761-B121FB8BE940}" type="slidenum">
-              <a:rPr kumimoji="0" lang="en-US" sz="1200" b="0" i="0" u="none" strike="noStrike" kern="1200" cap="none" spc="0" normalizeH="0" baseline="0" noProof="0" smtClean="0">
-                <a:ln>
-                  <a:noFill/>
-                </a:ln>
-                <a:solidFill>
-                  <a:schemeClr val="tx1"/>
-                </a:solidFill>
-                <a:effectLst/>
-                <a:uLnTx/>
-                <a:uFillTx/>
-                <a:latin typeface="+mn-lt"/>
-                <a:ea typeface="+mn-ea"/>
-                <a:cs typeface="+mn-cs"/>
-              </a:rPr>
-              <a:pPr marL="0" marR="0" lvl="0" indent="0" algn="r" defTabSz="914400" rtl="0" eaLnBrk="1" fontAlgn="base" latinLnBrk="0" hangingPunct="1">
-                <a:lnSpc>
-                  <a:spcPct val="100000"/>
-                </a:lnSpc>
-                <a:spcBef>
-                  <a:spcPct val="0"/>
-                </a:spcBef>
-                <a:spcAft>
-                  <a:spcPct val="0"/>
-                </a:spcAft>
-                <a:buClrTx/>
-                <a:buSzTx/>
-                <a:buFontTx/>
-                <a:buNone/>
-                <a:tabLst/>
-                <a:defRPr/>
-              </a:pPr>
-              <a:t>7</a:t>
-            </a:fld>
-            <a:endParaRPr kumimoji="0" lang="en-US" sz="1200" b="0" i="0" u="none" strike="noStrike" kern="1200" cap="none" spc="0" normalizeH="0" baseline="0" noProof="0" dirty="0">
-              <a:ln>
-                <a:noFill/>
-              </a:ln>
-              <a:solidFill>
-                <a:schemeClr val="tx1"/>
-              </a:solidFill>
-              <a:effectLst/>
-              <a:uLnTx/>
-              <a:uFillTx/>
-              <a:latin typeface="+mn-lt"/>
-              <a:ea typeface="+mn-ea"/>
-              <a:cs typeface="+mn-cs"/>
-            </a:endParaRPr>
-          </a:p>
-        </p:txBody>
-      </p:sp>
-      <p:graphicFrame>
-        <p:nvGraphicFramePr>
-          <p:cNvPr id="3" name="Object 2"/>
-          <p:cNvGraphicFramePr>
-            <a:graphicFrameLocks noChangeAspect="1"/>
-          </p:cNvGraphicFramePr>
-          <p:nvPr>
-            <p:extLst>
-              <p:ext uri="{D42A27DB-BD31-4B8C-83A1-F6EECF244321}">
-                <p14:modId xmlns:p14="http://schemas.microsoft.com/office/powerpoint/2010/main" val="3936592376"/>
-              </p:ext>
-            </p:extLst>
-          </p:nvPr>
-        </p:nvGraphicFramePr>
-        <p:xfrm>
-          <a:off x="498475" y="1257300"/>
-          <a:ext cx="6597650" cy="927100"/>
-        </p:xfrm>
-        <a:graphic>
-          <a:graphicData uri="http://schemas.openxmlformats.org/presentationml/2006/ole">
-            <mc:AlternateContent xmlns:mc="http://schemas.openxmlformats.org/markup-compatibility/2006">
-              <mc:Choice xmlns:v="urn:schemas-microsoft-com:vml" Requires="v">
-                <p:oleObj spid="_x0000_s1091" name="Equation" r:id="rId4" imgW="1714500" imgH="241300" progId="Equation.DSMT4">
-                  <p:embed/>
-                </p:oleObj>
-              </mc:Choice>
-              <mc:Fallback>
-                <p:oleObj name="Equation" r:id="rId4" imgW="1714500" imgH="241300" progId="Equation.DSMT4">
-                  <p:embed/>
-                  <p:pic>
-                    <p:nvPicPr>
-                      <p:cNvPr id="0" name=""/>
-                      <p:cNvPicPr/>
-                      <p:nvPr/>
-                    </p:nvPicPr>
-                    <p:blipFill>
-                      <a:blip r:embed="rId5"/>
-                      <a:stretch>
-                        <a:fillRect/>
-                      </a:stretch>
-                    </p:blipFill>
-                    <p:spPr>
-                      <a:xfrm>
-                        <a:off x="498475" y="1257300"/>
-                        <a:ext cx="6597650" cy="927100"/>
-                      </a:xfrm>
-                      <a:prstGeom prst="rect">
-                        <a:avLst/>
-                      </a:prstGeom>
-                    </p:spPr>
-                  </p:pic>
-                </p:oleObj>
-              </mc:Fallback>
-            </mc:AlternateContent>
-          </a:graphicData>
-        </a:graphic>
-      </p:graphicFrame>
-      <p:graphicFrame>
-        <p:nvGraphicFramePr>
-          <p:cNvPr id="9" name="Object 8"/>
-          <p:cNvGraphicFramePr>
-            <a:graphicFrameLocks noChangeAspect="1"/>
-          </p:cNvGraphicFramePr>
-          <p:nvPr>
-            <p:extLst>
-              <p:ext uri="{D42A27DB-BD31-4B8C-83A1-F6EECF244321}">
-                <p14:modId xmlns:p14="http://schemas.microsoft.com/office/powerpoint/2010/main" val="4059161956"/>
-              </p:ext>
-            </p:extLst>
-          </p:nvPr>
-        </p:nvGraphicFramePr>
-        <p:xfrm>
-          <a:off x="257175" y="2223840"/>
-          <a:ext cx="8601075" cy="1804988"/>
-        </p:xfrm>
-        <a:graphic>
-          <a:graphicData uri="http://schemas.openxmlformats.org/presentationml/2006/ole">
-            <mc:AlternateContent xmlns:mc="http://schemas.openxmlformats.org/markup-compatibility/2006">
-              <mc:Choice xmlns:v="urn:schemas-microsoft-com:vml" Requires="v">
-                <p:oleObj spid="_x0000_s1092" name="Equation" r:id="rId6" imgW="2235200" imgH="469900" progId="Equation.DSMT4">
-                  <p:embed/>
-                </p:oleObj>
-              </mc:Choice>
-              <mc:Fallback>
-                <p:oleObj name="Equation" r:id="rId6" imgW="2235200" imgH="469900" progId="Equation.DSMT4">
-                  <p:embed/>
-                  <p:pic>
-                    <p:nvPicPr>
-                      <p:cNvPr id="0" name=""/>
-                      <p:cNvPicPr/>
-                      <p:nvPr/>
-                    </p:nvPicPr>
-                    <p:blipFill>
-                      <a:blip r:embed="rId7"/>
-                      <a:stretch>
-                        <a:fillRect/>
-                      </a:stretch>
-                    </p:blipFill>
-                    <p:spPr>
-                      <a:xfrm>
-                        <a:off x="257175" y="2223840"/>
-                        <a:ext cx="8601075" cy="1804988"/>
-                      </a:xfrm>
-                      <a:prstGeom prst="rect">
-                        <a:avLst/>
-                      </a:prstGeom>
-                    </p:spPr>
-                  </p:pic>
-                </p:oleObj>
-              </mc:Fallback>
-            </mc:AlternateContent>
-          </a:graphicData>
-        </a:graphic>
-      </p:graphicFrame>
-      <p:graphicFrame>
-        <p:nvGraphicFramePr>
-          <p:cNvPr id="10" name="Object 9"/>
-          <p:cNvGraphicFramePr>
-            <a:graphicFrameLocks noChangeAspect="1"/>
-          </p:cNvGraphicFramePr>
-          <p:nvPr>
-            <p:extLst>
-              <p:ext uri="{D42A27DB-BD31-4B8C-83A1-F6EECF244321}">
-                <p14:modId xmlns:p14="http://schemas.microsoft.com/office/powerpoint/2010/main" val="2160021422"/>
-              </p:ext>
-            </p:extLst>
-          </p:nvPr>
-        </p:nvGraphicFramePr>
-        <p:xfrm>
-          <a:off x="2262188" y="3365499"/>
-          <a:ext cx="4591050" cy="1900238"/>
-        </p:xfrm>
-        <a:graphic>
-          <a:graphicData uri="http://schemas.openxmlformats.org/presentationml/2006/ole">
-            <mc:AlternateContent xmlns:mc="http://schemas.openxmlformats.org/markup-compatibility/2006">
-              <mc:Choice xmlns:v="urn:schemas-microsoft-com:vml" Requires="v">
-                <p:oleObj spid="_x0000_s1093" name="Equation" r:id="rId8" imgW="1193800" imgH="495300" progId="Equation.DSMT4">
-                  <p:embed/>
-                </p:oleObj>
-              </mc:Choice>
-              <mc:Fallback>
-                <p:oleObj name="Equation" r:id="rId8" imgW="1193800" imgH="495300" progId="Equation.DSMT4">
-                  <p:embed/>
-                  <p:pic>
-                    <p:nvPicPr>
-                      <p:cNvPr id="0" name=""/>
-                      <p:cNvPicPr/>
-                      <p:nvPr/>
-                    </p:nvPicPr>
-                    <p:blipFill>
-                      <a:blip r:embed="rId9"/>
-                      <a:stretch>
-                        <a:fillRect/>
-                      </a:stretch>
-                    </p:blipFill>
-                    <p:spPr>
-                      <a:xfrm>
-                        <a:off x="2262188" y="3365499"/>
-                        <a:ext cx="4591050" cy="1900238"/>
-                      </a:xfrm>
-                      <a:prstGeom prst="rect">
-                        <a:avLst/>
-                      </a:prstGeom>
-                    </p:spPr>
-                  </p:pic>
-                </p:oleObj>
-              </mc:Fallback>
-            </mc:AlternateContent>
-          </a:graphicData>
-        </a:graphic>
-      </p:graphicFrame>
-    </p:spTree>
-    <p:extLst>
-      <p:ext uri="{BB962C8B-B14F-4D97-AF65-F5344CB8AC3E}">
-        <p14:creationId xmlns:p14="http://schemas.microsoft.com/office/powerpoint/2010/main" val="3452217804"/>
-      </p:ext>
-    </p:extLst>
-  </p:cSld>
-  <p:clrMapOvr>
-    <a:masterClrMapping/>
-  </p:clrMapOvr>
-  <mc:AlternateContent xmlns:mc="http://schemas.openxmlformats.org/markup-compatibility/2006" xmlns:p14="http://schemas.microsoft.com/office/powerpoint/2010/main">
-    <mc:Choice Requires="p14">
-      <p:transition spd="slow" p14:dur="1100" advClick="0">
-        <p:fade thruBlk="1"/>
-      </p:transition>
-    </mc:Choice>
-    <mc:Fallback xmlns="">
-      <p:transition xmlns:p14="http://schemas.microsoft.com/office/powerpoint/2010/main" spd="slow" advClick="0">
-        <p:fade thruBlk="1"/>
-      </p:transition>
-    </mc:Fallback>
-  </mc:AlternateContent>
-  <p:timing>
-    <p:tnLst>
-      <p:par>
-        <p:cTn xmlns:p14="http://schemas.microsoft.com/office/powerpoint/2010/main" id="1" dur="indefinite" restart="never" nodeType="tmRoot">
-          <p:childTnLst>
-            <p:seq concurrent="1" nextAc="seek">
-              <p:cTn id="2" dur="indefinite" nodeType="mainSeq">
-                <p:childTnLst>
-                  <p:par>
-                    <p:cTn id="3" fill="hold">
-                      <p:stCondLst>
-                        <p:cond delay="indefinite"/>
-                      </p:stCondLst>
-                      <p:childTnLst>
-                        <p:par>
-                          <p:cTn id="4" fill="hold">
-                            <p:stCondLst>
-                              <p:cond delay="0"/>
-                            </p:stCondLst>
-                            <p:childTnLst>
-                              <p:par>
-                                <p:cTn id="5" presetID="22" presetClass="entr" presetSubtype="8" fill="hold" nodeType="clickEffect">
-                                  <p:stCondLst>
-                                    <p:cond delay="0"/>
-                                  </p:stCondLst>
-                                  <p:childTnLst>
-                                    <p:set>
-                                      <p:cBhvr>
-                                        <p:cTn id="6" dur="1" fill="hold">
-                                          <p:stCondLst>
-                                            <p:cond delay="0"/>
-                                          </p:stCondLst>
-                                        </p:cTn>
-                                        <p:tgtEl>
-                                          <p:spTgt spid="3"/>
-                                        </p:tgtEl>
-                                        <p:attrNameLst>
-                                          <p:attrName>style.visibility</p:attrName>
-                                        </p:attrNameLst>
-                                      </p:cBhvr>
-                                      <p:to>
-                                        <p:strVal val="visible"/>
-                                      </p:to>
-                                    </p:set>
-                                    <p:animEffect transition="in" filter="wipe(left)">
-                                      <p:cBhvr>
-                                        <p:cTn id="7" dur="1000"/>
-                                        <p:tgtEl>
-                                          <p:spTgt spid="3"/>
-                                        </p:tgtEl>
-                                      </p:cBhvr>
-                                    </p:animEffect>
-                                  </p:childTnLst>
-                                </p:cTn>
-                              </p:par>
-                            </p:childTnLst>
-                          </p:cTn>
-                        </p:par>
-                      </p:childTnLst>
-                    </p:cTn>
-                  </p:par>
-                  <p:par>
-                    <p:cTn id="8" fill="hold">
-                      <p:stCondLst>
-                        <p:cond delay="indefinite"/>
-                      </p:stCondLst>
-                      <p:childTnLst>
-                        <p:par>
-                          <p:cTn id="9" fill="hold">
-                            <p:stCondLst>
-                              <p:cond delay="0"/>
-                            </p:stCondLst>
-                            <p:childTnLst>
-                              <p:par>
-                                <p:cTn id="10" presetID="22" presetClass="entr" presetSubtype="8" fill="hold" nodeType="clickEffect">
-                                  <p:stCondLst>
-                                    <p:cond delay="0"/>
-                                  </p:stCondLst>
-                                  <p:childTnLst>
-                                    <p:set>
-                                      <p:cBhvr>
-                                        <p:cTn id="11" dur="1" fill="hold">
-                                          <p:stCondLst>
-                                            <p:cond delay="0"/>
-                                          </p:stCondLst>
-                                        </p:cTn>
-                                        <p:tgtEl>
-                                          <p:spTgt spid="9"/>
-                                        </p:tgtEl>
-                                        <p:attrNameLst>
-                                          <p:attrName>style.visibility</p:attrName>
-                                        </p:attrNameLst>
-                                      </p:cBhvr>
-                                      <p:to>
-                                        <p:strVal val="visible"/>
-                                      </p:to>
-                                    </p:set>
-                                    <p:animEffect transition="in" filter="wipe(left)">
-                                      <p:cBhvr>
-                                        <p:cTn id="12" dur="1000"/>
-                                        <p:tgtEl>
-                                          <p:spTgt spid="9"/>
-                                        </p:tgtEl>
-                                      </p:cBhvr>
-                                    </p:animEffect>
-                                  </p:childTnLst>
-                                </p:cTn>
-                              </p:par>
-                            </p:childTnLst>
-                          </p:cTn>
-                        </p:par>
-                      </p:childTnLst>
-                    </p:cTn>
-                  </p:par>
-                  <p:par>
-                    <p:cTn id="13" fill="hold">
-                      <p:stCondLst>
-                        <p:cond delay="indefinite"/>
-                      </p:stCondLst>
-                      <p:childTnLst>
-                        <p:par>
-                          <p:cTn id="14" fill="hold">
-                            <p:stCondLst>
-                              <p:cond delay="0"/>
-                            </p:stCondLst>
-                            <p:childTnLst>
-                              <p:par>
-                                <p:cTn id="15" presetID="22" presetClass="entr" presetSubtype="8" fill="hold" nodeType="clickEffect">
-                                  <p:stCondLst>
-                                    <p:cond delay="0"/>
-                                  </p:stCondLst>
-                                  <p:childTnLst>
-                                    <p:set>
-                                      <p:cBhvr>
-                                        <p:cTn id="16" dur="1" fill="hold">
-                                          <p:stCondLst>
-                                            <p:cond delay="0"/>
-                                          </p:stCondLst>
-                                        </p:cTn>
-                                        <p:tgtEl>
-                                          <p:spTgt spid="10"/>
-                                        </p:tgtEl>
-                                        <p:attrNameLst>
-                                          <p:attrName>style.visibility</p:attrName>
-                                        </p:attrNameLst>
-                                      </p:cBhvr>
-                                      <p:to>
-                                        <p:strVal val="visible"/>
-                                      </p:to>
-                                    </p:set>
-                                    <p:animEffect transition="in" filter="wipe(left)">
-                                      <p:cBhvr>
-                                        <p:cTn id="17" dur="1000"/>
-                                        <p:tgtEl>
-                                          <p:spTgt spid="10"/>
-                                        </p:tgtEl>
-                                      </p:cBhvr>
-                                    </p:animEffect>
-                                  </p:childTnLst>
-                                </p:cTn>
-                              </p:par>
-                            </p:childTnLst>
-                          </p:cTn>
-                        </p:par>
-                      </p:childTnLst>
-                    </p:cTn>
-                  </p:par>
-                </p:childTnLst>
-              </p:cTn>
-              <p:prevCondLst>
-                <p:cond evt="onPrev" delay="0">
-                  <p:tgtEl>
-                    <p:sldTgt/>
-                  </p:tgtEl>
-                </p:cond>
-              </p:prevCondLst>
-              <p:nextCondLst>
-                <p:cond evt="onNext" delay="0">
-                  <p:tgtEl>
-                    <p:sldTgt/>
-                  </p:tgtEl>
-                </p:cond>
-              </p:nextCondLst>
-            </p:seq>
-          </p:childTnLst>
-        </p:cTn>
-      </p:par>
-    </p:tnLst>
-  </p:timing>
-</p:sld>
-</file>
-
-<file path=ppt/slides/slide8.xml><?xml version="1.0" encoding="utf-8"?>
-<p:sld xmlns:a="http://schemas.openxmlformats.org/drawingml/2006/main" xmlns:r="http://schemas.openxmlformats.org/officeDocument/2006/relationships" xmlns:p="http://schemas.openxmlformats.org/presentationml/2006/main">
-  <p:cSld>
-    <p:spTree>
-      <p:nvGrpSpPr>
-        <p:cNvPr id="1" name=""/>
-        <p:cNvGrpSpPr/>
-        <p:nvPr/>
-      </p:nvGrpSpPr>
-      <p:grpSpPr>
-        <a:xfrm>
-          <a:off x="0" y="0"/>
-          <a:ext cx="0" cy="0"/>
-          <a:chOff x="0" y="0"/>
-          <a:chExt cx="0" cy="0"/>
-        </a:xfrm>
-      </p:grpSpPr>
-      <p:sp>
-        <p:nvSpPr>
-          <p:cNvPr id="20" name="Slide Number Placeholder 3"/>
-          <p:cNvSpPr>
-            <a:spLocks noGrp="1"/>
-          </p:cNvSpPr>
-          <p:nvPr>
-            <p:ph type="sldNum" sz="quarter" idx="4"/>
-          </p:nvPr>
-        </p:nvSpPr>
-        <p:spPr>
-          <a:xfrm>
-            <a:off x="7696200" y="6629400"/>
-            <a:ext cx="1447800" cy="228600"/>
-          </a:xfrm>
-        </p:spPr>
-        <p:txBody>
-          <a:bodyPr/>
-          <a:lstStyle/>
-          <a:p>
-            <a:pPr>
-              <a:defRPr/>
-            </a:pPr>
-            <a:r>
-              <a:rPr lang="en-US" dirty="0" err="1" smtClean="0"/>
-              <a:t>totalprob</a:t>
-            </a:r>
-            <a:r>
-              <a:rPr lang="en-US" dirty="0" smtClean="0"/>
-              <a:t>.</a:t>
-            </a:r>
-            <a:fld id="{EAD82470-6C7C-49DD-8212-C557C8A87E2B}" type="slidenum">
-              <a:rPr lang="en-US" smtClean="0"/>
-              <a:pPr>
-                <a:defRPr/>
-              </a:pPr>
-              <a:t>8</a:t>
-            </a:fld>
-            <a:endParaRPr lang="en-US" dirty="0"/>
-          </a:p>
-        </p:txBody>
-      </p:sp>
-      <p:sp>
-        <p:nvSpPr>
-          <p:cNvPr id="30726" name="Rectangle 4"/>
-          <p:cNvSpPr>
-            <a:spLocks noGrp="1" noChangeArrowheads="1"/>
-          </p:cNvSpPr>
-          <p:nvPr>
-            <p:ph type="title"/>
-          </p:nvPr>
-        </p:nvSpPr>
-        <p:spPr>
-          <a:noFill/>
-        </p:spPr>
-        <p:txBody>
-          <a:bodyPr/>
-          <a:lstStyle/>
-          <a:p>
-            <a:pPr eaLnBrk="1" hangingPunct="1"/>
-            <a:r>
-              <a:rPr lang="en-US" sz="4000" dirty="0" smtClean="0">
-                <a:solidFill>
-                  <a:schemeClr val="tx1"/>
-                </a:solidFill>
-              </a:rPr>
-              <a:t>TB testing by cases</a:t>
-            </a:r>
-          </a:p>
-        </p:txBody>
-      </p:sp>
-      <p:cxnSp>
-        <p:nvCxnSpPr>
-          <p:cNvPr id="30727" name="AutoShape 21"/>
-          <p:cNvCxnSpPr>
-            <a:cxnSpLocks noChangeShapeType="1"/>
-          </p:cNvCxnSpPr>
-          <p:nvPr/>
-        </p:nvCxnSpPr>
-        <p:spPr bwMode="auto">
-          <a:xfrm>
-            <a:off x="1219200" y="3543300"/>
-            <a:ext cx="0" cy="0"/>
-          </a:xfrm>
-          <a:prstGeom prst="straightConnector1">
-            <a:avLst/>
-          </a:prstGeom>
-          <a:noFill/>
-          <a:ln w="9525">
-            <a:solidFill>
-              <a:schemeClr val="tx1"/>
-            </a:solidFill>
-            <a:round/>
-            <a:headEnd/>
-            <a:tailEnd/>
-          </a:ln>
-        </p:spPr>
-      </p:cxnSp>
-      <p:sp>
-        <p:nvSpPr>
-          <p:cNvPr id="39" name="Rectangle 4"/>
-          <p:cNvSpPr txBox="1">
-            <a:spLocks noChangeArrowheads="1"/>
-          </p:cNvSpPr>
-          <p:nvPr/>
-        </p:nvSpPr>
-        <p:spPr bwMode="auto">
-          <a:xfrm>
-            <a:off x="7696200" y="6629400"/>
-            <a:ext cx="1447800" cy="228600"/>
-          </a:xfrm>
-          <a:prstGeom prst="rect">
-            <a:avLst/>
-          </a:prstGeom>
-          <a:noFill/>
-          <a:ln w="9525">
-            <a:noFill/>
-            <a:miter lim="800000"/>
-            <a:headEnd/>
-            <a:tailEnd/>
-          </a:ln>
-          <a:effectLst/>
-        </p:spPr>
-        <p:txBody>
-          <a:bodyPr vert="horz" wrap="square" lIns="91440" tIns="45720" rIns="91440" bIns="45720" numCol="1" anchor="t" anchorCtr="0" compatLnSpc="1">
-            <a:prstTxWarp prst="textNoShape">
-              <a:avLst/>
-            </a:prstTxWarp>
-          </a:bodyPr>
-          <a:lstStyle>
-            <a:lvl1pPr algn="r">
-              <a:defRPr sz="1200" dirty="0" err="1" smtClean="0">
-                <a:latin typeface="+mn-lt"/>
-              </a:defRPr>
-            </a:lvl1pPr>
-          </a:lstStyle>
-          <a:p>
-            <a:pPr marL="0" marR="0" lvl="0" indent="0" algn="r" defTabSz="914400" rtl="0" eaLnBrk="1" fontAlgn="base" latinLnBrk="0" hangingPunct="1">
-              <a:lnSpc>
-                <a:spcPct val="100000"/>
-              </a:lnSpc>
-              <a:spcBef>
-                <a:spcPct val="0"/>
-              </a:spcBef>
-              <a:spcAft>
-                <a:spcPct val="0"/>
-              </a:spcAft>
-              <a:buClrTx/>
-              <a:buSzTx/>
-              <a:buFontTx/>
-              <a:buNone/>
-              <a:tabLst/>
-              <a:defRPr/>
-            </a:pPr>
-            <a:r>
-              <a:rPr kumimoji="0" lang="en-US" sz="1200" b="0" i="0" u="none" strike="noStrike" kern="1200" cap="none" spc="0" normalizeH="0" baseline="0" noProof="0" dirty="0" err="1" smtClean="0">
-                <a:ln>
-                  <a:noFill/>
-                </a:ln>
-                <a:solidFill>
-                  <a:schemeClr val="tx1"/>
-                </a:solidFill>
-                <a:effectLst/>
-                <a:uLnTx/>
-                <a:uFillTx/>
-                <a:latin typeface="+mn-lt"/>
-                <a:ea typeface="+mn-ea"/>
-                <a:cs typeface="+mn-cs"/>
-              </a:rPr>
-              <a:t>totalprob</a:t>
-            </a:r>
-            <a:r>
-              <a:rPr kumimoji="0" lang="en-US" sz="1200" b="0" i="0" u="none" strike="noStrike" kern="1200" cap="none" spc="0" normalizeH="0" baseline="0" noProof="0" dirty="0" smtClean="0">
-                <a:ln>
-                  <a:noFill/>
-                </a:ln>
-                <a:solidFill>
-                  <a:schemeClr val="tx1"/>
-                </a:solidFill>
-                <a:effectLst/>
-                <a:uLnTx/>
-                <a:uFillTx/>
-                <a:latin typeface="+mn-lt"/>
-                <a:ea typeface="+mn-ea"/>
-                <a:cs typeface="+mn-cs"/>
-              </a:rPr>
-              <a:t>.</a:t>
-            </a:r>
-            <a:fld id="{B9A0B45D-6AFD-413C-B761-B121FB8BE940}" type="slidenum">
-              <a:rPr kumimoji="0" lang="en-US" sz="1200" b="0" i="0" u="none" strike="noStrike" kern="1200" cap="none" spc="0" normalizeH="0" baseline="0" noProof="0" smtClean="0">
-                <a:ln>
-                  <a:noFill/>
-                </a:ln>
-                <a:solidFill>
-                  <a:schemeClr val="tx1"/>
-                </a:solidFill>
-                <a:effectLst/>
-                <a:uLnTx/>
-                <a:uFillTx/>
-                <a:latin typeface="+mn-lt"/>
-                <a:ea typeface="+mn-ea"/>
-                <a:cs typeface="+mn-cs"/>
-              </a:rPr>
-              <a:pPr marL="0" marR="0" lvl="0" indent="0" algn="r" defTabSz="914400" rtl="0" eaLnBrk="1" fontAlgn="base" latinLnBrk="0" hangingPunct="1">
-                <a:lnSpc>
-                  <a:spcPct val="100000"/>
-                </a:lnSpc>
-                <a:spcBef>
-                  <a:spcPct val="0"/>
-                </a:spcBef>
-                <a:spcAft>
-                  <a:spcPct val="0"/>
-                </a:spcAft>
-                <a:buClrTx/>
-                <a:buSzTx/>
-                <a:buFontTx/>
-                <a:buNone/>
-                <a:tabLst/>
-                <a:defRPr/>
-              </a:pPr>
-              <a:t>8</a:t>
-            </a:fld>
-            <a:endParaRPr kumimoji="0" lang="en-US" sz="1200" b="0" i="0" u="none" strike="noStrike" kern="1200" cap="none" spc="0" normalizeH="0" baseline="0" noProof="0" dirty="0">
-              <a:ln>
-                <a:noFill/>
-              </a:ln>
-              <a:solidFill>
-                <a:schemeClr val="tx1"/>
-              </a:solidFill>
-              <a:effectLst/>
-              <a:uLnTx/>
-              <a:uFillTx/>
-              <a:latin typeface="+mn-lt"/>
-              <a:ea typeface="+mn-ea"/>
-              <a:cs typeface="+mn-cs"/>
-            </a:endParaRPr>
-          </a:p>
-        </p:txBody>
-      </p:sp>
-      <p:graphicFrame>
-        <p:nvGraphicFramePr>
-          <p:cNvPr id="9" name="Object 8"/>
-          <p:cNvGraphicFramePr>
-            <a:graphicFrameLocks noChangeAspect="1"/>
-          </p:cNvGraphicFramePr>
-          <p:nvPr>
-            <p:extLst>
-              <p:ext uri="{D42A27DB-BD31-4B8C-83A1-F6EECF244321}">
-                <p14:modId xmlns:p14="http://schemas.microsoft.com/office/powerpoint/2010/main" val="4248800829"/>
-              </p:ext>
-            </p:extLst>
-          </p:nvPr>
-        </p:nvGraphicFramePr>
-        <p:xfrm>
-          <a:off x="257175" y="2223840"/>
-          <a:ext cx="8601075" cy="1804988"/>
-        </p:xfrm>
-        <a:graphic>
-          <a:graphicData uri="http://schemas.openxmlformats.org/presentationml/2006/ole">
-            <mc:AlternateContent xmlns:mc="http://schemas.openxmlformats.org/markup-compatibility/2006">
-              <mc:Choice xmlns:v="urn:schemas-microsoft-com:vml" Requires="v">
-                <p:oleObj spid="_x0000_s357405" name="Equation" r:id="rId4" imgW="2235200" imgH="469900" progId="Equation.DSMT4">
-                  <p:embed/>
-                </p:oleObj>
-              </mc:Choice>
-              <mc:Fallback>
-                <p:oleObj name="Equation" r:id="rId4" imgW="2235200" imgH="469900" progId="Equation.DSMT4">
-                  <p:embed/>
-                  <p:pic>
-                    <p:nvPicPr>
-                      <p:cNvPr id="0" name=""/>
-                      <p:cNvPicPr/>
-                      <p:nvPr/>
-                    </p:nvPicPr>
-                    <p:blipFill>
-                      <a:blip r:embed="rId5"/>
-                      <a:stretch>
-                        <a:fillRect/>
-                      </a:stretch>
-                    </p:blipFill>
-                    <p:spPr>
-                      <a:xfrm>
-                        <a:off x="257175" y="2223840"/>
-                        <a:ext cx="8601075" cy="1804988"/>
-                      </a:xfrm>
-                      <a:prstGeom prst="rect">
-                        <a:avLst/>
-                      </a:prstGeom>
-                    </p:spPr>
-                  </p:pic>
-                </p:oleObj>
-              </mc:Fallback>
-            </mc:AlternateContent>
-          </a:graphicData>
-        </a:graphic>
-      </p:graphicFrame>
-      <p:graphicFrame>
-        <p:nvGraphicFramePr>
-          <p:cNvPr id="4" name="Object 3"/>
-          <p:cNvGraphicFramePr>
-            <a:graphicFrameLocks noChangeAspect="1"/>
-          </p:cNvGraphicFramePr>
-          <p:nvPr>
-            <p:extLst>
-              <p:ext uri="{D42A27DB-BD31-4B8C-83A1-F6EECF244321}">
-                <p14:modId xmlns:p14="http://schemas.microsoft.com/office/powerpoint/2010/main" val="347277173"/>
-              </p:ext>
-            </p:extLst>
-          </p:nvPr>
-        </p:nvGraphicFramePr>
-        <p:xfrm>
-          <a:off x="1416433" y="3712366"/>
-          <a:ext cx="6569619" cy="1841484"/>
-        </p:xfrm>
-        <a:graphic>
-          <a:graphicData uri="http://schemas.openxmlformats.org/presentationml/2006/ole">
-            <mc:AlternateContent xmlns:mc="http://schemas.openxmlformats.org/markup-compatibility/2006">
-              <mc:Choice xmlns:v="urn:schemas-microsoft-com:vml" Requires="v">
-                <p:oleObj spid="_x0000_s357406" name="Equation" r:id="rId6" imgW="1676400" imgH="469900" progId="Equation.DSMT4">
-                  <p:embed/>
-                </p:oleObj>
-              </mc:Choice>
-              <mc:Fallback>
-                <p:oleObj name="Equation" r:id="rId6" imgW="1676400" imgH="469900" progId="Equation.DSMT4">
-                  <p:embed/>
-                  <p:pic>
-                    <p:nvPicPr>
-                      <p:cNvPr id="0" name=""/>
-                      <p:cNvPicPr/>
-                      <p:nvPr/>
-                    </p:nvPicPr>
-                    <p:blipFill>
-                      <a:blip r:embed="rId7"/>
-                      <a:stretch>
-                        <a:fillRect/>
-                      </a:stretch>
-                    </p:blipFill>
-                    <p:spPr>
-                      <a:xfrm>
-                        <a:off x="1416433" y="3712366"/>
-                        <a:ext cx="6569619" cy="1841484"/>
-                      </a:xfrm>
-                      <a:prstGeom prst="rect">
-                        <a:avLst/>
-                      </a:prstGeom>
-                    </p:spPr>
-                  </p:pic>
-                </p:oleObj>
-              </mc:Fallback>
-            </mc:AlternateContent>
-          </a:graphicData>
-        </a:graphic>
-      </p:graphicFrame>
-    </p:spTree>
-    <p:extLst>
-      <p:ext uri="{BB962C8B-B14F-4D97-AF65-F5344CB8AC3E}">
-        <p14:creationId xmlns:p14="http://schemas.microsoft.com/office/powerpoint/2010/main" val="1157574657"/>
-      </p:ext>
-    </p:extLst>
-  </p:cSld>
-  <p:clrMapOvr>
-    <a:masterClrMapping/>
-  </p:clrMapOvr>
-  <mc:AlternateContent xmlns:mc="http://schemas.openxmlformats.org/markup-compatibility/2006" xmlns:p14="http://schemas.microsoft.com/office/powerpoint/2010/main">
-    <mc:Choice Requires="p14">
-      <p:transition spd="slow" p14:dur="900" advClick="0">
-        <p:fade/>
-      </p:transition>
-    </mc:Choice>
-    <mc:Fallback xmlns="">
-      <p:transition xmlns:p14="http://schemas.microsoft.com/office/powerpoint/2010/main" spd="slow" advClick="0">
-        <p:fade/>
-      </p:transition>
-    </mc:Fallback>
-  </mc:AlternateContent>
-  <p:timing>
-    <p:tnLst>
-      <p:par>
-        <p:cTn xmlns:p14="http://schemas.microsoft.com/office/powerpoint/2010/main" id="1" dur="indefinite" restart="never" nodeType="tmRoot">
-          <p:childTnLst>
-            <p:seq concurrent="1" nextAc="seek">
-              <p:cTn id="2" dur="indefinite" nodeType="mainSeq">
-                <p:childTnLst>
-                  <p:par>
-                    <p:cTn id="3" fill="hold">
-                      <p:stCondLst>
-                        <p:cond delay="indefinite"/>
-                      </p:stCondLst>
-                      <p:childTnLst>
-                        <p:par>
-                          <p:cTn id="4" fill="hold">
-                            <p:stCondLst>
-                              <p:cond delay="0"/>
-                            </p:stCondLst>
-                            <p:childTnLst>
-                              <p:par>
-                                <p:cTn id="5" presetID="9" presetClass="entr" presetSubtype="0" fill="hold" nodeType="clickEffect">
-                                  <p:stCondLst>
-                                    <p:cond delay="0"/>
-                                  </p:stCondLst>
-                                  <p:childTnLst>
-                                    <p:set>
-                                      <p:cBhvr>
-                                        <p:cTn id="6" dur="1" fill="hold">
-                                          <p:stCondLst>
-                                            <p:cond delay="0"/>
-                                          </p:stCondLst>
-                                        </p:cTn>
-                                        <p:tgtEl>
-                                          <p:spTgt spid="4"/>
-                                        </p:tgtEl>
-                                        <p:attrNameLst>
-                                          <p:attrName>style.visibility</p:attrName>
-                                        </p:attrNameLst>
-                                      </p:cBhvr>
-                                      <p:to>
-                                        <p:strVal val="visible"/>
-                                      </p:to>
-                                    </p:set>
-                                    <p:animEffect transition="in" filter="dissolve">
-                                      <p:cBhvr>
-                                        <p:cTn id="7" dur="1000"/>
-                                        <p:tgtEl>
-                                          <p:spTgt spid="4"/>
-                                        </p:tgtEl>
-                                      </p:cBhvr>
-                                    </p:animEffect>
-                                  </p:childTnLst>
-                                </p:cTn>
-                              </p:par>
-                            </p:childTnLst>
-                          </p:cTn>
-                        </p:par>
-                      </p:childTnLst>
-                    </p:cTn>
-                  </p:par>
-                </p:childTnLst>
-              </p:cTn>
-              <p:prevCondLst>
-                <p:cond evt="onPrev" delay="0">
-                  <p:tgtEl>
-                    <p:sldTgt/>
-                  </p:tgtEl>
-                </p:cond>
-              </p:prevCondLst>
-              <p:nextCondLst>
-                <p:cond evt="onNext" delay="0">
-                  <p:tgtEl>
-                    <p:sldTgt/>
-                  </p:tgtEl>
-                </p:cond>
-              </p:nextCondLst>
-            </p:seq>
-          </p:childTnLst>
-        </p:cTn>
-      </p:par>
-    </p:tnLst>
-  </p:timing>
-</p:sld>
-</file>
-
-<file path=ppt/slides/slide9.xml><?xml version="1.0" encoding="utf-8"?>
-<p:sld xmlns:a="http://schemas.openxmlformats.org/drawingml/2006/main" xmlns:r="http://schemas.openxmlformats.org/officeDocument/2006/relationships" xmlns:p="http://schemas.openxmlformats.org/presentationml/2006/main">
-  <p:cSld>
-    <p:spTree>
-      <p:nvGrpSpPr>
-        <p:cNvPr id="1" name=""/>
-        <p:cNvGrpSpPr/>
-        <p:nvPr/>
-      </p:nvGrpSpPr>
-      <p:grpSpPr>
-        <a:xfrm>
-          <a:off x="0" y="0"/>
-          <a:ext cx="0" cy="0"/>
-          <a:chOff x="0" y="0"/>
-          <a:chExt cx="0" cy="0"/>
-        </a:xfrm>
-      </p:grpSpPr>
-      <p:sp>
-        <p:nvSpPr>
-          <p:cNvPr id="20" name="Slide Number Placeholder 3"/>
-          <p:cNvSpPr>
-            <a:spLocks noGrp="1"/>
-          </p:cNvSpPr>
-          <p:nvPr>
-            <p:ph type="sldNum" sz="quarter" idx="4"/>
-          </p:nvPr>
-        </p:nvSpPr>
-        <p:spPr>
-          <a:xfrm>
-            <a:off x="7696200" y="6629400"/>
-            <a:ext cx="1447800" cy="228600"/>
-          </a:xfrm>
-        </p:spPr>
-        <p:txBody>
-          <a:bodyPr/>
-          <a:lstStyle/>
-          <a:p>
-            <a:pPr>
-              <a:defRPr/>
-            </a:pPr>
-            <a:r>
-              <a:rPr lang="en-US" dirty="0" err="1" smtClean="0"/>
-              <a:t>totalprob</a:t>
-            </a:r>
-            <a:r>
-              <a:rPr lang="en-US" dirty="0" smtClean="0"/>
-              <a:t>.</a:t>
-            </a:r>
-            <a:fld id="{EAD82470-6C7C-49DD-8212-C557C8A87E2B}" type="slidenum">
-              <a:rPr lang="en-US" smtClean="0"/>
-              <a:pPr>
-                <a:defRPr/>
-              </a:pPr>
-              <a:t>9</a:t>
-            </a:fld>
-            <a:endParaRPr lang="en-US" dirty="0"/>
-          </a:p>
-        </p:txBody>
-      </p:sp>
-      <p:cxnSp>
-        <p:nvCxnSpPr>
-          <p:cNvPr id="30727" name="AutoShape 21"/>
-          <p:cNvCxnSpPr>
-            <a:cxnSpLocks noChangeShapeType="1"/>
-          </p:cNvCxnSpPr>
-          <p:nvPr/>
-        </p:nvCxnSpPr>
-        <p:spPr bwMode="auto">
-          <a:xfrm>
-            <a:off x="1219200" y="3543300"/>
-            <a:ext cx="0" cy="0"/>
-          </a:xfrm>
-          <a:prstGeom prst="straightConnector1">
-            <a:avLst/>
-          </a:prstGeom>
-          <a:noFill/>
-          <a:ln w="9525">
-            <a:solidFill>
-              <a:schemeClr val="tx1"/>
-            </a:solidFill>
-            <a:round/>
-            <a:headEnd/>
-            <a:tailEnd/>
-          </a:ln>
-        </p:spPr>
-      </p:cxnSp>
-      <p:sp>
-        <p:nvSpPr>
-          <p:cNvPr id="39" name="Rectangle 4"/>
-          <p:cNvSpPr txBox="1">
-            <a:spLocks noChangeArrowheads="1"/>
-          </p:cNvSpPr>
-          <p:nvPr/>
-        </p:nvSpPr>
-        <p:spPr bwMode="auto">
-          <a:xfrm>
-            <a:off x="7696200" y="6629400"/>
-            <a:ext cx="1447800" cy="228600"/>
-          </a:xfrm>
-          <a:prstGeom prst="rect">
-            <a:avLst/>
-          </a:prstGeom>
-          <a:noFill/>
-          <a:ln w="9525">
-            <a:noFill/>
-            <a:miter lim="800000"/>
-            <a:headEnd/>
-            <a:tailEnd/>
-          </a:ln>
-          <a:effectLst/>
-        </p:spPr>
-        <p:txBody>
-          <a:bodyPr vert="horz" wrap="square" lIns="91440" tIns="45720" rIns="91440" bIns="45720" numCol="1" anchor="t" anchorCtr="0" compatLnSpc="1">
-            <a:prstTxWarp prst="textNoShape">
-              <a:avLst/>
-            </a:prstTxWarp>
-          </a:bodyPr>
-          <a:lstStyle>
-            <a:lvl1pPr algn="r">
-              <a:defRPr sz="1200" dirty="0" err="1" smtClean="0">
-                <a:latin typeface="+mn-lt"/>
-              </a:defRPr>
-            </a:lvl1pPr>
-          </a:lstStyle>
-          <a:p>
-            <a:pPr marL="0" marR="0" lvl="0" indent="0" algn="r" defTabSz="914400" rtl="0" eaLnBrk="1" fontAlgn="base" latinLnBrk="0" hangingPunct="1">
-              <a:lnSpc>
-                <a:spcPct val="100000"/>
-              </a:lnSpc>
-              <a:spcBef>
-                <a:spcPct val="0"/>
-              </a:spcBef>
-              <a:spcAft>
-                <a:spcPct val="0"/>
-              </a:spcAft>
-              <a:buClrTx/>
-              <a:buSzTx/>
-              <a:buFontTx/>
-              <a:buNone/>
-              <a:tabLst/>
-              <a:defRPr/>
-            </a:pPr>
-            <a:r>
-              <a:rPr kumimoji="0" lang="en-US" sz="1200" b="0" i="0" u="none" strike="noStrike" kern="1200" cap="none" spc="0" normalizeH="0" baseline="0" noProof="0" dirty="0" err="1" smtClean="0">
-                <a:ln>
-                  <a:noFill/>
-                </a:ln>
-                <a:solidFill>
-                  <a:schemeClr val="tx1"/>
-                </a:solidFill>
-                <a:effectLst/>
-                <a:uLnTx/>
-                <a:uFillTx/>
-                <a:latin typeface="+mn-lt"/>
-                <a:ea typeface="+mn-ea"/>
-                <a:cs typeface="+mn-cs"/>
-              </a:rPr>
-              <a:t>totalprob</a:t>
-            </a:r>
-            <a:r>
-              <a:rPr kumimoji="0" lang="en-US" sz="1200" b="0" i="0" u="none" strike="noStrike" kern="1200" cap="none" spc="0" normalizeH="0" baseline="0" noProof="0" dirty="0" smtClean="0">
-                <a:ln>
-                  <a:noFill/>
-                </a:ln>
-                <a:solidFill>
-                  <a:schemeClr val="tx1"/>
-                </a:solidFill>
-                <a:effectLst/>
-                <a:uLnTx/>
-                <a:uFillTx/>
-                <a:latin typeface="+mn-lt"/>
-                <a:ea typeface="+mn-ea"/>
-                <a:cs typeface="+mn-cs"/>
-              </a:rPr>
-              <a:t>.</a:t>
-            </a:r>
-            <a:fld id="{B9A0B45D-6AFD-413C-B761-B121FB8BE940}" type="slidenum">
-              <a:rPr kumimoji="0" lang="en-US" sz="1200" b="0" i="0" u="none" strike="noStrike" kern="1200" cap="none" spc="0" normalizeH="0" baseline="0" noProof="0" smtClean="0">
-                <a:ln>
-                  <a:noFill/>
-                </a:ln>
-                <a:solidFill>
-                  <a:schemeClr val="tx1"/>
-                </a:solidFill>
-                <a:effectLst/>
-                <a:uLnTx/>
-                <a:uFillTx/>
-                <a:latin typeface="+mn-lt"/>
-                <a:ea typeface="+mn-ea"/>
-                <a:cs typeface="+mn-cs"/>
-              </a:rPr>
-              <a:pPr marL="0" marR="0" lvl="0" indent="0" algn="r" defTabSz="914400" rtl="0" eaLnBrk="1" fontAlgn="base" latinLnBrk="0" hangingPunct="1">
-                <a:lnSpc>
-                  <a:spcPct val="100000"/>
-                </a:lnSpc>
-                <a:spcBef>
-                  <a:spcPct val="0"/>
-                </a:spcBef>
-                <a:spcAft>
-                  <a:spcPct val="0"/>
-                </a:spcAft>
-                <a:buClrTx/>
-                <a:buSzTx/>
-                <a:buFontTx/>
-                <a:buNone/>
-                <a:tabLst/>
-                <a:defRPr/>
-              </a:pPr>
-              <a:t>9</a:t>
-            </a:fld>
-            <a:endParaRPr kumimoji="0" lang="en-US" sz="1200" b="0" i="0" u="none" strike="noStrike" kern="1200" cap="none" spc="0" normalizeH="0" baseline="0" noProof="0" dirty="0">
-              <a:ln>
-                <a:noFill/>
-              </a:ln>
-              <a:solidFill>
-                <a:schemeClr val="tx1"/>
-              </a:solidFill>
-              <a:effectLst/>
-              <a:uLnTx/>
-              <a:uFillTx/>
-              <a:latin typeface="+mn-lt"/>
-              <a:ea typeface="+mn-ea"/>
-              <a:cs typeface="+mn-cs"/>
-            </a:endParaRPr>
-          </a:p>
-        </p:txBody>
-      </p:sp>
-      <p:graphicFrame>
-        <p:nvGraphicFramePr>
-          <p:cNvPr id="11" name="Object 10"/>
-          <p:cNvGraphicFramePr>
-            <a:graphicFrameLocks noChangeAspect="1"/>
-          </p:cNvGraphicFramePr>
-          <p:nvPr>
-            <p:extLst>
-              <p:ext uri="{D42A27DB-BD31-4B8C-83A1-F6EECF244321}">
-                <p14:modId xmlns:p14="http://schemas.microsoft.com/office/powerpoint/2010/main" val="2397531166"/>
-              </p:ext>
-            </p:extLst>
-          </p:nvPr>
-        </p:nvGraphicFramePr>
-        <p:xfrm>
-          <a:off x="377015" y="1298970"/>
-          <a:ext cx="8315689" cy="1570125"/>
-        </p:xfrm>
-        <a:graphic>
-          <a:graphicData uri="http://schemas.openxmlformats.org/presentationml/2006/ole">
-            <mc:AlternateContent xmlns:mc="http://schemas.openxmlformats.org/markup-compatibility/2006">
-              <mc:Choice xmlns:v="urn:schemas-microsoft-com:vml" Requires="v">
-                <p:oleObj spid="_x0000_s354366" name="Equation" r:id="rId4" imgW="2413000" imgH="457200" progId="Equation.DSMT4">
-                  <p:embed/>
-                </p:oleObj>
-              </mc:Choice>
-              <mc:Fallback>
-                <p:oleObj name="Equation" r:id="rId4" imgW="2413000" imgH="457200" progId="Equation.DSMT4">
-                  <p:embed/>
-                  <p:pic>
-                    <p:nvPicPr>
-                      <p:cNvPr id="0" name=""/>
-                      <p:cNvPicPr/>
-                      <p:nvPr/>
-                    </p:nvPicPr>
-                    <p:blipFill>
-                      <a:blip r:embed="rId5"/>
-                      <a:stretch>
-                        <a:fillRect/>
-                      </a:stretch>
-                    </p:blipFill>
-                    <p:spPr>
-                      <a:xfrm>
-                        <a:off x="377015" y="1298970"/>
-                        <a:ext cx="8315689" cy="1570125"/>
-                      </a:xfrm>
-                      <a:prstGeom prst="rect">
-                        <a:avLst/>
-                      </a:prstGeom>
-                    </p:spPr>
-                  </p:pic>
-                </p:oleObj>
-              </mc:Fallback>
-            </mc:AlternateContent>
-          </a:graphicData>
-        </a:graphic>
-      </p:graphicFrame>
-      <p:graphicFrame>
-        <p:nvGraphicFramePr>
-          <p:cNvPr id="12" name="Object 11"/>
-          <p:cNvGraphicFramePr>
-            <a:graphicFrameLocks noChangeAspect="1"/>
-          </p:cNvGraphicFramePr>
-          <p:nvPr>
-            <p:extLst>
-              <p:ext uri="{D42A27DB-BD31-4B8C-83A1-F6EECF244321}">
-                <p14:modId xmlns:p14="http://schemas.microsoft.com/office/powerpoint/2010/main" val="2414317929"/>
-              </p:ext>
-            </p:extLst>
-          </p:nvPr>
-        </p:nvGraphicFramePr>
-        <p:xfrm>
-          <a:off x="623888" y="2922588"/>
-          <a:ext cx="7458075" cy="1647825"/>
-        </p:xfrm>
-        <a:graphic>
-          <a:graphicData uri="http://schemas.openxmlformats.org/presentationml/2006/ole">
-            <mc:AlternateContent xmlns:mc="http://schemas.openxmlformats.org/markup-compatibility/2006">
-              <mc:Choice xmlns:v="urn:schemas-microsoft-com:vml" Requires="v">
-                <p:oleObj spid="_x0000_s354367" name="Equation" r:id="rId6" imgW="2235200" imgH="495300" progId="Equation.DSMT4">
-                  <p:embed/>
-                </p:oleObj>
-              </mc:Choice>
-              <mc:Fallback>
-                <p:oleObj name="Equation" r:id="rId6" imgW="2235200" imgH="495300" progId="Equation.DSMT4">
-                  <p:embed/>
-                  <p:pic>
-                    <p:nvPicPr>
-                      <p:cNvPr id="0" name=""/>
-                      <p:cNvPicPr/>
-                      <p:nvPr/>
-                    </p:nvPicPr>
-                    <p:blipFill>
-                      <a:blip r:embed="rId7"/>
-                      <a:stretch>
-                        <a:fillRect/>
-                      </a:stretch>
-                    </p:blipFill>
-                    <p:spPr>
-                      <a:xfrm>
-                        <a:off x="623888" y="2922588"/>
-                        <a:ext cx="7458075" cy="1647825"/>
-                      </a:xfrm>
-                      <a:prstGeom prst="rect">
-                        <a:avLst/>
-                      </a:prstGeom>
-                    </p:spPr>
-                  </p:pic>
-                </p:oleObj>
-              </mc:Fallback>
-            </mc:AlternateContent>
-          </a:graphicData>
-        </a:graphic>
-      </p:graphicFrame>
-      <p:sp>
-        <p:nvSpPr>
-          <p:cNvPr id="13" name="Rectangle 4"/>
-          <p:cNvSpPr txBox="1">
-            <a:spLocks noChangeArrowheads="1"/>
-          </p:cNvSpPr>
-          <p:nvPr/>
-        </p:nvSpPr>
-        <p:spPr bwMode="auto">
-          <a:xfrm>
-            <a:off x="1447800" y="381000"/>
-            <a:ext cx="6553200" cy="838200"/>
-          </a:xfrm>
-          <a:prstGeom prst="rect">
-            <a:avLst/>
-          </a:prstGeom>
-          <a:noFill/>
-          <a:ln w="9525">
-            <a:noFill/>
-            <a:miter lim="800000"/>
-            <a:headEnd/>
-            <a:tailEnd/>
-          </a:ln>
-        </p:spPr>
-        <p:txBody>
-          <a:bodyPr vert="horz" wrap="square" lIns="91440" tIns="45720" rIns="91440" bIns="45720" numCol="1" anchor="ctr" anchorCtr="0" compatLnSpc="1">
-            <a:prstTxWarp prst="textNoShape">
-              <a:avLst/>
-            </a:prstTxWarp>
-          </a:bodyPr>
-          <a:lstStyle>
-            <a:lvl1pPr algn="ctr" rtl="0" eaLnBrk="0" fontAlgn="base" hangingPunct="0">
-              <a:spcBef>
-                <a:spcPct val="0"/>
-              </a:spcBef>
-              <a:spcAft>
-                <a:spcPct val="0"/>
-              </a:spcAft>
-              <a:defRPr sz="3200" b="1">
-                <a:solidFill>
-                  <a:schemeClr val="tx2"/>
-                </a:solidFill>
-                <a:latin typeface="+mj-lt"/>
-                <a:ea typeface="+mj-ea"/>
-                <a:cs typeface="+mj-cs"/>
-              </a:defRPr>
-            </a:lvl1pPr>
-            <a:lvl2pPr algn="ctr" rtl="0" eaLnBrk="0" fontAlgn="base" hangingPunct="0">
-              <a:spcBef>
-                <a:spcPct val="0"/>
-              </a:spcBef>
-              <a:spcAft>
-                <a:spcPct val="0"/>
-              </a:spcAft>
-              <a:defRPr sz="3600" b="1">
-                <a:solidFill>
-                  <a:schemeClr val="tx2"/>
-                </a:solidFill>
-                <a:latin typeface="Comic Sans MS" pitchFamily="66" charset="0"/>
-              </a:defRPr>
-            </a:lvl2pPr>
-            <a:lvl3pPr algn="ctr" rtl="0" eaLnBrk="0" fontAlgn="base" hangingPunct="0">
-              <a:spcBef>
-                <a:spcPct val="0"/>
-              </a:spcBef>
-              <a:spcAft>
-                <a:spcPct val="0"/>
-              </a:spcAft>
-              <a:defRPr sz="3600" b="1">
-                <a:solidFill>
-                  <a:schemeClr val="tx2"/>
-                </a:solidFill>
-                <a:latin typeface="Comic Sans MS" pitchFamily="66" charset="0"/>
-              </a:defRPr>
-            </a:lvl3pPr>
-            <a:lvl4pPr algn="ctr" rtl="0" eaLnBrk="0" fontAlgn="base" hangingPunct="0">
-              <a:spcBef>
-                <a:spcPct val="0"/>
-              </a:spcBef>
-              <a:spcAft>
-                <a:spcPct val="0"/>
-              </a:spcAft>
-              <a:defRPr sz="3600" b="1">
-                <a:solidFill>
-                  <a:schemeClr val="tx2"/>
-                </a:solidFill>
-                <a:latin typeface="Comic Sans MS" pitchFamily="66" charset="0"/>
-              </a:defRPr>
-            </a:lvl4pPr>
-            <a:lvl5pPr algn="ctr" rtl="0" eaLnBrk="0" fontAlgn="base" hangingPunct="0">
-              <a:spcBef>
-                <a:spcPct val="0"/>
-              </a:spcBef>
-              <a:spcAft>
-                <a:spcPct val="0"/>
-              </a:spcAft>
-              <a:defRPr sz="3600" b="1">
-                <a:solidFill>
-                  <a:schemeClr val="tx2"/>
-                </a:solidFill>
-                <a:latin typeface="Comic Sans MS" pitchFamily="66" charset="0"/>
-              </a:defRPr>
-            </a:lvl5pPr>
-            <a:lvl6pPr marL="457200" algn="ctr" rtl="0" fontAlgn="base">
-              <a:spcBef>
-                <a:spcPct val="0"/>
-              </a:spcBef>
-              <a:spcAft>
-                <a:spcPct val="0"/>
-              </a:spcAft>
-              <a:defRPr sz="3600" b="1">
-                <a:solidFill>
-                  <a:schemeClr val="tx2"/>
-                </a:solidFill>
-                <a:latin typeface="Comic Sans MS" pitchFamily="66" charset="0"/>
-              </a:defRPr>
-            </a:lvl6pPr>
-            <a:lvl7pPr marL="914400" algn="ctr" rtl="0" fontAlgn="base">
-              <a:spcBef>
-                <a:spcPct val="0"/>
-              </a:spcBef>
-              <a:spcAft>
-                <a:spcPct val="0"/>
-              </a:spcAft>
-              <a:defRPr sz="3600" b="1">
-                <a:solidFill>
-                  <a:schemeClr val="tx2"/>
-                </a:solidFill>
-                <a:latin typeface="Comic Sans MS" pitchFamily="66" charset="0"/>
-              </a:defRPr>
-            </a:lvl7pPr>
-            <a:lvl8pPr marL="1371600" algn="ctr" rtl="0" fontAlgn="base">
-              <a:spcBef>
-                <a:spcPct val="0"/>
-              </a:spcBef>
-              <a:spcAft>
-                <a:spcPct val="0"/>
-              </a:spcAft>
-              <a:defRPr sz="3600" b="1">
-                <a:solidFill>
-                  <a:schemeClr val="tx2"/>
-                </a:solidFill>
-                <a:latin typeface="Comic Sans MS" pitchFamily="66" charset="0"/>
-              </a:defRPr>
-            </a:lvl8pPr>
-            <a:lvl9pPr marL="1828800" algn="ctr" rtl="0" fontAlgn="base">
-              <a:spcBef>
-                <a:spcPct val="0"/>
-              </a:spcBef>
-              <a:spcAft>
-                <a:spcPct val="0"/>
-              </a:spcAft>
-              <a:defRPr sz="3600" b="1">
-                <a:solidFill>
-                  <a:schemeClr val="tx2"/>
-                </a:solidFill>
-                <a:latin typeface="Comic Sans MS" pitchFamily="66" charset="0"/>
-              </a:defRPr>
-            </a:lvl9pPr>
-          </a:lstStyle>
-          <a:p>
-            <a:pPr eaLnBrk="1" hangingPunct="1"/>
-            <a:r>
-              <a:rPr lang="en-US" sz="4000" smtClean="0">
-                <a:solidFill>
-                  <a:schemeClr val="tx1"/>
-                </a:solidFill>
-              </a:rPr>
-              <a:t>TB testing by cases</a:t>
-            </a:r>
-            <a:endParaRPr lang="en-US" sz="4000" dirty="0" smtClean="0">
-              <a:solidFill>
-                <a:schemeClr val="tx1"/>
-              </a:solidFill>
-            </a:endParaRPr>
-          </a:p>
-        </p:txBody>
-      </p:sp>
-      <p:graphicFrame>
-        <p:nvGraphicFramePr>
-          <p:cNvPr id="4" name="Object 3"/>
-          <p:cNvGraphicFramePr>
-            <a:graphicFrameLocks noChangeAspect="1"/>
-          </p:cNvGraphicFramePr>
-          <p:nvPr>
-            <p:extLst>
-              <p:ext uri="{D42A27DB-BD31-4B8C-83A1-F6EECF244321}">
-                <p14:modId xmlns:p14="http://schemas.microsoft.com/office/powerpoint/2010/main" val="651920812"/>
-              </p:ext>
-            </p:extLst>
-          </p:nvPr>
-        </p:nvGraphicFramePr>
-        <p:xfrm>
-          <a:off x="1723919" y="4327597"/>
-          <a:ext cx="1582074" cy="1626020"/>
-        </p:xfrm>
-        <a:graphic>
-          <a:graphicData uri="http://schemas.openxmlformats.org/presentationml/2006/ole">
-            <mc:AlternateContent xmlns:mc="http://schemas.openxmlformats.org/markup-compatibility/2006">
-              <mc:Choice xmlns:v="urn:schemas-microsoft-com:vml" Requires="v">
-                <p:oleObj spid="_x0000_s354368" name="Equation" r:id="rId8" imgW="457200" imgH="469900" progId="Equation.DSMT4">
-                  <p:embed/>
-                </p:oleObj>
-              </mc:Choice>
-              <mc:Fallback>
-                <p:oleObj name="Equation" r:id="rId8" imgW="457200" imgH="469900" progId="Equation.DSMT4">
-                  <p:embed/>
-                  <p:pic>
-                    <p:nvPicPr>
-                      <p:cNvPr id="0" name=""/>
-                      <p:cNvPicPr/>
-                      <p:nvPr/>
-                    </p:nvPicPr>
-                    <p:blipFill>
-                      <a:blip r:embed="rId9"/>
-                      <a:stretch>
-                        <a:fillRect/>
-                      </a:stretch>
-                    </p:blipFill>
-                    <p:spPr>
-                      <a:xfrm>
-                        <a:off x="1723919" y="4327597"/>
-                        <a:ext cx="1582074" cy="1626020"/>
-                      </a:xfrm>
-                      <a:prstGeom prst="rect">
-                        <a:avLst/>
-                      </a:prstGeom>
-                    </p:spPr>
-                  </p:pic>
-                </p:oleObj>
-              </mc:Fallback>
-            </mc:AlternateContent>
-          </a:graphicData>
-        </a:graphic>
-      </p:graphicFrame>
-      <p:sp>
-        <p:nvSpPr>
-          <p:cNvPr id="5" name="TextBox 4"/>
-          <p:cNvSpPr txBox="1"/>
-          <p:nvPr/>
-        </p:nvSpPr>
-        <p:spPr>
-          <a:xfrm>
-            <a:off x="3788939" y="4626813"/>
-            <a:ext cx="5009504" cy="1446550"/>
-          </a:xfrm>
-          <a:prstGeom prst="rect">
-            <a:avLst/>
-          </a:prstGeom>
-          <a:noFill/>
-        </p:spPr>
-        <p:txBody>
-          <a:bodyPr wrap="none" rtlCol="0">
-            <a:spAutoFit/>
-          </a:bodyPr>
-          <a:lstStyle/>
-          <a:p>
-            <a:pPr algn="l"/>
-            <a:r>
-              <a:rPr lang="en-US" sz="4400" dirty="0">
-                <a:latin typeface="+mj-lt"/>
-              </a:rPr>
-              <a:t>—dominated </a:t>
-            </a:r>
-            <a:r>
-              <a:rPr lang="en-US" sz="4400" dirty="0" smtClean="0">
-                <a:latin typeface="+mj-lt"/>
-              </a:rPr>
-              <a:t>by</a:t>
-            </a:r>
-          </a:p>
-          <a:p>
-            <a:pPr algn="l"/>
-            <a:r>
-              <a:rPr lang="en-US" sz="4400" dirty="0" smtClean="0">
-                <a:latin typeface="+mj-lt"/>
-              </a:rPr>
-              <a:t>false positive rate</a:t>
-            </a:r>
-          </a:p>
-        </p:txBody>
-      </p:sp>
-    </p:spTree>
-    <p:extLst>
-      <p:ext uri="{BB962C8B-B14F-4D97-AF65-F5344CB8AC3E}">
-        <p14:creationId xmlns:p14="http://schemas.microsoft.com/office/powerpoint/2010/main" val="673556320"/>
-      </p:ext>
-    </p:extLst>
-  </p:cSld>
-  <p:clrMapOvr>
-    <a:masterClrMapping/>
-  </p:clrMapOvr>
-  <mc:AlternateContent xmlns:mc="http://schemas.openxmlformats.org/markup-compatibility/2006" xmlns:p14="http://schemas.microsoft.com/office/powerpoint/2010/main">
-    <mc:Choice Requires="p14">
-      <p:transition spd="slow" p14:dur="900" advClick="0">
-        <p:fade/>
-      </p:transition>
-    </mc:Choice>
-    <mc:Fallback xmlns="">
-      <p:transition xmlns:p14="http://schemas.microsoft.com/office/powerpoint/2010/main" spd="slow" advClick="0">
-        <p:fade/>
-      </p:transition>
-    </mc:Fallback>
-  </mc:AlternateContent>
-  <p:timing>
-    <p:tnLst>
-      <p:par>
-        <p:cTn xmlns:p14="http://schemas.microsoft.com/office/powerpoint/2010/main" id="1" dur="indefinite" restart="never" nodeType="tmRoot">
-          <p:childTnLst>
-            <p:seq concurrent="1" nextAc="seek">
-              <p:cTn id="2" dur="indefinite" nodeType="mainSeq">
-                <p:childTnLst>
-                  <p:par>
-                    <p:cTn id="3" fill="hold">
-                      <p:stCondLst>
-                        <p:cond delay="indefinite"/>
-                      </p:stCondLst>
-                      <p:childTnLst>
-                        <p:par>
-                          <p:cTn id="4" fill="hold">
-                            <p:stCondLst>
-                              <p:cond delay="0"/>
-                            </p:stCondLst>
-                            <p:childTnLst>
-                              <p:par>
-                                <p:cTn id="5" presetID="22" presetClass="entr" presetSubtype="1" fill="hold" nodeType="clickEffect">
-                                  <p:stCondLst>
-                                    <p:cond delay="0"/>
-                                  </p:stCondLst>
-                                  <p:childTnLst>
-                                    <p:set>
-                                      <p:cBhvr>
-                                        <p:cTn id="6" dur="1" fill="hold">
-                                          <p:stCondLst>
-                                            <p:cond delay="0"/>
-                                          </p:stCondLst>
-                                        </p:cTn>
-                                        <p:tgtEl>
-                                          <p:spTgt spid="11"/>
-                                        </p:tgtEl>
-                                        <p:attrNameLst>
-                                          <p:attrName>style.visibility</p:attrName>
-                                        </p:attrNameLst>
-                                      </p:cBhvr>
-                                      <p:to>
-                                        <p:strVal val="visible"/>
-                                      </p:to>
-                                    </p:set>
-                                    <p:animEffect transition="in" filter="wipe(up)">
-                                      <p:cBhvr>
-                                        <p:cTn id="7" dur="1000"/>
-                                        <p:tgtEl>
-                                          <p:spTgt spid="11"/>
-                                        </p:tgtEl>
-                                      </p:cBhvr>
-                                    </p:animEffect>
-                                  </p:childTnLst>
-                                </p:cTn>
-                              </p:par>
-                            </p:childTnLst>
-                          </p:cTn>
-                        </p:par>
-                      </p:childTnLst>
-                    </p:cTn>
-                  </p:par>
-                  <p:par>
-                    <p:cTn id="8" fill="hold">
-                      <p:stCondLst>
-                        <p:cond delay="indefinite"/>
-                      </p:stCondLst>
-                      <p:childTnLst>
-                        <p:par>
-                          <p:cTn id="9" fill="hold">
-                            <p:stCondLst>
-                              <p:cond delay="0"/>
-                            </p:stCondLst>
-                            <p:childTnLst>
-                              <p:par>
-                                <p:cTn id="10" presetID="22" presetClass="entr" presetSubtype="8" fill="hold" nodeType="clickEffect">
-                                  <p:stCondLst>
-                                    <p:cond delay="0"/>
-                                  </p:stCondLst>
-                                  <p:childTnLst>
-                                    <p:set>
-                                      <p:cBhvr>
-                                        <p:cTn id="11" dur="1" fill="hold">
-                                          <p:stCondLst>
-                                            <p:cond delay="0"/>
-                                          </p:stCondLst>
-                                        </p:cTn>
-                                        <p:tgtEl>
-                                          <p:spTgt spid="12"/>
-                                        </p:tgtEl>
-                                        <p:attrNameLst>
-                                          <p:attrName>style.visibility</p:attrName>
-                                        </p:attrNameLst>
-                                      </p:cBhvr>
-                                      <p:to>
-                                        <p:strVal val="visible"/>
-                                      </p:to>
-                                    </p:set>
-                                    <p:animEffect transition="in" filter="wipe(left)">
-                                      <p:cBhvr>
-                                        <p:cTn id="12" dur="1000"/>
-                                        <p:tgtEl>
-                                          <p:spTgt spid="12"/>
-                                        </p:tgtEl>
-                                      </p:cBhvr>
-                                    </p:animEffect>
-                                  </p:childTnLst>
-                                </p:cTn>
-                              </p:par>
-                            </p:childTnLst>
-                          </p:cTn>
-                        </p:par>
-                      </p:childTnLst>
-                    </p:cTn>
-                  </p:par>
-                  <p:par>
-                    <p:cTn id="13" fill="hold">
-                      <p:stCondLst>
-                        <p:cond delay="indefinite"/>
-                      </p:stCondLst>
-                      <p:childTnLst>
-                        <p:par>
-                          <p:cTn id="14" fill="hold">
-                            <p:stCondLst>
-                              <p:cond delay="0"/>
-                            </p:stCondLst>
-                            <p:childTnLst>
-                              <p:par>
-                                <p:cTn id="15" presetID="10" presetClass="entr" presetSubtype="0" fill="hold" nodeType="clickEffect">
-                                  <p:stCondLst>
-                                    <p:cond delay="0"/>
-                                  </p:stCondLst>
-                                  <p:childTnLst>
-                                    <p:set>
-                                      <p:cBhvr>
-                                        <p:cTn id="16" dur="1" fill="hold">
-                                          <p:stCondLst>
-                                            <p:cond delay="0"/>
-                                          </p:stCondLst>
-                                        </p:cTn>
-                                        <p:tgtEl>
-                                          <p:spTgt spid="4"/>
-                                        </p:tgtEl>
-                                        <p:attrNameLst>
-                                          <p:attrName>style.visibility</p:attrName>
-                                        </p:attrNameLst>
-                                      </p:cBhvr>
-                                      <p:to>
-                                        <p:strVal val="visible"/>
-                                      </p:to>
-                                    </p:set>
-                                    <p:animEffect transition="in" filter="fade">
-                                      <p:cBhvr>
-                                        <p:cTn id="17" dur="500"/>
-                                        <p:tgtEl>
-                                          <p:spTgt spid="4"/>
-                                        </p:tgtEl>
-                                      </p:cBhvr>
-                                    </p:animEffect>
-                                  </p:childTnLst>
-                                </p:cTn>
-                              </p:par>
-                            </p:childTnLst>
-                          </p:cTn>
-                        </p:par>
-                      </p:childTnLst>
-                    </p:cTn>
-                  </p:par>
-                  <p:par>
-                    <p:cTn id="18" fill="hold">
-                      <p:stCondLst>
-                        <p:cond delay="indefinite"/>
-                      </p:stCondLst>
-                      <p:childTnLst>
-                        <p:par>
-                          <p:cTn id="19" fill="hold">
-                            <p:stCondLst>
-                              <p:cond delay="0"/>
-                            </p:stCondLst>
-                            <p:childTnLst>
-                              <p:par>
-                                <p:cTn id="20" presetID="10" presetClass="entr" presetSubtype="0" fill="hold" grpId="0" nodeType="clickEffect">
-                                  <p:stCondLst>
-                                    <p:cond delay="0"/>
-                                  </p:stCondLst>
-                                  <p:childTnLst>
-                                    <p:set>
-                                      <p:cBhvr>
-                                        <p:cTn id="21" dur="1" fill="hold">
-                                          <p:stCondLst>
-                                            <p:cond delay="0"/>
-                                          </p:stCondLst>
-                                        </p:cTn>
-                                        <p:tgtEl>
-                                          <p:spTgt spid="5"/>
-                                        </p:tgtEl>
-                                        <p:attrNameLst>
-                                          <p:attrName>style.visibility</p:attrName>
-                                        </p:attrNameLst>
-                                      </p:cBhvr>
-                                      <p:to>
-                                        <p:strVal val="visible"/>
-                                      </p:to>
-                                    </p:set>
-                                    <p:animEffect transition="in" filter="fade">
-                                      <p:cBhvr>
-                                        <p:cTn id="22" dur="500"/>
-                                        <p:tgtEl>
-                                          <p:spTgt spid="5"/>
-                                        </p:tgtEl>
-                                      </p:cBhvr>
-                                    </p:animEffect>
-                                  </p:childTnLst>
-                                </p:cTn>
-                              </p:par>
-                            </p:childTnLst>
-                          </p:cTn>
-                        </p:par>
-                      </p:childTnLst>
-                    </p:cTn>
-                  </p:par>
-                </p:childTnLst>
-              </p:cTn>
-              <p:prevCondLst>
-                <p:cond evt="onPrev" delay="0">
-                  <p:tgtEl>
-                    <p:sldTgt/>
-                  </p:tgtEl>
-                </p:cond>
-              </p:prevCondLst>
-              <p:nextCondLst>
-                <p:cond evt="onNext" delay="0">
-                  <p:tgtEl>
-                    <p:sldTgt/>
-                  </p:tgtEl>
-                </p:cond>
-              </p:nextCondLst>
-            </p:seq>
-          </p:childTnLst>
-        </p:cTn>
-      </p:par>
-    </p:tnLst>
-    <p:bldLst>
-      <p:bldP spid="5" grpId="0"/>
     </p:bldLst>
   </p:timing>
 </p:sld>
